--- a/Dokumentacija/Presentation.pptx
+++ b/Dokumentacija/Presentation.pptx
@@ -127,7 +127,7 @@
   </p:defaultTextStyle>
   <p:extLst>
     <p:ext uri="{EFAFB233-063F-42B5-8137-9DF3F51BA10A}">
-      <p15:sldGuideLst xmlns:p15="http://schemas.microsoft.com/office/powerpoint/2012/main" xmlns="">
+      <p15:sldGuideLst xmlns:p15="http://schemas.microsoft.com/office/powerpoint/2012/main">
         <p15:guide id="1" orient="horz" pos="2160" userDrawn="1">
           <p15:clr>
             <a:srgbClr val="A4A3A4"/>
@@ -141,7 +141,7 @@
       </p15:sldGuideLst>
     </p:ext>
     <p:ext uri="{2D200454-40CA-4A62-9FC3-DE9A4176ACB9}">
-      <p15:notesGuideLst xmlns:p15="http://schemas.microsoft.com/office/powerpoint/2012/main" xmlns=""/>
+      <p15:notesGuideLst xmlns:p15="http://schemas.microsoft.com/office/powerpoint/2012/main"/>
     </p:ext>
   </p:extLst>
 </p:presentation>
@@ -174,7 +174,7 @@
           <p:cNvPr id="2" name="Header Placeholder 1">
             <a:extLst>
               <a:ext uri="{FF2B5EF4-FFF2-40B4-BE49-F238E27FC236}">
-                <a16:creationId xmlns:a16="http://schemas.microsoft.com/office/drawing/2014/main" xmlns="" id="{E62FF6B6-4F8A-40F7-B5F4-FC3996824D73}"/>
+                <a16:creationId xmlns:a16="http://schemas.microsoft.com/office/drawing/2014/main" id="{E62FF6B6-4F8A-40F7-B5F4-FC3996824D73}"/>
               </a:ext>
             </a:extLst>
           </p:cNvPr>
@@ -211,7 +211,7 @@
           <p:cNvPr id="3" name="Date Placeholder 2">
             <a:extLst>
               <a:ext uri="{FF2B5EF4-FFF2-40B4-BE49-F238E27FC236}">
-                <a16:creationId xmlns:a16="http://schemas.microsoft.com/office/drawing/2014/main" xmlns="" id="{8910A999-F365-48DF-976A-0517FE045440}"/>
+                <a16:creationId xmlns:a16="http://schemas.microsoft.com/office/drawing/2014/main" id="{8910A999-F365-48DF-976A-0517FE045440}"/>
               </a:ext>
             </a:extLst>
           </p:cNvPr>
@@ -242,7 +242,7 @@
             <a:fld id="{1CA5457B-CDAE-4DEB-AEC8-C82DE2312E37}" type="datetimeFigureOut">
               <a:rPr lang="en-US" smtClean="0"/>
               <a:pPr/>
-              <a:t>03-09-19</a:t>
+              <a:t>9/3/2019</a:t>
             </a:fld>
             <a:endParaRPr lang="en-US"/>
           </a:p>
@@ -253,7 +253,7 @@
           <p:cNvPr id="4" name="Footer Placeholder 3">
             <a:extLst>
               <a:ext uri="{FF2B5EF4-FFF2-40B4-BE49-F238E27FC236}">
-                <a16:creationId xmlns:a16="http://schemas.microsoft.com/office/drawing/2014/main" xmlns="" id="{F8735C90-ADBF-4B9E-BE88-E1C8F83EB4D2}"/>
+                <a16:creationId xmlns:a16="http://schemas.microsoft.com/office/drawing/2014/main" id="{F8735C90-ADBF-4B9E-BE88-E1C8F83EB4D2}"/>
               </a:ext>
             </a:extLst>
           </p:cNvPr>
@@ -290,7 +290,7 @@
           <p:cNvPr id="5" name="Slide Number Placeholder 4">
             <a:extLst>
               <a:ext uri="{FF2B5EF4-FFF2-40B4-BE49-F238E27FC236}">
-                <a16:creationId xmlns:a16="http://schemas.microsoft.com/office/drawing/2014/main" xmlns="" id="{82506A01-6D0A-45EF-A584-05A3361D66F7}"/>
+                <a16:creationId xmlns:a16="http://schemas.microsoft.com/office/drawing/2014/main" id="{82506A01-6D0A-45EF-A584-05A3361D66F7}"/>
               </a:ext>
             </a:extLst>
           </p:cNvPr>
@@ -330,7 +330,7 @@
     </p:spTree>
     <p:extLst>
       <p:ext uri="{BB962C8B-B14F-4D97-AF65-F5344CB8AC3E}">
-        <p14:creationId xmlns:p14="http://schemas.microsoft.com/office/powerpoint/2010/main" xmlns="" val="1059900972"/>
+        <p14:creationId xmlns:p14="http://schemas.microsoft.com/office/powerpoint/2010/main" val="1059900972"/>
       </p:ext>
     </p:extLst>
   </p:cSld>
@@ -421,7 +421,7 @@
             <a:fld id="{090B78EA-28CE-41D8-9043-90E391E5F567}" type="datetimeFigureOut">
               <a:rPr lang="en-US" noProof="0" smtClean="0"/>
               <a:pPr/>
-              <a:t>03-09-19</a:t>
+              <a:t>9/3/2019</a:t>
             </a:fld>
             <a:endParaRPr lang="en-US" noProof="0"/>
           </a:p>
@@ -589,7 +589,7 @@
     </p:spTree>
     <p:extLst>
       <p:ext uri="{BB962C8B-B14F-4D97-AF65-F5344CB8AC3E}">
-        <p14:creationId xmlns:p14="http://schemas.microsoft.com/office/powerpoint/2010/main" xmlns="" val="3827727106"/>
+        <p14:creationId xmlns:p14="http://schemas.microsoft.com/office/powerpoint/2010/main" val="3827727106"/>
       </p:ext>
     </p:extLst>
   </p:cSld>
@@ -711,7 +711,7 @@
           <p:cNvPr id="21" name="Rectangle 20">
             <a:extLst>
               <a:ext uri="{FF2B5EF4-FFF2-40B4-BE49-F238E27FC236}">
-                <a16:creationId xmlns:a16="http://schemas.microsoft.com/office/drawing/2014/main" xmlns="" id="{6E739168-A5E8-443A-B392-7AD4CF8977AD}"/>
+                <a16:creationId xmlns:a16="http://schemas.microsoft.com/office/drawing/2014/main" id="{6E739168-A5E8-443A-B392-7AD4CF8977AD}"/>
               </a:ext>
             </a:extLst>
           </p:cNvPr>
@@ -763,7 +763,7 @@
           <p:cNvPr id="7" name="Group 6">
             <a:extLst>
               <a:ext uri="{FF2B5EF4-FFF2-40B4-BE49-F238E27FC236}">
-                <a16:creationId xmlns:a16="http://schemas.microsoft.com/office/drawing/2014/main" xmlns="" id="{4CA15AFD-4983-47DD-9ED0-D3B27E5A096F}"/>
+                <a16:creationId xmlns:a16="http://schemas.microsoft.com/office/drawing/2014/main" id="{4CA15AFD-4983-47DD-9ED0-D3B27E5A096F}"/>
               </a:ext>
             </a:extLst>
           </p:cNvPr>
@@ -783,7 +783,7 @@
             <p:cNvPr id="8" name="Group 7">
               <a:extLst>
                 <a:ext uri="{FF2B5EF4-FFF2-40B4-BE49-F238E27FC236}">
-                  <a16:creationId xmlns:a16="http://schemas.microsoft.com/office/drawing/2014/main" xmlns="" id="{2222D5E2-E9B4-4180-98B8-4E514C9ADB28}"/>
+                  <a16:creationId xmlns:a16="http://schemas.microsoft.com/office/drawing/2014/main" id="{2222D5E2-E9B4-4180-98B8-4E514C9ADB28}"/>
                 </a:ext>
               </a:extLst>
             </p:cNvPr>
@@ -803,7 +803,7 @@
               <p:cNvPr id="15" name="Freeform: Shape 14">
                 <a:extLst>
                   <a:ext uri="{FF2B5EF4-FFF2-40B4-BE49-F238E27FC236}">
-                    <a16:creationId xmlns:a16="http://schemas.microsoft.com/office/drawing/2014/main" xmlns="" id="{41E10E1E-5268-4F03-BA64-07E19DE26739}"/>
+                    <a16:creationId xmlns:a16="http://schemas.microsoft.com/office/drawing/2014/main" id="{41E10E1E-5268-4F03-BA64-07E19DE26739}"/>
                   </a:ext>
                 </a:extLst>
               </p:cNvPr>
@@ -940,7 +940,7 @@
               <p:cNvPr id="16" name="Freeform: Shape 15">
                 <a:extLst>
                   <a:ext uri="{FF2B5EF4-FFF2-40B4-BE49-F238E27FC236}">
-                    <a16:creationId xmlns:a16="http://schemas.microsoft.com/office/drawing/2014/main" xmlns="" id="{B989C45D-BDFF-418F-BE79-03FF70015770}"/>
+                    <a16:creationId xmlns:a16="http://schemas.microsoft.com/office/drawing/2014/main" id="{B989C45D-BDFF-418F-BE79-03FF70015770}"/>
                   </a:ext>
                 </a:extLst>
               </p:cNvPr>
@@ -1104,7 +1104,7 @@
               <p:cNvPr id="17" name="Right Triangle 16">
                 <a:extLst>
                   <a:ext uri="{FF2B5EF4-FFF2-40B4-BE49-F238E27FC236}">
-                    <a16:creationId xmlns:a16="http://schemas.microsoft.com/office/drawing/2014/main" xmlns="" id="{8DCD5806-2A2F-4ABF-8057-245681C498E6}"/>
+                    <a16:creationId xmlns:a16="http://schemas.microsoft.com/office/drawing/2014/main" id="{8DCD5806-2A2F-4ABF-8057-245681C498E6}"/>
                   </a:ext>
                 </a:extLst>
               </p:cNvPr>
@@ -1158,7 +1158,7 @@
               <p:cNvPr id="18" name="Right Triangle 17">
                 <a:extLst>
                   <a:ext uri="{FF2B5EF4-FFF2-40B4-BE49-F238E27FC236}">
-                    <a16:creationId xmlns:a16="http://schemas.microsoft.com/office/drawing/2014/main" xmlns="" id="{3A93038F-E9E4-4FFD-B3DF-28DB7C2C1490}"/>
+                    <a16:creationId xmlns:a16="http://schemas.microsoft.com/office/drawing/2014/main" id="{3A93038F-E9E4-4FFD-B3DF-28DB7C2C1490}"/>
                   </a:ext>
                 </a:extLst>
               </p:cNvPr>
@@ -1215,7 +1215,7 @@
               <p:cNvPr id="19" name="Right Triangle 18">
                 <a:extLst>
                   <a:ext uri="{FF2B5EF4-FFF2-40B4-BE49-F238E27FC236}">
-                    <a16:creationId xmlns:a16="http://schemas.microsoft.com/office/drawing/2014/main" xmlns="" id="{5DEA1E02-BBD0-4AE3-AF22-433B90272178}"/>
+                    <a16:creationId xmlns:a16="http://schemas.microsoft.com/office/drawing/2014/main" id="{5DEA1E02-BBD0-4AE3-AF22-433B90272178}"/>
                   </a:ext>
                 </a:extLst>
               </p:cNvPr>
@@ -1269,7 +1269,7 @@
               <p:cNvPr id="20" name="Freeform: Shape 19">
                 <a:extLst>
                   <a:ext uri="{FF2B5EF4-FFF2-40B4-BE49-F238E27FC236}">
-                    <a16:creationId xmlns:a16="http://schemas.microsoft.com/office/drawing/2014/main" xmlns="" id="{0027A677-9ACB-4264-B148-4806678FB83F}"/>
+                    <a16:creationId xmlns:a16="http://schemas.microsoft.com/office/drawing/2014/main" id="{0027A677-9ACB-4264-B148-4806678FB83F}"/>
                   </a:ext>
                 </a:extLst>
               </p:cNvPr>
@@ -1432,7 +1432,7 @@
             <p:cNvPr id="9" name="Freeform: Shape 12">
               <a:extLst>
                 <a:ext uri="{FF2B5EF4-FFF2-40B4-BE49-F238E27FC236}">
-                  <a16:creationId xmlns:a16="http://schemas.microsoft.com/office/drawing/2014/main" xmlns="" id="{E3AAB79D-382D-4A95-965E-526B6A681DA7}"/>
+                  <a16:creationId xmlns:a16="http://schemas.microsoft.com/office/drawing/2014/main" id="{E3AAB79D-382D-4A95-965E-526B6A681DA7}"/>
                 </a:ext>
               </a:extLst>
             </p:cNvPr>
@@ -1522,7 +1522,7 @@
             <p:cNvPr id="10" name="Freeform: Shape 9">
               <a:extLst>
                 <a:ext uri="{FF2B5EF4-FFF2-40B4-BE49-F238E27FC236}">
-                  <a16:creationId xmlns:a16="http://schemas.microsoft.com/office/drawing/2014/main" xmlns="" id="{C0A22127-2B4A-4B15-B0A9-F019A30347A1}"/>
+                  <a16:creationId xmlns:a16="http://schemas.microsoft.com/office/drawing/2014/main" id="{C0A22127-2B4A-4B15-B0A9-F019A30347A1}"/>
                 </a:ext>
               </a:extLst>
             </p:cNvPr>
@@ -1625,7 +1625,7 @@
             <p:cNvPr id="11" name="Freeform: Shape 12">
               <a:extLst>
                 <a:ext uri="{FF2B5EF4-FFF2-40B4-BE49-F238E27FC236}">
-                  <a16:creationId xmlns:a16="http://schemas.microsoft.com/office/drawing/2014/main" xmlns="" id="{F04D9FDC-1B67-4254-9535-CD32E81F0C3E}"/>
+                  <a16:creationId xmlns:a16="http://schemas.microsoft.com/office/drawing/2014/main" id="{F04D9FDC-1B67-4254-9535-CD32E81F0C3E}"/>
                 </a:ext>
               </a:extLst>
             </p:cNvPr>
@@ -1723,7 +1723,7 @@
             <p:cNvPr id="12" name="Group 11">
               <a:extLst>
                 <a:ext uri="{FF2B5EF4-FFF2-40B4-BE49-F238E27FC236}">
-                  <a16:creationId xmlns:a16="http://schemas.microsoft.com/office/drawing/2014/main" xmlns="" id="{0A86C4EA-4CF8-4531-845D-4FCB1E2F7422}"/>
+                  <a16:creationId xmlns:a16="http://schemas.microsoft.com/office/drawing/2014/main" id="{0A86C4EA-4CF8-4531-845D-4FCB1E2F7422}"/>
                 </a:ext>
               </a:extLst>
             </p:cNvPr>
@@ -1743,7 +1743,7 @@
               <p:cNvPr id="13" name="Freeform: Shape 12">
                 <a:extLst>
                   <a:ext uri="{FF2B5EF4-FFF2-40B4-BE49-F238E27FC236}">
-                    <a16:creationId xmlns:a16="http://schemas.microsoft.com/office/drawing/2014/main" xmlns="" id="{1101B195-C112-4D20-8D19-4D22479B150D}"/>
+                    <a16:creationId xmlns:a16="http://schemas.microsoft.com/office/drawing/2014/main" id="{1101B195-C112-4D20-8D19-4D22479B150D}"/>
                   </a:ext>
                 </a:extLst>
               </p:cNvPr>
@@ -1833,7 +1833,7 @@
               <p:cNvPr id="14" name="Freeform: Shape 12">
                 <a:extLst>
                   <a:ext uri="{FF2B5EF4-FFF2-40B4-BE49-F238E27FC236}">
-                    <a16:creationId xmlns:a16="http://schemas.microsoft.com/office/drawing/2014/main" xmlns="" id="{CA755F1F-9955-4CBB-8F34-F7801CA44CE7}"/>
+                    <a16:creationId xmlns:a16="http://schemas.microsoft.com/office/drawing/2014/main" id="{CA755F1F-9955-4CBB-8F34-F7801CA44CE7}"/>
                   </a:ext>
                 </a:extLst>
               </p:cNvPr>
@@ -1933,7 +1933,7 @@
           <p:cNvPr id="2" name="Title 1">
             <a:extLst>
               <a:ext uri="{FF2B5EF4-FFF2-40B4-BE49-F238E27FC236}">
-                <a16:creationId xmlns:a16="http://schemas.microsoft.com/office/drawing/2014/main" xmlns="" id="{9E597736-C478-4C26-9BAF-205FE31E977C}"/>
+                <a16:creationId xmlns:a16="http://schemas.microsoft.com/office/drawing/2014/main" id="{9E597736-C478-4C26-9BAF-205FE31E977C}"/>
               </a:ext>
             </a:extLst>
           </p:cNvPr>
@@ -1980,7 +1980,7 @@
           <p:cNvPr id="3" name="Subtitle 2">
             <a:extLst>
               <a:ext uri="{FF2B5EF4-FFF2-40B4-BE49-F238E27FC236}">
-                <a16:creationId xmlns:a16="http://schemas.microsoft.com/office/drawing/2014/main" xmlns="" id="{C3D2DEF0-A0B0-4CFE-B67D-A9D75E2368DC}"/>
+                <a16:creationId xmlns:a16="http://schemas.microsoft.com/office/drawing/2014/main" id="{C3D2DEF0-A0B0-4CFE-B67D-A9D75E2368DC}"/>
               </a:ext>
             </a:extLst>
           </p:cNvPr>
@@ -2016,17 +2016,16 @@
           <a:p>
             <a:pPr marL="228600" lvl="0" indent="-228600"/>
             <a:r>
-              <a:rPr lang="en-US" noProof="0" smtClean="0"/>
+              <a:rPr lang="en-US" noProof="0"/>
               <a:t>Click to edit Master subtitle style</a:t>
             </a:r>
-            <a:endParaRPr lang="en-US" noProof="0"/>
           </a:p>
         </p:txBody>
       </p:sp>
     </p:spTree>
     <p:extLst>
       <p:ext uri="{BB962C8B-B14F-4D97-AF65-F5344CB8AC3E}">
-        <p14:creationId xmlns:p14="http://schemas.microsoft.com/office/powerpoint/2010/main" xmlns="" val="436959625"/>
+        <p14:creationId xmlns:p14="http://schemas.microsoft.com/office/powerpoint/2010/main" val="436959625"/>
       </p:ext>
     </p:extLst>
   </p:cSld>
@@ -2066,7 +2065,7 @@
           <p:cNvPr id="11" name="Rectangle 10">
             <a:extLst>
               <a:ext uri="{FF2B5EF4-FFF2-40B4-BE49-F238E27FC236}">
-                <a16:creationId xmlns:a16="http://schemas.microsoft.com/office/drawing/2014/main" xmlns="" id="{EB3E033F-4449-40FA-BC85-BD2712D313DD}"/>
+                <a16:creationId xmlns:a16="http://schemas.microsoft.com/office/drawing/2014/main" id="{EB3E033F-4449-40FA-BC85-BD2712D313DD}"/>
               </a:ext>
             </a:extLst>
           </p:cNvPr>
@@ -2120,7 +2119,7 @@
           <p:cNvPr id="10" name="Freeform: Shape 9">
             <a:extLst>
               <a:ext uri="{FF2B5EF4-FFF2-40B4-BE49-F238E27FC236}">
-                <a16:creationId xmlns:a16="http://schemas.microsoft.com/office/drawing/2014/main" xmlns="" id="{63D26743-0505-444C-80B3-E88EE87DF72B}"/>
+                <a16:creationId xmlns:a16="http://schemas.microsoft.com/office/drawing/2014/main" id="{63D26743-0505-444C-80B3-E88EE87DF72B}"/>
               </a:ext>
             </a:extLst>
           </p:cNvPr>
@@ -2243,7 +2242,7 @@
           <p:cNvPr id="18" name="Freeform: Shape 17">
             <a:extLst>
               <a:ext uri="{FF2B5EF4-FFF2-40B4-BE49-F238E27FC236}">
-                <a16:creationId xmlns:a16="http://schemas.microsoft.com/office/drawing/2014/main" xmlns="" id="{E37145E9-AC61-47D5-9288-8789940F81B6}"/>
+                <a16:creationId xmlns:a16="http://schemas.microsoft.com/office/drawing/2014/main" id="{E37145E9-AC61-47D5-9288-8789940F81B6}"/>
               </a:ext>
             </a:extLst>
           </p:cNvPr>
@@ -2395,7 +2394,7 @@
           <p:cNvPr id="12" name="Freeform: Shape 11">
             <a:extLst>
               <a:ext uri="{FF2B5EF4-FFF2-40B4-BE49-F238E27FC236}">
-                <a16:creationId xmlns:a16="http://schemas.microsoft.com/office/drawing/2014/main" xmlns="" id="{A5E2B3ED-9A49-40A7-B8A3-62595FE513F9}"/>
+                <a16:creationId xmlns:a16="http://schemas.microsoft.com/office/drawing/2014/main" id="{A5E2B3ED-9A49-40A7-B8A3-62595FE513F9}"/>
               </a:ext>
             </a:extLst>
           </p:cNvPr>
@@ -2545,7 +2544,7 @@
           <p:cNvPr id="8" name="Freeform: Shape 7">
             <a:extLst>
               <a:ext uri="{FF2B5EF4-FFF2-40B4-BE49-F238E27FC236}">
-                <a16:creationId xmlns:a16="http://schemas.microsoft.com/office/drawing/2014/main" xmlns="" id="{1599AF7E-3E34-4597-AA72-9373A7FDB020}"/>
+                <a16:creationId xmlns:a16="http://schemas.microsoft.com/office/drawing/2014/main" id="{1599AF7E-3E34-4597-AA72-9373A7FDB020}"/>
               </a:ext>
             </a:extLst>
           </p:cNvPr>
@@ -2691,7 +2690,7 @@
           <p:cNvPr id="2" name="Title 1">
             <a:extLst>
               <a:ext uri="{FF2B5EF4-FFF2-40B4-BE49-F238E27FC236}">
-                <a16:creationId xmlns:a16="http://schemas.microsoft.com/office/drawing/2014/main" xmlns="" id="{4A2DF563-7FAC-46B3-B24C-7E45CD89DA2B}"/>
+                <a16:creationId xmlns:a16="http://schemas.microsoft.com/office/drawing/2014/main" id="{4A2DF563-7FAC-46B3-B24C-7E45CD89DA2B}"/>
               </a:ext>
             </a:extLst>
           </p:cNvPr>
@@ -2725,10 +2724,9 @@
           <a:p>
             <a:pPr lvl="0"/>
             <a:r>
-              <a:rPr lang="en-US" noProof="0" smtClean="0"/>
+              <a:rPr lang="en-US" noProof="0"/>
               <a:t>Click to edit Master title style</a:t>
             </a:r>
-            <a:endParaRPr lang="en-US" noProof="0"/>
           </a:p>
         </p:txBody>
       </p:sp>
@@ -2737,7 +2735,7 @@
           <p:cNvPr id="15" name="Group 14">
             <a:extLst>
               <a:ext uri="{FF2B5EF4-FFF2-40B4-BE49-F238E27FC236}">
-                <a16:creationId xmlns:a16="http://schemas.microsoft.com/office/drawing/2014/main" xmlns="" id="{7732E1E7-45E3-4264-8F26-66758696DD1E}"/>
+                <a16:creationId xmlns:a16="http://schemas.microsoft.com/office/drawing/2014/main" id="{7732E1E7-45E3-4264-8F26-66758696DD1E}"/>
               </a:ext>
             </a:extLst>
           </p:cNvPr>
@@ -2757,7 +2755,7 @@
             <p:cNvPr id="16" name="Freeform: Shape 15">
               <a:extLst>
                 <a:ext uri="{FF2B5EF4-FFF2-40B4-BE49-F238E27FC236}">
-                  <a16:creationId xmlns:a16="http://schemas.microsoft.com/office/drawing/2014/main" xmlns="" id="{2E3DF883-8093-49FA-81E1-E5D77F086A25}"/>
+                  <a16:creationId xmlns:a16="http://schemas.microsoft.com/office/drawing/2014/main" id="{2E3DF883-8093-49FA-81E1-E5D77F086A25}"/>
                 </a:ext>
               </a:extLst>
             </p:cNvPr>
@@ -2847,7 +2845,7 @@
             <p:cNvPr id="17" name="Freeform: Shape 16">
               <a:extLst>
                 <a:ext uri="{FF2B5EF4-FFF2-40B4-BE49-F238E27FC236}">
-                  <a16:creationId xmlns:a16="http://schemas.microsoft.com/office/drawing/2014/main" xmlns="" id="{18944C90-37E5-4BBE-89FF-060627168050}"/>
+                  <a16:creationId xmlns:a16="http://schemas.microsoft.com/office/drawing/2014/main" id="{18944C90-37E5-4BBE-89FF-060627168050}"/>
                 </a:ext>
               </a:extLst>
             </p:cNvPr>
@@ -2946,7 +2944,7 @@
           <p:cNvPr id="6" name="Group 5">
             <a:extLst>
               <a:ext uri="{FF2B5EF4-FFF2-40B4-BE49-F238E27FC236}">
-                <a16:creationId xmlns:a16="http://schemas.microsoft.com/office/drawing/2014/main" xmlns="" id="{D9EBF8BB-A805-4DDB-B459-082F99815B95}"/>
+                <a16:creationId xmlns:a16="http://schemas.microsoft.com/office/drawing/2014/main" id="{D9EBF8BB-A805-4DDB-B459-082F99815B95}"/>
               </a:ext>
             </a:extLst>
           </p:cNvPr>
@@ -2966,7 +2964,7 @@
             <p:cNvPr id="19" name="Rectangle: Single Corner Snipped 18">
               <a:extLst>
                 <a:ext uri="{FF2B5EF4-FFF2-40B4-BE49-F238E27FC236}">
-                  <a16:creationId xmlns:a16="http://schemas.microsoft.com/office/drawing/2014/main" xmlns="" id="{5D638788-DD47-45E7-939A-FA108A818173}"/>
+                  <a16:creationId xmlns:a16="http://schemas.microsoft.com/office/drawing/2014/main" id="{5D638788-DD47-45E7-939A-FA108A818173}"/>
                 </a:ext>
               </a:extLst>
             </p:cNvPr>
@@ -3032,7 +3030,7 @@
             <p:cNvPr id="3" name="Rectangle: Single Corner Snipped 2">
               <a:extLst>
                 <a:ext uri="{FF2B5EF4-FFF2-40B4-BE49-F238E27FC236}">
-                  <a16:creationId xmlns:a16="http://schemas.microsoft.com/office/drawing/2014/main" xmlns="" id="{74BDECEF-EEFE-4332-B3B2-BDE4F82C10FC}"/>
+                  <a16:creationId xmlns:a16="http://schemas.microsoft.com/office/drawing/2014/main" id="{74BDECEF-EEFE-4332-B3B2-BDE4F82C10FC}"/>
                 </a:ext>
               </a:extLst>
             </p:cNvPr>
@@ -3089,7 +3087,7 @@
           <p:cNvPr id="24" name="Freeform: Shape 23">
             <a:extLst>
               <a:ext uri="{FF2B5EF4-FFF2-40B4-BE49-F238E27FC236}">
-                <a16:creationId xmlns:a16="http://schemas.microsoft.com/office/drawing/2014/main" xmlns="" id="{18103E00-7E4A-44CD-81AC-06433CAE1110}"/>
+                <a16:creationId xmlns:a16="http://schemas.microsoft.com/office/drawing/2014/main" id="{18103E00-7E4A-44CD-81AC-06433CAE1110}"/>
               </a:ext>
             </a:extLst>
           </p:cNvPr>
@@ -3184,7 +3182,7 @@
           <p:cNvPr id="5" name="Slide Number Placeholder 4">
             <a:extLst>
               <a:ext uri="{FF2B5EF4-FFF2-40B4-BE49-F238E27FC236}">
-                <a16:creationId xmlns:a16="http://schemas.microsoft.com/office/drawing/2014/main" xmlns="" id="{87B51822-97FF-47A7-8E4E-A0F79B4EB237}"/>
+                <a16:creationId xmlns:a16="http://schemas.microsoft.com/office/drawing/2014/main" id="{87B51822-97FF-47A7-8E4E-A0F79B4EB237}"/>
               </a:ext>
             </a:extLst>
           </p:cNvPr>
@@ -3228,7 +3226,7 @@
           <p:cNvPr id="20" name="Content Placeholder 2">
             <a:extLst>
               <a:ext uri="{FF2B5EF4-FFF2-40B4-BE49-F238E27FC236}">
-                <a16:creationId xmlns:a16="http://schemas.microsoft.com/office/drawing/2014/main" xmlns="" id="{FE796BFF-6E5F-4DE7-B193-F501FC094D63}"/>
+                <a16:creationId xmlns:a16="http://schemas.microsoft.com/office/drawing/2014/main" id="{FE796BFF-6E5F-4DE7-B193-F501FC094D63}"/>
               </a:ext>
             </a:extLst>
           </p:cNvPr>
@@ -3299,38 +3297,37 @@
           <a:p>
             <a:pPr lvl="0"/>
             <a:r>
-              <a:rPr lang="en-US" noProof="0" smtClean="0"/>
+              <a:rPr lang="en-US" noProof="0"/>
               <a:t>Click to edit Master text styles</a:t>
             </a:r>
           </a:p>
           <a:p>
             <a:pPr lvl="1"/>
             <a:r>
-              <a:rPr lang="en-US" noProof="0" smtClean="0"/>
+              <a:rPr lang="en-US" noProof="0"/>
               <a:t>Second level</a:t>
             </a:r>
           </a:p>
           <a:p>
             <a:pPr lvl="2"/>
             <a:r>
-              <a:rPr lang="en-US" noProof="0" smtClean="0"/>
+              <a:rPr lang="en-US" noProof="0"/>
               <a:t>Third level</a:t>
             </a:r>
           </a:p>
           <a:p>
             <a:pPr lvl="3"/>
             <a:r>
-              <a:rPr lang="en-US" noProof="0" smtClean="0"/>
+              <a:rPr lang="en-US" noProof="0"/>
               <a:t>Fourth level</a:t>
             </a:r>
           </a:p>
           <a:p>
             <a:pPr lvl="4"/>
             <a:r>
-              <a:rPr lang="en-US" noProof="0" smtClean="0"/>
+              <a:rPr lang="en-US" noProof="0"/>
               <a:t>Fifth level</a:t>
             </a:r>
-            <a:endParaRPr lang="en-US" noProof="0"/>
           </a:p>
         </p:txBody>
       </p:sp>
@@ -3339,7 +3336,7 @@
           <p:cNvPr id="21" name="Content Placeholder 3">
             <a:extLst>
               <a:ext uri="{FF2B5EF4-FFF2-40B4-BE49-F238E27FC236}">
-                <a16:creationId xmlns:a16="http://schemas.microsoft.com/office/drawing/2014/main" xmlns="" id="{78622754-CA4D-4C27-A37F-B26E7B4C9CA2}"/>
+                <a16:creationId xmlns:a16="http://schemas.microsoft.com/office/drawing/2014/main" id="{78622754-CA4D-4C27-A37F-B26E7B4C9CA2}"/>
               </a:ext>
             </a:extLst>
           </p:cNvPr>
@@ -3400,45 +3397,44 @@
           <a:p>
             <a:pPr lvl="0"/>
             <a:r>
-              <a:rPr lang="en-US" noProof="0" smtClean="0"/>
+              <a:rPr lang="en-US" noProof="0"/>
               <a:t>Click to edit Master text styles</a:t>
             </a:r>
           </a:p>
           <a:p>
             <a:pPr lvl="1"/>
             <a:r>
-              <a:rPr lang="en-US" noProof="0" smtClean="0"/>
+              <a:rPr lang="en-US" noProof="0"/>
               <a:t>Second level</a:t>
             </a:r>
           </a:p>
           <a:p>
             <a:pPr lvl="2"/>
             <a:r>
-              <a:rPr lang="en-US" noProof="0" smtClean="0"/>
+              <a:rPr lang="en-US" noProof="0"/>
               <a:t>Third level</a:t>
             </a:r>
           </a:p>
           <a:p>
             <a:pPr lvl="3"/>
             <a:r>
-              <a:rPr lang="en-US" noProof="0" smtClean="0"/>
+              <a:rPr lang="en-US" noProof="0"/>
               <a:t>Fourth level</a:t>
             </a:r>
           </a:p>
           <a:p>
             <a:pPr lvl="4"/>
             <a:r>
-              <a:rPr lang="en-US" noProof="0" smtClean="0"/>
+              <a:rPr lang="en-US" noProof="0"/>
               <a:t>Fifth level</a:t>
             </a:r>
-            <a:endParaRPr lang="en-US" noProof="0"/>
           </a:p>
         </p:txBody>
       </p:sp>
     </p:spTree>
     <p:extLst>
       <p:ext uri="{BB962C8B-B14F-4D97-AF65-F5344CB8AC3E}">
-        <p14:creationId xmlns:p14="http://schemas.microsoft.com/office/powerpoint/2010/main" xmlns="" val="999597857"/>
+        <p14:creationId xmlns:p14="http://schemas.microsoft.com/office/powerpoint/2010/main" val="999597857"/>
       </p:ext>
     </p:extLst>
   </p:cSld>
@@ -3478,7 +3474,7 @@
           <p:cNvPr id="11" name="Rectangle 10">
             <a:extLst>
               <a:ext uri="{FF2B5EF4-FFF2-40B4-BE49-F238E27FC236}">
-                <a16:creationId xmlns:a16="http://schemas.microsoft.com/office/drawing/2014/main" xmlns="" id="{EB3E033F-4449-40FA-BC85-BD2712D313DD}"/>
+                <a16:creationId xmlns:a16="http://schemas.microsoft.com/office/drawing/2014/main" id="{EB3E033F-4449-40FA-BC85-BD2712D313DD}"/>
               </a:ext>
             </a:extLst>
           </p:cNvPr>
@@ -3532,7 +3528,7 @@
           <p:cNvPr id="10" name="Freeform: Shape 9">
             <a:extLst>
               <a:ext uri="{FF2B5EF4-FFF2-40B4-BE49-F238E27FC236}">
-                <a16:creationId xmlns:a16="http://schemas.microsoft.com/office/drawing/2014/main" xmlns="" id="{63D26743-0505-444C-80B3-E88EE87DF72B}"/>
+                <a16:creationId xmlns:a16="http://schemas.microsoft.com/office/drawing/2014/main" id="{63D26743-0505-444C-80B3-E88EE87DF72B}"/>
               </a:ext>
             </a:extLst>
           </p:cNvPr>
@@ -3655,7 +3651,7 @@
           <p:cNvPr id="18" name="Freeform: Shape 17">
             <a:extLst>
               <a:ext uri="{FF2B5EF4-FFF2-40B4-BE49-F238E27FC236}">
-                <a16:creationId xmlns:a16="http://schemas.microsoft.com/office/drawing/2014/main" xmlns="" id="{E37145E9-AC61-47D5-9288-8789940F81B6}"/>
+                <a16:creationId xmlns:a16="http://schemas.microsoft.com/office/drawing/2014/main" id="{E37145E9-AC61-47D5-9288-8789940F81B6}"/>
               </a:ext>
             </a:extLst>
           </p:cNvPr>
@@ -3807,7 +3803,7 @@
           <p:cNvPr id="12" name="Freeform: Shape 11">
             <a:extLst>
               <a:ext uri="{FF2B5EF4-FFF2-40B4-BE49-F238E27FC236}">
-                <a16:creationId xmlns:a16="http://schemas.microsoft.com/office/drawing/2014/main" xmlns="" id="{A5E2B3ED-9A49-40A7-B8A3-62595FE513F9}"/>
+                <a16:creationId xmlns:a16="http://schemas.microsoft.com/office/drawing/2014/main" id="{A5E2B3ED-9A49-40A7-B8A3-62595FE513F9}"/>
               </a:ext>
             </a:extLst>
           </p:cNvPr>
@@ -3957,7 +3953,7 @@
           <p:cNvPr id="8" name="Freeform: Shape 7">
             <a:extLst>
               <a:ext uri="{FF2B5EF4-FFF2-40B4-BE49-F238E27FC236}">
-                <a16:creationId xmlns:a16="http://schemas.microsoft.com/office/drawing/2014/main" xmlns="" id="{1599AF7E-3E34-4597-AA72-9373A7FDB020}"/>
+                <a16:creationId xmlns:a16="http://schemas.microsoft.com/office/drawing/2014/main" id="{1599AF7E-3E34-4597-AA72-9373A7FDB020}"/>
               </a:ext>
             </a:extLst>
           </p:cNvPr>
@@ -4103,7 +4099,7 @@
           <p:cNvPr id="2" name="Title 1">
             <a:extLst>
               <a:ext uri="{FF2B5EF4-FFF2-40B4-BE49-F238E27FC236}">
-                <a16:creationId xmlns:a16="http://schemas.microsoft.com/office/drawing/2014/main" xmlns="" id="{4A2DF563-7FAC-46B3-B24C-7E45CD89DA2B}"/>
+                <a16:creationId xmlns:a16="http://schemas.microsoft.com/office/drawing/2014/main" id="{4A2DF563-7FAC-46B3-B24C-7E45CD89DA2B}"/>
               </a:ext>
             </a:extLst>
           </p:cNvPr>
@@ -4137,10 +4133,9 @@
           <a:p>
             <a:pPr lvl="0"/>
             <a:r>
-              <a:rPr lang="en-US" noProof="0" smtClean="0"/>
+              <a:rPr lang="en-US" noProof="0"/>
               <a:t>Click to edit Master title style</a:t>
             </a:r>
-            <a:endParaRPr lang="en-US" noProof="0"/>
           </a:p>
         </p:txBody>
       </p:sp>
@@ -4149,7 +4144,7 @@
           <p:cNvPr id="15" name="Group 14">
             <a:extLst>
               <a:ext uri="{FF2B5EF4-FFF2-40B4-BE49-F238E27FC236}">
-                <a16:creationId xmlns:a16="http://schemas.microsoft.com/office/drawing/2014/main" xmlns="" id="{7732E1E7-45E3-4264-8F26-66758696DD1E}"/>
+                <a16:creationId xmlns:a16="http://schemas.microsoft.com/office/drawing/2014/main" id="{7732E1E7-45E3-4264-8F26-66758696DD1E}"/>
               </a:ext>
             </a:extLst>
           </p:cNvPr>
@@ -4169,7 +4164,7 @@
             <p:cNvPr id="16" name="Freeform: Shape 15">
               <a:extLst>
                 <a:ext uri="{FF2B5EF4-FFF2-40B4-BE49-F238E27FC236}">
-                  <a16:creationId xmlns:a16="http://schemas.microsoft.com/office/drawing/2014/main" xmlns="" id="{2E3DF883-8093-49FA-81E1-E5D77F086A25}"/>
+                  <a16:creationId xmlns:a16="http://schemas.microsoft.com/office/drawing/2014/main" id="{2E3DF883-8093-49FA-81E1-E5D77F086A25}"/>
                 </a:ext>
               </a:extLst>
             </p:cNvPr>
@@ -4259,7 +4254,7 @@
             <p:cNvPr id="17" name="Freeform: Shape 16">
               <a:extLst>
                 <a:ext uri="{FF2B5EF4-FFF2-40B4-BE49-F238E27FC236}">
-                  <a16:creationId xmlns:a16="http://schemas.microsoft.com/office/drawing/2014/main" xmlns="" id="{18944C90-37E5-4BBE-89FF-060627168050}"/>
+                  <a16:creationId xmlns:a16="http://schemas.microsoft.com/office/drawing/2014/main" id="{18944C90-37E5-4BBE-89FF-060627168050}"/>
                 </a:ext>
               </a:extLst>
             </p:cNvPr>
@@ -4358,7 +4353,7 @@
           <p:cNvPr id="6" name="Group 5">
             <a:extLst>
               <a:ext uri="{FF2B5EF4-FFF2-40B4-BE49-F238E27FC236}">
-                <a16:creationId xmlns:a16="http://schemas.microsoft.com/office/drawing/2014/main" xmlns="" id="{D9EBF8BB-A805-4DDB-B459-082F99815B95}"/>
+                <a16:creationId xmlns:a16="http://schemas.microsoft.com/office/drawing/2014/main" id="{D9EBF8BB-A805-4DDB-B459-082F99815B95}"/>
               </a:ext>
             </a:extLst>
           </p:cNvPr>
@@ -4378,7 +4373,7 @@
             <p:cNvPr id="19" name="Rectangle: Single Corner Snipped 18">
               <a:extLst>
                 <a:ext uri="{FF2B5EF4-FFF2-40B4-BE49-F238E27FC236}">
-                  <a16:creationId xmlns:a16="http://schemas.microsoft.com/office/drawing/2014/main" xmlns="" id="{5D638788-DD47-45E7-939A-FA108A818173}"/>
+                  <a16:creationId xmlns:a16="http://schemas.microsoft.com/office/drawing/2014/main" id="{5D638788-DD47-45E7-939A-FA108A818173}"/>
                 </a:ext>
               </a:extLst>
             </p:cNvPr>
@@ -4439,7 +4434,7 @@
             <p:cNvPr id="3" name="Rectangle: Single Corner Snipped 2">
               <a:extLst>
                 <a:ext uri="{FF2B5EF4-FFF2-40B4-BE49-F238E27FC236}">
-                  <a16:creationId xmlns:a16="http://schemas.microsoft.com/office/drawing/2014/main" xmlns="" id="{74BDECEF-EEFE-4332-B3B2-BDE4F82C10FC}"/>
+                  <a16:creationId xmlns:a16="http://schemas.microsoft.com/office/drawing/2014/main" id="{74BDECEF-EEFE-4332-B3B2-BDE4F82C10FC}"/>
                 </a:ext>
               </a:extLst>
             </p:cNvPr>
@@ -4496,7 +4491,7 @@
           <p:cNvPr id="20" name="Picture Placeholder 8">
             <a:extLst>
               <a:ext uri="{FF2B5EF4-FFF2-40B4-BE49-F238E27FC236}">
-                <a16:creationId xmlns:a16="http://schemas.microsoft.com/office/drawing/2014/main" xmlns="" id="{6D00E6B4-1CBE-404E-B943-5F1832320C1C}"/>
+                <a16:creationId xmlns:a16="http://schemas.microsoft.com/office/drawing/2014/main" id="{6D00E6B4-1CBE-404E-B943-5F1832320C1C}"/>
               </a:ext>
             </a:extLst>
           </p:cNvPr>
@@ -4547,10 +4542,9 @@
           </a:lstStyle>
           <a:p>
             <a:r>
-              <a:rPr lang="en-US" noProof="0" smtClean="0"/>
+              <a:rPr lang="en-US" noProof="0"/>
               <a:t>Click icon to add picture</a:t>
             </a:r>
-            <a:endParaRPr lang="en-US" noProof="0"/>
           </a:p>
         </p:txBody>
       </p:sp>
@@ -4559,7 +4553,7 @@
           <p:cNvPr id="21" name="Picture Placeholder 8">
             <a:extLst>
               <a:ext uri="{FF2B5EF4-FFF2-40B4-BE49-F238E27FC236}">
-                <a16:creationId xmlns:a16="http://schemas.microsoft.com/office/drawing/2014/main" xmlns="" id="{7CD59BFD-62BE-4E33-92A5-B84A2A9A8D3B}"/>
+                <a16:creationId xmlns:a16="http://schemas.microsoft.com/office/drawing/2014/main" id="{7CD59BFD-62BE-4E33-92A5-B84A2A9A8D3B}"/>
               </a:ext>
             </a:extLst>
           </p:cNvPr>
@@ -4610,10 +4604,9 @@
           </a:lstStyle>
           <a:p>
             <a:r>
-              <a:rPr lang="en-US" noProof="0" smtClean="0"/>
+              <a:rPr lang="en-US" noProof="0"/>
               <a:t>Click icon to add picture</a:t>
             </a:r>
-            <a:endParaRPr lang="en-US" noProof="0"/>
           </a:p>
         </p:txBody>
       </p:sp>
@@ -4622,7 +4615,7 @@
           <p:cNvPr id="22" name="Picture Placeholder 8">
             <a:extLst>
               <a:ext uri="{FF2B5EF4-FFF2-40B4-BE49-F238E27FC236}">
-                <a16:creationId xmlns:a16="http://schemas.microsoft.com/office/drawing/2014/main" xmlns="" id="{60DC5978-55B8-421D-91B4-29F8210A7B2C}"/>
+                <a16:creationId xmlns:a16="http://schemas.microsoft.com/office/drawing/2014/main" id="{60DC5978-55B8-421D-91B4-29F8210A7B2C}"/>
               </a:ext>
             </a:extLst>
           </p:cNvPr>
@@ -4673,10 +4666,9 @@
           </a:lstStyle>
           <a:p>
             <a:r>
-              <a:rPr lang="en-US" noProof="0" smtClean="0"/>
+              <a:rPr lang="en-US" noProof="0"/>
               <a:t>Click icon to add picture</a:t>
             </a:r>
-            <a:endParaRPr lang="en-US" noProof="0"/>
           </a:p>
         </p:txBody>
       </p:sp>
@@ -4685,7 +4677,7 @@
           <p:cNvPr id="23" name="Picture Placeholder 8">
             <a:extLst>
               <a:ext uri="{FF2B5EF4-FFF2-40B4-BE49-F238E27FC236}">
-                <a16:creationId xmlns:a16="http://schemas.microsoft.com/office/drawing/2014/main" xmlns="" id="{BE3FB8C3-2C7E-4C59-8BD5-53FA2772DB56}"/>
+                <a16:creationId xmlns:a16="http://schemas.microsoft.com/office/drawing/2014/main" id="{BE3FB8C3-2C7E-4C59-8BD5-53FA2772DB56}"/>
               </a:ext>
             </a:extLst>
           </p:cNvPr>
@@ -4736,10 +4728,9 @@
           </a:lstStyle>
           <a:p>
             <a:r>
-              <a:rPr lang="en-US" noProof="0" smtClean="0"/>
+              <a:rPr lang="en-US" noProof="0"/>
               <a:t>Click icon to add picture</a:t>
             </a:r>
-            <a:endParaRPr lang="en-US" noProof="0"/>
           </a:p>
         </p:txBody>
       </p:sp>
@@ -4748,7 +4739,7 @@
           <p:cNvPr id="24" name="Picture Placeholder 8">
             <a:extLst>
               <a:ext uri="{FF2B5EF4-FFF2-40B4-BE49-F238E27FC236}">
-                <a16:creationId xmlns:a16="http://schemas.microsoft.com/office/drawing/2014/main" xmlns="" id="{FD8FA9DA-C36B-4889-B88F-28B5829E53E2}"/>
+                <a16:creationId xmlns:a16="http://schemas.microsoft.com/office/drawing/2014/main" id="{FD8FA9DA-C36B-4889-B88F-28B5829E53E2}"/>
               </a:ext>
             </a:extLst>
           </p:cNvPr>
@@ -4799,10 +4790,9 @@
           </a:lstStyle>
           <a:p>
             <a:r>
-              <a:rPr lang="en-US" noProof="0" smtClean="0"/>
+              <a:rPr lang="en-US" noProof="0"/>
               <a:t>Click icon to add picture</a:t>
             </a:r>
-            <a:endParaRPr lang="en-US" noProof="0"/>
           </a:p>
         </p:txBody>
       </p:sp>
@@ -4811,7 +4801,7 @@
           <p:cNvPr id="26" name="Text Placeholder 22">
             <a:extLst>
               <a:ext uri="{FF2B5EF4-FFF2-40B4-BE49-F238E27FC236}">
-                <a16:creationId xmlns:a16="http://schemas.microsoft.com/office/drawing/2014/main" xmlns="" id="{2A19101D-7C37-42BF-8167-5391EA65EC3A}"/>
+                <a16:creationId xmlns:a16="http://schemas.microsoft.com/office/drawing/2014/main" id="{2A19101D-7C37-42BF-8167-5391EA65EC3A}"/>
               </a:ext>
             </a:extLst>
           </p:cNvPr>
@@ -4910,7 +4900,7 @@
           <a:p>
             <a:pPr lvl="0"/>
             <a:r>
-              <a:rPr lang="en-US" noProof="0" smtClean="0"/>
+              <a:rPr lang="en-US" noProof="0"/>
               <a:t>Click to edit Master text styles</a:t>
             </a:r>
           </a:p>
@@ -4921,7 +4911,7 @@
           <p:cNvPr id="27" name="Text Placeholder 22">
             <a:extLst>
               <a:ext uri="{FF2B5EF4-FFF2-40B4-BE49-F238E27FC236}">
-                <a16:creationId xmlns:a16="http://schemas.microsoft.com/office/drawing/2014/main" xmlns="" id="{05F72315-51A9-431C-B80A-45E4FB1D6BD6}"/>
+                <a16:creationId xmlns:a16="http://schemas.microsoft.com/office/drawing/2014/main" id="{05F72315-51A9-431C-B80A-45E4FB1D6BD6}"/>
               </a:ext>
             </a:extLst>
           </p:cNvPr>
@@ -5020,7 +5010,7 @@
           <a:p>
             <a:pPr lvl="0"/>
             <a:r>
-              <a:rPr lang="en-US" noProof="0" smtClean="0"/>
+              <a:rPr lang="en-US" noProof="0"/>
               <a:t>Click to edit Master text styles</a:t>
             </a:r>
           </a:p>
@@ -5031,7 +5021,7 @@
           <p:cNvPr id="28" name="Text Placeholder 22">
             <a:extLst>
               <a:ext uri="{FF2B5EF4-FFF2-40B4-BE49-F238E27FC236}">
-                <a16:creationId xmlns:a16="http://schemas.microsoft.com/office/drawing/2014/main" xmlns="" id="{883D1F0C-34F1-46E1-B178-E4AB82B14631}"/>
+                <a16:creationId xmlns:a16="http://schemas.microsoft.com/office/drawing/2014/main" id="{883D1F0C-34F1-46E1-B178-E4AB82B14631}"/>
               </a:ext>
             </a:extLst>
           </p:cNvPr>
@@ -5130,7 +5120,7 @@
           <a:p>
             <a:pPr lvl="0"/>
             <a:r>
-              <a:rPr lang="en-US" noProof="0" smtClean="0"/>
+              <a:rPr lang="en-US" noProof="0"/>
               <a:t>Click to edit Master text styles</a:t>
             </a:r>
           </a:p>
@@ -5141,7 +5131,7 @@
           <p:cNvPr id="29" name="Text Placeholder 22">
             <a:extLst>
               <a:ext uri="{FF2B5EF4-FFF2-40B4-BE49-F238E27FC236}">
-                <a16:creationId xmlns:a16="http://schemas.microsoft.com/office/drawing/2014/main" xmlns="" id="{7202A849-DF14-40E7-B38D-1185F72603EC}"/>
+                <a16:creationId xmlns:a16="http://schemas.microsoft.com/office/drawing/2014/main" id="{7202A849-DF14-40E7-B38D-1185F72603EC}"/>
               </a:ext>
             </a:extLst>
           </p:cNvPr>
@@ -5240,7 +5230,7 @@
           <a:p>
             <a:pPr lvl="0"/>
             <a:r>
-              <a:rPr lang="en-US" noProof="0" smtClean="0"/>
+              <a:rPr lang="en-US" noProof="0"/>
               <a:t>Click to edit Master text styles</a:t>
             </a:r>
           </a:p>
@@ -5251,7 +5241,7 @@
           <p:cNvPr id="30" name="Text Placeholder 22">
             <a:extLst>
               <a:ext uri="{FF2B5EF4-FFF2-40B4-BE49-F238E27FC236}">
-                <a16:creationId xmlns:a16="http://schemas.microsoft.com/office/drawing/2014/main" xmlns="" id="{CCFC1ADF-AC11-4CCD-AC2D-478B6FFEA5EA}"/>
+                <a16:creationId xmlns:a16="http://schemas.microsoft.com/office/drawing/2014/main" id="{CCFC1ADF-AC11-4CCD-AC2D-478B6FFEA5EA}"/>
               </a:ext>
             </a:extLst>
           </p:cNvPr>
@@ -5350,7 +5340,7 @@
           <a:p>
             <a:pPr lvl="0"/>
             <a:r>
-              <a:rPr lang="en-US" noProof="0" smtClean="0"/>
+              <a:rPr lang="en-US" noProof="0"/>
               <a:t>Click to edit Master text styles</a:t>
             </a:r>
           </a:p>
@@ -5361,7 +5351,7 @@
           <p:cNvPr id="7" name="Straight Connector 6">
             <a:extLst>
               <a:ext uri="{FF2B5EF4-FFF2-40B4-BE49-F238E27FC236}">
-                <a16:creationId xmlns:a16="http://schemas.microsoft.com/office/drawing/2014/main" xmlns="" id="{2B4CB326-DA0E-488E-B236-7017E8438FBB}"/>
+                <a16:creationId xmlns:a16="http://schemas.microsoft.com/office/drawing/2014/main" id="{2B4CB326-DA0E-488E-B236-7017E8438FBB}"/>
               </a:ext>
             </a:extLst>
           </p:cNvPr>
@@ -5402,7 +5392,7 @@
           <p:cNvPr id="31" name="Straight Connector 30">
             <a:extLst>
               <a:ext uri="{FF2B5EF4-FFF2-40B4-BE49-F238E27FC236}">
-                <a16:creationId xmlns:a16="http://schemas.microsoft.com/office/drawing/2014/main" xmlns="" id="{9366B533-7212-4A36-9CE2-D6302E721F8F}"/>
+                <a16:creationId xmlns:a16="http://schemas.microsoft.com/office/drawing/2014/main" id="{9366B533-7212-4A36-9CE2-D6302E721F8F}"/>
               </a:ext>
             </a:extLst>
           </p:cNvPr>
@@ -5443,7 +5433,7 @@
           <p:cNvPr id="32" name="Straight Connector 31">
             <a:extLst>
               <a:ext uri="{FF2B5EF4-FFF2-40B4-BE49-F238E27FC236}">
-                <a16:creationId xmlns:a16="http://schemas.microsoft.com/office/drawing/2014/main" xmlns="" id="{AD7474CD-E230-4E14-8274-5E20F673F401}"/>
+                <a16:creationId xmlns:a16="http://schemas.microsoft.com/office/drawing/2014/main" id="{AD7474CD-E230-4E14-8274-5E20F673F401}"/>
               </a:ext>
             </a:extLst>
           </p:cNvPr>
@@ -5484,7 +5474,7 @@
           <p:cNvPr id="33" name="Straight Connector 32">
             <a:extLst>
               <a:ext uri="{FF2B5EF4-FFF2-40B4-BE49-F238E27FC236}">
-                <a16:creationId xmlns:a16="http://schemas.microsoft.com/office/drawing/2014/main" xmlns="" id="{6BF71FCE-6F39-4D2F-82BE-7D9F1D2ED59F}"/>
+                <a16:creationId xmlns:a16="http://schemas.microsoft.com/office/drawing/2014/main" id="{6BF71FCE-6F39-4D2F-82BE-7D9F1D2ED59F}"/>
               </a:ext>
             </a:extLst>
           </p:cNvPr>
@@ -5525,7 +5515,7 @@
           <p:cNvPr id="34" name="Straight Connector 33">
             <a:extLst>
               <a:ext uri="{FF2B5EF4-FFF2-40B4-BE49-F238E27FC236}">
-                <a16:creationId xmlns:a16="http://schemas.microsoft.com/office/drawing/2014/main" xmlns="" id="{AE97AC7A-17D9-4F42-9DD0-94FE4FC6BF19}"/>
+                <a16:creationId xmlns:a16="http://schemas.microsoft.com/office/drawing/2014/main" id="{AE97AC7A-17D9-4F42-9DD0-94FE4FC6BF19}"/>
               </a:ext>
             </a:extLst>
           </p:cNvPr>
@@ -5566,7 +5556,7 @@
           <p:cNvPr id="35" name="Freeform: Shape 34">
             <a:extLst>
               <a:ext uri="{FF2B5EF4-FFF2-40B4-BE49-F238E27FC236}">
-                <a16:creationId xmlns:a16="http://schemas.microsoft.com/office/drawing/2014/main" xmlns="" id="{62EEBF51-DCAD-4335-85E9-52801031A1BF}"/>
+                <a16:creationId xmlns:a16="http://schemas.microsoft.com/office/drawing/2014/main" id="{62EEBF51-DCAD-4335-85E9-52801031A1BF}"/>
               </a:ext>
             </a:extLst>
           </p:cNvPr>
@@ -5661,7 +5651,7 @@
           <p:cNvPr id="5" name="Slide Number Placeholder 4">
             <a:extLst>
               <a:ext uri="{FF2B5EF4-FFF2-40B4-BE49-F238E27FC236}">
-                <a16:creationId xmlns:a16="http://schemas.microsoft.com/office/drawing/2014/main" xmlns="" id="{87B51822-97FF-47A7-8E4E-A0F79B4EB237}"/>
+                <a16:creationId xmlns:a16="http://schemas.microsoft.com/office/drawing/2014/main" id="{87B51822-97FF-47A7-8E4E-A0F79B4EB237}"/>
               </a:ext>
             </a:extLst>
           </p:cNvPr>
@@ -5703,7 +5693,7 @@
     </p:spTree>
     <p:extLst>
       <p:ext uri="{BB962C8B-B14F-4D97-AF65-F5344CB8AC3E}">
-        <p14:creationId xmlns:p14="http://schemas.microsoft.com/office/powerpoint/2010/main" xmlns="" val="476266371"/>
+        <p14:creationId xmlns:p14="http://schemas.microsoft.com/office/powerpoint/2010/main" val="476266371"/>
       </p:ext>
     </p:extLst>
   </p:cSld>
@@ -5743,7 +5733,7 @@
           <p:cNvPr id="11" name="Rectangle 10">
             <a:extLst>
               <a:ext uri="{FF2B5EF4-FFF2-40B4-BE49-F238E27FC236}">
-                <a16:creationId xmlns:a16="http://schemas.microsoft.com/office/drawing/2014/main" xmlns="" id="{EB3E033F-4449-40FA-BC85-BD2712D313DD}"/>
+                <a16:creationId xmlns:a16="http://schemas.microsoft.com/office/drawing/2014/main" id="{EB3E033F-4449-40FA-BC85-BD2712D313DD}"/>
               </a:ext>
             </a:extLst>
           </p:cNvPr>
@@ -5797,7 +5787,7 @@
           <p:cNvPr id="10" name="Freeform: Shape 9">
             <a:extLst>
               <a:ext uri="{FF2B5EF4-FFF2-40B4-BE49-F238E27FC236}">
-                <a16:creationId xmlns:a16="http://schemas.microsoft.com/office/drawing/2014/main" xmlns="" id="{63D26743-0505-444C-80B3-E88EE87DF72B}"/>
+                <a16:creationId xmlns:a16="http://schemas.microsoft.com/office/drawing/2014/main" id="{63D26743-0505-444C-80B3-E88EE87DF72B}"/>
               </a:ext>
             </a:extLst>
           </p:cNvPr>
@@ -5920,7 +5910,7 @@
           <p:cNvPr id="18" name="Freeform: Shape 17">
             <a:extLst>
               <a:ext uri="{FF2B5EF4-FFF2-40B4-BE49-F238E27FC236}">
-                <a16:creationId xmlns:a16="http://schemas.microsoft.com/office/drawing/2014/main" xmlns="" id="{E37145E9-AC61-47D5-9288-8789940F81B6}"/>
+                <a16:creationId xmlns:a16="http://schemas.microsoft.com/office/drawing/2014/main" id="{E37145E9-AC61-47D5-9288-8789940F81B6}"/>
               </a:ext>
             </a:extLst>
           </p:cNvPr>
@@ -6072,7 +6062,7 @@
           <p:cNvPr id="12" name="Freeform: Shape 11">
             <a:extLst>
               <a:ext uri="{FF2B5EF4-FFF2-40B4-BE49-F238E27FC236}">
-                <a16:creationId xmlns:a16="http://schemas.microsoft.com/office/drawing/2014/main" xmlns="" id="{A5E2B3ED-9A49-40A7-B8A3-62595FE513F9}"/>
+                <a16:creationId xmlns:a16="http://schemas.microsoft.com/office/drawing/2014/main" id="{A5E2B3ED-9A49-40A7-B8A3-62595FE513F9}"/>
               </a:ext>
             </a:extLst>
           </p:cNvPr>
@@ -6222,7 +6212,7 @@
           <p:cNvPr id="8" name="Freeform: Shape 7">
             <a:extLst>
               <a:ext uri="{FF2B5EF4-FFF2-40B4-BE49-F238E27FC236}">
-                <a16:creationId xmlns:a16="http://schemas.microsoft.com/office/drawing/2014/main" xmlns="" id="{1599AF7E-3E34-4597-AA72-9373A7FDB020}"/>
+                <a16:creationId xmlns:a16="http://schemas.microsoft.com/office/drawing/2014/main" id="{1599AF7E-3E34-4597-AA72-9373A7FDB020}"/>
               </a:ext>
             </a:extLst>
           </p:cNvPr>
@@ -6368,7 +6358,7 @@
           <p:cNvPr id="2" name="Title 1">
             <a:extLst>
               <a:ext uri="{FF2B5EF4-FFF2-40B4-BE49-F238E27FC236}">
-                <a16:creationId xmlns:a16="http://schemas.microsoft.com/office/drawing/2014/main" xmlns="" id="{4A2DF563-7FAC-46B3-B24C-7E45CD89DA2B}"/>
+                <a16:creationId xmlns:a16="http://schemas.microsoft.com/office/drawing/2014/main" id="{4A2DF563-7FAC-46B3-B24C-7E45CD89DA2B}"/>
               </a:ext>
             </a:extLst>
           </p:cNvPr>
@@ -6402,10 +6392,9 @@
           <a:p>
             <a:pPr lvl="0"/>
             <a:r>
-              <a:rPr lang="en-US" noProof="0" smtClean="0"/>
+              <a:rPr lang="en-US" noProof="0"/>
               <a:t>Click to edit Master title style</a:t>
             </a:r>
-            <a:endParaRPr lang="en-US" noProof="0"/>
           </a:p>
         </p:txBody>
       </p:sp>
@@ -6414,7 +6403,7 @@
           <p:cNvPr id="15" name="Group 14">
             <a:extLst>
               <a:ext uri="{FF2B5EF4-FFF2-40B4-BE49-F238E27FC236}">
-                <a16:creationId xmlns:a16="http://schemas.microsoft.com/office/drawing/2014/main" xmlns="" id="{7732E1E7-45E3-4264-8F26-66758696DD1E}"/>
+                <a16:creationId xmlns:a16="http://schemas.microsoft.com/office/drawing/2014/main" id="{7732E1E7-45E3-4264-8F26-66758696DD1E}"/>
               </a:ext>
             </a:extLst>
           </p:cNvPr>
@@ -6434,7 +6423,7 @@
             <p:cNvPr id="16" name="Freeform: Shape 15">
               <a:extLst>
                 <a:ext uri="{FF2B5EF4-FFF2-40B4-BE49-F238E27FC236}">
-                  <a16:creationId xmlns:a16="http://schemas.microsoft.com/office/drawing/2014/main" xmlns="" id="{2E3DF883-8093-49FA-81E1-E5D77F086A25}"/>
+                  <a16:creationId xmlns:a16="http://schemas.microsoft.com/office/drawing/2014/main" id="{2E3DF883-8093-49FA-81E1-E5D77F086A25}"/>
                 </a:ext>
               </a:extLst>
             </p:cNvPr>
@@ -6524,7 +6513,7 @@
             <p:cNvPr id="17" name="Freeform: Shape 16">
               <a:extLst>
                 <a:ext uri="{FF2B5EF4-FFF2-40B4-BE49-F238E27FC236}">
-                  <a16:creationId xmlns:a16="http://schemas.microsoft.com/office/drawing/2014/main" xmlns="" id="{18944C90-37E5-4BBE-89FF-060627168050}"/>
+                  <a16:creationId xmlns:a16="http://schemas.microsoft.com/office/drawing/2014/main" id="{18944C90-37E5-4BBE-89FF-060627168050}"/>
                 </a:ext>
               </a:extLst>
             </p:cNvPr>
@@ -6623,7 +6612,7 @@
           <p:cNvPr id="6" name="Group 5">
             <a:extLst>
               <a:ext uri="{FF2B5EF4-FFF2-40B4-BE49-F238E27FC236}">
-                <a16:creationId xmlns:a16="http://schemas.microsoft.com/office/drawing/2014/main" xmlns="" id="{D9EBF8BB-A805-4DDB-B459-082F99815B95}"/>
+                <a16:creationId xmlns:a16="http://schemas.microsoft.com/office/drawing/2014/main" id="{D9EBF8BB-A805-4DDB-B459-082F99815B95}"/>
               </a:ext>
             </a:extLst>
           </p:cNvPr>
@@ -6643,7 +6632,7 @@
             <p:cNvPr id="19" name="Rectangle: Single Corner Snipped 18">
               <a:extLst>
                 <a:ext uri="{FF2B5EF4-FFF2-40B4-BE49-F238E27FC236}">
-                  <a16:creationId xmlns:a16="http://schemas.microsoft.com/office/drawing/2014/main" xmlns="" id="{5D638788-DD47-45E7-939A-FA108A818173}"/>
+                  <a16:creationId xmlns:a16="http://schemas.microsoft.com/office/drawing/2014/main" id="{5D638788-DD47-45E7-939A-FA108A818173}"/>
                 </a:ext>
               </a:extLst>
             </p:cNvPr>
@@ -6704,7 +6693,7 @@
             <p:cNvPr id="3" name="Rectangle: Single Corner Snipped 2">
               <a:extLst>
                 <a:ext uri="{FF2B5EF4-FFF2-40B4-BE49-F238E27FC236}">
-                  <a16:creationId xmlns:a16="http://schemas.microsoft.com/office/drawing/2014/main" xmlns="" id="{74BDECEF-EEFE-4332-B3B2-BDE4F82C10FC}"/>
+                  <a16:creationId xmlns:a16="http://schemas.microsoft.com/office/drawing/2014/main" id="{74BDECEF-EEFE-4332-B3B2-BDE4F82C10FC}"/>
                 </a:ext>
               </a:extLst>
             </p:cNvPr>
@@ -6761,7 +6750,7 @@
           <p:cNvPr id="26" name="Text Placeholder 22">
             <a:extLst>
               <a:ext uri="{FF2B5EF4-FFF2-40B4-BE49-F238E27FC236}">
-                <a16:creationId xmlns:a16="http://schemas.microsoft.com/office/drawing/2014/main" xmlns="" id="{2A19101D-7C37-42BF-8167-5391EA65EC3A}"/>
+                <a16:creationId xmlns:a16="http://schemas.microsoft.com/office/drawing/2014/main" id="{2A19101D-7C37-42BF-8167-5391EA65EC3A}"/>
               </a:ext>
             </a:extLst>
           </p:cNvPr>
@@ -6860,7 +6849,7 @@
           <a:p>
             <a:pPr lvl="0"/>
             <a:r>
-              <a:rPr lang="en-US" noProof="0" smtClean="0"/>
+              <a:rPr lang="en-US" noProof="0"/>
               <a:t>Click to edit Master text styles</a:t>
             </a:r>
           </a:p>
@@ -6871,7 +6860,7 @@
           <p:cNvPr id="35" name="Freeform: Shape 34">
             <a:extLst>
               <a:ext uri="{FF2B5EF4-FFF2-40B4-BE49-F238E27FC236}">
-                <a16:creationId xmlns:a16="http://schemas.microsoft.com/office/drawing/2014/main" xmlns="" id="{62EEBF51-DCAD-4335-85E9-52801031A1BF}"/>
+                <a16:creationId xmlns:a16="http://schemas.microsoft.com/office/drawing/2014/main" id="{62EEBF51-DCAD-4335-85E9-52801031A1BF}"/>
               </a:ext>
             </a:extLst>
           </p:cNvPr>
@@ -6966,7 +6955,7 @@
           <p:cNvPr id="5" name="Slide Number Placeholder 4">
             <a:extLst>
               <a:ext uri="{FF2B5EF4-FFF2-40B4-BE49-F238E27FC236}">
-                <a16:creationId xmlns:a16="http://schemas.microsoft.com/office/drawing/2014/main" xmlns="" id="{87B51822-97FF-47A7-8E4E-A0F79B4EB237}"/>
+                <a16:creationId xmlns:a16="http://schemas.microsoft.com/office/drawing/2014/main" id="{87B51822-97FF-47A7-8E4E-A0F79B4EB237}"/>
               </a:ext>
             </a:extLst>
           </p:cNvPr>
@@ -7010,7 +6999,7 @@
           <p:cNvPr id="13" name="Picture Placeholder 12">
             <a:extLst>
               <a:ext uri="{FF2B5EF4-FFF2-40B4-BE49-F238E27FC236}">
-                <a16:creationId xmlns:a16="http://schemas.microsoft.com/office/drawing/2014/main" xmlns="" id="{231B97CF-FD24-4932-8459-893B1AC73D33}"/>
+                <a16:creationId xmlns:a16="http://schemas.microsoft.com/office/drawing/2014/main" id="{231B97CF-FD24-4932-8459-893B1AC73D33}"/>
               </a:ext>
             </a:extLst>
           </p:cNvPr>
@@ -7055,7 +7044,7 @@
           <p:cNvPr id="36" name="Text Placeholder 22">
             <a:extLst>
               <a:ext uri="{FF2B5EF4-FFF2-40B4-BE49-F238E27FC236}">
-                <a16:creationId xmlns:a16="http://schemas.microsoft.com/office/drawing/2014/main" xmlns="" id="{642D3CE0-C3B4-4F3F-A650-AB452B3AD4BA}"/>
+                <a16:creationId xmlns:a16="http://schemas.microsoft.com/office/drawing/2014/main" id="{642D3CE0-C3B4-4F3F-A650-AB452B3AD4BA}"/>
               </a:ext>
             </a:extLst>
           </p:cNvPr>
@@ -7154,7 +7143,7 @@
           <a:p>
             <a:pPr lvl="0"/>
             <a:r>
-              <a:rPr lang="en-US" noProof="0" smtClean="0"/>
+              <a:rPr lang="en-US" noProof="0"/>
               <a:t>Click to edit Master text styles</a:t>
             </a:r>
           </a:p>
@@ -7165,7 +7154,7 @@
           <p:cNvPr id="37" name="Text Placeholder 22">
             <a:extLst>
               <a:ext uri="{FF2B5EF4-FFF2-40B4-BE49-F238E27FC236}">
-                <a16:creationId xmlns:a16="http://schemas.microsoft.com/office/drawing/2014/main" xmlns="" id="{DBED2BB0-CDAD-40EE-8B35-C66DF45EE29D}"/>
+                <a16:creationId xmlns:a16="http://schemas.microsoft.com/office/drawing/2014/main" id="{DBED2BB0-CDAD-40EE-8B35-C66DF45EE29D}"/>
               </a:ext>
             </a:extLst>
           </p:cNvPr>
@@ -7264,7 +7253,7 @@
           <a:p>
             <a:pPr lvl="0"/>
             <a:r>
-              <a:rPr lang="en-US" noProof="0" smtClean="0"/>
+              <a:rPr lang="en-US" noProof="0"/>
               <a:t>Click to edit Master text styles</a:t>
             </a:r>
           </a:p>
@@ -7273,7 +7262,7 @@
     </p:spTree>
     <p:extLst>
       <p:ext uri="{BB962C8B-B14F-4D97-AF65-F5344CB8AC3E}">
-        <p14:creationId xmlns:p14="http://schemas.microsoft.com/office/powerpoint/2010/main" xmlns="" val="1544745716"/>
+        <p14:creationId xmlns:p14="http://schemas.microsoft.com/office/powerpoint/2010/main" val="1544745716"/>
       </p:ext>
     </p:extLst>
   </p:cSld>
@@ -7313,7 +7302,7 @@
           <p:cNvPr id="11" name="Rectangle 10">
             <a:extLst>
               <a:ext uri="{FF2B5EF4-FFF2-40B4-BE49-F238E27FC236}">
-                <a16:creationId xmlns:a16="http://schemas.microsoft.com/office/drawing/2014/main" xmlns="" id="{EB3E033F-4449-40FA-BC85-BD2712D313DD}"/>
+                <a16:creationId xmlns:a16="http://schemas.microsoft.com/office/drawing/2014/main" id="{EB3E033F-4449-40FA-BC85-BD2712D313DD}"/>
               </a:ext>
             </a:extLst>
           </p:cNvPr>
@@ -7367,7 +7356,7 @@
           <p:cNvPr id="10" name="Freeform: Shape 9">
             <a:extLst>
               <a:ext uri="{FF2B5EF4-FFF2-40B4-BE49-F238E27FC236}">
-                <a16:creationId xmlns:a16="http://schemas.microsoft.com/office/drawing/2014/main" xmlns="" id="{63D26743-0505-444C-80B3-E88EE87DF72B}"/>
+                <a16:creationId xmlns:a16="http://schemas.microsoft.com/office/drawing/2014/main" id="{63D26743-0505-444C-80B3-E88EE87DF72B}"/>
               </a:ext>
             </a:extLst>
           </p:cNvPr>
@@ -7490,7 +7479,7 @@
           <p:cNvPr id="18" name="Freeform: Shape 17">
             <a:extLst>
               <a:ext uri="{FF2B5EF4-FFF2-40B4-BE49-F238E27FC236}">
-                <a16:creationId xmlns:a16="http://schemas.microsoft.com/office/drawing/2014/main" xmlns="" id="{E37145E9-AC61-47D5-9288-8789940F81B6}"/>
+                <a16:creationId xmlns:a16="http://schemas.microsoft.com/office/drawing/2014/main" id="{E37145E9-AC61-47D5-9288-8789940F81B6}"/>
               </a:ext>
             </a:extLst>
           </p:cNvPr>
@@ -7642,7 +7631,7 @@
           <p:cNvPr id="12" name="Freeform: Shape 11">
             <a:extLst>
               <a:ext uri="{FF2B5EF4-FFF2-40B4-BE49-F238E27FC236}">
-                <a16:creationId xmlns:a16="http://schemas.microsoft.com/office/drawing/2014/main" xmlns="" id="{A5E2B3ED-9A49-40A7-B8A3-62595FE513F9}"/>
+                <a16:creationId xmlns:a16="http://schemas.microsoft.com/office/drawing/2014/main" id="{A5E2B3ED-9A49-40A7-B8A3-62595FE513F9}"/>
               </a:ext>
             </a:extLst>
           </p:cNvPr>
@@ -7792,7 +7781,7 @@
           <p:cNvPr id="8" name="Freeform: Shape 7">
             <a:extLst>
               <a:ext uri="{FF2B5EF4-FFF2-40B4-BE49-F238E27FC236}">
-                <a16:creationId xmlns:a16="http://schemas.microsoft.com/office/drawing/2014/main" xmlns="" id="{1599AF7E-3E34-4597-AA72-9373A7FDB020}"/>
+                <a16:creationId xmlns:a16="http://schemas.microsoft.com/office/drawing/2014/main" id="{1599AF7E-3E34-4597-AA72-9373A7FDB020}"/>
               </a:ext>
             </a:extLst>
           </p:cNvPr>
@@ -7938,7 +7927,7 @@
           <p:cNvPr id="2" name="Title 1">
             <a:extLst>
               <a:ext uri="{FF2B5EF4-FFF2-40B4-BE49-F238E27FC236}">
-                <a16:creationId xmlns:a16="http://schemas.microsoft.com/office/drawing/2014/main" xmlns="" id="{4A2DF563-7FAC-46B3-B24C-7E45CD89DA2B}"/>
+                <a16:creationId xmlns:a16="http://schemas.microsoft.com/office/drawing/2014/main" id="{4A2DF563-7FAC-46B3-B24C-7E45CD89DA2B}"/>
               </a:ext>
             </a:extLst>
           </p:cNvPr>
@@ -7972,10 +7961,9 @@
           <a:p>
             <a:pPr lvl="0"/>
             <a:r>
-              <a:rPr lang="en-US" noProof="0" smtClean="0"/>
+              <a:rPr lang="en-US" noProof="0"/>
               <a:t>Click to edit Master title style</a:t>
             </a:r>
-            <a:endParaRPr lang="en-US" noProof="0"/>
           </a:p>
         </p:txBody>
       </p:sp>
@@ -7984,7 +7972,7 @@
           <p:cNvPr id="15" name="Group 14">
             <a:extLst>
               <a:ext uri="{FF2B5EF4-FFF2-40B4-BE49-F238E27FC236}">
-                <a16:creationId xmlns:a16="http://schemas.microsoft.com/office/drawing/2014/main" xmlns="" id="{7732E1E7-45E3-4264-8F26-66758696DD1E}"/>
+                <a16:creationId xmlns:a16="http://schemas.microsoft.com/office/drawing/2014/main" id="{7732E1E7-45E3-4264-8F26-66758696DD1E}"/>
               </a:ext>
             </a:extLst>
           </p:cNvPr>
@@ -8004,7 +7992,7 @@
             <p:cNvPr id="16" name="Freeform: Shape 15">
               <a:extLst>
                 <a:ext uri="{FF2B5EF4-FFF2-40B4-BE49-F238E27FC236}">
-                  <a16:creationId xmlns:a16="http://schemas.microsoft.com/office/drawing/2014/main" xmlns="" id="{2E3DF883-8093-49FA-81E1-E5D77F086A25}"/>
+                  <a16:creationId xmlns:a16="http://schemas.microsoft.com/office/drawing/2014/main" id="{2E3DF883-8093-49FA-81E1-E5D77F086A25}"/>
                 </a:ext>
               </a:extLst>
             </p:cNvPr>
@@ -8094,7 +8082,7 @@
             <p:cNvPr id="17" name="Freeform: Shape 16">
               <a:extLst>
                 <a:ext uri="{FF2B5EF4-FFF2-40B4-BE49-F238E27FC236}">
-                  <a16:creationId xmlns:a16="http://schemas.microsoft.com/office/drawing/2014/main" xmlns="" id="{18944C90-37E5-4BBE-89FF-060627168050}"/>
+                  <a16:creationId xmlns:a16="http://schemas.microsoft.com/office/drawing/2014/main" id="{18944C90-37E5-4BBE-89FF-060627168050}"/>
                 </a:ext>
               </a:extLst>
             </p:cNvPr>
@@ -8193,7 +8181,7 @@
           <p:cNvPr id="6" name="Group 5">
             <a:extLst>
               <a:ext uri="{FF2B5EF4-FFF2-40B4-BE49-F238E27FC236}">
-                <a16:creationId xmlns:a16="http://schemas.microsoft.com/office/drawing/2014/main" xmlns="" id="{D9EBF8BB-A805-4DDB-B459-082F99815B95}"/>
+                <a16:creationId xmlns:a16="http://schemas.microsoft.com/office/drawing/2014/main" id="{D9EBF8BB-A805-4DDB-B459-082F99815B95}"/>
               </a:ext>
             </a:extLst>
           </p:cNvPr>
@@ -8213,7 +8201,7 @@
             <p:cNvPr id="19" name="Rectangle: Single Corner Snipped 18">
               <a:extLst>
                 <a:ext uri="{FF2B5EF4-FFF2-40B4-BE49-F238E27FC236}">
-                  <a16:creationId xmlns:a16="http://schemas.microsoft.com/office/drawing/2014/main" xmlns="" id="{5D638788-DD47-45E7-939A-FA108A818173}"/>
+                  <a16:creationId xmlns:a16="http://schemas.microsoft.com/office/drawing/2014/main" id="{5D638788-DD47-45E7-939A-FA108A818173}"/>
                 </a:ext>
               </a:extLst>
             </p:cNvPr>
@@ -8274,7 +8262,7 @@
             <p:cNvPr id="3" name="Rectangle: Single Corner Snipped 2">
               <a:extLst>
                 <a:ext uri="{FF2B5EF4-FFF2-40B4-BE49-F238E27FC236}">
-                  <a16:creationId xmlns:a16="http://schemas.microsoft.com/office/drawing/2014/main" xmlns="" id="{74BDECEF-EEFE-4332-B3B2-BDE4F82C10FC}"/>
+                  <a16:creationId xmlns:a16="http://schemas.microsoft.com/office/drawing/2014/main" id="{74BDECEF-EEFE-4332-B3B2-BDE4F82C10FC}"/>
                 </a:ext>
               </a:extLst>
             </p:cNvPr>
@@ -8331,7 +8319,7 @@
           <p:cNvPr id="26" name="Text Placeholder 22">
             <a:extLst>
               <a:ext uri="{FF2B5EF4-FFF2-40B4-BE49-F238E27FC236}">
-                <a16:creationId xmlns:a16="http://schemas.microsoft.com/office/drawing/2014/main" xmlns="" id="{2A19101D-7C37-42BF-8167-5391EA65EC3A}"/>
+                <a16:creationId xmlns:a16="http://schemas.microsoft.com/office/drawing/2014/main" id="{2A19101D-7C37-42BF-8167-5391EA65EC3A}"/>
               </a:ext>
             </a:extLst>
           </p:cNvPr>
@@ -8430,7 +8418,7 @@
           <a:p>
             <a:pPr lvl="0"/>
             <a:r>
-              <a:rPr lang="en-US" noProof="0" smtClean="0"/>
+              <a:rPr lang="en-US" noProof="0"/>
               <a:t>Click to edit Master text styles</a:t>
             </a:r>
           </a:p>
@@ -8441,7 +8429,7 @@
           <p:cNvPr id="35" name="Freeform: Shape 34">
             <a:extLst>
               <a:ext uri="{FF2B5EF4-FFF2-40B4-BE49-F238E27FC236}">
-                <a16:creationId xmlns:a16="http://schemas.microsoft.com/office/drawing/2014/main" xmlns="" id="{62EEBF51-DCAD-4335-85E9-52801031A1BF}"/>
+                <a16:creationId xmlns:a16="http://schemas.microsoft.com/office/drawing/2014/main" id="{62EEBF51-DCAD-4335-85E9-52801031A1BF}"/>
               </a:ext>
             </a:extLst>
           </p:cNvPr>
@@ -8536,7 +8524,7 @@
           <p:cNvPr id="5" name="Slide Number Placeholder 4">
             <a:extLst>
               <a:ext uri="{FF2B5EF4-FFF2-40B4-BE49-F238E27FC236}">
-                <a16:creationId xmlns:a16="http://schemas.microsoft.com/office/drawing/2014/main" xmlns="" id="{87B51822-97FF-47A7-8E4E-A0F79B4EB237}"/>
+                <a16:creationId xmlns:a16="http://schemas.microsoft.com/office/drawing/2014/main" id="{87B51822-97FF-47A7-8E4E-A0F79B4EB237}"/>
               </a:ext>
             </a:extLst>
           </p:cNvPr>
@@ -8580,7 +8568,7 @@
           <p:cNvPr id="13" name="Picture Placeholder 12">
             <a:extLst>
               <a:ext uri="{FF2B5EF4-FFF2-40B4-BE49-F238E27FC236}">
-                <a16:creationId xmlns:a16="http://schemas.microsoft.com/office/drawing/2014/main" xmlns="" id="{231B97CF-FD24-4932-8459-893B1AC73D33}"/>
+                <a16:creationId xmlns:a16="http://schemas.microsoft.com/office/drawing/2014/main" id="{231B97CF-FD24-4932-8459-893B1AC73D33}"/>
               </a:ext>
             </a:extLst>
           </p:cNvPr>
@@ -8623,7 +8611,7 @@
     </p:spTree>
     <p:extLst>
       <p:ext uri="{BB962C8B-B14F-4D97-AF65-F5344CB8AC3E}">
-        <p14:creationId xmlns:p14="http://schemas.microsoft.com/office/powerpoint/2010/main" xmlns="" val="2486826778"/>
+        <p14:creationId xmlns:p14="http://schemas.microsoft.com/office/powerpoint/2010/main" val="2486826778"/>
       </p:ext>
     </p:extLst>
   </p:cSld>
@@ -8663,7 +8651,7 @@
           <p:cNvPr id="11" name="Rectangle 10">
             <a:extLst>
               <a:ext uri="{FF2B5EF4-FFF2-40B4-BE49-F238E27FC236}">
-                <a16:creationId xmlns:a16="http://schemas.microsoft.com/office/drawing/2014/main" xmlns="" id="{EB3E033F-4449-40FA-BC85-BD2712D313DD}"/>
+                <a16:creationId xmlns:a16="http://schemas.microsoft.com/office/drawing/2014/main" id="{EB3E033F-4449-40FA-BC85-BD2712D313DD}"/>
               </a:ext>
             </a:extLst>
           </p:cNvPr>
@@ -8717,7 +8705,7 @@
           <p:cNvPr id="10" name="Freeform: Shape 9">
             <a:extLst>
               <a:ext uri="{FF2B5EF4-FFF2-40B4-BE49-F238E27FC236}">
-                <a16:creationId xmlns:a16="http://schemas.microsoft.com/office/drawing/2014/main" xmlns="" id="{63D26743-0505-444C-80B3-E88EE87DF72B}"/>
+                <a16:creationId xmlns:a16="http://schemas.microsoft.com/office/drawing/2014/main" id="{63D26743-0505-444C-80B3-E88EE87DF72B}"/>
               </a:ext>
             </a:extLst>
           </p:cNvPr>
@@ -8840,7 +8828,7 @@
           <p:cNvPr id="18" name="Freeform: Shape 17">
             <a:extLst>
               <a:ext uri="{FF2B5EF4-FFF2-40B4-BE49-F238E27FC236}">
-                <a16:creationId xmlns:a16="http://schemas.microsoft.com/office/drawing/2014/main" xmlns="" id="{E37145E9-AC61-47D5-9288-8789940F81B6}"/>
+                <a16:creationId xmlns:a16="http://schemas.microsoft.com/office/drawing/2014/main" id="{E37145E9-AC61-47D5-9288-8789940F81B6}"/>
               </a:ext>
             </a:extLst>
           </p:cNvPr>
@@ -8992,7 +8980,7 @@
           <p:cNvPr id="12" name="Freeform: Shape 11">
             <a:extLst>
               <a:ext uri="{FF2B5EF4-FFF2-40B4-BE49-F238E27FC236}">
-                <a16:creationId xmlns:a16="http://schemas.microsoft.com/office/drawing/2014/main" xmlns="" id="{A5E2B3ED-9A49-40A7-B8A3-62595FE513F9}"/>
+                <a16:creationId xmlns:a16="http://schemas.microsoft.com/office/drawing/2014/main" id="{A5E2B3ED-9A49-40A7-B8A3-62595FE513F9}"/>
               </a:ext>
             </a:extLst>
           </p:cNvPr>
@@ -9142,7 +9130,7 @@
           <p:cNvPr id="8" name="Freeform: Shape 7">
             <a:extLst>
               <a:ext uri="{FF2B5EF4-FFF2-40B4-BE49-F238E27FC236}">
-                <a16:creationId xmlns:a16="http://schemas.microsoft.com/office/drawing/2014/main" xmlns="" id="{1599AF7E-3E34-4597-AA72-9373A7FDB020}"/>
+                <a16:creationId xmlns:a16="http://schemas.microsoft.com/office/drawing/2014/main" id="{1599AF7E-3E34-4597-AA72-9373A7FDB020}"/>
               </a:ext>
             </a:extLst>
           </p:cNvPr>
@@ -9288,7 +9276,7 @@
           <p:cNvPr id="2" name="Title 1">
             <a:extLst>
               <a:ext uri="{FF2B5EF4-FFF2-40B4-BE49-F238E27FC236}">
-                <a16:creationId xmlns:a16="http://schemas.microsoft.com/office/drawing/2014/main" xmlns="" id="{4A2DF563-7FAC-46B3-B24C-7E45CD89DA2B}"/>
+                <a16:creationId xmlns:a16="http://schemas.microsoft.com/office/drawing/2014/main" id="{4A2DF563-7FAC-46B3-B24C-7E45CD89DA2B}"/>
               </a:ext>
             </a:extLst>
           </p:cNvPr>
@@ -9322,10 +9310,9 @@
           <a:p>
             <a:pPr lvl="0"/>
             <a:r>
-              <a:rPr lang="en-US" noProof="0" smtClean="0"/>
+              <a:rPr lang="en-US" noProof="0"/>
               <a:t>Click to edit Master title style</a:t>
             </a:r>
-            <a:endParaRPr lang="en-US" noProof="0"/>
           </a:p>
         </p:txBody>
       </p:sp>
@@ -9334,7 +9321,7 @@
           <p:cNvPr id="15" name="Group 14">
             <a:extLst>
               <a:ext uri="{FF2B5EF4-FFF2-40B4-BE49-F238E27FC236}">
-                <a16:creationId xmlns:a16="http://schemas.microsoft.com/office/drawing/2014/main" xmlns="" id="{7732E1E7-45E3-4264-8F26-66758696DD1E}"/>
+                <a16:creationId xmlns:a16="http://schemas.microsoft.com/office/drawing/2014/main" id="{7732E1E7-45E3-4264-8F26-66758696DD1E}"/>
               </a:ext>
             </a:extLst>
           </p:cNvPr>
@@ -9354,7 +9341,7 @@
             <p:cNvPr id="16" name="Freeform: Shape 15">
               <a:extLst>
                 <a:ext uri="{FF2B5EF4-FFF2-40B4-BE49-F238E27FC236}">
-                  <a16:creationId xmlns:a16="http://schemas.microsoft.com/office/drawing/2014/main" xmlns="" id="{2E3DF883-8093-49FA-81E1-E5D77F086A25}"/>
+                  <a16:creationId xmlns:a16="http://schemas.microsoft.com/office/drawing/2014/main" id="{2E3DF883-8093-49FA-81E1-E5D77F086A25}"/>
                 </a:ext>
               </a:extLst>
             </p:cNvPr>
@@ -9444,7 +9431,7 @@
             <p:cNvPr id="17" name="Freeform: Shape 16">
               <a:extLst>
                 <a:ext uri="{FF2B5EF4-FFF2-40B4-BE49-F238E27FC236}">
-                  <a16:creationId xmlns:a16="http://schemas.microsoft.com/office/drawing/2014/main" xmlns="" id="{18944C90-37E5-4BBE-89FF-060627168050}"/>
+                  <a16:creationId xmlns:a16="http://schemas.microsoft.com/office/drawing/2014/main" id="{18944C90-37E5-4BBE-89FF-060627168050}"/>
                 </a:ext>
               </a:extLst>
             </p:cNvPr>
@@ -9543,7 +9530,7 @@
           <p:cNvPr id="6" name="Group 5">
             <a:extLst>
               <a:ext uri="{FF2B5EF4-FFF2-40B4-BE49-F238E27FC236}">
-                <a16:creationId xmlns:a16="http://schemas.microsoft.com/office/drawing/2014/main" xmlns="" id="{D9EBF8BB-A805-4DDB-B459-082F99815B95}"/>
+                <a16:creationId xmlns:a16="http://schemas.microsoft.com/office/drawing/2014/main" id="{D9EBF8BB-A805-4DDB-B459-082F99815B95}"/>
               </a:ext>
             </a:extLst>
           </p:cNvPr>
@@ -9563,7 +9550,7 @@
             <p:cNvPr id="19" name="Rectangle: Single Corner Snipped 18">
               <a:extLst>
                 <a:ext uri="{FF2B5EF4-FFF2-40B4-BE49-F238E27FC236}">
-                  <a16:creationId xmlns:a16="http://schemas.microsoft.com/office/drawing/2014/main" xmlns="" id="{5D638788-DD47-45E7-939A-FA108A818173}"/>
+                  <a16:creationId xmlns:a16="http://schemas.microsoft.com/office/drawing/2014/main" id="{5D638788-DD47-45E7-939A-FA108A818173}"/>
                 </a:ext>
               </a:extLst>
             </p:cNvPr>
@@ -9624,7 +9611,7 @@
             <p:cNvPr id="3" name="Rectangle: Single Corner Snipped 2">
               <a:extLst>
                 <a:ext uri="{FF2B5EF4-FFF2-40B4-BE49-F238E27FC236}">
-                  <a16:creationId xmlns:a16="http://schemas.microsoft.com/office/drawing/2014/main" xmlns="" id="{74BDECEF-EEFE-4332-B3B2-BDE4F82C10FC}"/>
+                  <a16:creationId xmlns:a16="http://schemas.microsoft.com/office/drawing/2014/main" id="{74BDECEF-EEFE-4332-B3B2-BDE4F82C10FC}"/>
                 </a:ext>
               </a:extLst>
             </p:cNvPr>
@@ -9681,7 +9668,7 @@
           <p:cNvPr id="35" name="Freeform: Shape 34">
             <a:extLst>
               <a:ext uri="{FF2B5EF4-FFF2-40B4-BE49-F238E27FC236}">
-                <a16:creationId xmlns:a16="http://schemas.microsoft.com/office/drawing/2014/main" xmlns="" id="{62EEBF51-DCAD-4335-85E9-52801031A1BF}"/>
+                <a16:creationId xmlns:a16="http://schemas.microsoft.com/office/drawing/2014/main" id="{62EEBF51-DCAD-4335-85E9-52801031A1BF}"/>
               </a:ext>
             </a:extLst>
           </p:cNvPr>
@@ -9776,7 +9763,7 @@
           <p:cNvPr id="5" name="Slide Number Placeholder 4">
             <a:extLst>
               <a:ext uri="{FF2B5EF4-FFF2-40B4-BE49-F238E27FC236}">
-                <a16:creationId xmlns:a16="http://schemas.microsoft.com/office/drawing/2014/main" xmlns="" id="{87B51822-97FF-47A7-8E4E-A0F79B4EB237}"/>
+                <a16:creationId xmlns:a16="http://schemas.microsoft.com/office/drawing/2014/main" id="{87B51822-97FF-47A7-8E4E-A0F79B4EB237}"/>
               </a:ext>
             </a:extLst>
           </p:cNvPr>
@@ -9820,7 +9807,7 @@
           <p:cNvPr id="20" name="Picture Placeholder 2">
             <a:extLst>
               <a:ext uri="{FF2B5EF4-FFF2-40B4-BE49-F238E27FC236}">
-                <a16:creationId xmlns:a16="http://schemas.microsoft.com/office/drawing/2014/main" xmlns="" id="{30B3A574-7940-4E35-857E-5CA35A5910E5}"/>
+                <a16:creationId xmlns:a16="http://schemas.microsoft.com/office/drawing/2014/main" id="{30B3A574-7940-4E35-857E-5CA35A5910E5}"/>
               </a:ext>
             </a:extLst>
           </p:cNvPr>
@@ -9885,10 +9872,9 @@
           </a:lstStyle>
           <a:p>
             <a:r>
-              <a:rPr lang="en-US" noProof="0" smtClean="0"/>
+              <a:rPr lang="en-US" noProof="0"/>
               <a:t>Click icon to add picture</a:t>
             </a:r>
-            <a:endParaRPr lang="en-US" noProof="0"/>
           </a:p>
         </p:txBody>
       </p:sp>
@@ -9897,7 +9883,7 @@
           <p:cNvPr id="21" name="Text Placeholder 3">
             <a:extLst>
               <a:ext uri="{FF2B5EF4-FFF2-40B4-BE49-F238E27FC236}">
-                <a16:creationId xmlns:a16="http://schemas.microsoft.com/office/drawing/2014/main" xmlns="" id="{912B51EA-3E6F-4BF6-BE48-62128AF32B85}"/>
+                <a16:creationId xmlns:a16="http://schemas.microsoft.com/office/drawing/2014/main" id="{912B51EA-3E6F-4BF6-BE48-62128AF32B85}"/>
               </a:ext>
             </a:extLst>
           </p:cNvPr>
@@ -9962,7 +9948,7 @@
           <a:p>
             <a:pPr lvl="0"/>
             <a:r>
-              <a:rPr lang="en-US" noProof="0" smtClean="0"/>
+              <a:rPr lang="en-US" noProof="0"/>
               <a:t>Click to edit Master text styles</a:t>
             </a:r>
           </a:p>
@@ -9971,7 +9957,7 @@
     </p:spTree>
     <p:extLst>
       <p:ext uri="{BB962C8B-B14F-4D97-AF65-F5344CB8AC3E}">
-        <p14:creationId xmlns:p14="http://schemas.microsoft.com/office/powerpoint/2010/main" xmlns="" val="1540650178"/>
+        <p14:creationId xmlns:p14="http://schemas.microsoft.com/office/powerpoint/2010/main" val="1540650178"/>
       </p:ext>
     </p:extLst>
   </p:cSld>
@@ -10011,7 +9997,7 @@
           <p:cNvPr id="11" name="Rectangle 10">
             <a:extLst>
               <a:ext uri="{FF2B5EF4-FFF2-40B4-BE49-F238E27FC236}">
-                <a16:creationId xmlns:a16="http://schemas.microsoft.com/office/drawing/2014/main" xmlns="" id="{EB3E033F-4449-40FA-BC85-BD2712D313DD}"/>
+                <a16:creationId xmlns:a16="http://schemas.microsoft.com/office/drawing/2014/main" id="{EB3E033F-4449-40FA-BC85-BD2712D313DD}"/>
               </a:ext>
             </a:extLst>
           </p:cNvPr>
@@ -10065,7 +10051,7 @@
           <p:cNvPr id="10" name="Freeform: Shape 9">
             <a:extLst>
               <a:ext uri="{FF2B5EF4-FFF2-40B4-BE49-F238E27FC236}">
-                <a16:creationId xmlns:a16="http://schemas.microsoft.com/office/drawing/2014/main" xmlns="" id="{63D26743-0505-444C-80B3-E88EE87DF72B}"/>
+                <a16:creationId xmlns:a16="http://schemas.microsoft.com/office/drawing/2014/main" id="{63D26743-0505-444C-80B3-E88EE87DF72B}"/>
               </a:ext>
             </a:extLst>
           </p:cNvPr>
@@ -10188,7 +10174,7 @@
           <p:cNvPr id="18" name="Freeform: Shape 17">
             <a:extLst>
               <a:ext uri="{FF2B5EF4-FFF2-40B4-BE49-F238E27FC236}">
-                <a16:creationId xmlns:a16="http://schemas.microsoft.com/office/drawing/2014/main" xmlns="" id="{E37145E9-AC61-47D5-9288-8789940F81B6}"/>
+                <a16:creationId xmlns:a16="http://schemas.microsoft.com/office/drawing/2014/main" id="{E37145E9-AC61-47D5-9288-8789940F81B6}"/>
               </a:ext>
             </a:extLst>
           </p:cNvPr>
@@ -10340,7 +10326,7 @@
           <p:cNvPr id="12" name="Freeform: Shape 11">
             <a:extLst>
               <a:ext uri="{FF2B5EF4-FFF2-40B4-BE49-F238E27FC236}">
-                <a16:creationId xmlns:a16="http://schemas.microsoft.com/office/drawing/2014/main" xmlns="" id="{A5E2B3ED-9A49-40A7-B8A3-62595FE513F9}"/>
+                <a16:creationId xmlns:a16="http://schemas.microsoft.com/office/drawing/2014/main" id="{A5E2B3ED-9A49-40A7-B8A3-62595FE513F9}"/>
               </a:ext>
             </a:extLst>
           </p:cNvPr>
@@ -10490,7 +10476,7 @@
           <p:cNvPr id="8" name="Freeform: Shape 7">
             <a:extLst>
               <a:ext uri="{FF2B5EF4-FFF2-40B4-BE49-F238E27FC236}">
-                <a16:creationId xmlns:a16="http://schemas.microsoft.com/office/drawing/2014/main" xmlns="" id="{1599AF7E-3E34-4597-AA72-9373A7FDB020}"/>
+                <a16:creationId xmlns:a16="http://schemas.microsoft.com/office/drawing/2014/main" id="{1599AF7E-3E34-4597-AA72-9373A7FDB020}"/>
               </a:ext>
             </a:extLst>
           </p:cNvPr>
@@ -10636,7 +10622,7 @@
           <p:cNvPr id="2" name="Title 1">
             <a:extLst>
               <a:ext uri="{FF2B5EF4-FFF2-40B4-BE49-F238E27FC236}">
-                <a16:creationId xmlns:a16="http://schemas.microsoft.com/office/drawing/2014/main" xmlns="" id="{4A2DF563-7FAC-46B3-B24C-7E45CD89DA2B}"/>
+                <a16:creationId xmlns:a16="http://schemas.microsoft.com/office/drawing/2014/main" id="{4A2DF563-7FAC-46B3-B24C-7E45CD89DA2B}"/>
               </a:ext>
             </a:extLst>
           </p:cNvPr>
@@ -10670,10 +10656,9 @@
           <a:p>
             <a:pPr lvl="0"/>
             <a:r>
-              <a:rPr lang="en-US" noProof="0" smtClean="0"/>
+              <a:rPr lang="en-US" noProof="0"/>
               <a:t>Click to edit Master title style</a:t>
             </a:r>
-            <a:endParaRPr lang="en-US" noProof="0"/>
           </a:p>
         </p:txBody>
       </p:sp>
@@ -10682,7 +10667,7 @@
           <p:cNvPr id="15" name="Group 14">
             <a:extLst>
               <a:ext uri="{FF2B5EF4-FFF2-40B4-BE49-F238E27FC236}">
-                <a16:creationId xmlns:a16="http://schemas.microsoft.com/office/drawing/2014/main" xmlns="" id="{7732E1E7-45E3-4264-8F26-66758696DD1E}"/>
+                <a16:creationId xmlns:a16="http://schemas.microsoft.com/office/drawing/2014/main" id="{7732E1E7-45E3-4264-8F26-66758696DD1E}"/>
               </a:ext>
             </a:extLst>
           </p:cNvPr>
@@ -10702,7 +10687,7 @@
             <p:cNvPr id="16" name="Freeform: Shape 15">
               <a:extLst>
                 <a:ext uri="{FF2B5EF4-FFF2-40B4-BE49-F238E27FC236}">
-                  <a16:creationId xmlns:a16="http://schemas.microsoft.com/office/drawing/2014/main" xmlns="" id="{2E3DF883-8093-49FA-81E1-E5D77F086A25}"/>
+                  <a16:creationId xmlns:a16="http://schemas.microsoft.com/office/drawing/2014/main" id="{2E3DF883-8093-49FA-81E1-E5D77F086A25}"/>
                 </a:ext>
               </a:extLst>
             </p:cNvPr>
@@ -10792,7 +10777,7 @@
             <p:cNvPr id="17" name="Freeform: Shape 16">
               <a:extLst>
                 <a:ext uri="{FF2B5EF4-FFF2-40B4-BE49-F238E27FC236}">
-                  <a16:creationId xmlns:a16="http://schemas.microsoft.com/office/drawing/2014/main" xmlns="" id="{18944C90-37E5-4BBE-89FF-060627168050}"/>
+                  <a16:creationId xmlns:a16="http://schemas.microsoft.com/office/drawing/2014/main" id="{18944C90-37E5-4BBE-89FF-060627168050}"/>
                 </a:ext>
               </a:extLst>
             </p:cNvPr>
@@ -10891,7 +10876,7 @@
           <p:cNvPr id="6" name="Group 5">
             <a:extLst>
               <a:ext uri="{FF2B5EF4-FFF2-40B4-BE49-F238E27FC236}">
-                <a16:creationId xmlns:a16="http://schemas.microsoft.com/office/drawing/2014/main" xmlns="" id="{D9EBF8BB-A805-4DDB-B459-082F99815B95}"/>
+                <a16:creationId xmlns:a16="http://schemas.microsoft.com/office/drawing/2014/main" id="{D9EBF8BB-A805-4DDB-B459-082F99815B95}"/>
               </a:ext>
             </a:extLst>
           </p:cNvPr>
@@ -10911,7 +10896,7 @@
             <p:cNvPr id="19" name="Rectangle: Single Corner Snipped 18">
               <a:extLst>
                 <a:ext uri="{FF2B5EF4-FFF2-40B4-BE49-F238E27FC236}">
-                  <a16:creationId xmlns:a16="http://schemas.microsoft.com/office/drawing/2014/main" xmlns="" id="{5D638788-DD47-45E7-939A-FA108A818173}"/>
+                  <a16:creationId xmlns:a16="http://schemas.microsoft.com/office/drawing/2014/main" id="{5D638788-DD47-45E7-939A-FA108A818173}"/>
                 </a:ext>
               </a:extLst>
             </p:cNvPr>
@@ -10972,7 +10957,7 @@
             <p:cNvPr id="3" name="Rectangle: Single Corner Snipped 2">
               <a:extLst>
                 <a:ext uri="{FF2B5EF4-FFF2-40B4-BE49-F238E27FC236}">
-                  <a16:creationId xmlns:a16="http://schemas.microsoft.com/office/drawing/2014/main" xmlns="" id="{74BDECEF-EEFE-4332-B3B2-BDE4F82C10FC}"/>
+                  <a16:creationId xmlns:a16="http://schemas.microsoft.com/office/drawing/2014/main" id="{74BDECEF-EEFE-4332-B3B2-BDE4F82C10FC}"/>
                 </a:ext>
               </a:extLst>
             </p:cNvPr>
@@ -11029,7 +11014,7 @@
           <p:cNvPr id="35" name="Freeform: Shape 34">
             <a:extLst>
               <a:ext uri="{FF2B5EF4-FFF2-40B4-BE49-F238E27FC236}">
-                <a16:creationId xmlns:a16="http://schemas.microsoft.com/office/drawing/2014/main" xmlns="" id="{62EEBF51-DCAD-4335-85E9-52801031A1BF}"/>
+                <a16:creationId xmlns:a16="http://schemas.microsoft.com/office/drawing/2014/main" id="{62EEBF51-DCAD-4335-85E9-52801031A1BF}"/>
               </a:ext>
             </a:extLst>
           </p:cNvPr>
@@ -11124,7 +11109,7 @@
           <p:cNvPr id="5" name="Slide Number Placeholder 4">
             <a:extLst>
               <a:ext uri="{FF2B5EF4-FFF2-40B4-BE49-F238E27FC236}">
-                <a16:creationId xmlns:a16="http://schemas.microsoft.com/office/drawing/2014/main" xmlns="" id="{87B51822-97FF-47A7-8E4E-A0F79B4EB237}"/>
+                <a16:creationId xmlns:a16="http://schemas.microsoft.com/office/drawing/2014/main" id="{87B51822-97FF-47A7-8E4E-A0F79B4EB237}"/>
               </a:ext>
             </a:extLst>
           </p:cNvPr>
@@ -11168,7 +11153,7 @@
           <p:cNvPr id="21" name="Text Placeholder 3">
             <a:extLst>
               <a:ext uri="{FF2B5EF4-FFF2-40B4-BE49-F238E27FC236}">
-                <a16:creationId xmlns:a16="http://schemas.microsoft.com/office/drawing/2014/main" xmlns="" id="{912B51EA-3E6F-4BF6-BE48-62128AF32B85}"/>
+                <a16:creationId xmlns:a16="http://schemas.microsoft.com/office/drawing/2014/main" id="{912B51EA-3E6F-4BF6-BE48-62128AF32B85}"/>
               </a:ext>
             </a:extLst>
           </p:cNvPr>
@@ -11233,7 +11218,7 @@
           <a:p>
             <a:pPr lvl="0"/>
             <a:r>
-              <a:rPr lang="en-US" noProof="0" smtClean="0"/>
+              <a:rPr lang="en-US" noProof="0"/>
               <a:t>Click to edit Master text styles</a:t>
             </a:r>
           </a:p>
@@ -11244,7 +11229,7 @@
           <p:cNvPr id="22" name="Content Placeholder 2">
             <a:extLst>
               <a:ext uri="{FF2B5EF4-FFF2-40B4-BE49-F238E27FC236}">
-                <a16:creationId xmlns:a16="http://schemas.microsoft.com/office/drawing/2014/main" xmlns="" id="{A015C605-1D30-48BC-A0D6-3B11AF56CC53}"/>
+                <a16:creationId xmlns:a16="http://schemas.microsoft.com/office/drawing/2014/main" id="{A015C605-1D30-48BC-A0D6-3B11AF56CC53}"/>
               </a:ext>
             </a:extLst>
           </p:cNvPr>
@@ -11317,45 +11302,44 @@
           <a:p>
             <a:pPr lvl="0"/>
             <a:r>
-              <a:rPr lang="en-US" noProof="0" smtClean="0"/>
+              <a:rPr lang="en-US" noProof="0"/>
               <a:t>Click to edit Master text styles</a:t>
             </a:r>
           </a:p>
           <a:p>
             <a:pPr lvl="1"/>
             <a:r>
-              <a:rPr lang="en-US" noProof="0" smtClean="0"/>
+              <a:rPr lang="en-US" noProof="0"/>
               <a:t>Second level</a:t>
             </a:r>
           </a:p>
           <a:p>
             <a:pPr lvl="2"/>
             <a:r>
-              <a:rPr lang="en-US" noProof="0" smtClean="0"/>
+              <a:rPr lang="en-US" noProof="0"/>
               <a:t>Third level</a:t>
             </a:r>
           </a:p>
           <a:p>
             <a:pPr lvl="3"/>
             <a:r>
-              <a:rPr lang="en-US" noProof="0" smtClean="0"/>
+              <a:rPr lang="en-US" noProof="0"/>
               <a:t>Fourth level</a:t>
             </a:r>
           </a:p>
           <a:p>
             <a:pPr lvl="4"/>
             <a:r>
-              <a:rPr lang="en-US" noProof="0" smtClean="0"/>
+              <a:rPr lang="en-US" noProof="0"/>
               <a:t>Fifth level</a:t>
             </a:r>
-            <a:endParaRPr lang="en-US" noProof="0"/>
           </a:p>
         </p:txBody>
       </p:sp>
     </p:spTree>
     <p:extLst>
       <p:ext uri="{BB962C8B-B14F-4D97-AF65-F5344CB8AC3E}">
-        <p14:creationId xmlns:p14="http://schemas.microsoft.com/office/powerpoint/2010/main" xmlns="" val="1212989540"/>
+        <p14:creationId xmlns:p14="http://schemas.microsoft.com/office/powerpoint/2010/main" val="1212989540"/>
       </p:ext>
     </p:extLst>
   </p:cSld>
@@ -11387,7 +11371,7 @@
           <p:cNvPr id="18" name="Rectangle 17">
             <a:extLst>
               <a:ext uri="{FF2B5EF4-FFF2-40B4-BE49-F238E27FC236}">
-                <a16:creationId xmlns:a16="http://schemas.microsoft.com/office/drawing/2014/main" xmlns="" id="{D4494CD2-CCDD-0248-96F8-741002C44255}"/>
+                <a16:creationId xmlns:a16="http://schemas.microsoft.com/office/drawing/2014/main" id="{D4494CD2-CCDD-0248-96F8-741002C44255}"/>
               </a:ext>
             </a:extLst>
           </p:cNvPr>
@@ -11441,7 +11425,7 @@
           <p:cNvPr id="19" name="Freeform: Shape 9">
             <a:extLst>
               <a:ext uri="{FF2B5EF4-FFF2-40B4-BE49-F238E27FC236}">
-                <a16:creationId xmlns:a16="http://schemas.microsoft.com/office/drawing/2014/main" xmlns="" id="{07077B00-C1EE-7241-B441-7814F92A7EDF}"/>
+                <a16:creationId xmlns:a16="http://schemas.microsoft.com/office/drawing/2014/main" id="{07077B00-C1EE-7241-B441-7814F92A7EDF}"/>
               </a:ext>
             </a:extLst>
           </p:cNvPr>
@@ -11564,7 +11548,7 @@
           <p:cNvPr id="20" name="Freeform: Shape 17">
             <a:extLst>
               <a:ext uri="{FF2B5EF4-FFF2-40B4-BE49-F238E27FC236}">
-                <a16:creationId xmlns:a16="http://schemas.microsoft.com/office/drawing/2014/main" xmlns="" id="{3A1AEBC4-637E-F64C-9192-69AC4BB26D0C}"/>
+                <a16:creationId xmlns:a16="http://schemas.microsoft.com/office/drawing/2014/main" id="{3A1AEBC4-637E-F64C-9192-69AC4BB26D0C}"/>
               </a:ext>
             </a:extLst>
           </p:cNvPr>
@@ -11716,7 +11700,7 @@
           <p:cNvPr id="21" name="Freeform: Shape 11">
             <a:extLst>
               <a:ext uri="{FF2B5EF4-FFF2-40B4-BE49-F238E27FC236}">
-                <a16:creationId xmlns:a16="http://schemas.microsoft.com/office/drawing/2014/main" xmlns="" id="{669A7039-C54C-8E46-9A8B-DDB2547D989C}"/>
+                <a16:creationId xmlns:a16="http://schemas.microsoft.com/office/drawing/2014/main" id="{669A7039-C54C-8E46-9A8B-DDB2547D989C}"/>
               </a:ext>
             </a:extLst>
           </p:cNvPr>
@@ -11866,7 +11850,7 @@
           <p:cNvPr id="22" name="Freeform: Shape 7">
             <a:extLst>
               <a:ext uri="{FF2B5EF4-FFF2-40B4-BE49-F238E27FC236}">
-                <a16:creationId xmlns:a16="http://schemas.microsoft.com/office/drawing/2014/main" xmlns="" id="{4F173B32-87BB-9A40-8C91-4C1EED2B7ABF}"/>
+                <a16:creationId xmlns:a16="http://schemas.microsoft.com/office/drawing/2014/main" id="{4F173B32-87BB-9A40-8C91-4C1EED2B7ABF}"/>
               </a:ext>
             </a:extLst>
           </p:cNvPr>
@@ -12012,7 +11996,7 @@
           <p:cNvPr id="24" name="Group 23">
             <a:extLst>
               <a:ext uri="{FF2B5EF4-FFF2-40B4-BE49-F238E27FC236}">
-                <a16:creationId xmlns:a16="http://schemas.microsoft.com/office/drawing/2014/main" xmlns="" id="{4AC87F4E-12B5-1B42-AFD2-4DB39B7645C9}"/>
+                <a16:creationId xmlns:a16="http://schemas.microsoft.com/office/drawing/2014/main" id="{4AC87F4E-12B5-1B42-AFD2-4DB39B7645C9}"/>
               </a:ext>
             </a:extLst>
           </p:cNvPr>
@@ -12032,7 +12016,7 @@
             <p:cNvPr id="25" name="Freeform: Shape 15">
               <a:extLst>
                 <a:ext uri="{FF2B5EF4-FFF2-40B4-BE49-F238E27FC236}">
-                  <a16:creationId xmlns:a16="http://schemas.microsoft.com/office/drawing/2014/main" xmlns="" id="{03DD8765-59DF-A045-ADB5-E39FAEE153A0}"/>
+                  <a16:creationId xmlns:a16="http://schemas.microsoft.com/office/drawing/2014/main" id="{03DD8765-59DF-A045-ADB5-E39FAEE153A0}"/>
                 </a:ext>
               </a:extLst>
             </p:cNvPr>
@@ -12122,7 +12106,7 @@
             <p:cNvPr id="26" name="Freeform: Shape 16">
               <a:extLst>
                 <a:ext uri="{FF2B5EF4-FFF2-40B4-BE49-F238E27FC236}">
-                  <a16:creationId xmlns:a16="http://schemas.microsoft.com/office/drawing/2014/main" xmlns="" id="{B34B796C-A407-7B4D-B4F0-E58A44FE8DB4}"/>
+                  <a16:creationId xmlns:a16="http://schemas.microsoft.com/office/drawing/2014/main" id="{B34B796C-A407-7B4D-B4F0-E58A44FE8DB4}"/>
                 </a:ext>
               </a:extLst>
             </p:cNvPr>
@@ -12221,7 +12205,7 @@
           <p:cNvPr id="30" name="Freeform: Shape 23">
             <a:extLst>
               <a:ext uri="{FF2B5EF4-FFF2-40B4-BE49-F238E27FC236}">
-                <a16:creationId xmlns:a16="http://schemas.microsoft.com/office/drawing/2014/main" xmlns="" id="{CBE3FDC9-67CB-FA42-B127-A36BFF4678BB}"/>
+                <a16:creationId xmlns:a16="http://schemas.microsoft.com/office/drawing/2014/main" id="{CBE3FDC9-67CB-FA42-B127-A36BFF4678BB}"/>
               </a:ext>
             </a:extLst>
           </p:cNvPr>
@@ -12316,7 +12300,7 @@
           <p:cNvPr id="31" name="Slide Number Placeholder 4">
             <a:extLst>
               <a:ext uri="{FF2B5EF4-FFF2-40B4-BE49-F238E27FC236}">
-                <a16:creationId xmlns:a16="http://schemas.microsoft.com/office/drawing/2014/main" xmlns="" id="{1E902BFF-CA8F-D745-A819-A7BB38B30ED9}"/>
+                <a16:creationId xmlns:a16="http://schemas.microsoft.com/office/drawing/2014/main" id="{1E902BFF-CA8F-D745-A819-A7BB38B30ED9}"/>
               </a:ext>
             </a:extLst>
           </p:cNvPr>
@@ -12358,7 +12342,7 @@
     </p:spTree>
     <p:extLst>
       <p:ext uri="{BB962C8B-B14F-4D97-AF65-F5344CB8AC3E}">
-        <p14:creationId xmlns:p14="http://schemas.microsoft.com/office/powerpoint/2010/main" xmlns="" val="2672304746"/>
+        <p14:creationId xmlns:p14="http://schemas.microsoft.com/office/powerpoint/2010/main" val="2672304746"/>
       </p:ext>
     </p:extLst>
   </p:cSld>
@@ -12390,7 +12374,7 @@
           <p:cNvPr id="21" name="Rectangle 20">
             <a:extLst>
               <a:ext uri="{FF2B5EF4-FFF2-40B4-BE49-F238E27FC236}">
-                <a16:creationId xmlns:a16="http://schemas.microsoft.com/office/drawing/2014/main" xmlns="" id="{6E739168-A5E8-443A-B392-7AD4CF8977AD}"/>
+                <a16:creationId xmlns:a16="http://schemas.microsoft.com/office/drawing/2014/main" id="{6E739168-A5E8-443A-B392-7AD4CF8977AD}"/>
               </a:ext>
             </a:extLst>
           </p:cNvPr>
@@ -12442,7 +12426,7 @@
           <p:cNvPr id="15" name="Freeform: Shape 14">
             <a:extLst>
               <a:ext uri="{FF2B5EF4-FFF2-40B4-BE49-F238E27FC236}">
-                <a16:creationId xmlns:a16="http://schemas.microsoft.com/office/drawing/2014/main" xmlns="" id="{41E10E1E-5268-4F03-BA64-07E19DE26739}"/>
+                <a16:creationId xmlns:a16="http://schemas.microsoft.com/office/drawing/2014/main" id="{41E10E1E-5268-4F03-BA64-07E19DE26739}"/>
               </a:ext>
             </a:extLst>
           </p:cNvPr>
@@ -12579,7 +12563,7 @@
           <p:cNvPr id="16" name="Freeform: Shape 15">
             <a:extLst>
               <a:ext uri="{FF2B5EF4-FFF2-40B4-BE49-F238E27FC236}">
-                <a16:creationId xmlns:a16="http://schemas.microsoft.com/office/drawing/2014/main" xmlns="" id="{B989C45D-BDFF-418F-BE79-03FF70015770}"/>
+                <a16:creationId xmlns:a16="http://schemas.microsoft.com/office/drawing/2014/main" id="{B989C45D-BDFF-418F-BE79-03FF70015770}"/>
               </a:ext>
             </a:extLst>
           </p:cNvPr>
@@ -12743,7 +12727,7 @@
           <p:cNvPr id="20" name="Freeform: Shape 19">
             <a:extLst>
               <a:ext uri="{FF2B5EF4-FFF2-40B4-BE49-F238E27FC236}">
-                <a16:creationId xmlns:a16="http://schemas.microsoft.com/office/drawing/2014/main" xmlns="" id="{0027A677-9ACB-4264-B148-4806678FB83F}"/>
+                <a16:creationId xmlns:a16="http://schemas.microsoft.com/office/drawing/2014/main" id="{0027A677-9ACB-4264-B148-4806678FB83F}"/>
               </a:ext>
             </a:extLst>
           </p:cNvPr>
@@ -12905,7 +12889,7 @@
           <p:cNvPr id="6" name="Group 5">
             <a:extLst>
               <a:ext uri="{FF2B5EF4-FFF2-40B4-BE49-F238E27FC236}">
-                <a16:creationId xmlns:a16="http://schemas.microsoft.com/office/drawing/2014/main" xmlns="" id="{EA7FF9D7-8545-4547-AC77-A0421EEB9B99}"/>
+                <a16:creationId xmlns:a16="http://schemas.microsoft.com/office/drawing/2014/main" id="{EA7FF9D7-8545-4547-AC77-A0421EEB9B99}"/>
               </a:ext>
             </a:extLst>
           </p:cNvPr>
@@ -12925,7 +12909,7 @@
             <p:cNvPr id="17" name="Right Triangle 16">
               <a:extLst>
                 <a:ext uri="{FF2B5EF4-FFF2-40B4-BE49-F238E27FC236}">
-                  <a16:creationId xmlns:a16="http://schemas.microsoft.com/office/drawing/2014/main" xmlns="" id="{8DCD5806-2A2F-4ABF-8057-245681C498E6}"/>
+                  <a16:creationId xmlns:a16="http://schemas.microsoft.com/office/drawing/2014/main" id="{8DCD5806-2A2F-4ABF-8057-245681C498E6}"/>
                 </a:ext>
               </a:extLst>
             </p:cNvPr>
@@ -12979,7 +12963,7 @@
             <p:cNvPr id="18" name="Right Triangle 17">
               <a:extLst>
                 <a:ext uri="{FF2B5EF4-FFF2-40B4-BE49-F238E27FC236}">
-                  <a16:creationId xmlns:a16="http://schemas.microsoft.com/office/drawing/2014/main" xmlns="" id="{3A93038F-E9E4-4FFD-B3DF-28DB7C2C1490}"/>
+                  <a16:creationId xmlns:a16="http://schemas.microsoft.com/office/drawing/2014/main" id="{3A93038F-E9E4-4FFD-B3DF-28DB7C2C1490}"/>
                 </a:ext>
               </a:extLst>
             </p:cNvPr>
@@ -13036,7 +13020,7 @@
             <p:cNvPr id="19" name="Right Triangle 18">
               <a:extLst>
                 <a:ext uri="{FF2B5EF4-FFF2-40B4-BE49-F238E27FC236}">
-                  <a16:creationId xmlns:a16="http://schemas.microsoft.com/office/drawing/2014/main" xmlns="" id="{5DEA1E02-BBD0-4AE3-AF22-433B90272178}"/>
+                  <a16:creationId xmlns:a16="http://schemas.microsoft.com/office/drawing/2014/main" id="{5DEA1E02-BBD0-4AE3-AF22-433B90272178}"/>
                 </a:ext>
               </a:extLst>
             </p:cNvPr>
@@ -13091,7 +13075,7 @@
           <p:cNvPr id="2" name="Title 1">
             <a:extLst>
               <a:ext uri="{FF2B5EF4-FFF2-40B4-BE49-F238E27FC236}">
-                <a16:creationId xmlns:a16="http://schemas.microsoft.com/office/drawing/2014/main" xmlns="" id="{9E597736-C478-4C26-9BAF-205FE31E977C}"/>
+                <a16:creationId xmlns:a16="http://schemas.microsoft.com/office/drawing/2014/main" id="{9E597736-C478-4C26-9BAF-205FE31E977C}"/>
               </a:ext>
             </a:extLst>
           </p:cNvPr>
@@ -13136,7 +13120,7 @@
     </p:spTree>
     <p:extLst>
       <p:ext uri="{BB962C8B-B14F-4D97-AF65-F5344CB8AC3E}">
-        <p14:creationId xmlns:p14="http://schemas.microsoft.com/office/powerpoint/2010/main" xmlns="" val="2236386145"/>
+        <p14:creationId xmlns:p14="http://schemas.microsoft.com/office/powerpoint/2010/main" val="2236386145"/>
       </p:ext>
     </p:extLst>
   </p:cSld>
@@ -13168,7 +13152,7 @@
           <p:cNvPr id="21" name="Rectangle 20">
             <a:extLst>
               <a:ext uri="{FF2B5EF4-FFF2-40B4-BE49-F238E27FC236}">
-                <a16:creationId xmlns:a16="http://schemas.microsoft.com/office/drawing/2014/main" xmlns="" id="{6E739168-A5E8-443A-B392-7AD4CF8977AD}"/>
+                <a16:creationId xmlns:a16="http://schemas.microsoft.com/office/drawing/2014/main" id="{6E739168-A5E8-443A-B392-7AD4CF8977AD}"/>
               </a:ext>
             </a:extLst>
           </p:cNvPr>
@@ -13220,7 +13204,7 @@
           <p:cNvPr id="15" name="Freeform: Shape 14">
             <a:extLst>
               <a:ext uri="{FF2B5EF4-FFF2-40B4-BE49-F238E27FC236}">
-                <a16:creationId xmlns:a16="http://schemas.microsoft.com/office/drawing/2014/main" xmlns="" id="{41E10E1E-5268-4F03-BA64-07E19DE26739}"/>
+                <a16:creationId xmlns:a16="http://schemas.microsoft.com/office/drawing/2014/main" id="{41E10E1E-5268-4F03-BA64-07E19DE26739}"/>
               </a:ext>
             </a:extLst>
           </p:cNvPr>
@@ -13357,7 +13341,7 @@
           <p:cNvPr id="16" name="Freeform: Shape 15">
             <a:extLst>
               <a:ext uri="{FF2B5EF4-FFF2-40B4-BE49-F238E27FC236}">
-                <a16:creationId xmlns:a16="http://schemas.microsoft.com/office/drawing/2014/main" xmlns="" id="{B989C45D-BDFF-418F-BE79-03FF70015770}"/>
+                <a16:creationId xmlns:a16="http://schemas.microsoft.com/office/drawing/2014/main" id="{B989C45D-BDFF-418F-BE79-03FF70015770}"/>
               </a:ext>
             </a:extLst>
           </p:cNvPr>
@@ -13521,7 +13505,7 @@
           <p:cNvPr id="20" name="Freeform: Shape 19">
             <a:extLst>
               <a:ext uri="{FF2B5EF4-FFF2-40B4-BE49-F238E27FC236}">
-                <a16:creationId xmlns:a16="http://schemas.microsoft.com/office/drawing/2014/main" xmlns="" id="{0027A677-9ACB-4264-B148-4806678FB83F}"/>
+                <a16:creationId xmlns:a16="http://schemas.microsoft.com/office/drawing/2014/main" id="{0027A677-9ACB-4264-B148-4806678FB83F}"/>
               </a:ext>
             </a:extLst>
           </p:cNvPr>
@@ -13683,7 +13667,7 @@
           <p:cNvPr id="2" name="Title 1">
             <a:extLst>
               <a:ext uri="{FF2B5EF4-FFF2-40B4-BE49-F238E27FC236}">
-                <a16:creationId xmlns:a16="http://schemas.microsoft.com/office/drawing/2014/main" xmlns="" id="{9E597736-C478-4C26-9BAF-205FE31E977C}"/>
+                <a16:creationId xmlns:a16="http://schemas.microsoft.com/office/drawing/2014/main" id="{9E597736-C478-4C26-9BAF-205FE31E977C}"/>
               </a:ext>
             </a:extLst>
           </p:cNvPr>
@@ -13730,7 +13714,7 @@
           <p:cNvPr id="35" name="Freeform: Shape 34">
             <a:extLst>
               <a:ext uri="{FF2B5EF4-FFF2-40B4-BE49-F238E27FC236}">
-                <a16:creationId xmlns:a16="http://schemas.microsoft.com/office/drawing/2014/main" xmlns="" id="{C024DCDB-C6BF-455E-AAB8-EAF9DAB302A1}"/>
+                <a16:creationId xmlns:a16="http://schemas.microsoft.com/office/drawing/2014/main" id="{C024DCDB-C6BF-455E-AAB8-EAF9DAB302A1}"/>
               </a:ext>
             </a:extLst>
           </p:cNvPr>
@@ -13838,7 +13822,7 @@
           <p:cNvPr id="32" name="Freeform: Shape 31">
             <a:extLst>
               <a:ext uri="{FF2B5EF4-FFF2-40B4-BE49-F238E27FC236}">
-                <a16:creationId xmlns:a16="http://schemas.microsoft.com/office/drawing/2014/main" xmlns="" id="{26AFB47A-5D51-4F9C-B01B-977CE5E3C093}"/>
+                <a16:creationId xmlns:a16="http://schemas.microsoft.com/office/drawing/2014/main" id="{26AFB47A-5D51-4F9C-B01B-977CE5E3C093}"/>
               </a:ext>
             </a:extLst>
           </p:cNvPr>
@@ -13954,7 +13938,7 @@
           <p:cNvPr id="30" name="Freeform: Shape 29">
             <a:extLst>
               <a:ext uri="{FF2B5EF4-FFF2-40B4-BE49-F238E27FC236}">
-                <a16:creationId xmlns:a16="http://schemas.microsoft.com/office/drawing/2014/main" xmlns="" id="{6997A4FF-7390-4173-8ACD-6CF7145AACEC}"/>
+                <a16:creationId xmlns:a16="http://schemas.microsoft.com/office/drawing/2014/main" id="{6997A4FF-7390-4173-8ACD-6CF7145AACEC}"/>
               </a:ext>
             </a:extLst>
           </p:cNvPr>
@@ -14061,7 +14045,7 @@
     </p:spTree>
     <p:extLst>
       <p:ext uri="{BB962C8B-B14F-4D97-AF65-F5344CB8AC3E}">
-        <p14:creationId xmlns:p14="http://schemas.microsoft.com/office/powerpoint/2010/main" xmlns="" val="1218518015"/>
+        <p14:creationId xmlns:p14="http://schemas.microsoft.com/office/powerpoint/2010/main" val="1218518015"/>
       </p:ext>
     </p:extLst>
   </p:cSld>
@@ -14093,7 +14077,7 @@
           <p:cNvPr id="7" name="Rectangle 6">
             <a:extLst>
               <a:ext uri="{FF2B5EF4-FFF2-40B4-BE49-F238E27FC236}">
-                <a16:creationId xmlns:a16="http://schemas.microsoft.com/office/drawing/2014/main" xmlns="" id="{B2838D16-809E-4EB1-8C0C-0E63D8139112}"/>
+                <a16:creationId xmlns:a16="http://schemas.microsoft.com/office/drawing/2014/main" id="{B2838D16-809E-4EB1-8C0C-0E63D8139112}"/>
               </a:ext>
             </a:extLst>
           </p:cNvPr>
@@ -14145,7 +14129,7 @@
           <p:cNvPr id="8" name="Freeform: Shape 7">
             <a:extLst>
               <a:ext uri="{FF2B5EF4-FFF2-40B4-BE49-F238E27FC236}">
-                <a16:creationId xmlns:a16="http://schemas.microsoft.com/office/drawing/2014/main" xmlns="" id="{01FEB333-94B4-4E53-9019-D584810903BB}"/>
+                <a16:creationId xmlns:a16="http://schemas.microsoft.com/office/drawing/2014/main" id="{01FEB333-94B4-4E53-9019-D584810903BB}"/>
               </a:ext>
             </a:extLst>
           </p:cNvPr>
@@ -14266,7 +14250,7 @@
           <p:cNvPr id="9" name="Freeform: Shape 8">
             <a:extLst>
               <a:ext uri="{FF2B5EF4-FFF2-40B4-BE49-F238E27FC236}">
-                <a16:creationId xmlns:a16="http://schemas.microsoft.com/office/drawing/2014/main" xmlns="" id="{A59B9489-0CD9-4DB7-AC82-6E7867F91403}"/>
+                <a16:creationId xmlns:a16="http://schemas.microsoft.com/office/drawing/2014/main" id="{A59B9489-0CD9-4DB7-AC82-6E7867F91403}"/>
               </a:ext>
             </a:extLst>
           </p:cNvPr>
@@ -14406,7 +14390,7 @@
           <p:cNvPr id="10" name="Right Triangle 9">
             <a:extLst>
               <a:ext uri="{FF2B5EF4-FFF2-40B4-BE49-F238E27FC236}">
-                <a16:creationId xmlns:a16="http://schemas.microsoft.com/office/drawing/2014/main" xmlns="" id="{A55D1C76-C591-4FA5-9780-87AB6B37C0FA}"/>
+                <a16:creationId xmlns:a16="http://schemas.microsoft.com/office/drawing/2014/main" id="{A55D1C76-C591-4FA5-9780-87AB6B37C0FA}"/>
               </a:ext>
             </a:extLst>
           </p:cNvPr>
@@ -14460,7 +14444,7 @@
           <p:cNvPr id="11" name="Freeform: Shape 10">
             <a:extLst>
               <a:ext uri="{FF2B5EF4-FFF2-40B4-BE49-F238E27FC236}">
-                <a16:creationId xmlns:a16="http://schemas.microsoft.com/office/drawing/2014/main" xmlns="" id="{A7DC1D12-670F-4235-8791-FA8C2B330871}"/>
+                <a16:creationId xmlns:a16="http://schemas.microsoft.com/office/drawing/2014/main" id="{A7DC1D12-670F-4235-8791-FA8C2B330871}"/>
               </a:ext>
             </a:extLst>
           </p:cNvPr>
@@ -14606,7 +14590,7 @@
           <p:cNvPr id="12" name="Freeform: Shape 11">
             <a:extLst>
               <a:ext uri="{FF2B5EF4-FFF2-40B4-BE49-F238E27FC236}">
-                <a16:creationId xmlns:a16="http://schemas.microsoft.com/office/drawing/2014/main" xmlns="" id="{859569CF-FDAC-47C4-A0F5-296F7117C398}"/>
+                <a16:creationId xmlns:a16="http://schemas.microsoft.com/office/drawing/2014/main" id="{859569CF-FDAC-47C4-A0F5-296F7117C398}"/>
               </a:ext>
             </a:extLst>
           </p:cNvPr>
@@ -14706,7 +14690,7 @@
           <p:cNvPr id="13" name="Freeform: Shape 12">
             <a:extLst>
               <a:ext uri="{FF2B5EF4-FFF2-40B4-BE49-F238E27FC236}">
-                <a16:creationId xmlns:a16="http://schemas.microsoft.com/office/drawing/2014/main" xmlns="" id="{D68D0C72-2B2C-4C85-A091-157853C71784}"/>
+                <a16:creationId xmlns:a16="http://schemas.microsoft.com/office/drawing/2014/main" id="{D68D0C72-2B2C-4C85-A091-157853C71784}"/>
               </a:ext>
             </a:extLst>
           </p:cNvPr>
@@ -14814,7 +14798,7 @@
           <p:cNvPr id="14" name="Freeform: Shape 13">
             <a:extLst>
               <a:ext uri="{FF2B5EF4-FFF2-40B4-BE49-F238E27FC236}">
-                <a16:creationId xmlns:a16="http://schemas.microsoft.com/office/drawing/2014/main" xmlns="" id="{8E25334A-5FE3-4DDA-8D32-4796CCFCAA74}"/>
+                <a16:creationId xmlns:a16="http://schemas.microsoft.com/office/drawing/2014/main" id="{8E25334A-5FE3-4DDA-8D32-4796CCFCAA74}"/>
               </a:ext>
             </a:extLst>
           </p:cNvPr>
@@ -14906,7 +14890,7 @@
           <p:cNvPr id="15" name="Freeform: Shape 14">
             <a:extLst>
               <a:ext uri="{FF2B5EF4-FFF2-40B4-BE49-F238E27FC236}">
-                <a16:creationId xmlns:a16="http://schemas.microsoft.com/office/drawing/2014/main" xmlns="" id="{18818DF1-D7FD-4C0F-875D-7A07E8F75C06}"/>
+                <a16:creationId xmlns:a16="http://schemas.microsoft.com/office/drawing/2014/main" id="{18818DF1-D7FD-4C0F-875D-7A07E8F75C06}"/>
               </a:ext>
             </a:extLst>
           </p:cNvPr>
@@ -15006,7 +14990,7 @@
           <p:cNvPr id="16" name="Group 15">
             <a:extLst>
               <a:ext uri="{FF2B5EF4-FFF2-40B4-BE49-F238E27FC236}">
-                <a16:creationId xmlns:a16="http://schemas.microsoft.com/office/drawing/2014/main" xmlns="" id="{8F9BB384-9E14-4CEA-82C1-21837229D3EF}"/>
+                <a16:creationId xmlns:a16="http://schemas.microsoft.com/office/drawing/2014/main" id="{8F9BB384-9E14-4CEA-82C1-21837229D3EF}"/>
               </a:ext>
             </a:extLst>
           </p:cNvPr>
@@ -15026,7 +15010,7 @@
             <p:cNvPr id="17" name="Freeform: Shape 16">
               <a:extLst>
                 <a:ext uri="{FF2B5EF4-FFF2-40B4-BE49-F238E27FC236}">
-                  <a16:creationId xmlns:a16="http://schemas.microsoft.com/office/drawing/2014/main" xmlns="" id="{0862A81A-959D-4EAB-90ED-DB20759BB397}"/>
+                  <a16:creationId xmlns:a16="http://schemas.microsoft.com/office/drawing/2014/main" id="{0862A81A-959D-4EAB-90ED-DB20759BB397}"/>
                 </a:ext>
               </a:extLst>
             </p:cNvPr>
@@ -15116,7 +15100,7 @@
             <p:cNvPr id="18" name="Freeform: Shape 17">
               <a:extLst>
                 <a:ext uri="{FF2B5EF4-FFF2-40B4-BE49-F238E27FC236}">
-                  <a16:creationId xmlns:a16="http://schemas.microsoft.com/office/drawing/2014/main" xmlns="" id="{AAB9E28C-9422-42BD-AECE-29B44B5D63E2}"/>
+                  <a16:creationId xmlns:a16="http://schemas.microsoft.com/office/drawing/2014/main" id="{AAB9E28C-9422-42BD-AECE-29B44B5D63E2}"/>
                 </a:ext>
               </a:extLst>
             </p:cNvPr>
@@ -15215,7 +15199,7 @@
           <p:cNvPr id="19" name="Group 18">
             <a:extLst>
               <a:ext uri="{FF2B5EF4-FFF2-40B4-BE49-F238E27FC236}">
-                <a16:creationId xmlns:a16="http://schemas.microsoft.com/office/drawing/2014/main" xmlns="" id="{2772239B-C46D-4458-BB4B-DDB12FAB0172}"/>
+                <a16:creationId xmlns:a16="http://schemas.microsoft.com/office/drawing/2014/main" id="{2772239B-C46D-4458-BB4B-DDB12FAB0172}"/>
               </a:ext>
             </a:extLst>
           </p:cNvPr>
@@ -15235,7 +15219,7 @@
             <p:cNvPr id="20" name="Freeform: Shape 19">
               <a:extLst>
                 <a:ext uri="{FF2B5EF4-FFF2-40B4-BE49-F238E27FC236}">
-                  <a16:creationId xmlns:a16="http://schemas.microsoft.com/office/drawing/2014/main" xmlns="" id="{3C8A2A1A-1FB9-4CA1-B74E-B293187E51AA}"/>
+                  <a16:creationId xmlns:a16="http://schemas.microsoft.com/office/drawing/2014/main" id="{3C8A2A1A-1FB9-4CA1-B74E-B293187E51AA}"/>
                 </a:ext>
               </a:extLst>
             </p:cNvPr>
@@ -15325,7 +15309,7 @@
             <p:cNvPr id="21" name="Freeform: Shape 20">
               <a:extLst>
                 <a:ext uri="{FF2B5EF4-FFF2-40B4-BE49-F238E27FC236}">
-                  <a16:creationId xmlns:a16="http://schemas.microsoft.com/office/drawing/2014/main" xmlns="" id="{DF2B18BA-6B43-40FA-A23B-D894D6AB468B}"/>
+                  <a16:creationId xmlns:a16="http://schemas.microsoft.com/office/drawing/2014/main" id="{DF2B18BA-6B43-40FA-A23B-D894D6AB468B}"/>
                 </a:ext>
               </a:extLst>
             </p:cNvPr>
@@ -15424,7 +15408,7 @@
           <p:cNvPr id="3" name="Text Placeholder 2">
             <a:extLst>
               <a:ext uri="{FF2B5EF4-FFF2-40B4-BE49-F238E27FC236}">
-                <a16:creationId xmlns:a16="http://schemas.microsoft.com/office/drawing/2014/main" xmlns="" id="{5E194264-A3F5-42E2-9A63-DCCED0457E1B}"/>
+                <a16:creationId xmlns:a16="http://schemas.microsoft.com/office/drawing/2014/main" id="{5E194264-A3F5-42E2-9A63-DCCED0457E1B}"/>
               </a:ext>
             </a:extLst>
           </p:cNvPr>
@@ -15463,7 +15447,7 @@
           <a:p>
             <a:pPr marL="228600" lvl="0" indent="-228600"/>
             <a:r>
-              <a:rPr lang="en-US" noProof="0" smtClean="0"/>
+              <a:rPr lang="en-US" noProof="0"/>
               <a:t>Click to edit Master text styles</a:t>
             </a:r>
           </a:p>
@@ -15474,7 +15458,7 @@
           <p:cNvPr id="22" name="Slide Number Placeholder 4">
             <a:extLst>
               <a:ext uri="{FF2B5EF4-FFF2-40B4-BE49-F238E27FC236}">
-                <a16:creationId xmlns:a16="http://schemas.microsoft.com/office/drawing/2014/main" xmlns="" id="{0F332671-6296-47C8-BF26-B2D962F5D03D}"/>
+                <a16:creationId xmlns:a16="http://schemas.microsoft.com/office/drawing/2014/main" id="{0F332671-6296-47C8-BF26-B2D962F5D03D}"/>
               </a:ext>
             </a:extLst>
           </p:cNvPr>
@@ -15518,7 +15502,7 @@
           <p:cNvPr id="23" name="Title 1">
             <a:extLst>
               <a:ext uri="{FF2B5EF4-FFF2-40B4-BE49-F238E27FC236}">
-                <a16:creationId xmlns:a16="http://schemas.microsoft.com/office/drawing/2014/main" xmlns="" id="{7772A652-7229-2B42-B87B-298C31D6F0CB}"/>
+                <a16:creationId xmlns:a16="http://schemas.microsoft.com/office/drawing/2014/main" id="{7772A652-7229-2B42-B87B-298C31D6F0CB}"/>
               </a:ext>
             </a:extLst>
           </p:cNvPr>
@@ -15561,7 +15545,7 @@
     </p:spTree>
     <p:extLst>
       <p:ext uri="{BB962C8B-B14F-4D97-AF65-F5344CB8AC3E}">
-        <p14:creationId xmlns:p14="http://schemas.microsoft.com/office/powerpoint/2010/main" xmlns="" val="1675197494"/>
+        <p14:creationId xmlns:p14="http://schemas.microsoft.com/office/powerpoint/2010/main" val="1675197494"/>
       </p:ext>
     </p:extLst>
   </p:cSld>
@@ -15593,7 +15577,7 @@
           <p:cNvPr id="22" name="Rectangle 21">
             <a:extLst>
               <a:ext uri="{FF2B5EF4-FFF2-40B4-BE49-F238E27FC236}">
-                <a16:creationId xmlns:a16="http://schemas.microsoft.com/office/drawing/2014/main" xmlns="" id="{2CDBB6E5-B91E-4946-9390-E8693855103A}"/>
+                <a16:creationId xmlns:a16="http://schemas.microsoft.com/office/drawing/2014/main" id="{2CDBB6E5-B91E-4946-9390-E8693855103A}"/>
               </a:ext>
             </a:extLst>
           </p:cNvPr>
@@ -15647,7 +15631,7 @@
           <p:cNvPr id="34" name="Freeform: Shape 33">
             <a:extLst>
               <a:ext uri="{FF2B5EF4-FFF2-40B4-BE49-F238E27FC236}">
-                <a16:creationId xmlns:a16="http://schemas.microsoft.com/office/drawing/2014/main" xmlns="" id="{0C3CC1C9-1FA0-4FE4-8984-4A8B3728D674}"/>
+                <a16:creationId xmlns:a16="http://schemas.microsoft.com/office/drawing/2014/main" id="{0C3CC1C9-1FA0-4FE4-8984-4A8B3728D674}"/>
               </a:ext>
             </a:extLst>
           </p:cNvPr>
@@ -15792,7 +15776,7 @@
           <p:cNvPr id="24" name="Freeform: Shape 23">
             <a:extLst>
               <a:ext uri="{FF2B5EF4-FFF2-40B4-BE49-F238E27FC236}">
-                <a16:creationId xmlns:a16="http://schemas.microsoft.com/office/drawing/2014/main" xmlns="" id="{8E049265-431E-48DE-B7F7-4959930171DC}"/>
+                <a16:creationId xmlns:a16="http://schemas.microsoft.com/office/drawing/2014/main" id="{8E049265-431E-48DE-B7F7-4959930171DC}"/>
               </a:ext>
             </a:extLst>
           </p:cNvPr>
@@ -15932,7 +15916,7 @@
           <p:cNvPr id="25" name="Freeform: Shape 24">
             <a:extLst>
               <a:ext uri="{FF2B5EF4-FFF2-40B4-BE49-F238E27FC236}">
-                <a16:creationId xmlns:a16="http://schemas.microsoft.com/office/drawing/2014/main" xmlns="" id="{173E5F2D-1F8E-4DCC-857F-932C6C6539BB}"/>
+                <a16:creationId xmlns:a16="http://schemas.microsoft.com/office/drawing/2014/main" id="{173E5F2D-1F8E-4DCC-857F-932C6C6539BB}"/>
               </a:ext>
             </a:extLst>
           </p:cNvPr>
@@ -16078,7 +16062,7 @@
           <p:cNvPr id="26" name="Group 25">
             <a:extLst>
               <a:ext uri="{FF2B5EF4-FFF2-40B4-BE49-F238E27FC236}">
-                <a16:creationId xmlns:a16="http://schemas.microsoft.com/office/drawing/2014/main" xmlns="" id="{E9318B2B-E019-4078-9EF0-C9D6281AE31B}"/>
+                <a16:creationId xmlns:a16="http://schemas.microsoft.com/office/drawing/2014/main" id="{E9318B2B-E019-4078-9EF0-C9D6281AE31B}"/>
               </a:ext>
             </a:extLst>
           </p:cNvPr>
@@ -16098,7 +16082,7 @@
             <p:cNvPr id="27" name="Freeform: Shape 26">
               <a:extLst>
                 <a:ext uri="{FF2B5EF4-FFF2-40B4-BE49-F238E27FC236}">
-                  <a16:creationId xmlns:a16="http://schemas.microsoft.com/office/drawing/2014/main" xmlns="" id="{D3E625C0-9656-421F-861F-67C8F93362ED}"/>
+                  <a16:creationId xmlns:a16="http://schemas.microsoft.com/office/drawing/2014/main" id="{D3E625C0-9656-421F-861F-67C8F93362ED}"/>
                 </a:ext>
               </a:extLst>
             </p:cNvPr>
@@ -16198,7 +16182,7 @@
             <p:cNvPr id="28" name="Freeform: Shape 27">
               <a:extLst>
                 <a:ext uri="{FF2B5EF4-FFF2-40B4-BE49-F238E27FC236}">
-                  <a16:creationId xmlns:a16="http://schemas.microsoft.com/office/drawing/2014/main" xmlns="" id="{49F8E490-C6E3-4D00-866F-CD85DD88996E}"/>
+                  <a16:creationId xmlns:a16="http://schemas.microsoft.com/office/drawing/2014/main" id="{49F8E490-C6E3-4D00-866F-CD85DD88996E}"/>
                 </a:ext>
               </a:extLst>
             </p:cNvPr>
@@ -16307,7 +16291,7 @@
           <p:cNvPr id="29" name="Freeform: Shape 28">
             <a:extLst>
               <a:ext uri="{FF2B5EF4-FFF2-40B4-BE49-F238E27FC236}">
-                <a16:creationId xmlns:a16="http://schemas.microsoft.com/office/drawing/2014/main" xmlns="" id="{EE8F5B31-1523-46AE-9455-C33DFC1BDDE0}"/>
+                <a16:creationId xmlns:a16="http://schemas.microsoft.com/office/drawing/2014/main" id="{EE8F5B31-1523-46AE-9455-C33DFC1BDDE0}"/>
               </a:ext>
             </a:extLst>
           </p:cNvPr>
@@ -16399,7 +16383,7 @@
           <p:cNvPr id="30" name="Freeform: Shape 29">
             <a:extLst>
               <a:ext uri="{FF2B5EF4-FFF2-40B4-BE49-F238E27FC236}">
-                <a16:creationId xmlns:a16="http://schemas.microsoft.com/office/drawing/2014/main" xmlns="" id="{5D17048F-C2E1-4775-BC32-50BD6219F89D}"/>
+                <a16:creationId xmlns:a16="http://schemas.microsoft.com/office/drawing/2014/main" id="{5D17048F-C2E1-4775-BC32-50BD6219F89D}"/>
               </a:ext>
             </a:extLst>
           </p:cNvPr>
@@ -16499,7 +16483,7 @@
           <p:cNvPr id="31" name="Group 30">
             <a:extLst>
               <a:ext uri="{FF2B5EF4-FFF2-40B4-BE49-F238E27FC236}">
-                <a16:creationId xmlns:a16="http://schemas.microsoft.com/office/drawing/2014/main" xmlns="" id="{EAB002AA-4848-49C8-A834-036F860C79A3}"/>
+                <a16:creationId xmlns:a16="http://schemas.microsoft.com/office/drawing/2014/main" id="{EAB002AA-4848-49C8-A834-036F860C79A3}"/>
               </a:ext>
             </a:extLst>
           </p:cNvPr>
@@ -16519,7 +16503,7 @@
             <p:cNvPr id="32" name="Freeform: Shape 31">
               <a:extLst>
                 <a:ext uri="{FF2B5EF4-FFF2-40B4-BE49-F238E27FC236}">
-                  <a16:creationId xmlns:a16="http://schemas.microsoft.com/office/drawing/2014/main" xmlns="" id="{14B187A8-7F8D-469D-A03B-4F835A5746DE}"/>
+                  <a16:creationId xmlns:a16="http://schemas.microsoft.com/office/drawing/2014/main" id="{14B187A8-7F8D-469D-A03B-4F835A5746DE}"/>
                 </a:ext>
               </a:extLst>
             </p:cNvPr>
@@ -16609,7 +16593,7 @@
             <p:cNvPr id="33" name="Freeform: Shape 32">
               <a:extLst>
                 <a:ext uri="{FF2B5EF4-FFF2-40B4-BE49-F238E27FC236}">
-                  <a16:creationId xmlns:a16="http://schemas.microsoft.com/office/drawing/2014/main" xmlns="" id="{03D871D1-A11A-48FB-82A8-8D61AB5CB85C}"/>
+                  <a16:creationId xmlns:a16="http://schemas.microsoft.com/office/drawing/2014/main" id="{03D871D1-A11A-48FB-82A8-8D61AB5CB85C}"/>
                 </a:ext>
               </a:extLst>
             </p:cNvPr>
@@ -16708,7 +16692,7 @@
           <p:cNvPr id="2" name="Title 1">
             <a:extLst>
               <a:ext uri="{FF2B5EF4-FFF2-40B4-BE49-F238E27FC236}">
-                <a16:creationId xmlns:a16="http://schemas.microsoft.com/office/drawing/2014/main" xmlns="" id="{42374B20-3E42-44AF-BEF1-8AB33067395C}"/>
+                <a16:creationId xmlns:a16="http://schemas.microsoft.com/office/drawing/2014/main" id="{42374B20-3E42-44AF-BEF1-8AB33067395C}"/>
               </a:ext>
             </a:extLst>
           </p:cNvPr>
@@ -16753,7 +16737,7 @@
           <p:cNvPr id="3" name="Text Placeholder 2">
             <a:extLst>
               <a:ext uri="{FF2B5EF4-FFF2-40B4-BE49-F238E27FC236}">
-                <a16:creationId xmlns:a16="http://schemas.microsoft.com/office/drawing/2014/main" xmlns="" id="{5E194264-A3F5-42E2-9A63-DCCED0457E1B}"/>
+                <a16:creationId xmlns:a16="http://schemas.microsoft.com/office/drawing/2014/main" id="{5E194264-A3F5-42E2-9A63-DCCED0457E1B}"/>
               </a:ext>
             </a:extLst>
           </p:cNvPr>
@@ -16792,7 +16776,7 @@
           <a:p>
             <a:pPr marL="228600" lvl="0" indent="-228600"/>
             <a:r>
-              <a:rPr lang="en-US" noProof="0" smtClean="0"/>
+              <a:rPr lang="en-US" noProof="0"/>
               <a:t>Click to edit Master text styles</a:t>
             </a:r>
           </a:p>
@@ -16803,7 +16787,7 @@
           <p:cNvPr id="35" name="Slide Number Placeholder 4">
             <a:extLst>
               <a:ext uri="{FF2B5EF4-FFF2-40B4-BE49-F238E27FC236}">
-                <a16:creationId xmlns:a16="http://schemas.microsoft.com/office/drawing/2014/main" xmlns="" id="{6F73F836-940E-4B65-A29C-D0869263C935}"/>
+                <a16:creationId xmlns:a16="http://schemas.microsoft.com/office/drawing/2014/main" id="{6F73F836-940E-4B65-A29C-D0869263C935}"/>
               </a:ext>
             </a:extLst>
           </p:cNvPr>
@@ -16845,7 +16829,7 @@
     </p:spTree>
     <p:extLst>
       <p:ext uri="{BB962C8B-B14F-4D97-AF65-F5344CB8AC3E}">
-        <p14:creationId xmlns:p14="http://schemas.microsoft.com/office/powerpoint/2010/main" xmlns="" val="3511478827"/>
+        <p14:creationId xmlns:p14="http://schemas.microsoft.com/office/powerpoint/2010/main" val="3511478827"/>
       </p:ext>
     </p:extLst>
   </p:cSld>
@@ -16877,7 +16861,7 @@
           <p:cNvPr id="22" name="Rectangle 21">
             <a:extLst>
               <a:ext uri="{FF2B5EF4-FFF2-40B4-BE49-F238E27FC236}">
-                <a16:creationId xmlns:a16="http://schemas.microsoft.com/office/drawing/2014/main" xmlns="" id="{2CDBB6E5-B91E-4946-9390-E8693855103A}"/>
+                <a16:creationId xmlns:a16="http://schemas.microsoft.com/office/drawing/2014/main" id="{2CDBB6E5-B91E-4946-9390-E8693855103A}"/>
               </a:ext>
             </a:extLst>
           </p:cNvPr>
@@ -16931,7 +16915,7 @@
           <p:cNvPr id="34" name="Freeform: Shape 33">
             <a:extLst>
               <a:ext uri="{FF2B5EF4-FFF2-40B4-BE49-F238E27FC236}">
-                <a16:creationId xmlns:a16="http://schemas.microsoft.com/office/drawing/2014/main" xmlns="" id="{0C3CC1C9-1FA0-4FE4-8984-4A8B3728D674}"/>
+                <a16:creationId xmlns:a16="http://schemas.microsoft.com/office/drawing/2014/main" id="{0C3CC1C9-1FA0-4FE4-8984-4A8B3728D674}"/>
               </a:ext>
             </a:extLst>
           </p:cNvPr>
@@ -17076,7 +17060,7 @@
           <p:cNvPr id="24" name="Freeform: Shape 23">
             <a:extLst>
               <a:ext uri="{FF2B5EF4-FFF2-40B4-BE49-F238E27FC236}">
-                <a16:creationId xmlns:a16="http://schemas.microsoft.com/office/drawing/2014/main" xmlns="" id="{8E049265-431E-48DE-B7F7-4959930171DC}"/>
+                <a16:creationId xmlns:a16="http://schemas.microsoft.com/office/drawing/2014/main" id="{8E049265-431E-48DE-B7F7-4959930171DC}"/>
               </a:ext>
             </a:extLst>
           </p:cNvPr>
@@ -17216,7 +17200,7 @@
           <p:cNvPr id="25" name="Freeform: Shape 24">
             <a:extLst>
               <a:ext uri="{FF2B5EF4-FFF2-40B4-BE49-F238E27FC236}">
-                <a16:creationId xmlns:a16="http://schemas.microsoft.com/office/drawing/2014/main" xmlns="" id="{173E5F2D-1F8E-4DCC-857F-932C6C6539BB}"/>
+                <a16:creationId xmlns:a16="http://schemas.microsoft.com/office/drawing/2014/main" id="{173E5F2D-1F8E-4DCC-857F-932C6C6539BB}"/>
               </a:ext>
             </a:extLst>
           </p:cNvPr>
@@ -17362,7 +17346,7 @@
           <p:cNvPr id="4" name="Oval 3">
             <a:extLst>
               <a:ext uri="{FF2B5EF4-FFF2-40B4-BE49-F238E27FC236}">
-                <a16:creationId xmlns:a16="http://schemas.microsoft.com/office/drawing/2014/main" xmlns="" id="{ECB4C115-EFF9-405C-98BE-F4077B9730D0}"/>
+                <a16:creationId xmlns:a16="http://schemas.microsoft.com/office/drawing/2014/main" id="{ECB4C115-EFF9-405C-98BE-F4077B9730D0}"/>
               </a:ext>
             </a:extLst>
           </p:cNvPr>
@@ -17420,7 +17404,7 @@
           <p:cNvPr id="18" name="Title 1">
             <a:extLst>
               <a:ext uri="{FF2B5EF4-FFF2-40B4-BE49-F238E27FC236}">
-                <a16:creationId xmlns:a16="http://schemas.microsoft.com/office/drawing/2014/main" xmlns="" id="{C9A300DD-BB54-44ED-A7E4-01CD41EC930F}"/>
+                <a16:creationId xmlns:a16="http://schemas.microsoft.com/office/drawing/2014/main" id="{C9A300DD-BB54-44ED-A7E4-01CD41EC930F}"/>
               </a:ext>
             </a:extLst>
           </p:cNvPr>
@@ -17483,7 +17467,7 @@
           <p:cNvPr id="2" name="Title 1">
             <a:extLst>
               <a:ext uri="{FF2B5EF4-FFF2-40B4-BE49-F238E27FC236}">
-                <a16:creationId xmlns:a16="http://schemas.microsoft.com/office/drawing/2014/main" xmlns="" id="{42374B20-3E42-44AF-BEF1-8AB33067395C}"/>
+                <a16:creationId xmlns:a16="http://schemas.microsoft.com/office/drawing/2014/main" id="{42374B20-3E42-44AF-BEF1-8AB33067395C}"/>
               </a:ext>
             </a:extLst>
           </p:cNvPr>
@@ -17531,7 +17515,7 @@
           <p:cNvPr id="19" name="Slide Number Placeholder 4">
             <a:extLst>
               <a:ext uri="{FF2B5EF4-FFF2-40B4-BE49-F238E27FC236}">
-                <a16:creationId xmlns:a16="http://schemas.microsoft.com/office/drawing/2014/main" xmlns="" id="{A4E6C1FF-5925-42B3-B7F9-0A0031BDAD30}"/>
+                <a16:creationId xmlns:a16="http://schemas.microsoft.com/office/drawing/2014/main" id="{A4E6C1FF-5925-42B3-B7F9-0A0031BDAD30}"/>
               </a:ext>
             </a:extLst>
           </p:cNvPr>
@@ -17573,7 +17557,7 @@
     </p:spTree>
     <p:extLst>
       <p:ext uri="{BB962C8B-B14F-4D97-AF65-F5344CB8AC3E}">
-        <p14:creationId xmlns:p14="http://schemas.microsoft.com/office/powerpoint/2010/main" xmlns="" val="1753169891"/>
+        <p14:creationId xmlns:p14="http://schemas.microsoft.com/office/powerpoint/2010/main" val="1753169891"/>
       </p:ext>
     </p:extLst>
   </p:cSld>
@@ -17613,7 +17597,7 @@
           <p:cNvPr id="11" name="Rectangle 10">
             <a:extLst>
               <a:ext uri="{FF2B5EF4-FFF2-40B4-BE49-F238E27FC236}">
-                <a16:creationId xmlns:a16="http://schemas.microsoft.com/office/drawing/2014/main" xmlns="" id="{EB3E033F-4449-40FA-BC85-BD2712D313DD}"/>
+                <a16:creationId xmlns:a16="http://schemas.microsoft.com/office/drawing/2014/main" id="{EB3E033F-4449-40FA-BC85-BD2712D313DD}"/>
               </a:ext>
             </a:extLst>
           </p:cNvPr>
@@ -17667,7 +17651,7 @@
           <p:cNvPr id="10" name="Freeform: Shape 9">
             <a:extLst>
               <a:ext uri="{FF2B5EF4-FFF2-40B4-BE49-F238E27FC236}">
-                <a16:creationId xmlns:a16="http://schemas.microsoft.com/office/drawing/2014/main" xmlns="" id="{63D26743-0505-444C-80B3-E88EE87DF72B}"/>
+                <a16:creationId xmlns:a16="http://schemas.microsoft.com/office/drawing/2014/main" id="{63D26743-0505-444C-80B3-E88EE87DF72B}"/>
               </a:ext>
             </a:extLst>
           </p:cNvPr>
@@ -17790,7 +17774,7 @@
           <p:cNvPr id="8" name="Freeform: Shape 7">
             <a:extLst>
               <a:ext uri="{FF2B5EF4-FFF2-40B4-BE49-F238E27FC236}">
-                <a16:creationId xmlns:a16="http://schemas.microsoft.com/office/drawing/2014/main" xmlns="" id="{1599AF7E-3E34-4597-AA72-9373A7FDB020}"/>
+                <a16:creationId xmlns:a16="http://schemas.microsoft.com/office/drawing/2014/main" id="{1599AF7E-3E34-4597-AA72-9373A7FDB020}"/>
               </a:ext>
             </a:extLst>
           </p:cNvPr>
@@ -17936,7 +17920,7 @@
           <p:cNvPr id="2" name="Title 1">
             <a:extLst>
               <a:ext uri="{FF2B5EF4-FFF2-40B4-BE49-F238E27FC236}">
-                <a16:creationId xmlns:a16="http://schemas.microsoft.com/office/drawing/2014/main" xmlns="" id="{4A2DF563-7FAC-46B3-B24C-7E45CD89DA2B}"/>
+                <a16:creationId xmlns:a16="http://schemas.microsoft.com/office/drawing/2014/main" id="{4A2DF563-7FAC-46B3-B24C-7E45CD89DA2B}"/>
               </a:ext>
             </a:extLst>
           </p:cNvPr>
@@ -17970,10 +17954,9 @@
           <a:p>
             <a:pPr lvl="0"/>
             <a:r>
-              <a:rPr lang="en-US" noProof="0" smtClean="0"/>
+              <a:rPr lang="en-US" noProof="0"/>
               <a:t>Click to edit Master title style</a:t>
             </a:r>
-            <a:endParaRPr lang="en-US" noProof="0"/>
           </a:p>
         </p:txBody>
       </p:sp>
@@ -17982,7 +17965,7 @@
           <p:cNvPr id="5" name="Slide Number Placeholder 4">
             <a:extLst>
               <a:ext uri="{FF2B5EF4-FFF2-40B4-BE49-F238E27FC236}">
-                <a16:creationId xmlns:a16="http://schemas.microsoft.com/office/drawing/2014/main" xmlns="" id="{87B51822-97FF-47A7-8E4E-A0F79B4EB237}"/>
+                <a16:creationId xmlns:a16="http://schemas.microsoft.com/office/drawing/2014/main" id="{87B51822-97FF-47A7-8E4E-A0F79B4EB237}"/>
               </a:ext>
             </a:extLst>
           </p:cNvPr>
@@ -18026,7 +18009,7 @@
           <p:cNvPr id="15" name="Group 14">
             <a:extLst>
               <a:ext uri="{FF2B5EF4-FFF2-40B4-BE49-F238E27FC236}">
-                <a16:creationId xmlns:a16="http://schemas.microsoft.com/office/drawing/2014/main" xmlns="" id="{7732E1E7-45E3-4264-8F26-66758696DD1E}"/>
+                <a16:creationId xmlns:a16="http://schemas.microsoft.com/office/drawing/2014/main" id="{7732E1E7-45E3-4264-8F26-66758696DD1E}"/>
               </a:ext>
             </a:extLst>
           </p:cNvPr>
@@ -18046,7 +18029,7 @@
             <p:cNvPr id="16" name="Freeform: Shape 15">
               <a:extLst>
                 <a:ext uri="{FF2B5EF4-FFF2-40B4-BE49-F238E27FC236}">
-                  <a16:creationId xmlns:a16="http://schemas.microsoft.com/office/drawing/2014/main" xmlns="" id="{2E3DF883-8093-49FA-81E1-E5D77F086A25}"/>
+                  <a16:creationId xmlns:a16="http://schemas.microsoft.com/office/drawing/2014/main" id="{2E3DF883-8093-49FA-81E1-E5D77F086A25}"/>
                 </a:ext>
               </a:extLst>
             </p:cNvPr>
@@ -18136,7 +18119,7 @@
             <p:cNvPr id="17" name="Freeform: Shape 16">
               <a:extLst>
                 <a:ext uri="{FF2B5EF4-FFF2-40B4-BE49-F238E27FC236}">
-                  <a16:creationId xmlns:a16="http://schemas.microsoft.com/office/drawing/2014/main" xmlns="" id="{18944C90-37E5-4BBE-89FF-060627168050}"/>
+                  <a16:creationId xmlns:a16="http://schemas.microsoft.com/office/drawing/2014/main" id="{18944C90-37E5-4BBE-89FF-060627168050}"/>
                 </a:ext>
               </a:extLst>
             </p:cNvPr>
@@ -18235,7 +18218,7 @@
           <p:cNvPr id="23" name="Text Placeholder 22">
             <a:extLst>
               <a:ext uri="{FF2B5EF4-FFF2-40B4-BE49-F238E27FC236}">
-                <a16:creationId xmlns:a16="http://schemas.microsoft.com/office/drawing/2014/main" xmlns="" id="{03618670-D1E4-466C-BDB5-FC890AC31457}"/>
+                <a16:creationId xmlns:a16="http://schemas.microsoft.com/office/drawing/2014/main" id="{03618670-D1E4-466C-BDB5-FC890AC31457}"/>
               </a:ext>
             </a:extLst>
           </p:cNvPr>
@@ -18333,21 +18316,21 @@
           <a:p>
             <a:pPr lvl="0"/>
             <a:r>
-              <a:rPr lang="en-US" noProof="0" smtClean="0"/>
+              <a:rPr lang="en-US" noProof="0"/>
               <a:t>Click to edit Master text styles</a:t>
             </a:r>
           </a:p>
           <a:p>
             <a:pPr lvl="1"/>
             <a:r>
-              <a:rPr lang="en-US" noProof="0" smtClean="0"/>
+              <a:rPr lang="en-US" noProof="0"/>
               <a:t>Second level</a:t>
             </a:r>
           </a:p>
           <a:p>
             <a:pPr lvl="2"/>
             <a:r>
-              <a:rPr lang="en-US" noProof="0" smtClean="0"/>
+              <a:rPr lang="en-US" noProof="0"/>
               <a:t>Third level</a:t>
             </a:r>
           </a:p>
@@ -18356,7 +18339,7 @@
     </p:spTree>
     <p:extLst>
       <p:ext uri="{BB962C8B-B14F-4D97-AF65-F5344CB8AC3E}">
-        <p14:creationId xmlns:p14="http://schemas.microsoft.com/office/powerpoint/2010/main" xmlns="" val="274574868"/>
+        <p14:creationId xmlns:p14="http://schemas.microsoft.com/office/powerpoint/2010/main" val="274574868"/>
       </p:ext>
     </p:extLst>
   </p:cSld>
@@ -18396,7 +18379,7 @@
           <p:cNvPr id="11" name="Rectangle 10">
             <a:extLst>
               <a:ext uri="{FF2B5EF4-FFF2-40B4-BE49-F238E27FC236}">
-                <a16:creationId xmlns:a16="http://schemas.microsoft.com/office/drawing/2014/main" xmlns="" id="{EB3E033F-4449-40FA-BC85-BD2712D313DD}"/>
+                <a16:creationId xmlns:a16="http://schemas.microsoft.com/office/drawing/2014/main" id="{EB3E033F-4449-40FA-BC85-BD2712D313DD}"/>
               </a:ext>
             </a:extLst>
           </p:cNvPr>
@@ -18450,7 +18433,7 @@
           <p:cNvPr id="10" name="Freeform: Shape 9">
             <a:extLst>
               <a:ext uri="{FF2B5EF4-FFF2-40B4-BE49-F238E27FC236}">
-                <a16:creationId xmlns:a16="http://schemas.microsoft.com/office/drawing/2014/main" xmlns="" id="{63D26743-0505-444C-80B3-E88EE87DF72B}"/>
+                <a16:creationId xmlns:a16="http://schemas.microsoft.com/office/drawing/2014/main" id="{63D26743-0505-444C-80B3-E88EE87DF72B}"/>
               </a:ext>
             </a:extLst>
           </p:cNvPr>
@@ -18573,7 +18556,7 @@
           <p:cNvPr id="18" name="Freeform: Shape 17">
             <a:extLst>
               <a:ext uri="{FF2B5EF4-FFF2-40B4-BE49-F238E27FC236}">
-                <a16:creationId xmlns:a16="http://schemas.microsoft.com/office/drawing/2014/main" xmlns="" id="{E37145E9-AC61-47D5-9288-8789940F81B6}"/>
+                <a16:creationId xmlns:a16="http://schemas.microsoft.com/office/drawing/2014/main" id="{E37145E9-AC61-47D5-9288-8789940F81B6}"/>
               </a:ext>
             </a:extLst>
           </p:cNvPr>
@@ -18725,7 +18708,7 @@
           <p:cNvPr id="12" name="Freeform: Shape 11">
             <a:extLst>
               <a:ext uri="{FF2B5EF4-FFF2-40B4-BE49-F238E27FC236}">
-                <a16:creationId xmlns:a16="http://schemas.microsoft.com/office/drawing/2014/main" xmlns="" id="{A5E2B3ED-9A49-40A7-B8A3-62595FE513F9}"/>
+                <a16:creationId xmlns:a16="http://schemas.microsoft.com/office/drawing/2014/main" id="{A5E2B3ED-9A49-40A7-B8A3-62595FE513F9}"/>
               </a:ext>
             </a:extLst>
           </p:cNvPr>
@@ -18875,7 +18858,7 @@
           <p:cNvPr id="8" name="Freeform: Shape 7">
             <a:extLst>
               <a:ext uri="{FF2B5EF4-FFF2-40B4-BE49-F238E27FC236}">
-                <a16:creationId xmlns:a16="http://schemas.microsoft.com/office/drawing/2014/main" xmlns="" id="{1599AF7E-3E34-4597-AA72-9373A7FDB020}"/>
+                <a16:creationId xmlns:a16="http://schemas.microsoft.com/office/drawing/2014/main" id="{1599AF7E-3E34-4597-AA72-9373A7FDB020}"/>
               </a:ext>
             </a:extLst>
           </p:cNvPr>
@@ -19021,7 +19004,7 @@
           <p:cNvPr id="2" name="Title 1">
             <a:extLst>
               <a:ext uri="{FF2B5EF4-FFF2-40B4-BE49-F238E27FC236}">
-                <a16:creationId xmlns:a16="http://schemas.microsoft.com/office/drawing/2014/main" xmlns="" id="{4A2DF563-7FAC-46B3-B24C-7E45CD89DA2B}"/>
+                <a16:creationId xmlns:a16="http://schemas.microsoft.com/office/drawing/2014/main" id="{4A2DF563-7FAC-46B3-B24C-7E45CD89DA2B}"/>
               </a:ext>
             </a:extLst>
           </p:cNvPr>
@@ -19055,10 +19038,9 @@
           <a:p>
             <a:pPr lvl="0"/>
             <a:r>
-              <a:rPr lang="en-US" noProof="0" smtClean="0"/>
+              <a:rPr lang="en-US" noProof="0"/>
               <a:t>Click to edit Master title style</a:t>
             </a:r>
-            <a:endParaRPr lang="en-US" noProof="0"/>
           </a:p>
         </p:txBody>
       </p:sp>
@@ -19067,7 +19049,7 @@
           <p:cNvPr id="15" name="Group 14">
             <a:extLst>
               <a:ext uri="{FF2B5EF4-FFF2-40B4-BE49-F238E27FC236}">
-                <a16:creationId xmlns:a16="http://schemas.microsoft.com/office/drawing/2014/main" xmlns="" id="{7732E1E7-45E3-4264-8F26-66758696DD1E}"/>
+                <a16:creationId xmlns:a16="http://schemas.microsoft.com/office/drawing/2014/main" id="{7732E1E7-45E3-4264-8F26-66758696DD1E}"/>
               </a:ext>
             </a:extLst>
           </p:cNvPr>
@@ -19087,7 +19069,7 @@
             <p:cNvPr id="16" name="Freeform: Shape 15">
               <a:extLst>
                 <a:ext uri="{FF2B5EF4-FFF2-40B4-BE49-F238E27FC236}">
-                  <a16:creationId xmlns:a16="http://schemas.microsoft.com/office/drawing/2014/main" xmlns="" id="{2E3DF883-8093-49FA-81E1-E5D77F086A25}"/>
+                  <a16:creationId xmlns:a16="http://schemas.microsoft.com/office/drawing/2014/main" id="{2E3DF883-8093-49FA-81E1-E5D77F086A25}"/>
                 </a:ext>
               </a:extLst>
             </p:cNvPr>
@@ -19177,7 +19159,7 @@
             <p:cNvPr id="17" name="Freeform: Shape 16">
               <a:extLst>
                 <a:ext uri="{FF2B5EF4-FFF2-40B4-BE49-F238E27FC236}">
-                  <a16:creationId xmlns:a16="http://schemas.microsoft.com/office/drawing/2014/main" xmlns="" id="{18944C90-37E5-4BBE-89FF-060627168050}"/>
+                  <a16:creationId xmlns:a16="http://schemas.microsoft.com/office/drawing/2014/main" id="{18944C90-37E5-4BBE-89FF-060627168050}"/>
                 </a:ext>
               </a:extLst>
             </p:cNvPr>
@@ -19276,7 +19258,7 @@
           <p:cNvPr id="6" name="Group 5">
             <a:extLst>
               <a:ext uri="{FF2B5EF4-FFF2-40B4-BE49-F238E27FC236}">
-                <a16:creationId xmlns:a16="http://schemas.microsoft.com/office/drawing/2014/main" xmlns="" id="{D9EBF8BB-A805-4DDB-B459-082F99815B95}"/>
+                <a16:creationId xmlns:a16="http://schemas.microsoft.com/office/drawing/2014/main" id="{D9EBF8BB-A805-4DDB-B459-082F99815B95}"/>
               </a:ext>
             </a:extLst>
           </p:cNvPr>
@@ -19296,7 +19278,7 @@
             <p:cNvPr id="19" name="Rectangle: Single Corner Snipped 18">
               <a:extLst>
                 <a:ext uri="{FF2B5EF4-FFF2-40B4-BE49-F238E27FC236}">
-                  <a16:creationId xmlns:a16="http://schemas.microsoft.com/office/drawing/2014/main" xmlns="" id="{5D638788-DD47-45E7-939A-FA108A818173}"/>
+                  <a16:creationId xmlns:a16="http://schemas.microsoft.com/office/drawing/2014/main" id="{5D638788-DD47-45E7-939A-FA108A818173}"/>
                 </a:ext>
               </a:extLst>
             </p:cNvPr>
@@ -19362,7 +19344,7 @@
             <p:cNvPr id="3" name="Rectangle: Single Corner Snipped 2">
               <a:extLst>
                 <a:ext uri="{FF2B5EF4-FFF2-40B4-BE49-F238E27FC236}">
-                  <a16:creationId xmlns:a16="http://schemas.microsoft.com/office/drawing/2014/main" xmlns="" id="{74BDECEF-EEFE-4332-B3B2-BDE4F82C10FC}"/>
+                  <a16:creationId xmlns:a16="http://schemas.microsoft.com/office/drawing/2014/main" id="{74BDECEF-EEFE-4332-B3B2-BDE4F82C10FC}"/>
                 </a:ext>
               </a:extLst>
             </p:cNvPr>
@@ -19419,7 +19401,7 @@
           <p:cNvPr id="24" name="Freeform: Shape 23">
             <a:extLst>
               <a:ext uri="{FF2B5EF4-FFF2-40B4-BE49-F238E27FC236}">
-                <a16:creationId xmlns:a16="http://schemas.microsoft.com/office/drawing/2014/main" xmlns="" id="{18103E00-7E4A-44CD-81AC-06433CAE1110}"/>
+                <a16:creationId xmlns:a16="http://schemas.microsoft.com/office/drawing/2014/main" id="{18103E00-7E4A-44CD-81AC-06433CAE1110}"/>
               </a:ext>
             </a:extLst>
           </p:cNvPr>
@@ -19514,7 +19496,7 @@
           <p:cNvPr id="5" name="Slide Number Placeholder 4">
             <a:extLst>
               <a:ext uri="{FF2B5EF4-FFF2-40B4-BE49-F238E27FC236}">
-                <a16:creationId xmlns:a16="http://schemas.microsoft.com/office/drawing/2014/main" xmlns="" id="{87B51822-97FF-47A7-8E4E-A0F79B4EB237}"/>
+                <a16:creationId xmlns:a16="http://schemas.microsoft.com/office/drawing/2014/main" id="{87B51822-97FF-47A7-8E4E-A0F79B4EB237}"/>
               </a:ext>
             </a:extLst>
           </p:cNvPr>
@@ -19556,7 +19538,7 @@
     </p:spTree>
     <p:extLst>
       <p:ext uri="{BB962C8B-B14F-4D97-AF65-F5344CB8AC3E}">
-        <p14:creationId xmlns:p14="http://schemas.microsoft.com/office/powerpoint/2010/main" xmlns="" val="4073704932"/>
+        <p14:creationId xmlns:p14="http://schemas.microsoft.com/office/powerpoint/2010/main" val="4073704932"/>
       </p:ext>
     </p:extLst>
   </p:cSld>
@@ -19596,7 +19578,7 @@
           <p:cNvPr id="11" name="Rectangle 10">
             <a:extLst>
               <a:ext uri="{FF2B5EF4-FFF2-40B4-BE49-F238E27FC236}">
-                <a16:creationId xmlns:a16="http://schemas.microsoft.com/office/drawing/2014/main" xmlns="" id="{EB3E033F-4449-40FA-BC85-BD2712D313DD}"/>
+                <a16:creationId xmlns:a16="http://schemas.microsoft.com/office/drawing/2014/main" id="{EB3E033F-4449-40FA-BC85-BD2712D313DD}"/>
               </a:ext>
             </a:extLst>
           </p:cNvPr>
@@ -19650,7 +19632,7 @@
           <p:cNvPr id="10" name="Freeform: Shape 9">
             <a:extLst>
               <a:ext uri="{FF2B5EF4-FFF2-40B4-BE49-F238E27FC236}">
-                <a16:creationId xmlns:a16="http://schemas.microsoft.com/office/drawing/2014/main" xmlns="" id="{63D26743-0505-444C-80B3-E88EE87DF72B}"/>
+                <a16:creationId xmlns:a16="http://schemas.microsoft.com/office/drawing/2014/main" id="{63D26743-0505-444C-80B3-E88EE87DF72B}"/>
               </a:ext>
             </a:extLst>
           </p:cNvPr>
@@ -19773,7 +19755,7 @@
           <p:cNvPr id="18" name="Freeform: Shape 17">
             <a:extLst>
               <a:ext uri="{FF2B5EF4-FFF2-40B4-BE49-F238E27FC236}">
-                <a16:creationId xmlns:a16="http://schemas.microsoft.com/office/drawing/2014/main" xmlns="" id="{E37145E9-AC61-47D5-9288-8789940F81B6}"/>
+                <a16:creationId xmlns:a16="http://schemas.microsoft.com/office/drawing/2014/main" id="{E37145E9-AC61-47D5-9288-8789940F81B6}"/>
               </a:ext>
             </a:extLst>
           </p:cNvPr>
@@ -19925,7 +19907,7 @@
           <p:cNvPr id="12" name="Freeform: Shape 11">
             <a:extLst>
               <a:ext uri="{FF2B5EF4-FFF2-40B4-BE49-F238E27FC236}">
-                <a16:creationId xmlns:a16="http://schemas.microsoft.com/office/drawing/2014/main" xmlns="" id="{A5E2B3ED-9A49-40A7-B8A3-62595FE513F9}"/>
+                <a16:creationId xmlns:a16="http://schemas.microsoft.com/office/drawing/2014/main" id="{A5E2B3ED-9A49-40A7-B8A3-62595FE513F9}"/>
               </a:ext>
             </a:extLst>
           </p:cNvPr>
@@ -20075,7 +20057,7 @@
           <p:cNvPr id="8" name="Freeform: Shape 7">
             <a:extLst>
               <a:ext uri="{FF2B5EF4-FFF2-40B4-BE49-F238E27FC236}">
-                <a16:creationId xmlns:a16="http://schemas.microsoft.com/office/drawing/2014/main" xmlns="" id="{1599AF7E-3E34-4597-AA72-9373A7FDB020}"/>
+                <a16:creationId xmlns:a16="http://schemas.microsoft.com/office/drawing/2014/main" id="{1599AF7E-3E34-4597-AA72-9373A7FDB020}"/>
               </a:ext>
             </a:extLst>
           </p:cNvPr>
@@ -20221,7 +20203,7 @@
           <p:cNvPr id="2" name="Title 1">
             <a:extLst>
               <a:ext uri="{FF2B5EF4-FFF2-40B4-BE49-F238E27FC236}">
-                <a16:creationId xmlns:a16="http://schemas.microsoft.com/office/drawing/2014/main" xmlns="" id="{4A2DF563-7FAC-46B3-B24C-7E45CD89DA2B}"/>
+                <a16:creationId xmlns:a16="http://schemas.microsoft.com/office/drawing/2014/main" id="{4A2DF563-7FAC-46B3-B24C-7E45CD89DA2B}"/>
               </a:ext>
             </a:extLst>
           </p:cNvPr>
@@ -20255,10 +20237,9 @@
           <a:p>
             <a:pPr lvl="0"/>
             <a:r>
-              <a:rPr lang="en-US" noProof="0" smtClean="0"/>
+              <a:rPr lang="en-US" noProof="0"/>
               <a:t>Click to edit Master title style</a:t>
             </a:r>
-            <a:endParaRPr lang="en-US" noProof="0"/>
           </a:p>
         </p:txBody>
       </p:sp>
@@ -20267,7 +20248,7 @@
           <p:cNvPr id="15" name="Group 14">
             <a:extLst>
               <a:ext uri="{FF2B5EF4-FFF2-40B4-BE49-F238E27FC236}">
-                <a16:creationId xmlns:a16="http://schemas.microsoft.com/office/drawing/2014/main" xmlns="" id="{7732E1E7-45E3-4264-8F26-66758696DD1E}"/>
+                <a16:creationId xmlns:a16="http://schemas.microsoft.com/office/drawing/2014/main" id="{7732E1E7-45E3-4264-8F26-66758696DD1E}"/>
               </a:ext>
             </a:extLst>
           </p:cNvPr>
@@ -20287,7 +20268,7 @@
             <p:cNvPr id="16" name="Freeform: Shape 15">
               <a:extLst>
                 <a:ext uri="{FF2B5EF4-FFF2-40B4-BE49-F238E27FC236}">
-                  <a16:creationId xmlns:a16="http://schemas.microsoft.com/office/drawing/2014/main" xmlns="" id="{2E3DF883-8093-49FA-81E1-E5D77F086A25}"/>
+                  <a16:creationId xmlns:a16="http://schemas.microsoft.com/office/drawing/2014/main" id="{2E3DF883-8093-49FA-81E1-E5D77F086A25}"/>
                 </a:ext>
               </a:extLst>
             </p:cNvPr>
@@ -20377,7 +20358,7 @@
             <p:cNvPr id="17" name="Freeform: Shape 16">
               <a:extLst>
                 <a:ext uri="{FF2B5EF4-FFF2-40B4-BE49-F238E27FC236}">
-                  <a16:creationId xmlns:a16="http://schemas.microsoft.com/office/drawing/2014/main" xmlns="" id="{18944C90-37E5-4BBE-89FF-060627168050}"/>
+                  <a16:creationId xmlns:a16="http://schemas.microsoft.com/office/drawing/2014/main" id="{18944C90-37E5-4BBE-89FF-060627168050}"/>
                 </a:ext>
               </a:extLst>
             </p:cNvPr>
@@ -20476,7 +20457,7 @@
           <p:cNvPr id="6" name="Group 5">
             <a:extLst>
               <a:ext uri="{FF2B5EF4-FFF2-40B4-BE49-F238E27FC236}">
-                <a16:creationId xmlns:a16="http://schemas.microsoft.com/office/drawing/2014/main" xmlns="" id="{D9EBF8BB-A805-4DDB-B459-082F99815B95}"/>
+                <a16:creationId xmlns:a16="http://schemas.microsoft.com/office/drawing/2014/main" id="{D9EBF8BB-A805-4DDB-B459-082F99815B95}"/>
               </a:ext>
             </a:extLst>
           </p:cNvPr>
@@ -20496,7 +20477,7 @@
             <p:cNvPr id="19" name="Rectangle: Single Corner Snipped 18">
               <a:extLst>
                 <a:ext uri="{FF2B5EF4-FFF2-40B4-BE49-F238E27FC236}">
-                  <a16:creationId xmlns:a16="http://schemas.microsoft.com/office/drawing/2014/main" xmlns="" id="{5D638788-DD47-45E7-939A-FA108A818173}"/>
+                  <a16:creationId xmlns:a16="http://schemas.microsoft.com/office/drawing/2014/main" id="{5D638788-DD47-45E7-939A-FA108A818173}"/>
                 </a:ext>
               </a:extLst>
             </p:cNvPr>
@@ -20562,7 +20543,7 @@
             <p:cNvPr id="3" name="Rectangle: Single Corner Snipped 2">
               <a:extLst>
                 <a:ext uri="{FF2B5EF4-FFF2-40B4-BE49-F238E27FC236}">
-                  <a16:creationId xmlns:a16="http://schemas.microsoft.com/office/drawing/2014/main" xmlns="" id="{74BDECEF-EEFE-4332-B3B2-BDE4F82C10FC}"/>
+                  <a16:creationId xmlns:a16="http://schemas.microsoft.com/office/drawing/2014/main" id="{74BDECEF-EEFE-4332-B3B2-BDE4F82C10FC}"/>
                 </a:ext>
               </a:extLst>
             </p:cNvPr>
@@ -20619,7 +20600,7 @@
           <p:cNvPr id="24" name="Freeform: Shape 23">
             <a:extLst>
               <a:ext uri="{FF2B5EF4-FFF2-40B4-BE49-F238E27FC236}">
-                <a16:creationId xmlns:a16="http://schemas.microsoft.com/office/drawing/2014/main" xmlns="" id="{18103E00-7E4A-44CD-81AC-06433CAE1110}"/>
+                <a16:creationId xmlns:a16="http://schemas.microsoft.com/office/drawing/2014/main" id="{18103E00-7E4A-44CD-81AC-06433CAE1110}"/>
               </a:ext>
             </a:extLst>
           </p:cNvPr>
@@ -20714,7 +20695,7 @@
           <p:cNvPr id="5" name="Slide Number Placeholder 4">
             <a:extLst>
               <a:ext uri="{FF2B5EF4-FFF2-40B4-BE49-F238E27FC236}">
-                <a16:creationId xmlns:a16="http://schemas.microsoft.com/office/drawing/2014/main" xmlns="" id="{87B51822-97FF-47A7-8E4E-A0F79B4EB237}"/>
+                <a16:creationId xmlns:a16="http://schemas.microsoft.com/office/drawing/2014/main" id="{87B51822-97FF-47A7-8E4E-A0F79B4EB237}"/>
               </a:ext>
             </a:extLst>
           </p:cNvPr>
@@ -20758,7 +20739,7 @@
           <p:cNvPr id="7" name="Text Placeholder 6">
             <a:extLst>
               <a:ext uri="{FF2B5EF4-FFF2-40B4-BE49-F238E27FC236}">
-                <a16:creationId xmlns:a16="http://schemas.microsoft.com/office/drawing/2014/main" xmlns="" id="{7E0C167E-2626-40DB-AACF-D02543E29BB3}"/>
+                <a16:creationId xmlns:a16="http://schemas.microsoft.com/office/drawing/2014/main" id="{7E0C167E-2626-40DB-AACF-D02543E29BB3}"/>
               </a:ext>
             </a:extLst>
           </p:cNvPr>
@@ -20792,7 +20773,7 @@
           <a:p>
             <a:pPr lvl="0"/>
             <a:r>
-              <a:rPr lang="en-US" noProof="0" smtClean="0"/>
+              <a:rPr lang="en-US" noProof="0"/>
               <a:t>Click to edit Master text styles</a:t>
             </a:r>
           </a:p>
@@ -20801,7 +20782,7 @@
     </p:spTree>
     <p:extLst>
       <p:ext uri="{BB962C8B-B14F-4D97-AF65-F5344CB8AC3E}">
-        <p14:creationId xmlns:p14="http://schemas.microsoft.com/office/powerpoint/2010/main" xmlns="" val="2904744868"/>
+        <p14:creationId xmlns:p14="http://schemas.microsoft.com/office/powerpoint/2010/main" val="2904744868"/>
       </p:ext>
     </p:extLst>
   </p:cSld>
@@ -20841,7 +20822,7 @@
           <p:cNvPr id="11" name="Rectangle 10">
             <a:extLst>
               <a:ext uri="{FF2B5EF4-FFF2-40B4-BE49-F238E27FC236}">
-                <a16:creationId xmlns:a16="http://schemas.microsoft.com/office/drawing/2014/main" xmlns="" id="{EB3E033F-4449-40FA-BC85-BD2712D313DD}"/>
+                <a16:creationId xmlns:a16="http://schemas.microsoft.com/office/drawing/2014/main" id="{EB3E033F-4449-40FA-BC85-BD2712D313DD}"/>
               </a:ext>
             </a:extLst>
           </p:cNvPr>
@@ -20895,7 +20876,7 @@
           <p:cNvPr id="10" name="Freeform: Shape 9">
             <a:extLst>
               <a:ext uri="{FF2B5EF4-FFF2-40B4-BE49-F238E27FC236}">
-                <a16:creationId xmlns:a16="http://schemas.microsoft.com/office/drawing/2014/main" xmlns="" id="{63D26743-0505-444C-80B3-E88EE87DF72B}"/>
+                <a16:creationId xmlns:a16="http://schemas.microsoft.com/office/drawing/2014/main" id="{63D26743-0505-444C-80B3-E88EE87DF72B}"/>
               </a:ext>
             </a:extLst>
           </p:cNvPr>
@@ -21018,7 +20999,7 @@
           <p:cNvPr id="18" name="Freeform: Shape 17">
             <a:extLst>
               <a:ext uri="{FF2B5EF4-FFF2-40B4-BE49-F238E27FC236}">
-                <a16:creationId xmlns:a16="http://schemas.microsoft.com/office/drawing/2014/main" xmlns="" id="{E37145E9-AC61-47D5-9288-8789940F81B6}"/>
+                <a16:creationId xmlns:a16="http://schemas.microsoft.com/office/drawing/2014/main" id="{E37145E9-AC61-47D5-9288-8789940F81B6}"/>
               </a:ext>
             </a:extLst>
           </p:cNvPr>
@@ -21170,7 +21151,7 @@
           <p:cNvPr id="12" name="Freeform: Shape 11">
             <a:extLst>
               <a:ext uri="{FF2B5EF4-FFF2-40B4-BE49-F238E27FC236}">
-                <a16:creationId xmlns:a16="http://schemas.microsoft.com/office/drawing/2014/main" xmlns="" id="{A5E2B3ED-9A49-40A7-B8A3-62595FE513F9}"/>
+                <a16:creationId xmlns:a16="http://schemas.microsoft.com/office/drawing/2014/main" id="{A5E2B3ED-9A49-40A7-B8A3-62595FE513F9}"/>
               </a:ext>
             </a:extLst>
           </p:cNvPr>
@@ -21320,7 +21301,7 @@
           <p:cNvPr id="8" name="Freeform: Shape 7">
             <a:extLst>
               <a:ext uri="{FF2B5EF4-FFF2-40B4-BE49-F238E27FC236}">
-                <a16:creationId xmlns:a16="http://schemas.microsoft.com/office/drawing/2014/main" xmlns="" id="{1599AF7E-3E34-4597-AA72-9373A7FDB020}"/>
+                <a16:creationId xmlns:a16="http://schemas.microsoft.com/office/drawing/2014/main" id="{1599AF7E-3E34-4597-AA72-9373A7FDB020}"/>
               </a:ext>
             </a:extLst>
           </p:cNvPr>
@@ -21466,7 +21447,7 @@
           <p:cNvPr id="2" name="Title 1">
             <a:extLst>
               <a:ext uri="{FF2B5EF4-FFF2-40B4-BE49-F238E27FC236}">
-                <a16:creationId xmlns:a16="http://schemas.microsoft.com/office/drawing/2014/main" xmlns="" id="{4A2DF563-7FAC-46B3-B24C-7E45CD89DA2B}"/>
+                <a16:creationId xmlns:a16="http://schemas.microsoft.com/office/drawing/2014/main" id="{4A2DF563-7FAC-46B3-B24C-7E45CD89DA2B}"/>
               </a:ext>
             </a:extLst>
           </p:cNvPr>
@@ -21500,10 +21481,9 @@
           <a:p>
             <a:pPr lvl="0"/>
             <a:r>
-              <a:rPr lang="en-US" noProof="0" smtClean="0"/>
+              <a:rPr lang="en-US" noProof="0"/>
               <a:t>Click to edit Master title style</a:t>
             </a:r>
-            <a:endParaRPr lang="en-US" noProof="0"/>
           </a:p>
         </p:txBody>
       </p:sp>
@@ -21512,7 +21492,7 @@
           <p:cNvPr id="15" name="Group 14">
             <a:extLst>
               <a:ext uri="{FF2B5EF4-FFF2-40B4-BE49-F238E27FC236}">
-                <a16:creationId xmlns:a16="http://schemas.microsoft.com/office/drawing/2014/main" xmlns="" id="{7732E1E7-45E3-4264-8F26-66758696DD1E}"/>
+                <a16:creationId xmlns:a16="http://schemas.microsoft.com/office/drawing/2014/main" id="{7732E1E7-45E3-4264-8F26-66758696DD1E}"/>
               </a:ext>
             </a:extLst>
           </p:cNvPr>
@@ -21532,7 +21512,7 @@
             <p:cNvPr id="16" name="Freeform: Shape 15">
               <a:extLst>
                 <a:ext uri="{FF2B5EF4-FFF2-40B4-BE49-F238E27FC236}">
-                  <a16:creationId xmlns:a16="http://schemas.microsoft.com/office/drawing/2014/main" xmlns="" id="{2E3DF883-8093-49FA-81E1-E5D77F086A25}"/>
+                  <a16:creationId xmlns:a16="http://schemas.microsoft.com/office/drawing/2014/main" id="{2E3DF883-8093-49FA-81E1-E5D77F086A25}"/>
                 </a:ext>
               </a:extLst>
             </p:cNvPr>
@@ -21622,7 +21602,7 @@
             <p:cNvPr id="17" name="Freeform: Shape 16">
               <a:extLst>
                 <a:ext uri="{FF2B5EF4-FFF2-40B4-BE49-F238E27FC236}">
-                  <a16:creationId xmlns:a16="http://schemas.microsoft.com/office/drawing/2014/main" xmlns="" id="{18944C90-37E5-4BBE-89FF-060627168050}"/>
+                  <a16:creationId xmlns:a16="http://schemas.microsoft.com/office/drawing/2014/main" id="{18944C90-37E5-4BBE-89FF-060627168050}"/>
                 </a:ext>
               </a:extLst>
             </p:cNvPr>
@@ -21721,7 +21701,7 @@
           <p:cNvPr id="6" name="Group 5">
             <a:extLst>
               <a:ext uri="{FF2B5EF4-FFF2-40B4-BE49-F238E27FC236}">
-                <a16:creationId xmlns:a16="http://schemas.microsoft.com/office/drawing/2014/main" xmlns="" id="{D9EBF8BB-A805-4DDB-B459-082F99815B95}"/>
+                <a16:creationId xmlns:a16="http://schemas.microsoft.com/office/drawing/2014/main" id="{D9EBF8BB-A805-4DDB-B459-082F99815B95}"/>
               </a:ext>
             </a:extLst>
           </p:cNvPr>
@@ -21741,7 +21721,7 @@
             <p:cNvPr id="19" name="Rectangle: Single Corner Snipped 18">
               <a:extLst>
                 <a:ext uri="{FF2B5EF4-FFF2-40B4-BE49-F238E27FC236}">
-                  <a16:creationId xmlns:a16="http://schemas.microsoft.com/office/drawing/2014/main" xmlns="" id="{5D638788-DD47-45E7-939A-FA108A818173}"/>
+                  <a16:creationId xmlns:a16="http://schemas.microsoft.com/office/drawing/2014/main" id="{5D638788-DD47-45E7-939A-FA108A818173}"/>
                 </a:ext>
               </a:extLst>
             </p:cNvPr>
@@ -21807,7 +21787,7 @@
             <p:cNvPr id="3" name="Rectangle: Single Corner Snipped 2">
               <a:extLst>
                 <a:ext uri="{FF2B5EF4-FFF2-40B4-BE49-F238E27FC236}">
-                  <a16:creationId xmlns:a16="http://schemas.microsoft.com/office/drawing/2014/main" xmlns="" id="{74BDECEF-EEFE-4332-B3B2-BDE4F82C10FC}"/>
+                  <a16:creationId xmlns:a16="http://schemas.microsoft.com/office/drawing/2014/main" id="{74BDECEF-EEFE-4332-B3B2-BDE4F82C10FC}"/>
                 </a:ext>
               </a:extLst>
             </p:cNvPr>
@@ -21864,7 +21844,7 @@
           <p:cNvPr id="24" name="Freeform: Shape 23">
             <a:extLst>
               <a:ext uri="{FF2B5EF4-FFF2-40B4-BE49-F238E27FC236}">
-                <a16:creationId xmlns:a16="http://schemas.microsoft.com/office/drawing/2014/main" xmlns="" id="{18103E00-7E4A-44CD-81AC-06433CAE1110}"/>
+                <a16:creationId xmlns:a16="http://schemas.microsoft.com/office/drawing/2014/main" id="{18103E00-7E4A-44CD-81AC-06433CAE1110}"/>
               </a:ext>
             </a:extLst>
           </p:cNvPr>
@@ -21959,7 +21939,7 @@
           <p:cNvPr id="5" name="Slide Number Placeholder 4">
             <a:extLst>
               <a:ext uri="{FF2B5EF4-FFF2-40B4-BE49-F238E27FC236}">
-                <a16:creationId xmlns:a16="http://schemas.microsoft.com/office/drawing/2014/main" xmlns="" id="{87B51822-97FF-47A7-8E4E-A0F79B4EB237}"/>
+                <a16:creationId xmlns:a16="http://schemas.microsoft.com/office/drawing/2014/main" id="{87B51822-97FF-47A7-8E4E-A0F79B4EB237}"/>
               </a:ext>
             </a:extLst>
           </p:cNvPr>
@@ -22003,7 +21983,7 @@
           <p:cNvPr id="20" name="Content Placeholder 2">
             <a:extLst>
               <a:ext uri="{FF2B5EF4-FFF2-40B4-BE49-F238E27FC236}">
-                <a16:creationId xmlns:a16="http://schemas.microsoft.com/office/drawing/2014/main" xmlns="" id="{0103A49C-32FF-49E6-86F3-FC2E19517BD5}"/>
+                <a16:creationId xmlns:a16="http://schemas.microsoft.com/office/drawing/2014/main" id="{0103A49C-32FF-49E6-86F3-FC2E19517BD5}"/>
               </a:ext>
             </a:extLst>
           </p:cNvPr>
@@ -22062,45 +22042,44 @@
           <a:p>
             <a:pPr lvl="0"/>
             <a:r>
-              <a:rPr lang="en-US" noProof="0" smtClean="0"/>
+              <a:rPr lang="en-US" noProof="0"/>
               <a:t>Click to edit Master text styles</a:t>
             </a:r>
           </a:p>
           <a:p>
             <a:pPr lvl="1"/>
             <a:r>
-              <a:rPr lang="en-US" noProof="0" smtClean="0"/>
+              <a:rPr lang="en-US" noProof="0"/>
               <a:t>Second level</a:t>
             </a:r>
           </a:p>
           <a:p>
             <a:pPr lvl="2"/>
             <a:r>
-              <a:rPr lang="en-US" noProof="0" smtClean="0"/>
+              <a:rPr lang="en-US" noProof="0"/>
               <a:t>Third level</a:t>
             </a:r>
           </a:p>
           <a:p>
             <a:pPr lvl="3"/>
             <a:r>
-              <a:rPr lang="en-US" noProof="0" smtClean="0"/>
+              <a:rPr lang="en-US" noProof="0"/>
               <a:t>Fourth level</a:t>
             </a:r>
           </a:p>
           <a:p>
             <a:pPr lvl="4"/>
             <a:r>
-              <a:rPr lang="en-US" noProof="0" smtClean="0"/>
+              <a:rPr lang="en-US" noProof="0"/>
               <a:t>Fifth level</a:t>
             </a:r>
-            <a:endParaRPr lang="en-US" noProof="0"/>
           </a:p>
         </p:txBody>
       </p:sp>
     </p:spTree>
     <p:extLst>
       <p:ext uri="{BB962C8B-B14F-4D97-AF65-F5344CB8AC3E}">
-        <p14:creationId xmlns:p14="http://schemas.microsoft.com/office/powerpoint/2010/main" xmlns="" val="2636708262"/>
+        <p14:creationId xmlns:p14="http://schemas.microsoft.com/office/powerpoint/2010/main" val="2636708262"/>
       </p:ext>
     </p:extLst>
   </p:cSld>
@@ -22140,7 +22119,7 @@
           <p:cNvPr id="11" name="Rectangle 10">
             <a:extLst>
               <a:ext uri="{FF2B5EF4-FFF2-40B4-BE49-F238E27FC236}">
-                <a16:creationId xmlns:a16="http://schemas.microsoft.com/office/drawing/2014/main" xmlns="" id="{EB3E033F-4449-40FA-BC85-BD2712D313DD}"/>
+                <a16:creationId xmlns:a16="http://schemas.microsoft.com/office/drawing/2014/main" id="{EB3E033F-4449-40FA-BC85-BD2712D313DD}"/>
               </a:ext>
             </a:extLst>
           </p:cNvPr>
@@ -22194,7 +22173,7 @@
           <p:cNvPr id="10" name="Freeform: Shape 9">
             <a:extLst>
               <a:ext uri="{FF2B5EF4-FFF2-40B4-BE49-F238E27FC236}">
-                <a16:creationId xmlns:a16="http://schemas.microsoft.com/office/drawing/2014/main" xmlns="" id="{63D26743-0505-444C-80B3-E88EE87DF72B}"/>
+                <a16:creationId xmlns:a16="http://schemas.microsoft.com/office/drawing/2014/main" id="{63D26743-0505-444C-80B3-E88EE87DF72B}"/>
               </a:ext>
             </a:extLst>
           </p:cNvPr>
@@ -22317,7 +22296,7 @@
           <p:cNvPr id="18" name="Freeform: Shape 17">
             <a:extLst>
               <a:ext uri="{FF2B5EF4-FFF2-40B4-BE49-F238E27FC236}">
-                <a16:creationId xmlns:a16="http://schemas.microsoft.com/office/drawing/2014/main" xmlns="" id="{E37145E9-AC61-47D5-9288-8789940F81B6}"/>
+                <a16:creationId xmlns:a16="http://schemas.microsoft.com/office/drawing/2014/main" id="{E37145E9-AC61-47D5-9288-8789940F81B6}"/>
               </a:ext>
             </a:extLst>
           </p:cNvPr>
@@ -22469,7 +22448,7 @@
           <p:cNvPr id="12" name="Freeform: Shape 11">
             <a:extLst>
               <a:ext uri="{FF2B5EF4-FFF2-40B4-BE49-F238E27FC236}">
-                <a16:creationId xmlns:a16="http://schemas.microsoft.com/office/drawing/2014/main" xmlns="" id="{A5E2B3ED-9A49-40A7-B8A3-62595FE513F9}"/>
+                <a16:creationId xmlns:a16="http://schemas.microsoft.com/office/drawing/2014/main" id="{A5E2B3ED-9A49-40A7-B8A3-62595FE513F9}"/>
               </a:ext>
             </a:extLst>
           </p:cNvPr>
@@ -22619,7 +22598,7 @@
           <p:cNvPr id="8" name="Freeform: Shape 7">
             <a:extLst>
               <a:ext uri="{FF2B5EF4-FFF2-40B4-BE49-F238E27FC236}">
-                <a16:creationId xmlns:a16="http://schemas.microsoft.com/office/drawing/2014/main" xmlns="" id="{1599AF7E-3E34-4597-AA72-9373A7FDB020}"/>
+                <a16:creationId xmlns:a16="http://schemas.microsoft.com/office/drawing/2014/main" id="{1599AF7E-3E34-4597-AA72-9373A7FDB020}"/>
               </a:ext>
             </a:extLst>
           </p:cNvPr>
@@ -22765,7 +22744,7 @@
           <p:cNvPr id="2" name="Title 1">
             <a:extLst>
               <a:ext uri="{FF2B5EF4-FFF2-40B4-BE49-F238E27FC236}">
-                <a16:creationId xmlns:a16="http://schemas.microsoft.com/office/drawing/2014/main" xmlns="" id="{4A2DF563-7FAC-46B3-B24C-7E45CD89DA2B}"/>
+                <a16:creationId xmlns:a16="http://schemas.microsoft.com/office/drawing/2014/main" id="{4A2DF563-7FAC-46B3-B24C-7E45CD89DA2B}"/>
               </a:ext>
             </a:extLst>
           </p:cNvPr>
@@ -22799,10 +22778,9 @@
           <a:p>
             <a:pPr lvl="0"/>
             <a:r>
-              <a:rPr lang="en-US" noProof="0" smtClean="0"/>
+              <a:rPr lang="en-US" noProof="0"/>
               <a:t>Click to edit Master title style</a:t>
             </a:r>
-            <a:endParaRPr lang="en-US" noProof="0"/>
           </a:p>
         </p:txBody>
       </p:sp>
@@ -22811,7 +22789,7 @@
           <p:cNvPr id="15" name="Group 14">
             <a:extLst>
               <a:ext uri="{FF2B5EF4-FFF2-40B4-BE49-F238E27FC236}">
-                <a16:creationId xmlns:a16="http://schemas.microsoft.com/office/drawing/2014/main" xmlns="" id="{7732E1E7-45E3-4264-8F26-66758696DD1E}"/>
+                <a16:creationId xmlns:a16="http://schemas.microsoft.com/office/drawing/2014/main" id="{7732E1E7-45E3-4264-8F26-66758696DD1E}"/>
               </a:ext>
             </a:extLst>
           </p:cNvPr>
@@ -22831,7 +22809,7 @@
             <p:cNvPr id="16" name="Freeform: Shape 15">
               <a:extLst>
                 <a:ext uri="{FF2B5EF4-FFF2-40B4-BE49-F238E27FC236}">
-                  <a16:creationId xmlns:a16="http://schemas.microsoft.com/office/drawing/2014/main" xmlns="" id="{2E3DF883-8093-49FA-81E1-E5D77F086A25}"/>
+                  <a16:creationId xmlns:a16="http://schemas.microsoft.com/office/drawing/2014/main" id="{2E3DF883-8093-49FA-81E1-E5D77F086A25}"/>
                 </a:ext>
               </a:extLst>
             </p:cNvPr>
@@ -22921,7 +22899,7 @@
             <p:cNvPr id="17" name="Freeform: Shape 16">
               <a:extLst>
                 <a:ext uri="{FF2B5EF4-FFF2-40B4-BE49-F238E27FC236}">
-                  <a16:creationId xmlns:a16="http://schemas.microsoft.com/office/drawing/2014/main" xmlns="" id="{18944C90-37E5-4BBE-89FF-060627168050}"/>
+                  <a16:creationId xmlns:a16="http://schemas.microsoft.com/office/drawing/2014/main" id="{18944C90-37E5-4BBE-89FF-060627168050}"/>
                 </a:ext>
               </a:extLst>
             </p:cNvPr>
@@ -23020,7 +22998,7 @@
           <p:cNvPr id="6" name="Group 5">
             <a:extLst>
               <a:ext uri="{FF2B5EF4-FFF2-40B4-BE49-F238E27FC236}">
-                <a16:creationId xmlns:a16="http://schemas.microsoft.com/office/drawing/2014/main" xmlns="" id="{D9EBF8BB-A805-4DDB-B459-082F99815B95}"/>
+                <a16:creationId xmlns:a16="http://schemas.microsoft.com/office/drawing/2014/main" id="{D9EBF8BB-A805-4DDB-B459-082F99815B95}"/>
               </a:ext>
             </a:extLst>
           </p:cNvPr>
@@ -23040,7 +23018,7 @@
             <p:cNvPr id="19" name="Rectangle: Single Corner Snipped 18">
               <a:extLst>
                 <a:ext uri="{FF2B5EF4-FFF2-40B4-BE49-F238E27FC236}">
-                  <a16:creationId xmlns:a16="http://schemas.microsoft.com/office/drawing/2014/main" xmlns="" id="{5D638788-DD47-45E7-939A-FA108A818173}"/>
+                  <a16:creationId xmlns:a16="http://schemas.microsoft.com/office/drawing/2014/main" id="{5D638788-DD47-45E7-939A-FA108A818173}"/>
                 </a:ext>
               </a:extLst>
             </p:cNvPr>
@@ -23106,7 +23084,7 @@
             <p:cNvPr id="3" name="Rectangle: Single Corner Snipped 2">
               <a:extLst>
                 <a:ext uri="{FF2B5EF4-FFF2-40B4-BE49-F238E27FC236}">
-                  <a16:creationId xmlns:a16="http://schemas.microsoft.com/office/drawing/2014/main" xmlns="" id="{74BDECEF-EEFE-4332-B3B2-BDE4F82C10FC}"/>
+                  <a16:creationId xmlns:a16="http://schemas.microsoft.com/office/drawing/2014/main" id="{74BDECEF-EEFE-4332-B3B2-BDE4F82C10FC}"/>
                 </a:ext>
               </a:extLst>
             </p:cNvPr>
@@ -23163,7 +23141,7 @@
           <p:cNvPr id="24" name="Freeform: Shape 23">
             <a:extLst>
               <a:ext uri="{FF2B5EF4-FFF2-40B4-BE49-F238E27FC236}">
-                <a16:creationId xmlns:a16="http://schemas.microsoft.com/office/drawing/2014/main" xmlns="" id="{18103E00-7E4A-44CD-81AC-06433CAE1110}"/>
+                <a16:creationId xmlns:a16="http://schemas.microsoft.com/office/drawing/2014/main" id="{18103E00-7E4A-44CD-81AC-06433CAE1110}"/>
               </a:ext>
             </a:extLst>
           </p:cNvPr>
@@ -23258,7 +23236,7 @@
           <p:cNvPr id="5" name="Slide Number Placeholder 4">
             <a:extLst>
               <a:ext uri="{FF2B5EF4-FFF2-40B4-BE49-F238E27FC236}">
-                <a16:creationId xmlns:a16="http://schemas.microsoft.com/office/drawing/2014/main" xmlns="" id="{87B51822-97FF-47A7-8E4E-A0F79B4EB237}"/>
+                <a16:creationId xmlns:a16="http://schemas.microsoft.com/office/drawing/2014/main" id="{87B51822-97FF-47A7-8E4E-A0F79B4EB237}"/>
               </a:ext>
             </a:extLst>
           </p:cNvPr>
@@ -23302,7 +23280,7 @@
           <p:cNvPr id="25" name="Text Placeholder 2">
             <a:extLst>
               <a:ext uri="{FF2B5EF4-FFF2-40B4-BE49-F238E27FC236}">
-                <a16:creationId xmlns:a16="http://schemas.microsoft.com/office/drawing/2014/main" xmlns="" id="{7FA80A70-18DE-4DB9-9982-BA75BE54CF93}"/>
+                <a16:creationId xmlns:a16="http://schemas.microsoft.com/office/drawing/2014/main" id="{7FA80A70-18DE-4DB9-9982-BA75BE54CF93}"/>
               </a:ext>
             </a:extLst>
           </p:cNvPr>
@@ -23369,7 +23347,7 @@
           <a:p>
             <a:pPr lvl="0"/>
             <a:r>
-              <a:rPr lang="en-US" noProof="0" smtClean="0"/>
+              <a:rPr lang="en-US" noProof="0"/>
               <a:t>Click to edit Master text styles</a:t>
             </a:r>
           </a:p>
@@ -23380,7 +23358,7 @@
           <p:cNvPr id="26" name="Text Placeholder 4">
             <a:extLst>
               <a:ext uri="{FF2B5EF4-FFF2-40B4-BE49-F238E27FC236}">
-                <a16:creationId xmlns:a16="http://schemas.microsoft.com/office/drawing/2014/main" xmlns="" id="{2801C0EF-C078-44B0-AD01-4850E9A65EE0}"/>
+                <a16:creationId xmlns:a16="http://schemas.microsoft.com/office/drawing/2014/main" id="{2801C0EF-C078-44B0-AD01-4850E9A65EE0}"/>
               </a:ext>
             </a:extLst>
           </p:cNvPr>
@@ -23447,7 +23425,7 @@
           <a:p>
             <a:pPr lvl="0"/>
             <a:r>
-              <a:rPr lang="en-US" noProof="0" smtClean="0"/>
+              <a:rPr lang="en-US" noProof="0"/>
               <a:t>Click to edit Master text styles</a:t>
             </a:r>
           </a:p>
@@ -23458,7 +23436,7 @@
           <p:cNvPr id="27" name="Content Placeholder 3">
             <a:extLst>
               <a:ext uri="{FF2B5EF4-FFF2-40B4-BE49-F238E27FC236}">
-                <a16:creationId xmlns:a16="http://schemas.microsoft.com/office/drawing/2014/main" xmlns="" id="{7C9DED91-45F6-4308-A085-1EFACA6468CF}"/>
+                <a16:creationId xmlns:a16="http://schemas.microsoft.com/office/drawing/2014/main" id="{7C9DED91-45F6-4308-A085-1EFACA6468CF}"/>
               </a:ext>
             </a:extLst>
           </p:cNvPr>
@@ -23519,38 +23497,37 @@
           <a:p>
             <a:pPr lvl="0"/>
             <a:r>
-              <a:rPr lang="en-US" noProof="0" smtClean="0"/>
+              <a:rPr lang="en-US" noProof="0"/>
               <a:t>Click to edit Master text styles</a:t>
             </a:r>
           </a:p>
           <a:p>
             <a:pPr lvl="1"/>
             <a:r>
-              <a:rPr lang="en-US" noProof="0" smtClean="0"/>
+              <a:rPr lang="en-US" noProof="0"/>
               <a:t>Second level</a:t>
             </a:r>
           </a:p>
           <a:p>
             <a:pPr lvl="2"/>
             <a:r>
-              <a:rPr lang="en-US" noProof="0" smtClean="0"/>
+              <a:rPr lang="en-US" noProof="0"/>
               <a:t>Third level</a:t>
             </a:r>
           </a:p>
           <a:p>
             <a:pPr lvl="3"/>
             <a:r>
-              <a:rPr lang="en-US" noProof="0" smtClean="0"/>
+              <a:rPr lang="en-US" noProof="0"/>
               <a:t>Fourth level</a:t>
             </a:r>
           </a:p>
           <a:p>
             <a:pPr lvl="4"/>
             <a:r>
-              <a:rPr lang="en-US" noProof="0" smtClean="0"/>
+              <a:rPr lang="en-US" noProof="0"/>
               <a:t>Fifth level</a:t>
             </a:r>
-            <a:endParaRPr lang="en-US" noProof="0"/>
           </a:p>
         </p:txBody>
       </p:sp>
@@ -23559,7 +23536,7 @@
           <p:cNvPr id="28" name="Content Placeholder 5">
             <a:extLst>
               <a:ext uri="{FF2B5EF4-FFF2-40B4-BE49-F238E27FC236}">
-                <a16:creationId xmlns:a16="http://schemas.microsoft.com/office/drawing/2014/main" xmlns="" id="{0574B5E7-B666-439B-9278-67BE1EA6EBC5}"/>
+                <a16:creationId xmlns:a16="http://schemas.microsoft.com/office/drawing/2014/main" id="{0574B5E7-B666-439B-9278-67BE1EA6EBC5}"/>
               </a:ext>
             </a:extLst>
           </p:cNvPr>
@@ -23620,45 +23597,44 @@
           <a:p>
             <a:pPr lvl="0"/>
             <a:r>
-              <a:rPr lang="en-US" noProof="0" smtClean="0"/>
+              <a:rPr lang="en-US" noProof="0"/>
               <a:t>Click to edit Master text styles</a:t>
             </a:r>
           </a:p>
           <a:p>
             <a:pPr lvl="1"/>
             <a:r>
-              <a:rPr lang="en-US" noProof="0" smtClean="0"/>
+              <a:rPr lang="en-US" noProof="0"/>
               <a:t>Second level</a:t>
             </a:r>
           </a:p>
           <a:p>
             <a:pPr lvl="2"/>
             <a:r>
-              <a:rPr lang="en-US" noProof="0" smtClean="0"/>
+              <a:rPr lang="en-US" noProof="0"/>
               <a:t>Third level</a:t>
             </a:r>
           </a:p>
           <a:p>
             <a:pPr lvl="3"/>
             <a:r>
-              <a:rPr lang="en-US" noProof="0" smtClean="0"/>
+              <a:rPr lang="en-US" noProof="0"/>
               <a:t>Fourth level</a:t>
             </a:r>
           </a:p>
           <a:p>
             <a:pPr lvl="4"/>
             <a:r>
-              <a:rPr lang="en-US" noProof="0" smtClean="0"/>
+              <a:rPr lang="en-US" noProof="0"/>
               <a:t>Fifth level</a:t>
             </a:r>
-            <a:endParaRPr lang="en-US" noProof="0"/>
           </a:p>
         </p:txBody>
       </p:sp>
     </p:spTree>
     <p:extLst>
       <p:ext uri="{BB962C8B-B14F-4D97-AF65-F5344CB8AC3E}">
-        <p14:creationId xmlns:p14="http://schemas.microsoft.com/office/powerpoint/2010/main" xmlns="" val="3219167126"/>
+        <p14:creationId xmlns:p14="http://schemas.microsoft.com/office/powerpoint/2010/main" val="3219167126"/>
       </p:ext>
     </p:extLst>
   </p:cSld>
@@ -23695,7 +23671,7 @@
           <p:cNvPr id="2" name="Title Placeholder 1">
             <a:extLst>
               <a:ext uri="{FF2B5EF4-FFF2-40B4-BE49-F238E27FC236}">
-                <a16:creationId xmlns:a16="http://schemas.microsoft.com/office/drawing/2014/main" xmlns="" id="{761B0E15-6FC5-434E-8780-B186D9DB0CD0}"/>
+                <a16:creationId xmlns:a16="http://schemas.microsoft.com/office/drawing/2014/main" id="{761B0E15-6FC5-434E-8780-B186D9DB0CD0}"/>
               </a:ext>
             </a:extLst>
           </p:cNvPr>
@@ -23722,10 +23698,9 @@
           <a:lstStyle/>
           <a:p>
             <a:r>
-              <a:rPr lang="en-US" noProof="0" smtClean="0"/>
+              <a:rPr lang="en-US" noProof="0"/>
               <a:t>Click to edit Master title style</a:t>
             </a:r>
-            <a:endParaRPr lang="en-US" noProof="0"/>
           </a:p>
         </p:txBody>
       </p:sp>
@@ -23734,7 +23709,7 @@
           <p:cNvPr id="3" name="Text Placeholder 2">
             <a:extLst>
               <a:ext uri="{FF2B5EF4-FFF2-40B4-BE49-F238E27FC236}">
-                <a16:creationId xmlns:a16="http://schemas.microsoft.com/office/drawing/2014/main" xmlns="" id="{A9C7B128-34F3-405C-B601-8BAFDB43499C}"/>
+                <a16:creationId xmlns:a16="http://schemas.microsoft.com/office/drawing/2014/main" id="{A9C7B128-34F3-405C-B601-8BAFDB43499C}"/>
               </a:ext>
             </a:extLst>
           </p:cNvPr>
@@ -23762,38 +23737,37 @@
           <a:p>
             <a:pPr lvl="0"/>
             <a:r>
-              <a:rPr lang="en-US" noProof="0" smtClean="0"/>
+              <a:rPr lang="en-US" noProof="0"/>
               <a:t>Click to edit Master text styles</a:t>
             </a:r>
           </a:p>
           <a:p>
             <a:pPr lvl="1"/>
             <a:r>
-              <a:rPr lang="en-US" noProof="0" smtClean="0"/>
+              <a:rPr lang="en-US" noProof="0"/>
               <a:t>Second level</a:t>
             </a:r>
           </a:p>
           <a:p>
             <a:pPr lvl="2"/>
             <a:r>
-              <a:rPr lang="en-US" noProof="0" smtClean="0"/>
+              <a:rPr lang="en-US" noProof="0"/>
               <a:t>Third level</a:t>
             </a:r>
           </a:p>
           <a:p>
             <a:pPr lvl="3"/>
             <a:r>
-              <a:rPr lang="en-US" noProof="0" smtClean="0"/>
+              <a:rPr lang="en-US" noProof="0"/>
               <a:t>Fourth level</a:t>
             </a:r>
           </a:p>
           <a:p>
             <a:pPr lvl="4"/>
             <a:r>
-              <a:rPr lang="en-US" noProof="0" smtClean="0"/>
+              <a:rPr lang="en-US" noProof="0"/>
               <a:t>Fifth level</a:t>
             </a:r>
-            <a:endParaRPr lang="en-US" noProof="0"/>
           </a:p>
         </p:txBody>
       </p:sp>
@@ -23802,7 +23776,7 @@
           <p:cNvPr id="6" name="Slide Number Placeholder 5">
             <a:extLst>
               <a:ext uri="{FF2B5EF4-FFF2-40B4-BE49-F238E27FC236}">
-                <a16:creationId xmlns:a16="http://schemas.microsoft.com/office/drawing/2014/main" xmlns="" id="{9F5A7754-E8C7-438B-922D-9027C6CF58E2}"/>
+                <a16:creationId xmlns:a16="http://schemas.microsoft.com/office/drawing/2014/main" id="{9F5A7754-E8C7-438B-922D-9027C6CF58E2}"/>
               </a:ext>
             </a:extLst>
           </p:cNvPr>
@@ -23850,7 +23824,7 @@
           <p:cNvPr id="5" name="Rectangle 4">
             <a:extLst>
               <a:ext uri="{FF2B5EF4-FFF2-40B4-BE49-F238E27FC236}">
-                <a16:creationId xmlns:a16="http://schemas.microsoft.com/office/drawing/2014/main" xmlns="" id="{7CDDDB7D-9189-9548-A2B9-81DC62C3C1A3}"/>
+                <a16:creationId xmlns:a16="http://schemas.microsoft.com/office/drawing/2014/main" id="{7CDDDB7D-9189-9548-A2B9-81DC62C3C1A3}"/>
               </a:ext>
             </a:extLst>
           </p:cNvPr>
@@ -23904,7 +23878,7 @@
           <p:cNvPr id="7" name="Freeform: Shape 9">
             <a:extLst>
               <a:ext uri="{FF2B5EF4-FFF2-40B4-BE49-F238E27FC236}">
-                <a16:creationId xmlns:a16="http://schemas.microsoft.com/office/drawing/2014/main" xmlns="" id="{096D8877-6B4A-4540-8927-767DD7401718}"/>
+                <a16:creationId xmlns:a16="http://schemas.microsoft.com/office/drawing/2014/main" id="{096D8877-6B4A-4540-8927-767DD7401718}"/>
               </a:ext>
             </a:extLst>
           </p:cNvPr>
@@ -24027,7 +24001,7 @@
           <p:cNvPr id="8" name="Freeform: Shape 17">
             <a:extLst>
               <a:ext uri="{FF2B5EF4-FFF2-40B4-BE49-F238E27FC236}">
-                <a16:creationId xmlns:a16="http://schemas.microsoft.com/office/drawing/2014/main" xmlns="" id="{5AF2E123-FE0F-8541-8E36-5030C450AA7E}"/>
+                <a16:creationId xmlns:a16="http://schemas.microsoft.com/office/drawing/2014/main" id="{5AF2E123-FE0F-8541-8E36-5030C450AA7E}"/>
               </a:ext>
             </a:extLst>
           </p:cNvPr>
@@ -24179,7 +24153,7 @@
           <p:cNvPr id="9" name="Freeform: Shape 11">
             <a:extLst>
               <a:ext uri="{FF2B5EF4-FFF2-40B4-BE49-F238E27FC236}">
-                <a16:creationId xmlns:a16="http://schemas.microsoft.com/office/drawing/2014/main" xmlns="" id="{E5519D99-3B68-924A-9CD0-14B911711CA8}"/>
+                <a16:creationId xmlns:a16="http://schemas.microsoft.com/office/drawing/2014/main" id="{E5519D99-3B68-924A-9CD0-14B911711CA8}"/>
               </a:ext>
             </a:extLst>
           </p:cNvPr>
@@ -24329,7 +24303,7 @@
           <p:cNvPr id="10" name="Freeform: Shape 7">
             <a:extLst>
               <a:ext uri="{FF2B5EF4-FFF2-40B4-BE49-F238E27FC236}">
-                <a16:creationId xmlns:a16="http://schemas.microsoft.com/office/drawing/2014/main" xmlns="" id="{A09E21A9-FBEF-144C-A152-FE484F3C55C1}"/>
+                <a16:creationId xmlns:a16="http://schemas.microsoft.com/office/drawing/2014/main" id="{A09E21A9-FBEF-144C-A152-FE484F3C55C1}"/>
               </a:ext>
             </a:extLst>
           </p:cNvPr>
@@ -24475,7 +24449,7 @@
           <p:cNvPr id="11" name="Title 1">
             <a:extLst>
               <a:ext uri="{FF2B5EF4-FFF2-40B4-BE49-F238E27FC236}">
-                <a16:creationId xmlns:a16="http://schemas.microsoft.com/office/drawing/2014/main" xmlns="" id="{70C7F2CB-A8CE-1545-A08D-93592C4BAEEA}"/>
+                <a16:creationId xmlns:a16="http://schemas.microsoft.com/office/drawing/2014/main" id="{70C7F2CB-A8CE-1545-A08D-93592C4BAEEA}"/>
               </a:ext>
             </a:extLst>
           </p:cNvPr>
@@ -24531,7 +24505,7 @@
           <p:cNvPr id="12" name="Group 11">
             <a:extLst>
               <a:ext uri="{FF2B5EF4-FFF2-40B4-BE49-F238E27FC236}">
-                <a16:creationId xmlns:a16="http://schemas.microsoft.com/office/drawing/2014/main" xmlns="" id="{7068FCE4-1B47-3C4B-B091-013120A97D09}"/>
+                <a16:creationId xmlns:a16="http://schemas.microsoft.com/office/drawing/2014/main" id="{7068FCE4-1B47-3C4B-B091-013120A97D09}"/>
               </a:ext>
             </a:extLst>
           </p:cNvPr>
@@ -24551,7 +24525,7 @@
             <p:cNvPr id="13" name="Freeform: Shape 15">
               <a:extLst>
                 <a:ext uri="{FF2B5EF4-FFF2-40B4-BE49-F238E27FC236}">
-                  <a16:creationId xmlns:a16="http://schemas.microsoft.com/office/drawing/2014/main" xmlns="" id="{FEC3FDE7-F27E-5E4E-8752-287CAB7792D4}"/>
+                  <a16:creationId xmlns:a16="http://schemas.microsoft.com/office/drawing/2014/main" id="{FEC3FDE7-F27E-5E4E-8752-287CAB7792D4}"/>
                 </a:ext>
               </a:extLst>
             </p:cNvPr>
@@ -24641,7 +24615,7 @@
             <p:cNvPr id="14" name="Freeform: Shape 16">
               <a:extLst>
                 <a:ext uri="{FF2B5EF4-FFF2-40B4-BE49-F238E27FC236}">
-                  <a16:creationId xmlns:a16="http://schemas.microsoft.com/office/drawing/2014/main" xmlns="" id="{81C902DB-0D21-5044-82B6-9E7A70A1BF62}"/>
+                  <a16:creationId xmlns:a16="http://schemas.microsoft.com/office/drawing/2014/main" id="{81C902DB-0D21-5044-82B6-9E7A70A1BF62}"/>
                 </a:ext>
               </a:extLst>
             </p:cNvPr>
@@ -24740,7 +24714,7 @@
           <p:cNvPr id="15" name="Group 14">
             <a:extLst>
               <a:ext uri="{FF2B5EF4-FFF2-40B4-BE49-F238E27FC236}">
-                <a16:creationId xmlns:a16="http://schemas.microsoft.com/office/drawing/2014/main" xmlns="" id="{BE1E08A0-195D-694F-947B-986A76FBB93E}"/>
+                <a16:creationId xmlns:a16="http://schemas.microsoft.com/office/drawing/2014/main" id="{BE1E08A0-195D-694F-947B-986A76FBB93E}"/>
               </a:ext>
             </a:extLst>
           </p:cNvPr>
@@ -24760,7 +24734,7 @@
             <p:cNvPr id="16" name="Rectangle: Single Corner Snipped 18">
               <a:extLst>
                 <a:ext uri="{FF2B5EF4-FFF2-40B4-BE49-F238E27FC236}">
-                  <a16:creationId xmlns:a16="http://schemas.microsoft.com/office/drawing/2014/main" xmlns="" id="{ED5DFFCD-1EE3-E64E-B51F-BD7D72413E0B}"/>
+                  <a16:creationId xmlns:a16="http://schemas.microsoft.com/office/drawing/2014/main" id="{ED5DFFCD-1EE3-E64E-B51F-BD7D72413E0B}"/>
                 </a:ext>
               </a:extLst>
             </p:cNvPr>
@@ -24826,7 +24800,7 @@
             <p:cNvPr id="17" name="Rectangle: Single Corner Snipped 2">
               <a:extLst>
                 <a:ext uri="{FF2B5EF4-FFF2-40B4-BE49-F238E27FC236}">
-                  <a16:creationId xmlns:a16="http://schemas.microsoft.com/office/drawing/2014/main" xmlns="" id="{C12DB3CA-8E64-AA43-BFBE-A2CA9A816DBE}"/>
+                  <a16:creationId xmlns:a16="http://schemas.microsoft.com/office/drawing/2014/main" id="{C12DB3CA-8E64-AA43-BFBE-A2CA9A816DBE}"/>
                 </a:ext>
               </a:extLst>
             </p:cNvPr>
@@ -24883,7 +24857,7 @@
           <p:cNvPr id="18" name="Freeform: Shape 23">
             <a:extLst>
               <a:ext uri="{FF2B5EF4-FFF2-40B4-BE49-F238E27FC236}">
-                <a16:creationId xmlns:a16="http://schemas.microsoft.com/office/drawing/2014/main" xmlns="" id="{A587DEFD-D470-4142-8E0D-A71DDB147C92}"/>
+                <a16:creationId xmlns:a16="http://schemas.microsoft.com/office/drawing/2014/main" id="{A587DEFD-D470-4142-8E0D-A71DDB147C92}"/>
               </a:ext>
             </a:extLst>
           </p:cNvPr>
@@ -24978,7 +24952,7 @@
           <p:cNvPr id="19" name="Slide Number Placeholder 4">
             <a:extLst>
               <a:ext uri="{FF2B5EF4-FFF2-40B4-BE49-F238E27FC236}">
-                <a16:creationId xmlns:a16="http://schemas.microsoft.com/office/drawing/2014/main" xmlns="" id="{7D9BF857-7910-734D-A217-5E3344220AA2}"/>
+                <a16:creationId xmlns:a16="http://schemas.microsoft.com/office/drawing/2014/main" id="{7D9BF857-7910-734D-A217-5E3344220AA2}"/>
               </a:ext>
             </a:extLst>
           </p:cNvPr>
@@ -25106,7 +25080,7 @@
     </p:spTree>
     <p:extLst>
       <p:ext uri="{BB962C8B-B14F-4D97-AF65-F5344CB8AC3E}">
-        <p14:creationId xmlns:p14="http://schemas.microsoft.com/office/powerpoint/2010/main" xmlns="" val="666093331"/>
+        <p14:creationId xmlns:p14="http://schemas.microsoft.com/office/powerpoint/2010/main" val="666093331"/>
       </p:ext>
     </p:extLst>
   </p:cSld>
@@ -25427,9 +25401,9 @@
       </a:lvl9pPr>
     </p:otherStyle>
   </p:txStyles>
-  <p:extLst mod="1">
+  <p:extLst>
     <p:ext uri="{27BBF7A9-308A-43DC-89C8-2F10F3537804}">
-      <p15:sldGuideLst xmlns:p15="http://schemas.microsoft.com/office/powerpoint/2012/main" xmlns="">
+      <p15:sldGuideLst xmlns:p15="http://schemas.microsoft.com/office/powerpoint/2012/main">
         <p15:guide id="1" orient="horz" pos="2160" userDrawn="1">
           <p15:clr>
             <a:srgbClr val="F26B43"/>
@@ -25496,7 +25470,7 @@
           <p:cNvPr id="2" name="Title 1">
             <a:extLst>
               <a:ext uri="{FF2B5EF4-FFF2-40B4-BE49-F238E27FC236}">
-                <a16:creationId xmlns:a16="http://schemas.microsoft.com/office/drawing/2014/main" xmlns="" id="{632BE5BF-9922-45FB-8F3F-4446D40A051B}"/>
+                <a16:creationId xmlns:a16="http://schemas.microsoft.com/office/drawing/2014/main" id="{632BE5BF-9922-45FB-8F3F-4446D40A051B}"/>
               </a:ext>
             </a:extLst>
           </p:cNvPr>
@@ -25513,33 +25487,36 @@
           <a:lstStyle/>
           <a:p>
             <a:r>
-              <a:rPr lang="en-US" sz="4400" err="1" smtClean="0"/>
-              <a:t>Schrodingers</a:t>
-            </a:r>
-            <a:r>
-              <a:rPr lang="en-US" sz="4400" smtClean="0"/>
+              <a:rPr lang="en-US" sz="4400">
+                <a:ea typeface="Tahoma"/>
+                <a:cs typeface="Tahoma"/>
+              </a:rPr>
+              <a:t>Schrodinger's</a:t>
+            </a:r>
+            <a:r>
+              <a:rPr lang="en-US" sz="4400" dirty="0">
+                <a:ea typeface="Tahoma"/>
+                <a:cs typeface="Tahoma"/>
+              </a:rPr>
               <a:t> </a:t>
             </a:r>
             <a:r>
-              <a:rPr lang="en-US" sz="4400" err="1" smtClean="0"/>
-              <a:t>Shoooter</a:t>
-            </a:r>
-            <a:r>
-              <a:rPr lang="en-US" sz="4400" smtClean="0"/>
-              <a:t/>
+              <a:rPr lang="en-US" sz="4400">
+                <a:ea typeface="Tahoma"/>
+                <a:cs typeface="Tahoma"/>
+              </a:rPr>
+              <a:t>Shooter</a:t>
             </a:r>
             <a:br>
-              <a:rPr lang="en-US" sz="4400" smtClean="0"/>
+              <a:rPr lang="en-US" sz="4400" dirty="0"/>
             </a:br>
             <a:r>
-              <a:rPr lang="en-US" sz="4400" smtClean="0"/>
-              <a:t>Smart-</a:t>
-            </a:r>
-            <a:r>
-              <a:rPr lang="en-US" sz="4400" err="1" smtClean="0"/>
-              <a:t>Bot</a:t>
-            </a:r>
-            <a:endParaRPr lang="en-US" sz="4400"/>
+              <a:rPr lang="en-US" sz="4400">
+                <a:ea typeface="Tahoma"/>
+                <a:cs typeface="Tahoma"/>
+              </a:rPr>
+              <a:t>Smart-Bot</a:t>
+            </a:r>
           </a:p>
         </p:txBody>
       </p:sp>
@@ -25548,7 +25525,7 @@
           <p:cNvPr id="3" name="Subtitle 2">
             <a:extLst>
               <a:ext uri="{FF2B5EF4-FFF2-40B4-BE49-F238E27FC236}">
-                <a16:creationId xmlns:a16="http://schemas.microsoft.com/office/drawing/2014/main" xmlns="" id="{0D537F64-4C96-4AA8-BB21-E8053A3186DD}"/>
+                <a16:creationId xmlns:a16="http://schemas.microsoft.com/office/drawing/2014/main" id="{0D537F64-4C96-4AA8-BB21-E8053A3186DD}"/>
               </a:ext>
             </a:extLst>
           </p:cNvPr>
@@ -25570,7 +25547,7 @@
               <a:buNone/>
             </a:pPr>
             <a:r>
-              <a:rPr lang="sr-Latn-RS" smtClean="0"/>
+              <a:rPr lang="sr-Latn-RS"/>
               <a:t>Đaković Branko, Kristić Filip, Krčmarević Mladen</a:t>
             </a:r>
           </a:p>
@@ -25578,7 +25555,7 @@
             <a:pPr marL="0" indent="0">
               <a:buNone/>
             </a:pPr>
-            <a:endParaRPr lang="sr-Latn-RS" smtClean="0"/>
+            <a:endParaRPr lang="sr-Latn-RS"/>
           </a:p>
         </p:txBody>
       </p:sp>
@@ -25606,7 +25583,7 @@
           <a:p>
             <a:pPr algn="ctr"/>
             <a:r>
-              <a:rPr lang="sr-Latn-RS" sz="1400" spc="300" smtClean="0">
+              <a:rPr lang="sr-Latn-RS" sz="1400" spc="300">
                 <a:solidFill>
                   <a:schemeClr val="bg1"/>
                 </a:solidFill>
@@ -25617,7 +25594,7 @@
           <a:p>
             <a:pPr algn="ctr"/>
             <a:r>
-              <a:rPr lang="sr-Latn-RS" sz="1400" spc="300" smtClean="0">
+              <a:rPr lang="sr-Latn-RS" sz="1400" spc="300">
                 <a:solidFill>
                   <a:schemeClr val="bg1"/>
                 </a:solidFill>
@@ -25637,7 +25614,7 @@
           <p:cNvPr id="6" name="Picture Placeholder 32" descr="Head with Gears">
             <a:extLst>
               <a:ext uri="{FF2B5EF4-FFF2-40B4-BE49-F238E27FC236}">
-                <a16:creationId xmlns:a16="http://schemas.microsoft.com/office/drawing/2014/main" xmlns="" id="{CC9DBBE5-5AD0-41E8-A719-84509E5D9F9E}"/>
+                <a16:creationId xmlns:a16="http://schemas.microsoft.com/office/drawing/2014/main" id="{CC9DBBE5-5AD0-41E8-A719-84509E5D9F9E}"/>
               </a:ext>
             </a:extLst>
           </p:cNvPr>
@@ -25650,10 +25627,10 @@
           <a:blip r:embed="rId2">
             <a:extLst>
               <a:ext uri="{28A0092B-C50C-407E-A947-70E740481C1C}">
-                <a14:useLocalDpi xmlns:a14="http://schemas.microsoft.com/office/drawing/2010/main" xmlns=""/>
+                <a14:useLocalDpi xmlns:a14="http://schemas.microsoft.com/office/drawing/2010/main"/>
               </a:ext>
               <a:ext uri="{96DAC541-7B7A-43D3-8B79-37D633B846F1}">
-                <asvg:svgBlip xmlns:asvg="http://schemas.microsoft.com/office/drawing/2016/SVG/main" xmlns="" r:embed="rId11"/>
+                <asvg:svgBlip xmlns:asvg="http://schemas.microsoft.com/office/drawing/2016/SVG/main" r:embed="rId3"/>
               </a:ext>
             </a:extLst>
           </a:blip>
@@ -25675,7 +25652,7 @@
     </p:spTree>
     <p:extLst>
       <p:ext uri="{BB962C8B-B14F-4D97-AF65-F5344CB8AC3E}">
-        <p14:creationId xmlns:p14="http://schemas.microsoft.com/office/powerpoint/2010/main" xmlns="" val="3946934594"/>
+        <p14:creationId xmlns:p14="http://schemas.microsoft.com/office/powerpoint/2010/main" val="3946934594"/>
       </p:ext>
     </p:extLst>
   </p:cSld>
@@ -25685,13 +25662,6 @@
   <p:transition spd="slow">
     <p:wipe/>
   </p:transition>
-  <p:timing>
-    <p:tnLst>
-      <p:par>
-        <p:cTn id="1" dur="indefinite" restart="never" nodeType="tmRoot"/>
-      </p:par>
-    </p:tnLst>
-  </p:timing>
 </p:sld>
 </file>
 
@@ -25717,7 +25687,7 @@
           <p:cNvPr id="4" name="Title 3">
             <a:extLst>
               <a:ext uri="{FF2B5EF4-FFF2-40B4-BE49-F238E27FC236}">
-                <a16:creationId xmlns:a16="http://schemas.microsoft.com/office/drawing/2014/main" xmlns="" id="{315E3981-F0D7-482C-A8E0-6A57700BECA7}"/>
+                <a16:creationId xmlns:a16="http://schemas.microsoft.com/office/drawing/2014/main" id="{315E3981-F0D7-482C-A8E0-6A57700BECA7}"/>
               </a:ext>
             </a:extLst>
           </p:cNvPr>
@@ -25740,8 +25710,8 @@
           <a:p>
             <a:pPr marL="514350" indent="-514350"/>
             <a:r>
-              <a:rPr lang="sr-Latn-RS" smtClean="0"/>
-              <a:t>Trening i uporedjivanje rešenja:</a:t>
+              <a:rPr lang="sr-Latn-RS"/>
+              <a:t>Trening i upoređivanje rešenja</a:t>
             </a:r>
           </a:p>
         </p:txBody>
@@ -25751,7 +25721,7 @@
           <p:cNvPr id="2" name="Slide Number Placeholder 1">
             <a:extLst>
               <a:ext uri="{FF2B5EF4-FFF2-40B4-BE49-F238E27FC236}">
-                <a16:creationId xmlns:a16="http://schemas.microsoft.com/office/drawing/2014/main" xmlns="" id="{520FC4EE-F318-4344-9E3C-B950ADB63865}"/>
+                <a16:creationId xmlns:a16="http://schemas.microsoft.com/office/drawing/2014/main" id="{520FC4EE-F318-4344-9E3C-B950ADB63865}"/>
               </a:ext>
             </a:extLst>
           </p:cNvPr>
@@ -25781,7 +25751,7 @@
           <p:cNvPr id="8" name="Text Placeholder 7">
             <a:extLst>
               <a:ext uri="{FF2B5EF4-FFF2-40B4-BE49-F238E27FC236}">
-                <a16:creationId xmlns:a16="http://schemas.microsoft.com/office/drawing/2014/main" xmlns="" id="{47DC4E62-1A34-4F98-A451-214F1808519C}"/>
+                <a16:creationId xmlns:a16="http://schemas.microsoft.com/office/drawing/2014/main" id="{47DC4E62-1A34-4F98-A451-214F1808519C}"/>
               </a:ext>
             </a:extLst>
           </p:cNvPr>
@@ -25821,7 +25791,7 @@
           <a:noFill/>
         </p:spPr>
         <p:txBody>
-          <a:bodyPr wrap="square" rtlCol="0">
+          <a:bodyPr wrap="square" rtlCol="0" anchor="t">
             <a:spAutoFit/>
           </a:bodyPr>
           <a:lstStyle/>
@@ -25831,15 +25801,15 @@
               <a:buChar char="§"/>
             </a:pPr>
             <a:r>
-              <a:rPr lang="sr-Latn-RS" sz="2000" smtClean="0">
+              <a:rPr lang="sr-Latn-RS" sz="2000" dirty="0">
                 <a:solidFill>
                   <a:schemeClr val="bg1"/>
                 </a:solidFill>
               </a:rPr>
-              <a:t> </a:t>
-            </a:r>
-            <a:r>
-              <a:rPr lang="sr-Latn-RS" sz="2400" u="sng" smtClean="0">
+              <a:t> </a:t>
+            </a:r>
+            <a:r>
+              <a:rPr lang="sr-Latn-RS" sz="2400" u="sng" dirty="0">
                 <a:solidFill>
                   <a:schemeClr val="bg1"/>
                 </a:solidFill>
@@ -25852,7 +25822,7 @@
               <a:buFont typeface="Wingdings" pitchFamily="2" charset="2"/>
               <a:buChar char="§"/>
             </a:pPr>
-            <a:endParaRPr lang="sr-Latn-RS" sz="2000" u="sng" smtClean="0">
+            <a:endParaRPr lang="sr-Latn-RS" sz="2000" u="sng">
               <a:solidFill>
                 <a:schemeClr val="bg1"/>
               </a:solidFill>
@@ -25864,13 +25834,19 @@
               <a:buChar char="§"/>
             </a:pPr>
             <a:r>
-              <a:rPr lang="sr-Latn-RS" sz="2000" smtClean="0">
+              <a:rPr lang="sr-Latn-RS" sz="2000" dirty="0">
                 <a:solidFill>
                   <a:schemeClr val="bg1"/>
                 </a:solidFill>
               </a:rPr>
-              <a:t> Ulaz neuralne mreže predstavlja celokupnu okolinu igrača(polja) u matričnoj formi tako da:</a:t>
-            </a:r>
+              <a:t> Ulaz neuronske mreže predstavlja celokupnu okolinu igrača (polja) u matričnoj formi tako da:</a:t>
+            </a:r>
+            <a:endParaRPr lang="sr-Latn-RS" sz="2000" dirty="0">
+              <a:solidFill>
+                <a:schemeClr val="bg1"/>
+              </a:solidFill>
+              <a:cs typeface="Arial"/>
+            </a:endParaRPr>
           </a:p>
           <a:p>
             <a:pPr lvl="1">
@@ -25878,13 +25854,19 @@
               <a:buChar char="•"/>
             </a:pPr>
             <a:r>
-              <a:rPr lang="sr-Latn-RS" sz="2000" smtClean="0">
+              <a:rPr lang="sr-Latn-RS" sz="2000" dirty="0">
                 <a:solidFill>
                   <a:schemeClr val="bg1"/>
                 </a:solidFill>
               </a:rPr>
-              <a:t> prazno polje = 0</a:t>
-            </a:r>
+              <a:t> prazno polje = 0</a:t>
+            </a:r>
+            <a:endParaRPr lang="sr-Latn-RS" sz="2000" dirty="0">
+              <a:solidFill>
+                <a:schemeClr val="bg1"/>
+              </a:solidFill>
+              <a:cs typeface="Arial"/>
+            </a:endParaRPr>
           </a:p>
           <a:p>
             <a:pPr lvl="1">
@@ -25892,13 +25874,19 @@
               <a:buChar char="•"/>
             </a:pPr>
             <a:r>
-              <a:rPr lang="sr-Latn-RS" sz="2000" smtClean="0">
+              <a:rPr lang="sr-Latn-RS" sz="2000" dirty="0">
                 <a:solidFill>
                   <a:schemeClr val="bg1"/>
                 </a:solidFill>
               </a:rPr>
-              <a:t> protivnik = -1</a:t>
-            </a:r>
+              <a:t> protivnik = -1</a:t>
+            </a:r>
+            <a:endParaRPr lang="sr-Latn-RS" sz="2000" dirty="0">
+              <a:solidFill>
+                <a:schemeClr val="bg1"/>
+              </a:solidFill>
+              <a:cs typeface="Arial"/>
+            </a:endParaRPr>
           </a:p>
           <a:p>
             <a:pPr lvl="1">
@@ -25906,142 +25894,129 @@
               <a:buChar char="•"/>
             </a:pPr>
             <a:r>
-              <a:rPr lang="sr-Latn-RS" sz="2000" smtClean="0">
+              <a:rPr lang="sr-Latn-RS" sz="2000" dirty="0">
                 <a:solidFill>
                   <a:schemeClr val="bg1"/>
                 </a:solidFill>
               </a:rPr>
-              <a:t> zid = </a:t>
-            </a:r>
-            <a:r>
-              <a:rPr lang="sr-Latn-RS" sz="2000" smtClean="0">
+              <a:t> zid = 1</a:t>
+            </a:r>
+            <a:endParaRPr lang="sr-Latn-RS" sz="2000" dirty="0">
+              <a:solidFill>
+                <a:schemeClr val="bg1"/>
+              </a:solidFill>
+              <a:cs typeface="Arial"/>
+            </a:endParaRPr>
+          </a:p>
+          <a:p>
+            <a:pPr lvl="1">
+              <a:buFont typeface="Arial" pitchFamily="34" charset="0"/>
+              <a:buChar char="•"/>
+            </a:pPr>
+            <a:endParaRPr lang="sr-Latn-RS" sz="2000">
+              <a:solidFill>
+                <a:schemeClr val="bg1"/>
+              </a:solidFill>
+            </a:endParaRPr>
+          </a:p>
+          <a:p>
+            <a:pPr>
+              <a:buFont typeface="Wingdings" pitchFamily="2" charset="2"/>
+              <a:buChar char="§"/>
+            </a:pPr>
+            <a:r>
+              <a:rPr lang="sr-Latn-RS" sz="2000" dirty="0">
+                <a:solidFill>
+                  <a:schemeClr val="bg1"/>
+                </a:solidFill>
+              </a:rPr>
+              <a:t> Jedno dodatno polje za trenutnu municiju.</a:t>
+            </a:r>
+            <a:endParaRPr lang="sr-Latn-RS" sz="2000" dirty="0">
+              <a:solidFill>
+                <a:schemeClr val="bg1"/>
+              </a:solidFill>
+              <a:cs typeface="Arial"/>
+            </a:endParaRPr>
+          </a:p>
+          <a:p>
+            <a:pPr lvl="1">
+              <a:buFont typeface="Arial" pitchFamily="34" charset="0"/>
+              <a:buChar char="•"/>
+            </a:pPr>
+            <a:endParaRPr lang="sr-Latn-RS" sz="2000">
+              <a:solidFill>
+                <a:schemeClr val="bg1"/>
+              </a:solidFill>
+            </a:endParaRPr>
+          </a:p>
+          <a:p>
+            <a:pPr>
+              <a:buFont typeface="Wingdings" pitchFamily="2" charset="2"/>
+              <a:buChar char="§"/>
+            </a:pPr>
+            <a:r>
+              <a:rPr lang="sr-Latn-RS" sz="2000" dirty="0">
+                <a:solidFill>
+                  <a:schemeClr val="bg1"/>
+                </a:solidFill>
+              </a:rPr>
+              <a:t> Zbog veličine prostora igre u ovom pristupu bilo je</a:t>
+            </a:r>
+            <a:endParaRPr lang="sr-Latn-RS" sz="2000" dirty="0">
+              <a:solidFill>
+                <a:schemeClr val="bg1"/>
+              </a:solidFill>
+              <a:cs typeface="Arial"/>
+            </a:endParaRPr>
+          </a:p>
+          <a:p>
+            <a:r>
+              <a:rPr lang="sr-Latn-RS" sz="2000" dirty="0">
+                <a:solidFill>
+                  <a:schemeClr val="bg1"/>
+                </a:solidFill>
+              </a:rPr>
+              <a:t>  </a:t>
+            </a:r>
+            <a:r>
+              <a:rPr lang="en-US" sz="2000" dirty="0" err="1">
+                <a:solidFill>
+                  <a:schemeClr val="bg1"/>
+                </a:solidFill>
+              </a:rPr>
+              <a:t>čak</a:t>
+            </a:r>
+            <a:r>
+              <a:rPr lang="sr-Latn-RS" sz="2000" dirty="0">
+                <a:solidFill>
+                  <a:schemeClr val="bg1"/>
+                </a:solidFill>
+              </a:rPr>
+              <a:t> 19</a:t>
+            </a:r>
+            <a:r>
+              <a:rPr lang="en-US" sz="2000" dirty="0">
                 <a:solidFill>
                   <a:schemeClr val="bg1"/>
                 </a:solidFill>
               </a:rPr>
               <a:t>1</a:t>
             </a:r>
-          </a:p>
-          <a:p>
-            <a:pPr lvl="1">
-              <a:buFont typeface="Arial" pitchFamily="34" charset="0"/>
-              <a:buChar char="•"/>
-            </a:pPr>
-            <a:endParaRPr lang="sr-Latn-RS" sz="2000" smtClean="0">
-              <a:solidFill>
-                <a:schemeClr val="bg1"/>
-              </a:solidFill>
-            </a:endParaRPr>
-          </a:p>
-          <a:p>
-            <a:pPr>
-              <a:buFont typeface="Wingdings" pitchFamily="2" charset="2"/>
-              <a:buChar char="§"/>
-            </a:pPr>
-            <a:r>
-              <a:rPr lang="sr-Latn-RS" sz="2000" smtClean="0">
+            <a:r>
+              <a:rPr lang="sr-Latn-RS" sz="2000" dirty="0">
                 <a:solidFill>
                   <a:schemeClr val="bg1"/>
                 </a:solidFill>
               </a:rPr>
-              <a:t> </a:t>
-            </a:r>
-            <a:r>
-              <a:rPr lang="sr-Latn-RS" sz="2000" smtClean="0">
-                <a:solidFill>
-                  <a:schemeClr val="bg1"/>
-                </a:solidFill>
-              </a:rPr>
-              <a:t>Jedno dodatno polje za trenutnu municiju.</a:t>
-            </a:r>
-            <a:endParaRPr lang="sr-Latn-RS" sz="2000" smtClean="0">
+              <a:t> ulaznih čvorova.</a:t>
+            </a:r>
+            <a:endParaRPr lang="sr-Latn-RS" sz="2000" dirty="0">
               <a:solidFill>
                 <a:schemeClr val="bg1"/>
               </a:solidFill>
+              <a:cs typeface="Arial"/>
             </a:endParaRPr>
-          </a:p>
-          <a:p>
-            <a:pPr lvl="1">
-              <a:buFont typeface="Arial" pitchFamily="34" charset="0"/>
-              <a:buChar char="•"/>
-            </a:pPr>
-            <a:endParaRPr lang="sr-Latn-RS" sz="2000" smtClean="0">
-              <a:solidFill>
-                <a:schemeClr val="bg1"/>
-              </a:solidFill>
-            </a:endParaRPr>
-          </a:p>
-          <a:p>
-            <a:pPr>
-              <a:buFont typeface="Wingdings" pitchFamily="2" charset="2"/>
-              <a:buChar char="§"/>
-            </a:pPr>
-            <a:r>
-              <a:rPr lang="sr-Latn-RS" sz="2000" smtClean="0">
-                <a:solidFill>
-                  <a:schemeClr val="bg1"/>
-                </a:solidFill>
-              </a:rPr>
-              <a:t> Zbog veličine prostora igre u ovom pristupu bilo je</a:t>
-            </a:r>
-          </a:p>
-          <a:p>
-            <a:r>
-              <a:rPr lang="sr-Latn-RS" sz="2000" smtClean="0">
-                <a:solidFill>
-                  <a:schemeClr val="bg1"/>
-                </a:solidFill>
-              </a:rPr>
-              <a:t>  </a:t>
-            </a:r>
-            <a:r>
-              <a:rPr lang="en-US" sz="2000" smtClean="0">
-                <a:solidFill>
-                  <a:schemeClr val="bg1"/>
-                </a:solidFill>
-              </a:rPr>
-              <a:t>čak</a:t>
-            </a:r>
-            <a:r>
-              <a:rPr lang="sr-Latn-RS" sz="2000" smtClean="0">
-                <a:solidFill>
-                  <a:schemeClr val="bg1"/>
-                </a:solidFill>
-              </a:rPr>
-              <a:t> </a:t>
-            </a:r>
-            <a:r>
-              <a:rPr lang="sr-Latn-RS" sz="2000" smtClean="0">
-                <a:solidFill>
-                  <a:schemeClr val="bg1"/>
-                </a:solidFill>
-              </a:rPr>
-              <a:t>19</a:t>
-            </a:r>
-            <a:r>
-              <a:rPr lang="en-US" sz="2000" smtClean="0">
-                <a:solidFill>
-                  <a:schemeClr val="bg1"/>
-                </a:solidFill>
-              </a:rPr>
-              <a:t>1</a:t>
-            </a:r>
-            <a:r>
-              <a:rPr lang="sr-Latn-RS" sz="2000" smtClean="0">
-                <a:solidFill>
-                  <a:schemeClr val="bg1"/>
-                </a:solidFill>
-              </a:rPr>
-              <a:t> </a:t>
-            </a:r>
-            <a:r>
-              <a:rPr lang="sr-Latn-RS" sz="2000" smtClean="0">
-                <a:solidFill>
-                  <a:schemeClr val="bg1"/>
-                </a:solidFill>
-              </a:rPr>
-              <a:t>ulaznih čvorova.</a:t>
-            </a:r>
           </a:p>
         </p:txBody>
       </p:sp>
@@ -26072,32 +26047,25 @@
     </p:spTree>
     <p:extLst>
       <p:ext uri="{BB962C8B-B14F-4D97-AF65-F5344CB8AC3E}">
-        <p14:creationId xmlns:p14="http://schemas.microsoft.com/office/powerpoint/2010/main" xmlns="" val="3607270498"/>
+        <p14:creationId xmlns:p14="http://schemas.microsoft.com/office/powerpoint/2010/main" val="3607270498"/>
       </p:ext>
     </p:extLst>
   </p:cSld>
   <p:clrMapOvr>
     <a:masterClrMapping/>
   </p:clrMapOvr>
-  <mc:AlternateContent xmlns:mc="http://schemas.openxmlformats.org/markup-compatibility/2006">
-    <mc:Choice xmlns:p14="http://schemas.microsoft.com/office/powerpoint/2010/main" xmlns="" Requires="p14">
+  <mc:AlternateContent xmlns:mc="http://schemas.openxmlformats.org/markup-compatibility/2006" xmlns:p14="http://schemas.microsoft.com/office/powerpoint/2010/main">
+    <mc:Choice Requires="p14">
       <p:transition spd="med" p14:dur="700">
         <p:fade/>
       </p:transition>
     </mc:Choice>
-    <mc:Fallback>
+    <mc:Fallback xmlns="">
       <p:transition spd="med">
         <p:fade/>
       </p:transition>
     </mc:Fallback>
   </mc:AlternateContent>
-  <p:timing>
-    <p:tnLst>
-      <p:par>
-        <p:cTn id="1" dur="indefinite" restart="never" nodeType="tmRoot"/>
-      </p:par>
-    </p:tnLst>
-  </p:timing>
 </p:sld>
 </file>
 
@@ -26123,7 +26091,7 @@
           <p:cNvPr id="4" name="Title 3">
             <a:extLst>
               <a:ext uri="{FF2B5EF4-FFF2-40B4-BE49-F238E27FC236}">
-                <a16:creationId xmlns:a16="http://schemas.microsoft.com/office/drawing/2014/main" xmlns="" id="{315E3981-F0D7-482C-A8E0-6A57700BECA7}"/>
+                <a16:creationId xmlns:a16="http://schemas.microsoft.com/office/drawing/2014/main" id="{315E3981-F0D7-482C-A8E0-6A57700BECA7}"/>
               </a:ext>
             </a:extLst>
           </p:cNvPr>
@@ -26146,8 +26114,16 @@
           <a:p>
             <a:pPr marL="514350" indent="-514350"/>
             <a:r>
-              <a:rPr lang="sr-Latn-RS" smtClean="0"/>
-              <a:t>Trening i uporedjivanje rešenja:</a:t>
+              <a:rPr lang="sr-Latn-RS" dirty="0"/>
+              <a:t>Trening i </a:t>
+            </a:r>
+            <a:r>
+              <a:rPr lang="sr-Latn-RS"/>
+              <a:t>upoređivanje</a:t>
+            </a:r>
+            <a:r>
+              <a:rPr lang="sr-Latn-RS" dirty="0"/>
+              <a:t> rešenja</a:t>
             </a:r>
           </a:p>
         </p:txBody>
@@ -26157,7 +26133,7 @@
           <p:cNvPr id="2" name="Slide Number Placeholder 1">
             <a:extLst>
               <a:ext uri="{FF2B5EF4-FFF2-40B4-BE49-F238E27FC236}">
-                <a16:creationId xmlns:a16="http://schemas.microsoft.com/office/drawing/2014/main" xmlns="" id="{520FC4EE-F318-4344-9E3C-B950ADB63865}"/>
+                <a16:creationId xmlns:a16="http://schemas.microsoft.com/office/drawing/2014/main" id="{520FC4EE-F318-4344-9E3C-B950ADB63865}"/>
               </a:ext>
             </a:extLst>
           </p:cNvPr>
@@ -26187,7 +26163,7 @@
           <p:cNvPr id="8" name="Text Placeholder 7">
             <a:extLst>
               <a:ext uri="{FF2B5EF4-FFF2-40B4-BE49-F238E27FC236}">
-                <a16:creationId xmlns:a16="http://schemas.microsoft.com/office/drawing/2014/main" xmlns="" id="{47DC4E62-1A34-4F98-A451-214F1808519C}"/>
+                <a16:creationId xmlns:a16="http://schemas.microsoft.com/office/drawing/2014/main" id="{47DC4E62-1A34-4F98-A451-214F1808519C}"/>
               </a:ext>
             </a:extLst>
           </p:cNvPr>
@@ -26227,7 +26203,7 @@
           <a:noFill/>
         </p:spPr>
         <p:txBody>
-          <a:bodyPr wrap="square" rtlCol="0">
+          <a:bodyPr wrap="square" rtlCol="0" anchor="t">
             <a:spAutoFit/>
           </a:bodyPr>
           <a:lstStyle/>
@@ -26237,12 +26213,12 @@
               <a:buChar char="§"/>
             </a:pPr>
             <a:r>
-              <a:rPr lang="sr-Latn-RS" sz="2000" smtClean="0">
+              <a:rPr lang="sr-Latn-RS" sz="2000" dirty="0">
                 <a:solidFill>
                   <a:schemeClr val="bg1"/>
                 </a:solidFill>
               </a:rPr>
-              <a:t> Trening i zaključak:</a:t>
+              <a:t> Trening i zaključak:</a:t>
             </a:r>
           </a:p>
           <a:p>
@@ -26250,7 +26226,7 @@
               <a:buFont typeface="Wingdings" pitchFamily="2" charset="2"/>
               <a:buChar char="§"/>
             </a:pPr>
-            <a:endParaRPr lang="sr-Latn-RS" sz="2000" smtClean="0">
+            <a:endParaRPr lang="sr-Latn-RS" sz="2000">
               <a:solidFill>
                 <a:schemeClr val="bg1"/>
               </a:solidFill>
@@ -26262,13 +26238,19 @@
               <a:buChar char="§"/>
             </a:pPr>
             <a:r>
-              <a:rPr lang="sr-Latn-RS" sz="2000" smtClean="0">
+              <a:rPr lang="sr-Latn-RS" sz="2000" dirty="0">
                 <a:solidFill>
                   <a:schemeClr val="bg1"/>
                 </a:solidFill>
               </a:rPr>
-              <a:t> Veličina populacije za trening: 300</a:t>
-            </a:r>
+              <a:t> Veličina populacije za trening: 300</a:t>
+            </a:r>
+            <a:endParaRPr lang="sr-Latn-RS" sz="2000" dirty="0">
+              <a:solidFill>
+                <a:schemeClr val="bg1"/>
+              </a:solidFill>
+              <a:cs typeface="Arial"/>
+            </a:endParaRPr>
           </a:p>
           <a:p>
             <a:pPr>
@@ -26276,13 +26258,19 @@
               <a:buChar char="§"/>
             </a:pPr>
             <a:r>
-              <a:rPr lang="sr-Latn-RS" sz="2000" smtClean="0">
+              <a:rPr lang="sr-Latn-RS" sz="2000" dirty="0">
                 <a:solidFill>
                   <a:schemeClr val="bg1"/>
                 </a:solidFill>
               </a:rPr>
-              <a:t> Broj iteracija: 300</a:t>
-            </a:r>
+              <a:t> Broj iteracija: 300</a:t>
+            </a:r>
+            <a:endParaRPr lang="sr-Latn-RS" sz="2000" dirty="0">
+              <a:solidFill>
+                <a:schemeClr val="bg1"/>
+              </a:solidFill>
+              <a:cs typeface="Arial"/>
+            </a:endParaRPr>
           </a:p>
           <a:p>
             <a:pPr>
@@ -26290,20 +26278,26 @@
               <a:buChar char="§"/>
             </a:pPr>
             <a:r>
-              <a:rPr lang="sr-Latn-RS" sz="2000" smtClean="0">
+              <a:rPr lang="sr-Latn-RS" sz="2000" dirty="0">
                 <a:solidFill>
                   <a:schemeClr val="bg1"/>
                 </a:solidFill>
               </a:rPr>
-              <a:t> Vreme trajanja oko 6h</a:t>
-            </a:r>
+              <a:t> Vreme trajanja oko 10h</a:t>
+            </a:r>
+            <a:endParaRPr lang="sr-Latn-RS" sz="2000" dirty="0">
+              <a:solidFill>
+                <a:schemeClr val="bg1"/>
+              </a:solidFill>
+              <a:cs typeface="Arial"/>
+            </a:endParaRPr>
           </a:p>
           <a:p>
             <a:pPr>
               <a:buFont typeface="Wingdings" pitchFamily="2" charset="2"/>
               <a:buChar char="§"/>
             </a:pPr>
-            <a:endParaRPr lang="sr-Latn-RS" sz="2000" smtClean="0">
+            <a:endParaRPr lang="sr-Latn-RS" sz="2000">
               <a:solidFill>
                 <a:schemeClr val="bg1"/>
               </a:solidFill>
@@ -26338,7 +26332,7 @@
               <a:buChar char="§"/>
             </a:pPr>
             <a:r>
-              <a:rPr lang="sr-Latn-RS" smtClean="0">
+              <a:rPr lang="sr-Latn-RS">
                 <a:solidFill>
                   <a:schemeClr val="bg1"/>
                 </a:solidFill>
@@ -26394,7 +26388,7 @@
           <a:p>
             <a:pPr algn="ctr"/>
             <a:r>
-              <a:rPr lang="sr-Latn-RS" sz="2000" smtClean="0">
+              <a:rPr lang="sr-Latn-RS" sz="2000">
                 <a:solidFill>
                   <a:schemeClr val="bg1"/>
                 </a:solidFill>
@@ -26404,7 +26398,7 @@
           </a:p>
           <a:p>
             <a:pPr algn="ctr"/>
-            <a:endParaRPr lang="sr-Latn-RS" sz="2000" smtClean="0">
+            <a:endParaRPr lang="sr-Latn-RS" sz="2000">
               <a:solidFill>
                 <a:schemeClr val="bg1"/>
               </a:solidFill>
@@ -26416,7 +26410,7 @@
               <a:buChar char="•"/>
             </a:pPr>
             <a:r>
-              <a:rPr lang="sr-Latn-RS" sz="2000" smtClean="0">
+              <a:rPr lang="sr-Latn-RS" sz="2000">
                 <a:solidFill>
                   <a:schemeClr val="bg1"/>
                 </a:solidFill>
@@ -26430,7 +26424,7 @@
               <a:buChar char="•"/>
             </a:pPr>
             <a:r>
-              <a:rPr lang="sr-Latn-RS" sz="2000" smtClean="0">
+              <a:rPr lang="sr-Latn-RS" sz="2000">
                 <a:solidFill>
                   <a:schemeClr val="bg1"/>
                 </a:solidFill>
@@ -26444,7 +26438,7 @@
               <a:buChar char="•"/>
             </a:pPr>
             <a:r>
-              <a:rPr lang="sr-Latn-RS" sz="2000" smtClean="0">
+              <a:rPr lang="sr-Latn-RS" sz="2000">
                 <a:solidFill>
                   <a:schemeClr val="bg1"/>
                 </a:solidFill>
@@ -26458,7 +26452,7 @@
               <a:buChar char="•"/>
             </a:pPr>
             <a:r>
-              <a:rPr lang="sr-Latn-RS" sz="2000" smtClean="0">
+              <a:rPr lang="sr-Latn-RS" sz="2000">
                 <a:solidFill>
                   <a:schemeClr val="bg1"/>
                 </a:solidFill>
@@ -26476,32 +26470,25 @@
     </p:spTree>
     <p:extLst>
       <p:ext uri="{BB962C8B-B14F-4D97-AF65-F5344CB8AC3E}">
-        <p14:creationId xmlns:p14="http://schemas.microsoft.com/office/powerpoint/2010/main" xmlns="" val="3607270498"/>
+        <p14:creationId xmlns:p14="http://schemas.microsoft.com/office/powerpoint/2010/main" val="3607270498"/>
       </p:ext>
     </p:extLst>
   </p:cSld>
   <p:clrMapOvr>
     <a:masterClrMapping/>
   </p:clrMapOvr>
-  <mc:AlternateContent xmlns:mc="http://schemas.openxmlformats.org/markup-compatibility/2006">
-    <mc:Choice xmlns:p14="http://schemas.microsoft.com/office/powerpoint/2010/main" xmlns="" Requires="p14">
+  <mc:AlternateContent xmlns:mc="http://schemas.openxmlformats.org/markup-compatibility/2006" xmlns:p14="http://schemas.microsoft.com/office/powerpoint/2010/main">
+    <mc:Choice Requires="p14">
       <p:transition spd="med" p14:dur="700">
         <p:fade/>
       </p:transition>
     </mc:Choice>
-    <mc:Fallback>
+    <mc:Fallback xmlns="">
       <p:transition spd="med">
         <p:fade/>
       </p:transition>
     </mc:Fallback>
   </mc:AlternateContent>
-  <p:timing>
-    <p:tnLst>
-      <p:par>
-        <p:cTn id="1" dur="indefinite" restart="never" nodeType="tmRoot"/>
-      </p:par>
-    </p:tnLst>
-  </p:timing>
 </p:sld>
 </file>
 
@@ -26527,7 +26514,7 @@
           <p:cNvPr id="4" name="Title 3">
             <a:extLst>
               <a:ext uri="{FF2B5EF4-FFF2-40B4-BE49-F238E27FC236}">
-                <a16:creationId xmlns:a16="http://schemas.microsoft.com/office/drawing/2014/main" xmlns="" id="{315E3981-F0D7-482C-A8E0-6A57700BECA7}"/>
+                <a16:creationId xmlns:a16="http://schemas.microsoft.com/office/drawing/2014/main" id="{315E3981-F0D7-482C-A8E0-6A57700BECA7}"/>
               </a:ext>
             </a:extLst>
           </p:cNvPr>
@@ -26550,8 +26537,8 @@
           <a:p>
             <a:pPr marL="514350" indent="-514350"/>
             <a:r>
-              <a:rPr lang="sr-Latn-RS" smtClean="0"/>
-              <a:t>Trening i uporedjivanje rešenja:</a:t>
+              <a:rPr lang="sr-Latn-RS"/>
+              <a:t>Trening i upoređivanje rešenja</a:t>
             </a:r>
           </a:p>
         </p:txBody>
@@ -26561,7 +26548,7 @@
           <p:cNvPr id="2" name="Slide Number Placeholder 1">
             <a:extLst>
               <a:ext uri="{FF2B5EF4-FFF2-40B4-BE49-F238E27FC236}">
-                <a16:creationId xmlns:a16="http://schemas.microsoft.com/office/drawing/2014/main" xmlns="" id="{520FC4EE-F318-4344-9E3C-B950ADB63865}"/>
+                <a16:creationId xmlns:a16="http://schemas.microsoft.com/office/drawing/2014/main" id="{520FC4EE-F318-4344-9E3C-B950ADB63865}"/>
               </a:ext>
             </a:extLst>
           </p:cNvPr>
@@ -26591,7 +26578,7 @@
           <p:cNvPr id="8" name="Text Placeholder 7">
             <a:extLst>
               <a:ext uri="{FF2B5EF4-FFF2-40B4-BE49-F238E27FC236}">
-                <a16:creationId xmlns:a16="http://schemas.microsoft.com/office/drawing/2014/main" xmlns="" id="{47DC4E62-1A34-4F98-A451-214F1808519C}"/>
+                <a16:creationId xmlns:a16="http://schemas.microsoft.com/office/drawing/2014/main" id="{47DC4E62-1A34-4F98-A451-214F1808519C}"/>
               </a:ext>
             </a:extLst>
           </p:cNvPr>
@@ -26631,7 +26618,7 @@
           <a:noFill/>
         </p:spPr>
         <p:txBody>
-          <a:bodyPr wrap="square" rtlCol="0">
+          <a:bodyPr wrap="square" rtlCol="0" anchor="t">
             <a:spAutoFit/>
           </a:bodyPr>
           <a:lstStyle/>
@@ -26641,7 +26628,124 @@
               <a:buChar char="§"/>
             </a:pPr>
             <a:r>
-              <a:rPr lang="sr-Latn-RS" sz="2000" smtClean="0">
+              <a:rPr lang="sr-Latn-RS" sz="2000" dirty="0">
+                <a:solidFill>
+                  <a:schemeClr val="bg1"/>
+                </a:solidFill>
+              </a:rPr>
+              <a:t> </a:t>
+            </a:r>
+            <a:r>
+              <a:rPr lang="sr-Latn-RS" sz="2400" u="sng" dirty="0">
+                <a:solidFill>
+                  <a:schemeClr val="bg1"/>
+                </a:solidFill>
+              </a:rPr>
+              <a:t>Drugo rešenje:</a:t>
+            </a:r>
+          </a:p>
+          <a:p>
+            <a:pPr>
+              <a:buFont typeface="Wingdings" pitchFamily="2" charset="2"/>
+              <a:buChar char="§"/>
+            </a:pPr>
+            <a:endParaRPr lang="sr-Latn-RS" sz="2400" u="sng">
+              <a:solidFill>
+                <a:schemeClr val="bg1"/>
+              </a:solidFill>
+            </a:endParaRPr>
+          </a:p>
+          <a:p>
+            <a:pPr>
+              <a:buFont typeface="Wingdings" pitchFamily="2" charset="2"/>
+              <a:buChar char="§"/>
+            </a:pPr>
+            <a:r>
+              <a:rPr lang="sr-Latn-RS" sz="2000" dirty="0">
+                <a:solidFill>
+                  <a:schemeClr val="bg1"/>
+                </a:solidFill>
+              </a:rPr>
+              <a:t> Ulaz je drastično smanjen. Sastoji se iz 10 čvorova.</a:t>
+            </a:r>
+            <a:endParaRPr lang="sr-Latn-RS" sz="2000" dirty="0">
+              <a:solidFill>
+                <a:schemeClr val="bg1"/>
+              </a:solidFill>
+              <a:cs typeface="Arial"/>
+            </a:endParaRPr>
+          </a:p>
+          <a:p>
+            <a:pPr>
+              <a:buFont typeface="Wingdings" pitchFamily="2" charset="2"/>
+              <a:buChar char="§"/>
+            </a:pPr>
+            <a:r>
+              <a:rPr lang="sr-Latn-RS" sz="2000" dirty="0">
+                <a:solidFill>
+                  <a:schemeClr val="bg1"/>
+                </a:solidFill>
+              </a:rPr>
+              <a:t> input</a:t>
+            </a:r>
+            <a:r>
+              <a:rPr lang="en-US" sz="2000" dirty="0">
+                <a:solidFill>
+                  <a:schemeClr val="bg1"/>
+                </a:solidFill>
+              </a:rPr>
+              <a:t>[0] = </a:t>
+            </a:r>
+            <a:r>
+              <a:rPr lang="sr-Latn-RS" sz="2000" dirty="0">
+                <a:solidFill>
+                  <a:schemeClr val="bg1"/>
+                </a:solidFill>
+              </a:rPr>
+              <a:t>U</a:t>
+            </a:r>
+            <a:r>
+              <a:rPr lang="en-US" sz="2000" dirty="0" err="1">
+                <a:solidFill>
+                  <a:schemeClr val="bg1"/>
+                </a:solidFill>
+              </a:rPr>
+              <a:t>gao</a:t>
+            </a:r>
+            <a:r>
+              <a:rPr lang="en-US" sz="2000" dirty="0">
+                <a:solidFill>
+                  <a:schemeClr val="bg1"/>
+                </a:solidFill>
+              </a:rPr>
+              <a:t> ka </a:t>
+            </a:r>
+            <a:r>
+              <a:rPr lang="en-US" sz="2000" dirty="0" err="1">
+                <a:solidFill>
+                  <a:schemeClr val="bg1"/>
+                </a:solidFill>
+              </a:rPr>
+              <a:t>najbli</a:t>
+            </a:r>
+            <a:r>
+              <a:rPr lang="sr-Latn-RS" sz="2000" dirty="0">
+                <a:solidFill>
+                  <a:schemeClr val="bg1"/>
+                </a:solidFill>
+              </a:rPr>
+              <a:t>ž</a:t>
+            </a:r>
+            <a:r>
+              <a:rPr lang="en-US" sz="2000" dirty="0" err="1">
+                <a:solidFill>
+                  <a:schemeClr val="bg1"/>
+                </a:solidFill>
+              </a:rPr>
+              <a:t>em</a:t>
+            </a:r>
+            <a:r>
+              <a:rPr lang="en-US" sz="2000" dirty="0">
                 <a:solidFill>
                   <a:schemeClr val="bg1"/>
                 </a:solidFill>
@@ -26649,114 +26753,71 @@
               <a:t> </a:t>
             </a:r>
             <a:r>
-              <a:rPr lang="sr-Latn-RS" sz="2400" u="sng" smtClean="0">
+              <a:rPr lang="en-US" sz="2000" dirty="0" err="1">
                 <a:solidFill>
                   <a:schemeClr val="bg1"/>
                 </a:solidFill>
               </a:rPr>
-              <a:t>Drugo rešenje:</a:t>
-            </a:r>
+              <a:t>vidljivom</a:t>
+            </a:r>
+            <a:r>
+              <a:rPr lang="en-US" sz="2000" dirty="0">
+                <a:solidFill>
+                  <a:schemeClr val="bg1"/>
+                </a:solidFill>
+              </a:rPr>
+              <a:t> </a:t>
+            </a:r>
+            <a:r>
+              <a:rPr lang="en-US" sz="2000" dirty="0" err="1">
+                <a:solidFill>
+                  <a:schemeClr val="bg1"/>
+                </a:solidFill>
+              </a:rPr>
+              <a:t>protivniku</a:t>
+            </a:r>
+            <a:r>
+              <a:rPr lang="en-US" sz="2000" dirty="0">
+                <a:solidFill>
+                  <a:schemeClr val="bg1"/>
+                </a:solidFill>
+              </a:rPr>
+              <a:t>.</a:t>
+            </a:r>
+            <a:endParaRPr lang="en-US" sz="2000" dirty="0">
+              <a:solidFill>
+                <a:schemeClr val="bg1"/>
+              </a:solidFill>
+              <a:cs typeface="Arial"/>
+            </a:endParaRPr>
           </a:p>
           <a:p>
             <a:pPr>
               <a:buFont typeface="Wingdings" pitchFamily="2" charset="2"/>
               <a:buChar char="§"/>
             </a:pPr>
-            <a:endParaRPr lang="sr-Latn-RS" sz="2400" u="sng" smtClean="0">
-              <a:solidFill>
-                <a:schemeClr val="bg1"/>
-              </a:solidFill>
-            </a:endParaRPr>
-          </a:p>
-          <a:p>
-            <a:pPr>
-              <a:buFont typeface="Wingdings" pitchFamily="2" charset="2"/>
-              <a:buChar char="§"/>
-            </a:pPr>
-            <a:r>
-              <a:rPr lang="sr-Latn-RS" sz="2000" smtClean="0">
+            <a:r>
+              <a:rPr lang="en-US" sz="2000" dirty="0">
                 <a:solidFill>
                   <a:schemeClr val="bg1"/>
                 </a:solidFill>
               </a:rPr>
-              <a:t> Ulaz je drastično smanjen. Sastoji se iz 10 čvorova.</a:t>
-            </a:r>
-          </a:p>
-          <a:p>
-            <a:pPr>
-              <a:buFont typeface="Wingdings" pitchFamily="2" charset="2"/>
-              <a:buChar char="§"/>
-            </a:pPr>
-            <a:r>
-              <a:rPr lang="sr-Latn-RS" sz="2000" smtClean="0">
-                <a:solidFill>
-                  <a:schemeClr val="bg1"/>
-                </a:solidFill>
-              </a:rPr>
-              <a:t> input</a:t>
-            </a:r>
-            <a:r>
-              <a:rPr lang="en-US" sz="2000" smtClean="0">
-                <a:solidFill>
-                  <a:schemeClr val="bg1"/>
-                </a:solidFill>
-              </a:rPr>
-              <a:t>[0] = </a:t>
-            </a:r>
-            <a:r>
-              <a:rPr lang="sr-Latn-RS" sz="2000" smtClean="0">
-                <a:solidFill>
-                  <a:schemeClr val="bg1"/>
-                </a:solidFill>
-              </a:rPr>
-              <a:t>U</a:t>
-            </a:r>
-            <a:r>
-              <a:rPr lang="en-US" sz="2000" smtClean="0">
-                <a:solidFill>
-                  <a:schemeClr val="bg1"/>
-                </a:solidFill>
-              </a:rPr>
-              <a:t>gao ka najbli</a:t>
-            </a:r>
-            <a:r>
-              <a:rPr lang="sr-Latn-RS" sz="2000" smtClean="0">
-                <a:solidFill>
-                  <a:schemeClr val="bg1"/>
-                </a:solidFill>
-              </a:rPr>
-              <a:t>ž</a:t>
-            </a:r>
-            <a:r>
-              <a:rPr lang="en-US" sz="2000" smtClean="0">
-                <a:solidFill>
-                  <a:schemeClr val="bg1"/>
-                </a:solidFill>
-              </a:rPr>
-              <a:t>em vidljivom protivniku.</a:t>
-            </a:r>
-          </a:p>
-          <a:p>
-            <a:pPr>
-              <a:buFont typeface="Wingdings" pitchFamily="2" charset="2"/>
-              <a:buChar char="§"/>
-            </a:pPr>
-            <a:r>
-              <a:rPr lang="en-US" sz="2000" smtClean="0">
-                <a:solidFill>
-                  <a:schemeClr val="bg1"/>
-                </a:solidFill>
-              </a:rPr>
-              <a:t> input[1] = </a:t>
-            </a:r>
-            <a:r>
-              <a:rPr lang="sr-Latn-RS" sz="2000" smtClean="0">
+              <a:t> input[1] = </a:t>
+            </a:r>
+            <a:r>
+              <a:rPr lang="sr-Latn-RS" sz="2000" dirty="0">
                 <a:solidFill>
                   <a:schemeClr val="bg1"/>
                 </a:solidFill>
               </a:rPr>
               <a:t>Broj raspoložive municije.</a:t>
             </a:r>
+            <a:endParaRPr lang="sr-Latn-RS" sz="2000" dirty="0">
+              <a:solidFill>
+                <a:schemeClr val="bg1"/>
+              </a:solidFill>
+              <a:cs typeface="Arial"/>
+            </a:endParaRPr>
           </a:p>
           <a:p>
             <a:pPr>
@@ -26764,15 +26825,15 @@
               <a:buChar char="§"/>
             </a:pPr>
             <a:r>
-              <a:rPr lang="sr-Latn-RS" sz="2000" smtClean="0">
+              <a:rPr lang="sr-Latn-RS" sz="2000" dirty="0">
                 <a:solidFill>
                   <a:schemeClr val="bg1"/>
                 </a:solidFill>
               </a:rPr>
-              <a:t> </a:t>
-            </a:r>
-            <a:r>
-              <a:rPr lang="en-US" sz="2000" smtClean="0">
+              <a:t> </a:t>
+            </a:r>
+            <a:r>
+              <a:rPr lang="en-US" sz="2000" dirty="0">
                 <a:solidFill>
                   <a:schemeClr val="bg1"/>
                 </a:solidFill>
@@ -26780,7 +26841,7 @@
               <a:t>input[</a:t>
             </a:r>
             <a:r>
-              <a:rPr lang="sr-Latn-RS" sz="2000" smtClean="0">
+              <a:rPr lang="sr-Latn-RS" sz="2000" dirty="0">
                 <a:solidFill>
                   <a:schemeClr val="bg1"/>
                 </a:solidFill>
@@ -26788,7 +26849,7 @@
               <a:t>2 - 9</a:t>
             </a:r>
             <a:r>
-              <a:rPr lang="en-US" sz="2000" smtClean="0">
+              <a:rPr lang="en-US" sz="2000" dirty="0">
                 <a:solidFill>
                   <a:schemeClr val="bg1"/>
                 </a:solidFill>
@@ -26796,13 +26857,19 @@
               <a:t>]</a:t>
             </a:r>
             <a:r>
-              <a:rPr lang="sr-Latn-RS" sz="2000" smtClean="0">
+              <a:rPr lang="sr-Latn-RS" sz="2000" dirty="0">
                 <a:solidFill>
                   <a:schemeClr val="bg1"/>
                 </a:solidFill>
               </a:rPr>
               <a:t> = Senzori:</a:t>
             </a:r>
+            <a:endParaRPr lang="sr-Latn-RS" sz="2000" dirty="0">
+              <a:solidFill>
+                <a:schemeClr val="bg1"/>
+              </a:solidFill>
+              <a:cs typeface="Arial"/>
+            </a:endParaRPr>
           </a:p>
           <a:p>
             <a:pPr lvl="1">
@@ -26810,20 +26877,26 @@
               <a:buChar char="•"/>
             </a:pPr>
             <a:r>
-              <a:rPr lang="sr-Latn-RS" smtClean="0">
+              <a:rPr lang="sr-Latn-RS" dirty="0">
                 <a:solidFill>
                   <a:schemeClr val="bg1"/>
                 </a:solidFill>
               </a:rPr>
-              <a:t> Linije u 8 pravaca (gore,dole,levo,desno,dijagonale) koje detektuju da li se nešto(zid ili protivnik) nalazi od igrača do kraja ekrana.</a:t>
-            </a:r>
+              <a:t> Linije u 8 pravaca (gore, dole, levo, desno, dijagonale) koje detektuju da li se nešto (zid ili protivnik) nalazi od igrača do kraja ekrana.</a:t>
+            </a:r>
+            <a:endParaRPr lang="sr-Latn-RS" dirty="0">
+              <a:solidFill>
+                <a:schemeClr val="bg1"/>
+              </a:solidFill>
+              <a:cs typeface="Arial"/>
+            </a:endParaRPr>
           </a:p>
           <a:p>
             <a:pPr>
               <a:buFont typeface="Wingdings" pitchFamily="2" charset="2"/>
               <a:buChar char="§"/>
             </a:pPr>
-            <a:endParaRPr lang="sr-Latn-RS" sz="2000" smtClean="0">
+            <a:endParaRPr lang="sr-Latn-RS" sz="2000">
               <a:solidFill>
                 <a:schemeClr val="bg1"/>
               </a:solidFill>
@@ -26834,7 +26907,7 @@
               <a:buFont typeface="Wingdings" pitchFamily="2" charset="2"/>
               <a:buChar char="§"/>
             </a:pPr>
-            <a:endParaRPr lang="sr-Latn-RS" sz="2000" smtClean="0">
+            <a:endParaRPr lang="sr-Latn-RS" sz="2000">
               <a:solidFill>
                 <a:schemeClr val="bg1"/>
               </a:solidFill>
@@ -26845,7 +26918,7 @@
               <a:buFont typeface="Wingdings" pitchFamily="2" charset="2"/>
               <a:buChar char="§"/>
             </a:pPr>
-            <a:endParaRPr lang="sr-Latn-RS" sz="2000" u="sng" smtClean="0">
+            <a:endParaRPr lang="sr-Latn-RS" sz="2000" u="sng">
               <a:solidFill>
                 <a:schemeClr val="bg1"/>
               </a:solidFill>
@@ -26856,32 +26929,25 @@
     </p:spTree>
     <p:extLst>
       <p:ext uri="{BB962C8B-B14F-4D97-AF65-F5344CB8AC3E}">
-        <p14:creationId xmlns:p14="http://schemas.microsoft.com/office/powerpoint/2010/main" xmlns="" val="3607270498"/>
+        <p14:creationId xmlns:p14="http://schemas.microsoft.com/office/powerpoint/2010/main" val="3607270498"/>
       </p:ext>
     </p:extLst>
   </p:cSld>
   <p:clrMapOvr>
     <a:masterClrMapping/>
   </p:clrMapOvr>
-  <mc:AlternateContent xmlns:mc="http://schemas.openxmlformats.org/markup-compatibility/2006">
-    <mc:Choice xmlns:p14="http://schemas.microsoft.com/office/powerpoint/2010/main" xmlns="" Requires="p14">
+  <mc:AlternateContent xmlns:mc="http://schemas.openxmlformats.org/markup-compatibility/2006" xmlns:p14="http://schemas.microsoft.com/office/powerpoint/2010/main">
+    <mc:Choice Requires="p14">
       <p:transition spd="med" p14:dur="700">
         <p:fade/>
       </p:transition>
     </mc:Choice>
-    <mc:Fallback>
+    <mc:Fallback xmlns="">
       <p:transition spd="med">
         <p:fade/>
       </p:transition>
     </mc:Fallback>
   </mc:AlternateContent>
-  <p:timing>
-    <p:tnLst>
-      <p:par>
-        <p:cTn id="1" dur="indefinite" restart="never" nodeType="tmRoot"/>
-      </p:par>
-    </p:tnLst>
-  </p:timing>
 </p:sld>
 </file>
 
@@ -26907,7 +26973,7 @@
           <p:cNvPr id="4" name="Title 3">
             <a:extLst>
               <a:ext uri="{FF2B5EF4-FFF2-40B4-BE49-F238E27FC236}">
-                <a16:creationId xmlns:a16="http://schemas.microsoft.com/office/drawing/2014/main" xmlns="" id="{315E3981-F0D7-482C-A8E0-6A57700BECA7}"/>
+                <a16:creationId xmlns:a16="http://schemas.microsoft.com/office/drawing/2014/main" id="{315E3981-F0D7-482C-A8E0-6A57700BECA7}"/>
               </a:ext>
             </a:extLst>
           </p:cNvPr>
@@ -26930,8 +26996,8 @@
           <a:p>
             <a:pPr marL="514350" indent="-514350"/>
             <a:r>
-              <a:rPr lang="sr-Latn-RS" smtClean="0"/>
-              <a:t>Trening i uporedjivanje rešenja:</a:t>
+              <a:rPr lang="sr-Latn-RS"/>
+              <a:t>Trening i upoređivanje rešenja</a:t>
             </a:r>
           </a:p>
         </p:txBody>
@@ -26941,7 +27007,7 @@
           <p:cNvPr id="2" name="Slide Number Placeholder 1">
             <a:extLst>
               <a:ext uri="{FF2B5EF4-FFF2-40B4-BE49-F238E27FC236}">
-                <a16:creationId xmlns:a16="http://schemas.microsoft.com/office/drawing/2014/main" xmlns="" id="{520FC4EE-F318-4344-9E3C-B950ADB63865}"/>
+                <a16:creationId xmlns:a16="http://schemas.microsoft.com/office/drawing/2014/main" id="{520FC4EE-F318-4344-9E3C-B950ADB63865}"/>
               </a:ext>
             </a:extLst>
           </p:cNvPr>
@@ -26971,7 +27037,7 @@
           <p:cNvPr id="8" name="Text Placeholder 7">
             <a:extLst>
               <a:ext uri="{FF2B5EF4-FFF2-40B4-BE49-F238E27FC236}">
-                <a16:creationId xmlns:a16="http://schemas.microsoft.com/office/drawing/2014/main" xmlns="" id="{47DC4E62-1A34-4F98-A451-214F1808519C}"/>
+                <a16:creationId xmlns:a16="http://schemas.microsoft.com/office/drawing/2014/main" id="{47DC4E62-1A34-4F98-A451-214F1808519C}"/>
               </a:ext>
             </a:extLst>
           </p:cNvPr>
@@ -27011,7 +27077,7 @@
           <a:noFill/>
         </p:spPr>
         <p:txBody>
-          <a:bodyPr wrap="square" rtlCol="0">
+          <a:bodyPr wrap="square" rtlCol="0" anchor="t">
             <a:spAutoFit/>
           </a:bodyPr>
           <a:lstStyle/>
@@ -27021,14 +27087,14 @@
               <a:buChar char="§"/>
             </a:pPr>
             <a:r>
-              <a:rPr lang="sr-Latn-RS" sz="2000" smtClean="0">
+              <a:rPr lang="sr-Latn-RS" sz="2000" dirty="0">
                 <a:solidFill>
                   <a:schemeClr val="bg1"/>
                 </a:solidFill>
               </a:rPr>
-              <a:t> Trening i zaključak:</a:t>
-            </a:r>
-            <a:endParaRPr lang="en-US" sz="2000" smtClean="0">
+              <a:t> Trening i zaključak:</a:t>
+            </a:r>
+            <a:endParaRPr lang="en-US" sz="2000" dirty="0">
               <a:solidFill>
                 <a:schemeClr val="bg1"/>
               </a:solidFill>
@@ -27039,7 +27105,7 @@
               <a:buFont typeface="Wingdings" pitchFamily="2" charset="2"/>
               <a:buChar char="§"/>
             </a:pPr>
-            <a:endParaRPr lang="en-US" sz="2000" smtClean="0">
+            <a:endParaRPr lang="en-US" sz="2000">
               <a:solidFill>
                 <a:schemeClr val="bg1"/>
               </a:solidFill>
@@ -27051,15 +27117,15 @@
               <a:buChar char="§"/>
             </a:pPr>
             <a:r>
-              <a:rPr lang="sr-Latn-RS" sz="2000" smtClean="0">
+              <a:rPr lang="sr-Latn-RS" sz="2000" dirty="0">
                 <a:solidFill>
                   <a:schemeClr val="bg1"/>
                 </a:solidFill>
               </a:rPr>
-              <a:t> </a:t>
-            </a:r>
-            <a:r>
-              <a:rPr lang="en-US" sz="2000" smtClean="0">
+              <a:t> </a:t>
+            </a:r>
+            <a:r>
+              <a:rPr lang="en-US" sz="2000" dirty="0" err="1">
                 <a:solidFill>
                   <a:schemeClr val="bg1"/>
                 </a:solidFill>
@@ -27067,13 +27133,19 @@
               <a:t>Veli</a:t>
             </a:r>
             <a:r>
-              <a:rPr lang="sr-Latn-RS" sz="2000" smtClean="0">
+              <a:rPr lang="sr-Latn-RS" sz="2000" dirty="0">
                 <a:solidFill>
                   <a:schemeClr val="bg1"/>
                 </a:solidFill>
               </a:rPr>
-              <a:t>čina populacije za trening: 50</a:t>
-            </a:r>
+              <a:t>čina populacije za trening: 100</a:t>
+            </a:r>
+            <a:endParaRPr lang="sr-Latn-RS" sz="2000" dirty="0">
+              <a:solidFill>
+                <a:schemeClr val="bg1"/>
+              </a:solidFill>
+              <a:cs typeface="Arial"/>
+            </a:endParaRPr>
           </a:p>
           <a:p>
             <a:pPr>
@@ -27081,22 +27153,22 @@
               <a:buChar char="§"/>
             </a:pPr>
             <a:r>
-              <a:rPr lang="sr-Latn-RS" sz="2000" smtClean="0">
+              <a:rPr lang="sr-Latn-RS" sz="2000" dirty="0">
                 <a:solidFill>
                   <a:schemeClr val="bg1"/>
                 </a:solidFill>
               </a:rPr>
-              <a:t> Broj iteracija: </a:t>
-            </a:r>
-            <a:r>
-              <a:rPr lang="en-US" sz="2000" smtClean="0">
+              <a:t> Broj iteracija: </a:t>
+            </a:r>
+            <a:r>
+              <a:rPr lang="en-US" sz="2000" dirty="0">
                 <a:solidFill>
                   <a:schemeClr val="bg1"/>
                 </a:solidFill>
               </a:rPr>
-              <a:t>400</a:t>
-            </a:r>
-            <a:endParaRPr lang="sr-Latn-RS" sz="2000" smtClean="0">
+              <a:t>300</a:t>
+            </a:r>
+            <a:endParaRPr lang="sr-Latn-RS" sz="2000" dirty="0">
               <a:solidFill>
                 <a:schemeClr val="bg1"/>
               </a:solidFill>
@@ -27107,7 +27179,7 @@
               <a:buFont typeface="Wingdings" pitchFamily="2" charset="2"/>
               <a:buChar char="§"/>
             </a:pPr>
-            <a:endParaRPr lang="sr-Latn-RS" sz="2000" smtClean="0">
+            <a:endParaRPr lang="sr-Latn-RS" sz="2000">
               <a:solidFill>
                 <a:schemeClr val="bg1"/>
               </a:solidFill>
@@ -27119,20 +27191,42 @@
               <a:buChar char="§"/>
             </a:pPr>
             <a:r>
-              <a:rPr lang="sr-Latn-RS" sz="2000" smtClean="0">
+              <a:rPr lang="sr-Latn-RS" sz="2000" dirty="0">
                 <a:solidFill>
                   <a:schemeClr val="bg1"/>
                 </a:solidFill>
               </a:rPr>
-              <a:t> Napomena: u ovom treningu dodata je izmena da se za svaku jedinku odigra 5 partija pa da se konacni fitnes racuna kao srednja vrednost svih, da bi se smanjio slucajan uticaj.</a:t>
-            </a:r>
+              <a:t> Napomena: u ovom treningu dodata je izmena da se za svaku jedinku odigra 5 partija, te da se konačni </a:t>
+            </a:r>
+            <a:r>
+              <a:rPr lang="sr-Latn-RS" sz="2000" dirty="0" err="1">
+                <a:solidFill>
+                  <a:schemeClr val="bg1"/>
+                </a:solidFill>
+              </a:rPr>
+              <a:t>fitnes</a:t>
+            </a:r>
+            <a:r>
+              <a:rPr lang="sr-Latn-RS" sz="2000" dirty="0">
+                <a:solidFill>
+                  <a:schemeClr val="bg1"/>
+                </a:solidFill>
+              </a:rPr>
+              <a:t> računa kao srednja vrednost svih, da bi se smanjio slučajan uticaj.</a:t>
+            </a:r>
+            <a:endParaRPr lang="sr-Latn-RS" sz="2000" dirty="0">
+              <a:solidFill>
+                <a:schemeClr val="bg1"/>
+              </a:solidFill>
+              <a:cs typeface="Arial"/>
+            </a:endParaRPr>
           </a:p>
           <a:p>
             <a:pPr>
               <a:buFont typeface="Wingdings" pitchFamily="2" charset="2"/>
               <a:buChar char="§"/>
             </a:pPr>
-            <a:endParaRPr lang="sr-Latn-RS" sz="2000" smtClean="0">
+            <a:endParaRPr lang="sr-Latn-RS" sz="2000">
               <a:solidFill>
                 <a:schemeClr val="bg1"/>
               </a:solidFill>
@@ -27144,13 +27238,19 @@
               <a:buChar char="§"/>
             </a:pPr>
             <a:r>
-              <a:rPr lang="sr-Latn-RS" sz="2000" smtClean="0">
+              <a:rPr lang="sr-Latn-RS" sz="2000" dirty="0">
                 <a:solidFill>
                   <a:schemeClr val="bg1"/>
                 </a:solidFill>
               </a:rPr>
-              <a:t> Vreme izvrsavanja: oko 9h</a:t>
-            </a:r>
+              <a:t> Vreme izvršavanja: oko 8h</a:t>
+            </a:r>
+            <a:endParaRPr lang="sr-Latn-RS" sz="2000" dirty="0">
+              <a:solidFill>
+                <a:schemeClr val="bg1"/>
+              </a:solidFill>
+              <a:cs typeface="Arial"/>
+            </a:endParaRPr>
           </a:p>
         </p:txBody>
       </p:sp>
@@ -27197,7 +27297,7 @@
           <a:p>
             <a:pPr algn="ctr"/>
             <a:r>
-              <a:rPr lang="sr-Latn-RS" sz="2000" smtClean="0">
+              <a:rPr lang="sr-Latn-RS" sz="2000">
                 <a:solidFill>
                   <a:schemeClr val="bg1"/>
                 </a:solidFill>
@@ -27207,7 +27307,7 @@
           </a:p>
           <a:p>
             <a:pPr algn="ctr"/>
-            <a:endParaRPr lang="sr-Latn-RS" sz="2000" smtClean="0">
+            <a:endParaRPr lang="sr-Latn-RS" sz="2000">
               <a:solidFill>
                 <a:schemeClr val="bg1"/>
               </a:solidFill>
@@ -27219,7 +27319,7 @@
               <a:buChar char="•"/>
             </a:pPr>
             <a:r>
-              <a:rPr lang="sr-Latn-RS" sz="2000" smtClean="0">
+              <a:rPr lang="sr-Latn-RS" sz="2000">
                 <a:solidFill>
                   <a:schemeClr val="bg1"/>
                 </a:solidFill>
@@ -27233,7 +27333,7 @@
               <a:buChar char="•"/>
             </a:pPr>
             <a:r>
-              <a:rPr lang="sr-Latn-RS" sz="2000" smtClean="0">
+              <a:rPr lang="sr-Latn-RS" sz="2000">
                 <a:solidFill>
                   <a:schemeClr val="bg1"/>
                 </a:solidFill>
@@ -27247,7 +27347,7 @@
               <a:buChar char="•"/>
             </a:pPr>
             <a:r>
-              <a:rPr lang="sr-Latn-RS" sz="2000" smtClean="0">
+              <a:rPr lang="sr-Latn-RS" sz="2000">
                 <a:solidFill>
                   <a:schemeClr val="bg1"/>
                 </a:solidFill>
@@ -27261,7 +27361,7 @@
               <a:buChar char="•"/>
             </a:pPr>
             <a:r>
-              <a:rPr lang="sr-Latn-RS" sz="2000" smtClean="0">
+              <a:rPr lang="sr-Latn-RS" sz="2000">
                 <a:solidFill>
                   <a:schemeClr val="bg1"/>
                 </a:solidFill>
@@ -27279,32 +27379,25 @@
     </p:spTree>
     <p:extLst>
       <p:ext uri="{BB962C8B-B14F-4D97-AF65-F5344CB8AC3E}">
-        <p14:creationId xmlns:p14="http://schemas.microsoft.com/office/powerpoint/2010/main" xmlns="" val="3607270498"/>
+        <p14:creationId xmlns:p14="http://schemas.microsoft.com/office/powerpoint/2010/main" val="3607270498"/>
       </p:ext>
     </p:extLst>
   </p:cSld>
   <p:clrMapOvr>
     <a:masterClrMapping/>
   </p:clrMapOvr>
-  <mc:AlternateContent xmlns:mc="http://schemas.openxmlformats.org/markup-compatibility/2006">
-    <mc:Choice xmlns:p14="http://schemas.microsoft.com/office/powerpoint/2010/main" xmlns="" Requires="p14">
+  <mc:AlternateContent xmlns:mc="http://schemas.openxmlformats.org/markup-compatibility/2006" xmlns:p14="http://schemas.microsoft.com/office/powerpoint/2010/main">
+    <mc:Choice Requires="p14">
       <p:transition spd="med" p14:dur="700">
         <p:fade/>
       </p:transition>
     </mc:Choice>
-    <mc:Fallback>
+    <mc:Fallback xmlns="">
       <p:transition spd="med">
         <p:fade/>
       </p:transition>
     </mc:Fallback>
   </mc:AlternateContent>
-  <p:timing>
-    <p:tnLst>
-      <p:par>
-        <p:cTn id="1" dur="indefinite" restart="never" nodeType="tmRoot"/>
-      </p:par>
-    </p:tnLst>
-  </p:timing>
 </p:sld>
 </file>
 
@@ -27330,7 +27423,7 @@
           <p:cNvPr id="4" name="Title 3">
             <a:extLst>
               <a:ext uri="{FF2B5EF4-FFF2-40B4-BE49-F238E27FC236}">
-                <a16:creationId xmlns:a16="http://schemas.microsoft.com/office/drawing/2014/main" xmlns="" id="{315E3981-F0D7-482C-A8E0-6A57700BECA7}"/>
+                <a16:creationId xmlns:a16="http://schemas.microsoft.com/office/drawing/2014/main" id="{315E3981-F0D7-482C-A8E0-6A57700BECA7}"/>
               </a:ext>
             </a:extLst>
           </p:cNvPr>
@@ -27353,8 +27446,8 @@
           <a:p>
             <a:pPr marL="514350" indent="-514350"/>
             <a:r>
-              <a:rPr lang="sr-Latn-RS" smtClean="0"/>
-              <a:t>Trening i uporedjivanje rešenja:</a:t>
+              <a:rPr lang="sr-Latn-RS"/>
+              <a:t>Trening i upoređivanje rešenja</a:t>
             </a:r>
           </a:p>
         </p:txBody>
@@ -27364,7 +27457,7 @@
           <p:cNvPr id="2" name="Slide Number Placeholder 1">
             <a:extLst>
               <a:ext uri="{FF2B5EF4-FFF2-40B4-BE49-F238E27FC236}">
-                <a16:creationId xmlns:a16="http://schemas.microsoft.com/office/drawing/2014/main" xmlns="" id="{520FC4EE-F318-4344-9E3C-B950ADB63865}"/>
+                <a16:creationId xmlns:a16="http://schemas.microsoft.com/office/drawing/2014/main" id="{520FC4EE-F318-4344-9E3C-B950ADB63865}"/>
               </a:ext>
             </a:extLst>
           </p:cNvPr>
@@ -27394,7 +27487,7 @@
           <p:cNvPr id="8" name="Text Placeholder 7">
             <a:extLst>
               <a:ext uri="{FF2B5EF4-FFF2-40B4-BE49-F238E27FC236}">
-                <a16:creationId xmlns:a16="http://schemas.microsoft.com/office/drawing/2014/main" xmlns="" id="{47DC4E62-1A34-4F98-A451-214F1808519C}"/>
+                <a16:creationId xmlns:a16="http://schemas.microsoft.com/office/drawing/2014/main" id="{47DC4E62-1A34-4F98-A451-214F1808519C}"/>
               </a:ext>
             </a:extLst>
           </p:cNvPr>
@@ -27434,7 +27527,7 @@
           <a:noFill/>
         </p:spPr>
         <p:txBody>
-          <a:bodyPr wrap="square" rtlCol="0">
+          <a:bodyPr wrap="square" rtlCol="0" anchor="t">
             <a:spAutoFit/>
           </a:bodyPr>
           <a:lstStyle/>
@@ -27444,20 +27537,25 @@
               <a:buChar char="§"/>
             </a:pPr>
             <a:r>
-              <a:rPr lang="sr-Latn-RS" sz="2000" smtClean="0">
+              <a:rPr lang="sr-Latn-RS" sz="2000" dirty="0">
                 <a:solidFill>
                   <a:schemeClr val="bg1"/>
                 </a:solidFill>
               </a:rPr>
-              <a:t> Zaključak: </a:t>
-            </a:r>
+              <a:t> Zaključak: </a:t>
+            </a:r>
+            <a:endParaRPr lang="sr-Latn-RS" sz="2000">
+              <a:solidFill>
+                <a:schemeClr val="bg1"/>
+              </a:solidFill>
+            </a:endParaRPr>
           </a:p>
           <a:p>
             <a:pPr>
               <a:buFont typeface="Wingdings" pitchFamily="2" charset="2"/>
               <a:buChar char="§"/>
             </a:pPr>
-            <a:endParaRPr lang="sr-Latn-RS" sz="2000" smtClean="0">
+            <a:endParaRPr lang="sr-Latn-RS" sz="2000">
               <a:solidFill>
                 <a:schemeClr val="bg1"/>
               </a:solidFill>
@@ -27469,82 +27567,56 @@
               <a:buChar char="§"/>
             </a:pPr>
             <a:r>
-              <a:rPr lang="sr-Latn-RS" sz="2000" smtClean="0">
+              <a:rPr lang="sr-Latn-RS" sz="2000" dirty="0">
                 <a:solidFill>
                   <a:schemeClr val="bg1"/>
                 </a:solidFill>
               </a:rPr>
-              <a:t> Poslednji trening dao je nešto </a:t>
-            </a:r>
-            <a:r>
-              <a:rPr lang="sr-Latn-RS" sz="2000" smtClean="0">
+              <a:t> Poslednji trening dao je, kao i prvi pristup, nezadovoljavajuće rezultate, te je utvrđeno da ovo nije odgovarajući pristup za dati problem.</a:t>
+            </a:r>
+            <a:endParaRPr lang="sr-Latn-RS" sz="2000" dirty="0">
+              <a:solidFill>
+                <a:schemeClr val="bg1"/>
+              </a:solidFill>
+              <a:cs typeface="Arial"/>
+            </a:endParaRPr>
+          </a:p>
+          <a:p>
+            <a:pPr>
+              <a:buFont typeface="Wingdings" pitchFamily="2" charset="2"/>
+              <a:buChar char="§"/>
+            </a:pPr>
+            <a:endParaRPr lang="sr-Latn-RS" sz="2000">
+              <a:solidFill>
+                <a:schemeClr val="bg1"/>
+              </a:solidFill>
+            </a:endParaRPr>
+          </a:p>
+          <a:p>
+            <a:pPr>
+              <a:buFont typeface="Wingdings" pitchFamily="2" charset="2"/>
+              <a:buChar char="§"/>
+            </a:pPr>
+            <a:r>
+              <a:rPr lang="sr-Latn-RS" sz="2000" dirty="0">
                 <a:solidFill>
                   <a:schemeClr val="bg1"/>
                 </a:solidFill>
               </a:rPr>
-              <a:t>bolje ali idalje nezadovoljavajuće rešenje, </a:t>
-            </a:r>
-            <a:r>
-              <a:rPr lang="sr-Latn-RS" sz="2000" smtClean="0">
-                <a:solidFill>
-                  <a:schemeClr val="bg1"/>
-                </a:solidFill>
-              </a:rPr>
-              <a:t>te bi se </a:t>
-            </a:r>
-            <a:r>
-              <a:rPr lang="sr-Latn-RS" sz="2000" smtClean="0">
-                <a:solidFill>
-                  <a:schemeClr val="bg1"/>
-                </a:solidFill>
-              </a:rPr>
-              <a:t>možda znatno </a:t>
-            </a:r>
-            <a:r>
-              <a:rPr lang="sr-Latn-RS" sz="2000" smtClean="0">
-                <a:solidFill>
-                  <a:schemeClr val="bg1"/>
-                </a:solidFill>
-              </a:rPr>
-              <a:t>dužim izvršavanjem došlo do prihvatljivog ponašanja.</a:t>
-            </a:r>
+              <a:t> Alternativa i moguće unapređenje: NEAT Algoritam.</a:t>
+            </a:r>
+            <a:endParaRPr lang="en-US" sz="2000" dirty="0">
+              <a:solidFill>
+                <a:schemeClr val="bg1"/>
+              </a:solidFill>
+            </a:endParaRPr>
           </a:p>
           <a:p>
             <a:pPr>
               <a:buFont typeface="Wingdings" pitchFamily="2" charset="2"/>
               <a:buChar char="§"/>
             </a:pPr>
-            <a:endParaRPr lang="sr-Latn-RS" sz="2000" smtClean="0">
-              <a:solidFill>
-                <a:schemeClr val="bg1"/>
-              </a:solidFill>
-            </a:endParaRPr>
-          </a:p>
-          <a:p>
-            <a:pPr>
-              <a:buFont typeface="Wingdings" pitchFamily="2" charset="2"/>
-              <a:buChar char="§"/>
-            </a:pPr>
-            <a:r>
-              <a:rPr lang="sr-Latn-RS" sz="2000" smtClean="0">
-                <a:solidFill>
-                  <a:schemeClr val="bg1"/>
-                </a:solidFill>
-              </a:rPr>
-              <a:t> Alternativa i moguće unapredjenje: NEAT Algoritam.</a:t>
-            </a:r>
-            <a:endParaRPr lang="en-US" sz="2000" smtClean="0">
-              <a:solidFill>
-                <a:schemeClr val="bg1"/>
-              </a:solidFill>
-            </a:endParaRPr>
-          </a:p>
-          <a:p>
-            <a:pPr>
-              <a:buFont typeface="Wingdings" pitchFamily="2" charset="2"/>
-              <a:buChar char="§"/>
-            </a:pPr>
-            <a:endParaRPr lang="en-US" sz="2000" smtClean="0">
+            <a:endParaRPr lang="en-US" sz="2000">
               <a:solidFill>
                 <a:schemeClr val="bg1"/>
               </a:solidFill>
@@ -27555,32 +27627,25 @@
     </p:spTree>
     <p:extLst>
       <p:ext uri="{BB962C8B-B14F-4D97-AF65-F5344CB8AC3E}">
-        <p14:creationId xmlns:p14="http://schemas.microsoft.com/office/powerpoint/2010/main" xmlns="" val="3607270498"/>
+        <p14:creationId xmlns:p14="http://schemas.microsoft.com/office/powerpoint/2010/main" val="3607270498"/>
       </p:ext>
     </p:extLst>
   </p:cSld>
   <p:clrMapOvr>
     <a:masterClrMapping/>
   </p:clrMapOvr>
-  <mc:AlternateContent xmlns:mc="http://schemas.openxmlformats.org/markup-compatibility/2006">
-    <mc:Choice xmlns:p14="http://schemas.microsoft.com/office/powerpoint/2010/main" xmlns="" Requires="p14">
+  <mc:AlternateContent xmlns:mc="http://schemas.openxmlformats.org/markup-compatibility/2006" xmlns:p14="http://schemas.microsoft.com/office/powerpoint/2010/main">
+    <mc:Choice Requires="p14">
       <p:transition spd="med" p14:dur="700">
         <p:fade/>
       </p:transition>
     </mc:Choice>
-    <mc:Fallback>
+    <mc:Fallback xmlns="">
       <p:transition spd="med">
         <p:fade/>
       </p:transition>
     </mc:Fallback>
   </mc:AlternateContent>
-  <p:timing>
-    <p:tnLst>
-      <p:par>
-        <p:cTn id="1" dur="indefinite" restart="never" nodeType="tmRoot"/>
-      </p:par>
-    </p:tnLst>
-  </p:timing>
 </p:sld>
 </file>
 
@@ -27606,7 +27671,7 @@
           <p:cNvPr id="2" name="Title 1">
             <a:extLst>
               <a:ext uri="{FF2B5EF4-FFF2-40B4-BE49-F238E27FC236}">
-                <a16:creationId xmlns:a16="http://schemas.microsoft.com/office/drawing/2014/main" xmlns="" id="{632BE5BF-9922-45FB-8F3F-4446D40A051B}"/>
+                <a16:creationId xmlns:a16="http://schemas.microsoft.com/office/drawing/2014/main" id="{632BE5BF-9922-45FB-8F3F-4446D40A051B}"/>
               </a:ext>
             </a:extLst>
           </p:cNvPr>
@@ -27628,7 +27693,7 @@
           <a:lstStyle/>
           <a:p>
             <a:r>
-              <a:rPr lang="sr-Latn-RS" smtClean="0"/>
+              <a:rPr lang="sr-Latn-RS"/>
               <a:t>Hvala na pažnji.</a:t>
             </a:r>
             <a:endParaRPr lang="en-GB"/>
@@ -27638,7 +27703,7 @@
     </p:spTree>
     <p:extLst>
       <p:ext uri="{BB962C8B-B14F-4D97-AF65-F5344CB8AC3E}">
-        <p14:creationId xmlns:p14="http://schemas.microsoft.com/office/powerpoint/2010/main" xmlns="" val="429771863"/>
+        <p14:creationId xmlns:p14="http://schemas.microsoft.com/office/powerpoint/2010/main" val="429771863"/>
       </p:ext>
     </p:extLst>
   </p:cSld>
@@ -27648,13 +27713,6 @@
   <p:transition spd="slow">
     <p:wipe/>
   </p:transition>
-  <p:timing>
-    <p:tnLst>
-      <p:par>
-        <p:cTn id="1" dur="indefinite" restart="never" nodeType="tmRoot"/>
-      </p:par>
-    </p:tnLst>
-  </p:timing>
 </p:sld>
 </file>
 
@@ -27680,7 +27738,7 @@
           <p:cNvPr id="7" name="Title 6">
             <a:extLst>
               <a:ext uri="{FF2B5EF4-FFF2-40B4-BE49-F238E27FC236}">
-                <a16:creationId xmlns:a16="http://schemas.microsoft.com/office/drawing/2014/main" xmlns="" id="{7875C19A-1AAE-476A-A316-A2CF92D763D3}"/>
+                <a16:creationId xmlns:a16="http://schemas.microsoft.com/office/drawing/2014/main" id="{7875C19A-1AAE-476A-A316-A2CF92D763D3}"/>
               </a:ext>
             </a:extLst>
           </p:cNvPr>
@@ -27697,7 +27755,7 @@
           <a:lstStyle/>
           <a:p>
             <a:r>
-              <a:rPr lang="sr-Latn-RS" smtClean="0"/>
+              <a:rPr lang="sr-Latn-RS"/>
               <a:t>Literatura:</a:t>
             </a:r>
             <a:endParaRPr lang="en-US"/>
@@ -27709,7 +27767,7 @@
           <p:cNvPr id="10" name="Text Placeholder 9">
             <a:extLst>
               <a:ext uri="{FF2B5EF4-FFF2-40B4-BE49-F238E27FC236}">
-                <a16:creationId xmlns:a16="http://schemas.microsoft.com/office/drawing/2014/main" xmlns="" id="{EF2BC084-E6DB-4DE7-B309-042A85EBA700}"/>
+                <a16:creationId xmlns:a16="http://schemas.microsoft.com/office/drawing/2014/main" id="{EF2BC084-E6DB-4DE7-B309-042A85EBA700}"/>
               </a:ext>
             </a:extLst>
           </p:cNvPr>
@@ -27727,114 +27785,536 @@
           </a:xfrm>
         </p:spPr>
         <p:txBody>
-          <a:bodyPr/>
+          <a:bodyPr vert="horz" lIns="91440" tIns="45720" rIns="91440" bIns="45720" rtlCol="0" anchor="t">
+            <a:noAutofit/>
+          </a:bodyPr>
           <a:lstStyle/>
           <a:p>
             <a:pPr marL="342900" indent="-342900"/>
             <a:r>
-              <a:rPr lang="en-US" sz="2000" smtClean="0"/>
+              <a:rPr lang="en-US" sz="2000" dirty="0">
+                <a:cs typeface="Arial"/>
+              </a:rPr>
               <a:t>D</a:t>
             </a:r>
             <a:r>
-              <a:rPr lang="sr-Latn-RS" sz="2000" smtClean="0"/>
-              <a:t>r Predrag Janičić and Dr Mladen Nikolić . </a:t>
-            </a:r>
-            <a:r>
-              <a:rPr lang="sr-Latn-RS" sz="2000" i="1" smtClean="0"/>
+              <a:rPr lang="sr-Latn-RS" sz="2000" dirty="0">
+                <a:cs typeface="Arial"/>
+              </a:rPr>
+              <a:t>r Predrag </a:t>
+            </a:r>
+            <a:r>
+              <a:rPr lang="sr-Latn-RS" sz="2000" dirty="0" err="1">
+                <a:cs typeface="Arial"/>
+              </a:rPr>
+              <a:t>Janičić</a:t>
+            </a:r>
+            <a:r>
+              <a:rPr lang="sr-Latn-RS" sz="2000" dirty="0">
+                <a:cs typeface="Arial"/>
+              </a:rPr>
+              <a:t> </a:t>
+            </a:r>
+            <a:r>
+              <a:rPr lang="sr-Latn-RS" sz="2000" dirty="0" err="1">
+                <a:cs typeface="Arial"/>
+              </a:rPr>
+              <a:t>and</a:t>
+            </a:r>
+            <a:r>
+              <a:rPr lang="sr-Latn-RS" sz="2000" dirty="0">
+                <a:cs typeface="Arial"/>
+              </a:rPr>
+              <a:t> Dr Mladen Nikolić . </a:t>
+            </a:r>
+            <a:r>
+              <a:rPr lang="sr-Latn-RS" sz="2000" i="1" dirty="0">
+                <a:cs typeface="Arial"/>
+              </a:rPr>
               <a:t>Veštačka Inteligencija. </a:t>
             </a:r>
             <a:r>
-              <a:rPr lang="sr-Latn-RS" sz="2000" smtClean="0"/>
+              <a:rPr lang="sr-Latn-RS" sz="2000" dirty="0">
+                <a:cs typeface="Arial"/>
+              </a:rPr>
               <a:t>Beograd, 2019.</a:t>
             </a:r>
           </a:p>
           <a:p>
             <a:pPr marL="342900" indent="-342900"/>
             <a:r>
-              <a:rPr lang="sr-Latn-RS" sz="2000" smtClean="0"/>
-              <a:t>Kantardzic Mehmed.  </a:t>
-            </a:r>
-            <a:r>
-              <a:rPr lang="sr-Latn-RS" sz="2000" i="1" smtClean="0"/>
-              <a:t>Data Mining: Concepts, Models and Algorithms, Second Edition. 2011.</a:t>
+              <a:rPr lang="sr-Latn-RS" sz="2000" dirty="0" err="1">
+                <a:cs typeface="Arial"/>
+              </a:rPr>
+              <a:t>Kantardzic</a:t>
+            </a:r>
+            <a:r>
+              <a:rPr lang="sr-Latn-RS" sz="2000" dirty="0">
+                <a:cs typeface="Arial"/>
+              </a:rPr>
+              <a:t> Mehmed.  </a:t>
+            </a:r>
+            <a:r>
+              <a:rPr lang="sr-Latn-RS" sz="2000" i="1" dirty="0">
+                <a:cs typeface="Arial"/>
+              </a:rPr>
+              <a:t>Data </a:t>
+            </a:r>
+            <a:r>
+              <a:rPr lang="sr-Latn-RS" sz="2000" i="1" dirty="0" err="1">
+                <a:cs typeface="Arial"/>
+              </a:rPr>
+              <a:t>Mining</a:t>
+            </a:r>
+            <a:r>
+              <a:rPr lang="sr-Latn-RS" sz="2000" i="1" dirty="0">
+                <a:cs typeface="Arial"/>
+              </a:rPr>
+              <a:t>: </a:t>
+            </a:r>
+            <a:r>
+              <a:rPr lang="sr-Latn-RS" sz="2000" i="1" dirty="0" err="1">
+                <a:cs typeface="Arial"/>
+              </a:rPr>
+              <a:t>Concepts</a:t>
+            </a:r>
+            <a:r>
+              <a:rPr lang="sr-Latn-RS" sz="2000" i="1" dirty="0">
+                <a:cs typeface="Arial"/>
+              </a:rPr>
+              <a:t>, </a:t>
+            </a:r>
+            <a:r>
+              <a:rPr lang="sr-Latn-RS" sz="2000" i="1" dirty="0" err="1">
+                <a:cs typeface="Arial"/>
+              </a:rPr>
+              <a:t>Models</a:t>
+            </a:r>
+            <a:r>
+              <a:rPr lang="sr-Latn-RS" sz="2000" i="1" dirty="0">
+                <a:cs typeface="Arial"/>
+              </a:rPr>
+              <a:t> </a:t>
+            </a:r>
+            <a:r>
+              <a:rPr lang="sr-Latn-RS" sz="2000" i="1" dirty="0" err="1">
+                <a:cs typeface="Arial"/>
+              </a:rPr>
+              <a:t>and</a:t>
+            </a:r>
+            <a:r>
+              <a:rPr lang="sr-Latn-RS" sz="2000" i="1" dirty="0">
+                <a:cs typeface="Arial"/>
+              </a:rPr>
+              <a:t> </a:t>
+            </a:r>
+            <a:r>
+              <a:rPr lang="sr-Latn-RS" sz="2000" i="1" dirty="0" err="1">
+                <a:cs typeface="Arial"/>
+              </a:rPr>
+              <a:t>Algorithms</a:t>
+            </a:r>
+            <a:r>
+              <a:rPr lang="sr-Latn-RS" sz="2000" i="1" dirty="0">
+                <a:cs typeface="Arial"/>
+              </a:rPr>
+              <a:t>, </a:t>
+            </a:r>
+            <a:r>
+              <a:rPr lang="sr-Latn-RS" sz="2000" i="1" dirty="0" err="1">
+                <a:cs typeface="Arial"/>
+              </a:rPr>
+              <a:t>Second</a:t>
+            </a:r>
+            <a:r>
+              <a:rPr lang="sr-Latn-RS" sz="2000" i="1" dirty="0">
+                <a:cs typeface="Arial"/>
+              </a:rPr>
+              <a:t> </a:t>
+            </a:r>
+            <a:r>
+              <a:rPr lang="sr-Latn-RS" sz="2000" i="1" dirty="0" err="1">
+                <a:cs typeface="Arial"/>
+              </a:rPr>
+              <a:t>Edition</a:t>
+            </a:r>
+            <a:r>
+              <a:rPr lang="sr-Latn-RS" sz="2000" i="1" dirty="0">
+                <a:cs typeface="Arial"/>
+              </a:rPr>
+              <a:t>. 2011.</a:t>
             </a:r>
           </a:p>
           <a:p>
             <a:pPr marL="342900" indent="-342900"/>
             <a:r>
-              <a:rPr lang="sr-Latn-RS" sz="2000" smtClean="0"/>
-              <a:t>Kenneth Stanley O. Clune Jeff Lehman Joel, Risto </a:t>
-            </a:r>
-            <a:r>
-              <a:rPr lang="sr-Latn-RS" sz="2000" smtClean="0"/>
+              <a:rPr lang="sr-Latn-RS" sz="2000" dirty="0" err="1">
+                <a:cs typeface="Arial"/>
+              </a:rPr>
+              <a:t>Kenneth</a:t>
+            </a:r>
+            <a:r>
+              <a:rPr lang="sr-Latn-RS" sz="2000" dirty="0">
+                <a:cs typeface="Arial"/>
+              </a:rPr>
+              <a:t> </a:t>
+            </a:r>
+            <a:r>
+              <a:rPr lang="sr-Latn-RS" sz="2000" dirty="0" err="1">
+                <a:cs typeface="Arial"/>
+              </a:rPr>
+              <a:t>Stanley</a:t>
+            </a:r>
+            <a:r>
+              <a:rPr lang="sr-Latn-RS" sz="2000" dirty="0">
+                <a:cs typeface="Arial"/>
+              </a:rPr>
+              <a:t> O. </a:t>
+            </a:r>
+            <a:r>
+              <a:rPr lang="sr-Latn-RS" sz="2000" dirty="0" err="1">
+                <a:cs typeface="Arial"/>
+              </a:rPr>
+              <a:t>Clune</a:t>
+            </a:r>
+            <a:r>
+              <a:rPr lang="sr-Latn-RS" sz="2000" dirty="0">
+                <a:cs typeface="Arial"/>
+              </a:rPr>
+              <a:t> </a:t>
+            </a:r>
+            <a:r>
+              <a:rPr lang="sr-Latn-RS" sz="2000" dirty="0" err="1">
+                <a:cs typeface="Arial"/>
+              </a:rPr>
+              <a:t>Jeff</a:t>
+            </a:r>
+            <a:r>
+              <a:rPr lang="sr-Latn-RS" sz="2000" dirty="0">
+                <a:cs typeface="Arial"/>
+              </a:rPr>
+              <a:t> </a:t>
+            </a:r>
+            <a:r>
+              <a:rPr lang="sr-Latn-RS" sz="2000" dirty="0" err="1">
+                <a:cs typeface="Arial"/>
+              </a:rPr>
+              <a:t>Lehman</a:t>
+            </a:r>
+            <a:r>
+              <a:rPr lang="sr-Latn-RS" sz="2000" dirty="0">
+                <a:cs typeface="Arial"/>
+              </a:rPr>
+              <a:t> </a:t>
+            </a:r>
+            <a:r>
+              <a:rPr lang="sr-Latn-RS" sz="2000" dirty="0" err="1">
+                <a:cs typeface="Arial"/>
+              </a:rPr>
+              <a:t>Joel</a:t>
+            </a:r>
+            <a:r>
+              <a:rPr lang="sr-Latn-RS" sz="2000" dirty="0">
+                <a:cs typeface="Arial"/>
+              </a:rPr>
+              <a:t>, Risto </a:t>
+            </a:r>
+            <a:r>
+              <a:rPr lang="sr-Latn-RS" sz="2000" dirty="0" err="1">
+                <a:cs typeface="Arial"/>
+              </a:rPr>
               <a:t>Miikkulainen</a:t>
             </a:r>
             <a:r>
-              <a:rPr lang="sr-Latn-RS" sz="2000" smtClean="0"/>
+              <a:rPr lang="sr-Latn-RS" sz="2000" dirty="0">
+                <a:cs typeface="Arial"/>
+              </a:rPr>
               <a:t>. </a:t>
             </a:r>
             <a:r>
-              <a:rPr lang="sr-Latn-RS" sz="2000" i="1" smtClean="0"/>
-              <a:t>Designing neural networks through neuroevolution. Nature machine Intelligence, 2019. </a:t>
-            </a:r>
-            <a:r>
-              <a:rPr lang="sr-Latn-RS" sz="2000" i="1" smtClean="0">
+              <a:rPr lang="sr-Latn-RS" sz="2000" i="1" dirty="0" err="1">
+                <a:cs typeface="Arial"/>
+              </a:rPr>
+              <a:t>Designing</a:t>
+            </a:r>
+            <a:r>
+              <a:rPr lang="sr-Latn-RS" sz="2000" i="1" dirty="0">
+                <a:cs typeface="Arial"/>
+              </a:rPr>
+              <a:t> </a:t>
+            </a:r>
+            <a:r>
+              <a:rPr lang="sr-Latn-RS" sz="2000" i="1" dirty="0" err="1">
+                <a:cs typeface="Arial"/>
+              </a:rPr>
+              <a:t>neural</a:t>
+            </a:r>
+            <a:r>
+              <a:rPr lang="sr-Latn-RS" sz="2000" i="1" dirty="0">
+                <a:cs typeface="Arial"/>
+              </a:rPr>
+              <a:t> </a:t>
+            </a:r>
+            <a:r>
+              <a:rPr lang="sr-Latn-RS" sz="2000" i="1" dirty="0" err="1">
+                <a:cs typeface="Arial"/>
+              </a:rPr>
+              <a:t>networks</a:t>
+            </a:r>
+            <a:r>
+              <a:rPr lang="sr-Latn-RS" sz="2000" i="1" dirty="0">
+                <a:cs typeface="Arial"/>
+              </a:rPr>
+              <a:t> </a:t>
+            </a:r>
+            <a:r>
+              <a:rPr lang="sr-Latn-RS" sz="2000" i="1" dirty="0" err="1">
+                <a:cs typeface="Arial"/>
+              </a:rPr>
+              <a:t>through</a:t>
+            </a:r>
+            <a:r>
+              <a:rPr lang="sr-Latn-RS" sz="2000" i="1" dirty="0">
+                <a:cs typeface="Arial"/>
+              </a:rPr>
+              <a:t> </a:t>
+            </a:r>
+            <a:r>
+              <a:rPr lang="sr-Latn-RS" sz="2000" i="1" dirty="0" err="1">
+                <a:cs typeface="Arial"/>
+              </a:rPr>
+              <a:t>neuroevolution</a:t>
+            </a:r>
+            <a:r>
+              <a:rPr lang="sr-Latn-RS" sz="2000" i="1" dirty="0">
+                <a:cs typeface="Arial"/>
+              </a:rPr>
+              <a:t>. Nature </a:t>
+            </a:r>
+            <a:r>
+              <a:rPr lang="sr-Latn-RS" sz="2000" i="1" dirty="0" err="1">
+                <a:cs typeface="Arial"/>
+              </a:rPr>
+              <a:t>machine</a:t>
+            </a:r>
+            <a:r>
+              <a:rPr lang="sr-Latn-RS" sz="2000" i="1" dirty="0">
+                <a:cs typeface="Arial"/>
+              </a:rPr>
+              <a:t> </a:t>
+            </a:r>
+            <a:r>
+              <a:rPr lang="sr-Latn-RS" sz="2000" i="1" dirty="0" err="1">
+                <a:cs typeface="Arial"/>
+              </a:rPr>
+              <a:t>Intelligence</a:t>
+            </a:r>
+            <a:r>
+              <a:rPr lang="sr-Latn-RS" sz="2000" i="1" dirty="0">
+                <a:cs typeface="Arial"/>
+              </a:rPr>
+              <a:t>, 2019. </a:t>
+            </a:r>
+            <a:r>
+              <a:rPr lang="sr-Latn-RS" sz="2000" i="1" dirty="0">
+                <a:cs typeface="Arial"/>
                 <a:hlinkClick r:id="rId2"/>
               </a:rPr>
-              <a:t>http://</a:t>
-            </a:r>
-            <a:r>
-              <a:rPr lang="sr-Latn-RS" sz="2000" i="1" smtClean="0">
-                <a:hlinkClick r:id="rId2"/>
+              <a:t>http://www.evolvingai.org/files/s42256-018-0006-z.pdf</a:t>
+            </a:r>
+            <a:endParaRPr lang="sr-Latn-RS" sz="2000" i="1" dirty="0">
+              <a:cs typeface="Arial"/>
+            </a:endParaRPr>
+          </a:p>
+          <a:p>
+            <a:pPr marL="342900" indent="-342900"/>
+            <a:r>
+              <a:rPr lang="sr-Latn-RS" sz="2000" dirty="0" err="1">
+                <a:cs typeface="Arial"/>
               </a:rPr>
-              <a:t>www.evolvingai.org/files/s42256-018-0006-z.pdf</a:t>
-            </a:r>
-            <a:endParaRPr lang="sr-Latn-RS" sz="2000" i="1" smtClean="0"/>
-          </a:p>
-          <a:p>
-            <a:pPr marL="342900" indent="-342900"/>
-            <a:r>
-              <a:rPr lang="sr-Latn-RS" sz="2000" smtClean="0"/>
-              <a:t>Kenneth Stanley </a:t>
-            </a:r>
-            <a:r>
-              <a:rPr lang="sr-Latn-RS" sz="2000" smtClean="0"/>
-              <a:t>O</a:t>
-            </a:r>
-            <a:r>
-              <a:rPr lang="sr-Latn-RS" sz="2000" smtClean="0"/>
+              <a:t>Kenneth</a:t>
+            </a:r>
+            <a:r>
+              <a:rPr lang="sr-Latn-RS" sz="2000" dirty="0">
+                <a:cs typeface="Arial"/>
+              </a:rPr>
+              <a:t> </a:t>
+            </a:r>
+            <a:r>
+              <a:rPr lang="sr-Latn-RS" sz="2000" dirty="0" err="1">
+                <a:cs typeface="Arial"/>
+              </a:rPr>
+              <a:t>Stanley</a:t>
+            </a:r>
+            <a:r>
+              <a:rPr lang="sr-Latn-RS" sz="2000" dirty="0">
+                <a:cs typeface="Arial"/>
+              </a:rPr>
+              <a:t> O. </a:t>
+            </a:r>
+            <a:r>
+              <a:rPr lang="en-US" sz="2000" dirty="0">
+                <a:cs typeface="Arial"/>
+              </a:rPr>
+              <a:t>A</a:t>
+            </a:r>
+            <a:r>
+              <a:rPr lang="sr-Latn-RS" sz="2000" dirty="0" err="1">
+                <a:cs typeface="Arial"/>
+              </a:rPr>
+              <a:t>nd</a:t>
+            </a:r>
+            <a:r>
+              <a:rPr lang="sr-Latn-RS" sz="2000" dirty="0">
+                <a:cs typeface="Arial"/>
+              </a:rPr>
+              <a:t> Risto </a:t>
+            </a:r>
+            <a:r>
+              <a:rPr lang="sr-Latn-RS" sz="2000" dirty="0" err="1">
+                <a:cs typeface="Arial"/>
+              </a:rPr>
+              <a:t>Miikkulainen</a:t>
+            </a:r>
+            <a:r>
+              <a:rPr lang="sr-Latn-RS" sz="2000" dirty="0">
+                <a:cs typeface="Arial"/>
+              </a:rPr>
               <a:t>. </a:t>
             </a:r>
             <a:r>
-              <a:rPr lang="en-US" sz="2000" smtClean="0"/>
-              <a:t>A</a:t>
-            </a:r>
-            <a:r>
-              <a:rPr lang="sr-Latn-RS" sz="2000" smtClean="0"/>
-              <a:t>nd Risto Miikkulainen. </a:t>
-            </a:r>
-            <a:r>
-              <a:rPr lang="sr-Latn-RS" sz="2000" i="1" smtClean="0"/>
-              <a:t>Evolving Neural Networks through Augmenting Topolgies. </a:t>
-            </a:r>
-            <a:r>
-              <a:rPr lang="sr-Latn-RS" sz="2000" smtClean="0"/>
-              <a:t>The MIT Pressing Journals, 2002.</a:t>
-            </a:r>
-          </a:p>
-          <a:p>
-            <a:pPr marL="342900" indent="-342900"/>
-            <a:r>
-              <a:rPr lang="sr-Latn-RS" sz="2000" smtClean="0">
+              <a:rPr lang="sr-Latn-RS" sz="2000" i="1" dirty="0" err="1">
+                <a:cs typeface="Arial"/>
+              </a:rPr>
+              <a:t>Evolving</a:t>
+            </a:r>
+            <a:r>
+              <a:rPr lang="sr-Latn-RS" sz="2000" i="1" dirty="0">
+                <a:cs typeface="Arial"/>
+              </a:rPr>
+              <a:t> </a:t>
+            </a:r>
+            <a:r>
+              <a:rPr lang="sr-Latn-RS" sz="2000" i="1" dirty="0" err="1">
+                <a:cs typeface="Arial"/>
+              </a:rPr>
+              <a:t>Neural</a:t>
+            </a:r>
+            <a:r>
+              <a:rPr lang="sr-Latn-RS" sz="2000" i="1" dirty="0">
+                <a:cs typeface="Arial"/>
+              </a:rPr>
+              <a:t> </a:t>
+            </a:r>
+            <a:r>
+              <a:rPr lang="sr-Latn-RS" sz="2000" i="1" dirty="0" err="1">
+                <a:cs typeface="Arial"/>
+              </a:rPr>
+              <a:t>Networks</a:t>
+            </a:r>
+            <a:r>
+              <a:rPr lang="sr-Latn-RS" sz="2000" i="1" dirty="0">
+                <a:cs typeface="Arial"/>
+              </a:rPr>
+              <a:t> </a:t>
+            </a:r>
+            <a:r>
+              <a:rPr lang="sr-Latn-RS" sz="2000" i="1" dirty="0" err="1">
+                <a:cs typeface="Arial"/>
+              </a:rPr>
+              <a:t>through</a:t>
+            </a:r>
+            <a:r>
+              <a:rPr lang="sr-Latn-RS" sz="2000" i="1" dirty="0">
+                <a:cs typeface="Arial"/>
+              </a:rPr>
+              <a:t> </a:t>
+            </a:r>
+            <a:r>
+              <a:rPr lang="sr-Latn-RS" sz="2000" i="1" dirty="0" err="1">
+                <a:cs typeface="Arial"/>
+              </a:rPr>
+              <a:t>Augmenting</a:t>
+            </a:r>
+            <a:r>
+              <a:rPr lang="sr-Latn-RS" sz="2000" i="1" dirty="0">
+                <a:cs typeface="Arial"/>
+              </a:rPr>
+              <a:t> </a:t>
+            </a:r>
+            <a:r>
+              <a:rPr lang="sr-Latn-RS" sz="2000" i="1" dirty="0" err="1">
+                <a:cs typeface="Arial"/>
+              </a:rPr>
+              <a:t>Topolgies</a:t>
+            </a:r>
+            <a:r>
+              <a:rPr lang="sr-Latn-RS" sz="2000" i="1" dirty="0">
+                <a:cs typeface="Arial"/>
+              </a:rPr>
+              <a:t>. </a:t>
+            </a:r>
+            <a:r>
+              <a:rPr lang="sr-Latn-RS" sz="2000" dirty="0" err="1">
+                <a:cs typeface="Arial"/>
+              </a:rPr>
+              <a:t>The</a:t>
+            </a:r>
+            <a:r>
+              <a:rPr lang="sr-Latn-RS" sz="2000" dirty="0">
+                <a:cs typeface="Arial"/>
+              </a:rPr>
+              <a:t> MIT </a:t>
+            </a:r>
+            <a:r>
+              <a:rPr lang="sr-Latn-RS" sz="2000" dirty="0" err="1">
+                <a:cs typeface="Arial"/>
+              </a:rPr>
+              <a:t>Pressing</a:t>
+            </a:r>
+            <a:r>
+              <a:rPr lang="sr-Latn-RS" sz="2000" dirty="0">
+                <a:cs typeface="Arial"/>
+              </a:rPr>
+              <a:t> </a:t>
+            </a:r>
+            <a:r>
+              <a:rPr lang="sr-Latn-RS" sz="2000" dirty="0" err="1">
+                <a:cs typeface="Arial"/>
+              </a:rPr>
+              <a:t>Journals</a:t>
+            </a:r>
+            <a:r>
+              <a:rPr lang="sr-Latn-RS" sz="2000" dirty="0">
+                <a:cs typeface="Arial"/>
+              </a:rPr>
+              <a:t>,  2002. </a:t>
+            </a:r>
+            <a:r>
+              <a:rPr lang="sr-Latn-RS" sz="2000" dirty="0">
+                <a:ea typeface="+mn-lt"/>
+                <a:cs typeface="+mn-lt"/>
+              </a:rPr>
+              <a:t> </a:t>
+            </a:r>
+            <a:r>
+              <a:rPr lang="sr-Latn-RS" sz="2000" dirty="0">
+                <a:ea typeface="+mn-lt"/>
+                <a:cs typeface="+mn-lt"/>
                 <a:hlinkClick r:id="rId3"/>
               </a:rPr>
-              <a:t>http://nn.cs.utexas.edu/downloads/papers/stanley.ec02.pdf.</a:t>
-            </a:r>
-            <a:endParaRPr lang="sr-Latn-RS" sz="2000" smtClean="0"/>
+              <a:t>http://nn.cs.utexas.edu/downloads/papers/stanley.ec02.pdf</a:t>
+            </a:r>
+          </a:p>
+          <a:p>
+            <a:pPr marL="0" indent="0">
+              <a:buNone/>
+            </a:pPr>
+            <a:endParaRPr lang="sr-Latn-RS" sz="2000" dirty="0"/>
           </a:p>
           <a:p>
             <a:pPr marL="342900" indent="-342900"/>
-            <a:endParaRPr lang="sr-Latn-RS" sz="2000" smtClean="0"/>
+            <a:endParaRPr lang="sr-Latn-RS" sz="2000"/>
           </a:p>
         </p:txBody>
       </p:sp>
@@ -27843,7 +28323,7 @@
           <p:cNvPr id="2" name="Slide Number Placeholder 1">
             <a:extLst>
               <a:ext uri="{FF2B5EF4-FFF2-40B4-BE49-F238E27FC236}">
-                <a16:creationId xmlns:a16="http://schemas.microsoft.com/office/drawing/2014/main" xmlns="" id="{BE9800F6-D571-48C4-8466-12AA1ADB6599}"/>
+                <a16:creationId xmlns:a16="http://schemas.microsoft.com/office/drawing/2014/main" id="{BE9800F6-D571-48C4-8466-12AA1ADB6599}"/>
               </a:ext>
             </a:extLst>
           </p:cNvPr>
@@ -27871,32 +28351,25 @@
     </p:spTree>
     <p:extLst>
       <p:ext uri="{BB962C8B-B14F-4D97-AF65-F5344CB8AC3E}">
-        <p14:creationId xmlns:p14="http://schemas.microsoft.com/office/powerpoint/2010/main" xmlns="" val="3733486012"/>
+        <p14:creationId xmlns:p14="http://schemas.microsoft.com/office/powerpoint/2010/main" val="3733486012"/>
       </p:ext>
     </p:extLst>
   </p:cSld>
   <p:clrMapOvr>
     <a:masterClrMapping/>
   </p:clrMapOvr>
-  <mc:AlternateContent xmlns:mc="http://schemas.openxmlformats.org/markup-compatibility/2006">
-    <mc:Choice xmlns:p14="http://schemas.microsoft.com/office/powerpoint/2010/main" xmlns="" Requires="p14">
+  <mc:AlternateContent xmlns:mc="http://schemas.openxmlformats.org/markup-compatibility/2006" xmlns:p14="http://schemas.microsoft.com/office/powerpoint/2010/main">
+    <mc:Choice Requires="p14">
       <p:transition spd="med" p14:dur="700">
         <p:fade/>
       </p:transition>
     </mc:Choice>
-    <mc:Fallback>
+    <mc:Fallback xmlns="">
       <p:transition spd="med">
         <p:fade/>
       </p:transition>
     </mc:Fallback>
   </mc:AlternateContent>
-  <p:timing>
-    <p:tnLst>
-      <p:par>
-        <p:cTn id="1" dur="indefinite" restart="never" nodeType="tmRoot"/>
-      </p:par>
-    </p:tnLst>
-  </p:timing>
 </p:sld>
 </file>
 
@@ -27922,7 +28395,7 @@
           <p:cNvPr id="7" name="Title 6">
             <a:extLst>
               <a:ext uri="{FF2B5EF4-FFF2-40B4-BE49-F238E27FC236}">
-                <a16:creationId xmlns:a16="http://schemas.microsoft.com/office/drawing/2014/main" xmlns="" id="{7875C19A-1AAE-476A-A316-A2CF92D763D3}"/>
+                <a16:creationId xmlns:a16="http://schemas.microsoft.com/office/drawing/2014/main" id="{7875C19A-1AAE-476A-A316-A2CF92D763D3}"/>
               </a:ext>
             </a:extLst>
           </p:cNvPr>
@@ -27939,7 +28412,7 @@
           <a:lstStyle/>
           <a:p>
             <a:r>
-              <a:rPr lang="sr-Latn-RS" smtClean="0"/>
+              <a:rPr lang="sr-Latn-RS"/>
               <a:t>Pregled</a:t>
             </a:r>
             <a:endParaRPr lang="en-US"/>
@@ -27951,7 +28424,7 @@
           <p:cNvPr id="10" name="Text Placeholder 9">
             <a:extLst>
               <a:ext uri="{FF2B5EF4-FFF2-40B4-BE49-F238E27FC236}">
-                <a16:creationId xmlns:a16="http://schemas.microsoft.com/office/drawing/2014/main" xmlns="" id="{EF2BC084-E6DB-4DE7-B309-042A85EBA700}"/>
+                <a16:creationId xmlns:a16="http://schemas.microsoft.com/office/drawing/2014/main" id="{EF2BC084-E6DB-4DE7-B309-042A85EBA700}"/>
               </a:ext>
             </a:extLst>
           </p:cNvPr>
@@ -27969,7 +28442,9 @@
           </a:xfrm>
         </p:spPr>
         <p:txBody>
-          <a:bodyPr/>
+          <a:bodyPr vert="horz" lIns="91440" tIns="45720" rIns="91440" bIns="45720" rtlCol="0" anchor="t">
+            <a:noAutofit/>
+          </a:bodyPr>
           <a:lstStyle/>
           <a:p>
             <a:pPr marL="342900" indent="-342900">
@@ -27977,14 +28452,18 @@
               <a:buAutoNum type="arabicPeriod"/>
             </a:pPr>
             <a:r>
-              <a:rPr lang="sr-Latn-RS" sz="2800" smtClean="0"/>
-              <a:t> Uvod</a:t>
+              <a:rPr lang="sr-Latn-RS" sz="2800" dirty="0">
+                <a:cs typeface="Arial"/>
+              </a:rPr>
+              <a:t> Uvod</a:t>
             </a:r>
           </a:p>
           <a:p>
             <a:pPr marL="800100" lvl="1" indent="-342900"/>
             <a:r>
-              <a:rPr lang="sr-Latn-RS" sz="1800" smtClean="0"/>
+              <a:rPr lang="sr-Latn-RS" sz="1800" dirty="0">
+                <a:cs typeface="Arial"/>
+              </a:rPr>
               <a:t>Opis problema.</a:t>
             </a:r>
           </a:p>
@@ -27994,24 +28473,32 @@
               <a:buAutoNum type="arabicPeriod"/>
             </a:pPr>
             <a:r>
-              <a:rPr lang="sr-Latn-RS" sz="2800" smtClean="0"/>
+              <a:rPr lang="sr-Latn-RS" sz="2800" dirty="0">
+                <a:cs typeface="Arial"/>
+              </a:rPr>
               <a:t>Algoritam i realizacija</a:t>
             </a:r>
           </a:p>
           <a:p>
             <a:pPr marL="914400" lvl="1" indent="-457200"/>
             <a:r>
-              <a:rPr lang="sr-Latn-RS" sz="1800" smtClean="0"/>
+              <a:rPr lang="sr-Latn-RS" sz="1800" dirty="0">
+                <a:cs typeface="Arial"/>
+              </a:rPr>
               <a:t>Struktura igrača</a:t>
             </a:r>
           </a:p>
           <a:p>
             <a:pPr marL="914400" lvl="1" indent="-457200"/>
             <a:r>
-              <a:rPr lang="sr-Latn-RS" sz="1800" smtClean="0"/>
+              <a:rPr lang="sr-Latn-RS" sz="1800" dirty="0">
+                <a:cs typeface="Arial"/>
+              </a:rPr>
               <a:t>Genetski algoritam</a:t>
             </a:r>
-            <a:endParaRPr lang="sr-Latn-RS" sz="2800" smtClean="0"/>
+            <a:endParaRPr lang="sr-Latn-RS" sz="2800" dirty="0">
+              <a:cs typeface="Arial"/>
+            </a:endParaRPr>
           </a:p>
           <a:p>
             <a:pPr marL="514350" indent="-514350">
@@ -28019,21 +28506,27 @@
               <a:buAutoNum type="arabicPeriod"/>
             </a:pPr>
             <a:r>
-              <a:rPr lang="sr-Latn-RS" sz="2800" smtClean="0"/>
-              <a:t>Trening i uporedjivanje rešenja</a:t>
+              <a:rPr lang="sr-Latn-RS" sz="2800" dirty="0">
+                <a:cs typeface="Arial"/>
+              </a:rPr>
+              <a:t>Trening i upoređivanje rešenja</a:t>
             </a:r>
           </a:p>
           <a:p>
             <a:pPr marL="971550" lvl="1" indent="-514350"/>
             <a:r>
-              <a:rPr lang="sr-Latn-RS" sz="1800" smtClean="0"/>
+              <a:rPr lang="sr-Latn-RS" sz="1800" dirty="0">
+                <a:cs typeface="Arial"/>
+              </a:rPr>
               <a:t>Prvo rešenje</a:t>
             </a:r>
           </a:p>
           <a:p>
             <a:pPr marL="971550" lvl="1" indent="-514350"/>
             <a:r>
-              <a:rPr lang="sr-Latn-RS" sz="1800" smtClean="0"/>
+              <a:rPr lang="sr-Latn-RS" sz="1800" dirty="0">
+                <a:cs typeface="Arial"/>
+              </a:rPr>
               <a:t>Drugo rešenje</a:t>
             </a:r>
           </a:p>
@@ -28042,7 +28535,7 @@
               <a:buFont typeface="+mj-lt"/>
               <a:buAutoNum type="arabicPeriod"/>
             </a:pPr>
-            <a:endParaRPr lang="sr-Latn-RS" sz="2800" smtClean="0"/>
+            <a:endParaRPr lang="sr-Latn-RS" sz="2800"/>
           </a:p>
           <a:p>
             <a:pPr marL="342900" indent="-342900"/>
@@ -28055,7 +28548,7 @@
           <p:cNvPr id="2" name="Slide Number Placeholder 1">
             <a:extLst>
               <a:ext uri="{FF2B5EF4-FFF2-40B4-BE49-F238E27FC236}">
-                <a16:creationId xmlns:a16="http://schemas.microsoft.com/office/drawing/2014/main" xmlns="" id="{BE9800F6-D571-48C4-8466-12AA1ADB6599}"/>
+                <a16:creationId xmlns:a16="http://schemas.microsoft.com/office/drawing/2014/main" id="{BE9800F6-D571-48C4-8466-12AA1ADB6599}"/>
               </a:ext>
             </a:extLst>
           </p:cNvPr>
@@ -28083,32 +28576,25 @@
     </p:spTree>
     <p:extLst>
       <p:ext uri="{BB962C8B-B14F-4D97-AF65-F5344CB8AC3E}">
-        <p14:creationId xmlns:p14="http://schemas.microsoft.com/office/powerpoint/2010/main" xmlns="" val="3733486012"/>
+        <p14:creationId xmlns:p14="http://schemas.microsoft.com/office/powerpoint/2010/main" val="3733486012"/>
       </p:ext>
     </p:extLst>
   </p:cSld>
   <p:clrMapOvr>
     <a:masterClrMapping/>
   </p:clrMapOvr>
-  <mc:AlternateContent xmlns:mc="http://schemas.openxmlformats.org/markup-compatibility/2006">
-    <mc:Choice xmlns:p14="http://schemas.microsoft.com/office/powerpoint/2010/main" xmlns="" Requires="p14">
+  <mc:AlternateContent xmlns:mc="http://schemas.openxmlformats.org/markup-compatibility/2006" xmlns:p14="http://schemas.microsoft.com/office/powerpoint/2010/main">
+    <mc:Choice Requires="p14">
       <p:transition spd="med" p14:dur="700">
         <p:fade/>
       </p:transition>
     </mc:Choice>
-    <mc:Fallback>
+    <mc:Fallback xmlns="">
       <p:transition spd="med">
         <p:fade/>
       </p:transition>
     </mc:Fallback>
   </mc:AlternateContent>
-  <p:timing>
-    <p:tnLst>
-      <p:par>
-        <p:cTn id="1" dur="indefinite" restart="never" nodeType="tmRoot"/>
-      </p:par>
-    </p:tnLst>
-  </p:timing>
 </p:sld>
 </file>
 
@@ -28134,7 +28620,7 @@
           <p:cNvPr id="4" name="Title 3">
             <a:extLst>
               <a:ext uri="{FF2B5EF4-FFF2-40B4-BE49-F238E27FC236}">
-                <a16:creationId xmlns:a16="http://schemas.microsoft.com/office/drawing/2014/main" xmlns="" id="{315E3981-F0D7-482C-A8E0-6A57700BECA7}"/>
+                <a16:creationId xmlns:a16="http://schemas.microsoft.com/office/drawing/2014/main" id="{315E3981-F0D7-482C-A8E0-6A57700BECA7}"/>
               </a:ext>
             </a:extLst>
           </p:cNvPr>
@@ -28151,10 +28637,10 @@
           <a:lstStyle/>
           <a:p>
             <a:r>
-              <a:rPr lang="sr-Latn-RS" smtClean="0"/>
-              <a:t>Opis problema:</a:t>
-            </a:r>
-            <a:endParaRPr lang="en-US"/>
+              <a:rPr lang="sr-Latn-RS" dirty="0"/>
+              <a:t>Opis problema</a:t>
+            </a:r>
+            <a:endParaRPr lang="en-US" dirty="0"/>
           </a:p>
         </p:txBody>
       </p:sp>
@@ -28163,7 +28649,7 @@
           <p:cNvPr id="2" name="Slide Number Placeholder 1">
             <a:extLst>
               <a:ext uri="{FF2B5EF4-FFF2-40B4-BE49-F238E27FC236}">
-                <a16:creationId xmlns:a16="http://schemas.microsoft.com/office/drawing/2014/main" xmlns="" id="{520FC4EE-F318-4344-9E3C-B950ADB63865}"/>
+                <a16:creationId xmlns:a16="http://schemas.microsoft.com/office/drawing/2014/main" id="{520FC4EE-F318-4344-9E3C-B950ADB63865}"/>
               </a:ext>
             </a:extLst>
           </p:cNvPr>
@@ -28193,7 +28679,7 @@
           <p:cNvPr id="8" name="Text Placeholder 7">
             <a:extLst>
               <a:ext uri="{FF2B5EF4-FFF2-40B4-BE49-F238E27FC236}">
-                <a16:creationId xmlns:a16="http://schemas.microsoft.com/office/drawing/2014/main" xmlns="" id="{47DC4E62-1A34-4F98-A451-214F1808519C}"/>
+                <a16:creationId xmlns:a16="http://schemas.microsoft.com/office/drawing/2014/main" id="{47DC4E62-1A34-4F98-A451-214F1808519C}"/>
               </a:ext>
             </a:extLst>
           </p:cNvPr>
@@ -28225,7 +28711,7 @@
         <p:spPr>
           <a:xfrm>
             <a:off x="495300" y="1466848"/>
-            <a:ext cx="10782300" cy="1938992"/>
+            <a:ext cx="10782300" cy="2246769"/>
           </a:xfrm>
           <a:prstGeom prst="rect">
             <a:avLst/>
@@ -28233,7 +28719,7 @@
           <a:noFill/>
         </p:spPr>
         <p:txBody>
-          <a:bodyPr wrap="square" rtlCol="0">
+          <a:bodyPr wrap="square" rtlCol="0" anchor="t">
             <a:spAutoFit/>
           </a:bodyPr>
           <a:lstStyle/>
@@ -28243,15 +28729,23 @@
               <a:buChar char="§"/>
             </a:pPr>
             <a:r>
-              <a:rPr lang="sr-Latn-RS" sz="2000" smtClean="0">
+              <a:rPr lang="sr-Latn-RS" sz="2000" dirty="0">
                 <a:solidFill>
                   <a:schemeClr val="bg1"/>
                 </a:solidFill>
               </a:rPr>
-              <a:t> “Schrodinger</a:t>
-            </a:r>
-            <a:r>
-              <a:rPr lang="en-US" sz="2000" smtClean="0">
+              <a:t> “</a:t>
+            </a:r>
+            <a:r>
+              <a:rPr lang="sr-Latn-RS" sz="2000" dirty="0" err="1">
+                <a:solidFill>
+                  <a:schemeClr val="bg1"/>
+                </a:solidFill>
+              </a:rPr>
+              <a:t>Schrodinger</a:t>
+            </a:r>
+            <a:r>
+              <a:rPr lang="en-US" sz="2000" dirty="0">
                 <a:solidFill>
                   <a:schemeClr val="bg1"/>
                 </a:solidFill>
@@ -28259,12 +28753,44 @@
               <a:t>`s shooter</a:t>
             </a:r>
             <a:r>
-              <a:rPr lang="sr-Latn-RS" sz="2000" smtClean="0">
+              <a:rPr lang="sr-Latn-RS" sz="2000" dirty="0">
                 <a:solidFill>
                   <a:schemeClr val="bg1"/>
                 </a:solidFill>
               </a:rPr>
-              <a:t>” je mini igra u “top-down shooter” stilu, napravljena kao projekat za kurs Razvoj Softvera.</a:t>
+              <a:t>” je mini igra u “top-</a:t>
+            </a:r>
+            <a:r>
+              <a:rPr lang="sr-Latn-RS" sz="2000" dirty="0" err="1">
+                <a:solidFill>
+                  <a:schemeClr val="bg1"/>
+                </a:solidFill>
+              </a:rPr>
+              <a:t>down</a:t>
+            </a:r>
+            <a:r>
+              <a:rPr lang="sr-Latn-RS" sz="2000" dirty="0">
+                <a:solidFill>
+                  <a:schemeClr val="bg1"/>
+                </a:solidFill>
+              </a:rPr>
+              <a:t> </a:t>
+            </a:r>
+            <a:r>
+              <a:rPr lang="sr-Latn-RS" sz="2000" dirty="0" err="1">
+                <a:solidFill>
+                  <a:schemeClr val="bg1"/>
+                </a:solidFill>
+              </a:rPr>
+              <a:t>shooter</a:t>
+            </a:r>
+            <a:r>
+              <a:rPr lang="sr-Latn-RS" sz="2000" dirty="0">
+                <a:solidFill>
+                  <a:schemeClr val="bg1"/>
+                </a:solidFill>
+              </a:rPr>
+              <a:t>” stilu, napravljena kao projekat za kurs Razvoj Softvera.</a:t>
             </a:r>
           </a:p>
           <a:p>
@@ -28272,7 +28798,7 @@
               <a:buFont typeface="Wingdings" pitchFamily="2" charset="2"/>
               <a:buChar char="§"/>
             </a:pPr>
-            <a:endParaRPr lang="sr-Latn-RS" sz="2000" smtClean="0">
+            <a:endParaRPr lang="sr-Latn-RS" sz="2000">
               <a:solidFill>
                 <a:schemeClr val="bg1"/>
               </a:solidFill>
@@ -28284,20 +28810,26 @@
               <a:buChar char="§"/>
             </a:pPr>
             <a:r>
-              <a:rPr lang="sr-Latn-RS" sz="2000" smtClean="0">
+              <a:rPr lang="sr-Latn-RS" sz="2000" dirty="0">
                 <a:solidFill>
                   <a:schemeClr val="bg1"/>
                 </a:solidFill>
               </a:rPr>
-              <a:t> Zadatak ovog projekta je implementacija programa koji će igrati igru umesto ljudskog igrača.</a:t>
-            </a:r>
+              <a:t> Zadatak ovog projekta je implementacija programa koji će igrati igru umesto ljudskog igrača.</a:t>
+            </a:r>
+            <a:endParaRPr lang="sr-Latn-RS" sz="2000" dirty="0">
+              <a:solidFill>
+                <a:schemeClr val="bg1"/>
+              </a:solidFill>
+              <a:cs typeface="Arial"/>
+            </a:endParaRPr>
           </a:p>
           <a:p>
             <a:pPr>
               <a:buFont typeface="Wingdings" pitchFamily="2" charset="2"/>
               <a:buChar char="§"/>
             </a:pPr>
-            <a:endParaRPr lang="sr-Latn-RS" sz="2000" smtClean="0">
+            <a:endParaRPr lang="sr-Latn-RS" sz="2000">
               <a:solidFill>
                 <a:schemeClr val="bg1"/>
               </a:solidFill>
@@ -28309,14 +28841,46 @@
               <a:buChar char="§"/>
             </a:pPr>
             <a:r>
-              <a:rPr lang="sr-Latn-RS" sz="2000" smtClean="0">
+              <a:rPr lang="sr-Latn-RS" sz="2000" dirty="0">
                 <a:solidFill>
                   <a:schemeClr val="bg1"/>
                 </a:solidFill>
               </a:rPr>
-              <a:t> Za realizaciju korišćene su kombinovane tehnike genetskih algoritama i neuronskih mreža.</a:t>
-            </a:r>
-            <a:endParaRPr lang="en-US" sz="2000">
+              <a:t> Za realizaciju korišćene su kombinovane tehnike "</a:t>
+            </a:r>
+            <a:r>
+              <a:rPr lang="sr-Latn-RS" sz="2000" dirty="0" err="1">
+                <a:solidFill>
+                  <a:schemeClr val="bg1"/>
+                </a:solidFill>
+              </a:rPr>
+              <a:t>reinforced</a:t>
+            </a:r>
+            <a:r>
+              <a:rPr lang="sr-Latn-RS" sz="2000" dirty="0">
+                <a:solidFill>
+                  <a:schemeClr val="bg1"/>
+                </a:solidFill>
+              </a:rPr>
+              <a:t> </a:t>
+            </a:r>
+            <a:r>
+              <a:rPr lang="sr-Latn-RS" sz="2000" dirty="0" err="1">
+                <a:solidFill>
+                  <a:schemeClr val="bg1"/>
+                </a:solidFill>
+              </a:rPr>
+              <a:t>learninga</a:t>
+            </a:r>
+            <a:r>
+              <a:rPr lang="sr-Latn-RS" sz="2000" dirty="0">
+                <a:solidFill>
+                  <a:schemeClr val="bg1"/>
+                </a:solidFill>
+              </a:rPr>
+              <a:t>", genetskih algoritama i neuronskih mreža.</a:t>
+            </a:r>
+            <a:endParaRPr lang="en-US" sz="2000" dirty="0">
               <a:solidFill>
                 <a:schemeClr val="bg1"/>
               </a:solidFill>
@@ -28340,7 +28904,7 @@
         </p:blipFill>
         <p:spPr>
           <a:xfrm>
-            <a:off x="3638550" y="3645694"/>
+            <a:off x="3638550" y="3788569"/>
             <a:ext cx="4152900" cy="2336006"/>
           </a:xfrm>
           <a:prstGeom prst="rect">
@@ -28361,32 +28925,25 @@
     </p:spTree>
     <p:extLst>
       <p:ext uri="{BB962C8B-B14F-4D97-AF65-F5344CB8AC3E}">
-        <p14:creationId xmlns:p14="http://schemas.microsoft.com/office/powerpoint/2010/main" xmlns="" val="3607270498"/>
+        <p14:creationId xmlns:p14="http://schemas.microsoft.com/office/powerpoint/2010/main" val="3607270498"/>
       </p:ext>
     </p:extLst>
   </p:cSld>
   <p:clrMapOvr>
     <a:masterClrMapping/>
   </p:clrMapOvr>
-  <mc:AlternateContent xmlns:mc="http://schemas.openxmlformats.org/markup-compatibility/2006">
-    <mc:Choice xmlns:p14="http://schemas.microsoft.com/office/powerpoint/2010/main" xmlns="" Requires="p14">
+  <mc:AlternateContent xmlns:mc="http://schemas.openxmlformats.org/markup-compatibility/2006" xmlns:p14="http://schemas.microsoft.com/office/powerpoint/2010/main">
+    <mc:Choice Requires="p14">
       <p:transition spd="med" p14:dur="700">
         <p:fade/>
       </p:transition>
     </mc:Choice>
-    <mc:Fallback>
+    <mc:Fallback xmlns="">
       <p:transition spd="med">
         <p:fade/>
       </p:transition>
     </mc:Fallback>
   </mc:AlternateContent>
-  <p:timing>
-    <p:tnLst>
-      <p:par>
-        <p:cTn id="1" dur="indefinite" restart="never" nodeType="tmRoot"/>
-      </p:par>
-    </p:tnLst>
-  </p:timing>
 </p:sld>
 </file>
 
@@ -28412,7 +28969,7 @@
           <p:cNvPr id="4" name="Title 3">
             <a:extLst>
               <a:ext uri="{FF2B5EF4-FFF2-40B4-BE49-F238E27FC236}">
-                <a16:creationId xmlns:a16="http://schemas.microsoft.com/office/drawing/2014/main" xmlns="" id="{315E3981-F0D7-482C-A8E0-6A57700BECA7}"/>
+                <a16:creationId xmlns:a16="http://schemas.microsoft.com/office/drawing/2014/main" id="{315E3981-F0D7-482C-A8E0-6A57700BECA7}"/>
               </a:ext>
             </a:extLst>
           </p:cNvPr>
@@ -28429,10 +28986,10 @@
           <a:lstStyle/>
           <a:p>
             <a:r>
-              <a:rPr lang="sr-Latn-RS" smtClean="0"/>
-              <a:t>Struktura igrača:</a:t>
-            </a:r>
-            <a:endParaRPr lang="en-US"/>
+              <a:rPr lang="sr-Latn-RS" dirty="0"/>
+              <a:t>Struktura igrača</a:t>
+            </a:r>
+            <a:endParaRPr lang="en-US" dirty="0"/>
           </a:p>
         </p:txBody>
       </p:sp>
@@ -28441,7 +28998,7 @@
           <p:cNvPr id="2" name="Slide Number Placeholder 1">
             <a:extLst>
               <a:ext uri="{FF2B5EF4-FFF2-40B4-BE49-F238E27FC236}">
-                <a16:creationId xmlns:a16="http://schemas.microsoft.com/office/drawing/2014/main" xmlns="" id="{520FC4EE-F318-4344-9E3C-B950ADB63865}"/>
+                <a16:creationId xmlns:a16="http://schemas.microsoft.com/office/drawing/2014/main" id="{520FC4EE-F318-4344-9E3C-B950ADB63865}"/>
               </a:ext>
             </a:extLst>
           </p:cNvPr>
@@ -28471,7 +29028,7 @@
           <p:cNvPr id="8" name="Text Placeholder 7">
             <a:extLst>
               <a:ext uri="{FF2B5EF4-FFF2-40B4-BE49-F238E27FC236}">
-                <a16:creationId xmlns:a16="http://schemas.microsoft.com/office/drawing/2014/main" xmlns="" id="{47DC4E62-1A34-4F98-A451-214F1808519C}"/>
+                <a16:creationId xmlns:a16="http://schemas.microsoft.com/office/drawing/2014/main" id="{47DC4E62-1A34-4F98-A451-214F1808519C}"/>
               </a:ext>
             </a:extLst>
           </p:cNvPr>
@@ -28511,7 +29068,7 @@
           <a:noFill/>
         </p:spPr>
         <p:txBody>
-          <a:bodyPr wrap="square" rtlCol="0">
+          <a:bodyPr wrap="square" rtlCol="0" anchor="t">
             <a:spAutoFit/>
           </a:bodyPr>
           <a:lstStyle/>
@@ -28521,12 +29078,12 @@
               <a:buChar char="§"/>
             </a:pPr>
             <a:r>
-              <a:rPr lang="sr-Latn-RS" sz="2000" smtClean="0">
+              <a:rPr lang="sr-Latn-RS" sz="2000" dirty="0">
                 <a:solidFill>
                   <a:schemeClr val="bg1"/>
                 </a:solidFill>
               </a:rPr>
-              <a:t>  Igrač je predstavljen neuronskom mrežom koja u svakom intervalu na osnovu unosa koji predstavlja okolinu igrača treba da generiše izlaz tj odgovarajuću akciju.</a:t>
+              <a:t>  Igrač je predstavljen neuronskom mrežom koja u svakom intervalu na osnovu unosa koji predstavlja okolinu igrača treba da generiše izlaz tj. odgovarajuću akciju.</a:t>
             </a:r>
           </a:p>
           <a:p>
@@ -28534,7 +29091,7 @@
               <a:buFont typeface="Wingdings" pitchFamily="2" charset="2"/>
               <a:buChar char="§"/>
             </a:pPr>
-            <a:endParaRPr lang="sr-Latn-RS" sz="2000" smtClean="0">
+            <a:endParaRPr lang="sr-Latn-RS" sz="2000">
               <a:solidFill>
                 <a:schemeClr val="bg1"/>
               </a:solidFill>
@@ -28546,20 +29103,26 @@
               <a:buChar char="§"/>
             </a:pPr>
             <a:r>
-              <a:rPr lang="sr-Latn-RS" sz="2000" smtClean="0">
+              <a:rPr lang="sr-Latn-RS" sz="2000" dirty="0">
                 <a:solidFill>
                   <a:schemeClr val="bg1"/>
                 </a:solidFill>
               </a:rPr>
-              <a:t> Moguće akcije su kretanje po x i y osi i njihove kombinacije, rotiranje nišana za dati ugao, pucanje i repetiranje.</a:t>
-            </a:r>
+              <a:t> Moguće akcije su kretanje po x i y osi i njihove kombinacije, rotiranje nišana za dati ugao, pucanje i repetiranje.</a:t>
+            </a:r>
+            <a:endParaRPr lang="sr-Latn-RS" sz="2000" dirty="0">
+              <a:solidFill>
+                <a:schemeClr val="bg1"/>
+              </a:solidFill>
+              <a:cs typeface="Arial"/>
+            </a:endParaRPr>
           </a:p>
           <a:p>
             <a:pPr>
               <a:buFont typeface="Wingdings" pitchFamily="2" charset="2"/>
               <a:buChar char="§"/>
             </a:pPr>
-            <a:endParaRPr lang="sr-Latn-RS" sz="2000" smtClean="0">
+            <a:endParaRPr lang="sr-Latn-RS" sz="2000">
               <a:solidFill>
                 <a:schemeClr val="bg1"/>
               </a:solidFill>
@@ -28571,14 +29134,14 @@
               <a:buChar char="§"/>
             </a:pPr>
             <a:r>
-              <a:rPr lang="sr-Latn-RS" sz="2000" smtClean="0">
+              <a:rPr lang="sr-Latn-RS" sz="2000" dirty="0">
                 <a:solidFill>
                   <a:schemeClr val="bg1"/>
                 </a:solidFill>
               </a:rPr>
-              <a:t> Izbačene su kompleksne akcije poput granate, različitog oružija i pancira.</a:t>
-            </a:r>
-            <a:endParaRPr lang="en-US" sz="2000">
+              <a:t> Izbačene su kompleksne akcije poput granate, različitog oružja i pancira.</a:t>
+            </a:r>
+            <a:endParaRPr lang="en-US" sz="2000" dirty="0">
               <a:solidFill>
                 <a:schemeClr val="bg1"/>
               </a:solidFill>
@@ -28589,32 +29152,25 @@
     </p:spTree>
     <p:extLst>
       <p:ext uri="{BB962C8B-B14F-4D97-AF65-F5344CB8AC3E}">
-        <p14:creationId xmlns:p14="http://schemas.microsoft.com/office/powerpoint/2010/main" xmlns="" val="3607270498"/>
+        <p14:creationId xmlns:p14="http://schemas.microsoft.com/office/powerpoint/2010/main" val="3607270498"/>
       </p:ext>
     </p:extLst>
   </p:cSld>
   <p:clrMapOvr>
     <a:masterClrMapping/>
   </p:clrMapOvr>
-  <mc:AlternateContent xmlns:mc="http://schemas.openxmlformats.org/markup-compatibility/2006">
-    <mc:Choice xmlns:p14="http://schemas.microsoft.com/office/powerpoint/2010/main" xmlns="" Requires="p14">
+  <mc:AlternateContent xmlns:mc="http://schemas.openxmlformats.org/markup-compatibility/2006" xmlns:p14="http://schemas.microsoft.com/office/powerpoint/2010/main">
+    <mc:Choice Requires="p14">
       <p:transition spd="med" p14:dur="700">
         <p:fade/>
       </p:transition>
     </mc:Choice>
-    <mc:Fallback>
+    <mc:Fallback xmlns="">
       <p:transition spd="med">
         <p:fade/>
       </p:transition>
     </mc:Fallback>
   </mc:AlternateContent>
-  <p:timing>
-    <p:tnLst>
-      <p:par>
-        <p:cTn id="1" dur="indefinite" restart="never" nodeType="tmRoot"/>
-      </p:par>
-    </p:tnLst>
-  </p:timing>
 </p:sld>
 </file>
 
@@ -28640,7 +29196,7 @@
           <p:cNvPr id="4" name="Title 3">
             <a:extLst>
               <a:ext uri="{FF2B5EF4-FFF2-40B4-BE49-F238E27FC236}">
-                <a16:creationId xmlns:a16="http://schemas.microsoft.com/office/drawing/2014/main" xmlns="" id="{315E3981-F0D7-482C-A8E0-6A57700BECA7}"/>
+                <a16:creationId xmlns:a16="http://schemas.microsoft.com/office/drawing/2014/main" id="{315E3981-F0D7-482C-A8E0-6A57700BECA7}"/>
               </a:ext>
             </a:extLst>
           </p:cNvPr>
@@ -28657,10 +29213,10 @@
           <a:lstStyle/>
           <a:p>
             <a:r>
-              <a:rPr lang="sr-Latn-RS" smtClean="0"/>
-              <a:t>Neuronska mreža:</a:t>
-            </a:r>
-            <a:endParaRPr lang="en-US"/>
+              <a:rPr lang="sr-Latn-RS" dirty="0"/>
+              <a:t>Neuronska mreža</a:t>
+            </a:r>
+            <a:endParaRPr lang="en-US" dirty="0"/>
           </a:p>
         </p:txBody>
       </p:sp>
@@ -28669,7 +29225,7 @@
           <p:cNvPr id="2" name="Slide Number Placeholder 1">
             <a:extLst>
               <a:ext uri="{FF2B5EF4-FFF2-40B4-BE49-F238E27FC236}">
-                <a16:creationId xmlns:a16="http://schemas.microsoft.com/office/drawing/2014/main" xmlns="" id="{520FC4EE-F318-4344-9E3C-B950ADB63865}"/>
+                <a16:creationId xmlns:a16="http://schemas.microsoft.com/office/drawing/2014/main" id="{520FC4EE-F318-4344-9E3C-B950ADB63865}"/>
               </a:ext>
             </a:extLst>
           </p:cNvPr>
@@ -28699,7 +29255,7 @@
           <p:cNvPr id="8" name="Text Placeholder 7">
             <a:extLst>
               <a:ext uri="{FF2B5EF4-FFF2-40B4-BE49-F238E27FC236}">
-                <a16:creationId xmlns:a16="http://schemas.microsoft.com/office/drawing/2014/main" xmlns="" id="{47DC4E62-1A34-4F98-A451-214F1808519C}"/>
+                <a16:creationId xmlns:a16="http://schemas.microsoft.com/office/drawing/2014/main" id="{47DC4E62-1A34-4F98-A451-214F1808519C}"/>
               </a:ext>
             </a:extLst>
           </p:cNvPr>
@@ -28749,7 +29305,7 @@
               <a:buChar char="§"/>
             </a:pPr>
             <a:r>
-              <a:rPr lang="sr-Latn-RS" sz="2000" smtClean="0">
+              <a:rPr lang="sr-Latn-RS" sz="2000">
                 <a:solidFill>
                   <a:schemeClr val="bg1"/>
                 </a:solidFill>
@@ -28762,7 +29318,7 @@
               <a:buFont typeface="Wingdings" pitchFamily="2" charset="2"/>
               <a:buChar char="§"/>
             </a:pPr>
-            <a:endParaRPr lang="sr-Latn-RS" sz="2000" smtClean="0">
+            <a:endParaRPr lang="sr-Latn-RS" sz="2000">
               <a:solidFill>
                 <a:schemeClr val="bg1"/>
               </a:solidFill>
@@ -28774,7 +29330,7 @@
               <a:buChar char="§"/>
             </a:pPr>
             <a:r>
-              <a:rPr lang="sr-Latn-RS" sz="2000" smtClean="0">
+              <a:rPr lang="sr-Latn-RS" sz="2000">
                 <a:solidFill>
                   <a:schemeClr val="bg1"/>
                 </a:solidFill>
@@ -28788,7 +29344,7 @@
               <a:buChar char="•"/>
             </a:pPr>
             <a:r>
-              <a:rPr lang="sr-Latn-RS" sz="2000" smtClean="0">
+              <a:rPr lang="sr-Latn-RS" sz="2000">
                 <a:solidFill>
                   <a:schemeClr val="bg1"/>
                 </a:solidFill>
@@ -28802,7 +29358,7 @@
               <a:buChar char="•"/>
             </a:pPr>
             <a:r>
-              <a:rPr lang="sr-Latn-RS" sz="2000" smtClean="0">
+              <a:rPr lang="sr-Latn-RS" sz="2000">
                 <a:solidFill>
                   <a:schemeClr val="bg1"/>
                 </a:solidFill>
@@ -28810,7 +29366,7 @@
               <a:t> Skrivenog – veličine 10 u prvoj realizaciji i </a:t>
             </a:r>
             <a:r>
-              <a:rPr lang="en-US" sz="2000" smtClean="0">
+              <a:rPr lang="en-US" sz="2000">
                 <a:solidFill>
                   <a:schemeClr val="bg1"/>
                 </a:solidFill>
@@ -28818,20 +29374,12 @@
               <a:t>8 </a:t>
             </a:r>
             <a:r>
-              <a:rPr lang="sr-Latn-RS" sz="2000" smtClean="0">
+              <a:rPr lang="sr-Latn-RS" sz="2000">
                 <a:solidFill>
                   <a:schemeClr val="bg1"/>
                 </a:solidFill>
               </a:rPr>
-              <a:t>u </a:t>
-            </a:r>
-            <a:r>
-              <a:rPr lang="sr-Latn-RS" sz="2000" smtClean="0">
-                <a:solidFill>
-                  <a:schemeClr val="bg1"/>
-                </a:solidFill>
-              </a:rPr>
-              <a:t>drugoj.</a:t>
+              <a:t>u drugoj.</a:t>
             </a:r>
           </a:p>
           <a:p>
@@ -28840,7 +29388,7 @@
               <a:buChar char="•"/>
             </a:pPr>
             <a:r>
-              <a:rPr lang="sr-Latn-RS" sz="2000" smtClean="0">
+              <a:rPr lang="sr-Latn-RS" sz="2000">
                 <a:solidFill>
                   <a:schemeClr val="bg1"/>
                 </a:solidFill>
@@ -28848,7 +29396,7 @@
               <a:t> Izlaznog – veličine 5 čiji izlazi su u intervalu </a:t>
             </a:r>
             <a:r>
-              <a:rPr lang="en-US" sz="2000" smtClean="0">
+              <a:rPr lang="en-US" sz="2000">
                 <a:solidFill>
                   <a:schemeClr val="bg1"/>
                 </a:solidFill>
@@ -28856,7 +29404,7 @@
               <a:t>[</a:t>
             </a:r>
             <a:r>
-              <a:rPr lang="sr-Latn-RS" sz="2000" smtClean="0">
+              <a:rPr lang="sr-Latn-RS" sz="2000">
                 <a:solidFill>
                   <a:schemeClr val="bg1"/>
                 </a:solidFill>
@@ -28864,7 +29412,7 @@
               <a:t>0-1</a:t>
             </a:r>
             <a:r>
-              <a:rPr lang="en-US" sz="2000" smtClean="0">
+              <a:rPr lang="en-US" sz="2000">
                 <a:solidFill>
                   <a:schemeClr val="bg1"/>
                 </a:solidFill>
@@ -28872,7 +29420,7 @@
               <a:t>] i predstavljaju odgovaraju</a:t>
             </a:r>
             <a:r>
-              <a:rPr lang="sr-Latn-RS" sz="2000" smtClean="0">
+              <a:rPr lang="sr-Latn-RS" sz="2000">
                 <a:solidFill>
                   <a:schemeClr val="bg1"/>
                 </a:solidFill>
@@ -28890,32 +29438,25 @@
     </p:spTree>
     <p:extLst>
       <p:ext uri="{BB962C8B-B14F-4D97-AF65-F5344CB8AC3E}">
-        <p14:creationId xmlns:p14="http://schemas.microsoft.com/office/powerpoint/2010/main" xmlns="" val="3607270498"/>
+        <p14:creationId xmlns:p14="http://schemas.microsoft.com/office/powerpoint/2010/main" val="3607270498"/>
       </p:ext>
     </p:extLst>
   </p:cSld>
   <p:clrMapOvr>
     <a:masterClrMapping/>
   </p:clrMapOvr>
-  <mc:AlternateContent xmlns:mc="http://schemas.openxmlformats.org/markup-compatibility/2006">
-    <mc:Choice xmlns:p14="http://schemas.microsoft.com/office/powerpoint/2010/main" xmlns="" Requires="p14">
+  <mc:AlternateContent xmlns:mc="http://schemas.openxmlformats.org/markup-compatibility/2006" xmlns:p14="http://schemas.microsoft.com/office/powerpoint/2010/main">
+    <mc:Choice Requires="p14">
       <p:transition spd="med" p14:dur="700">
         <p:fade/>
       </p:transition>
     </mc:Choice>
-    <mc:Fallback>
+    <mc:Fallback xmlns="">
       <p:transition spd="med">
         <p:fade/>
       </p:transition>
     </mc:Fallback>
   </mc:AlternateContent>
-  <p:timing>
-    <p:tnLst>
-      <p:par>
-        <p:cTn id="1" dur="indefinite" restart="never" nodeType="tmRoot"/>
-      </p:par>
-    </p:tnLst>
-  </p:timing>
 </p:sld>
 </file>
 
@@ -28941,7 +29482,7 @@
           <p:cNvPr id="4" name="Title 3">
             <a:extLst>
               <a:ext uri="{FF2B5EF4-FFF2-40B4-BE49-F238E27FC236}">
-                <a16:creationId xmlns:a16="http://schemas.microsoft.com/office/drawing/2014/main" xmlns="" id="{315E3981-F0D7-482C-A8E0-6A57700BECA7}"/>
+                <a16:creationId xmlns:a16="http://schemas.microsoft.com/office/drawing/2014/main" id="{315E3981-F0D7-482C-A8E0-6A57700BECA7}"/>
               </a:ext>
             </a:extLst>
           </p:cNvPr>
@@ -28958,10 +29499,10 @@
           <a:lstStyle/>
           <a:p>
             <a:r>
-              <a:rPr lang="sr-Latn-RS" smtClean="0"/>
-              <a:t>Neuronska mreža:</a:t>
-            </a:r>
-            <a:endParaRPr lang="en-US"/>
+              <a:rPr lang="sr-Latn-RS" dirty="0"/>
+              <a:t>Neuronska mreža</a:t>
+            </a:r>
+            <a:endParaRPr lang="en-US" dirty="0"/>
           </a:p>
         </p:txBody>
       </p:sp>
@@ -28970,7 +29511,7 @@
           <p:cNvPr id="2" name="Slide Number Placeholder 1">
             <a:extLst>
               <a:ext uri="{FF2B5EF4-FFF2-40B4-BE49-F238E27FC236}">
-                <a16:creationId xmlns:a16="http://schemas.microsoft.com/office/drawing/2014/main" xmlns="" id="{520FC4EE-F318-4344-9E3C-B950ADB63865}"/>
+                <a16:creationId xmlns:a16="http://schemas.microsoft.com/office/drawing/2014/main" id="{520FC4EE-F318-4344-9E3C-B950ADB63865}"/>
               </a:ext>
             </a:extLst>
           </p:cNvPr>
@@ -29000,7 +29541,7 @@
           <p:cNvPr id="8" name="Text Placeholder 7">
             <a:extLst>
               <a:ext uri="{FF2B5EF4-FFF2-40B4-BE49-F238E27FC236}">
-                <a16:creationId xmlns:a16="http://schemas.microsoft.com/office/drawing/2014/main" xmlns="" id="{47DC4E62-1A34-4F98-A451-214F1808519C}"/>
+                <a16:creationId xmlns:a16="http://schemas.microsoft.com/office/drawing/2014/main" id="{47DC4E62-1A34-4F98-A451-214F1808519C}"/>
               </a:ext>
             </a:extLst>
           </p:cNvPr>
@@ -29050,7 +29591,7 @@
               <a:buChar char="§"/>
             </a:pPr>
             <a:r>
-              <a:rPr lang="sr-Latn-RS" sz="2000" smtClean="0">
+              <a:rPr lang="sr-Latn-RS" sz="2000">
                 <a:solidFill>
                   <a:schemeClr val="bg1"/>
                 </a:solidFill>
@@ -29079,9 +29620,67 @@
         </p:xfrm>
         <a:graphic>
           <a:graphicData uri="http://schemas.openxmlformats.org/presentationml/2006/ole">
-            <p:oleObj spid="_x0000_s1026" name="Equation" r:id="rId3" imgW="888840" imgH="634680" progId="Equation.3">
-              <p:embed/>
-            </p:oleObj>
+            <mc:AlternateContent xmlns:mc="http://schemas.openxmlformats.org/markup-compatibility/2006">
+              <mc:Choice xmlns:v="urn:schemas-microsoft-com:vml" Requires="v">
+                <p:oleObj spid="_x0000_s27649" name="Equation" r:id="rId3" imgW="888840" imgH="634680" progId="Equation.3">
+                  <p:embed/>
+                </p:oleObj>
+              </mc:Choice>
+              <mc:Fallback>
+                <p:oleObj name="Equation" r:id="rId3" imgW="888840" imgH="634680" progId="Equation.3">
+                  <p:embed/>
+                  <p:pic>
+                    <p:nvPicPr>
+                      <p:cNvPr id="6" name="Object 5"/>
+                      <p:cNvPicPr>
+                        <a:picLocks noChangeAspect="1" noChangeArrowheads="1"/>
+                      </p:cNvPicPr>
+                      <p:nvPr/>
+                    </p:nvPicPr>
+                    <p:blipFill>
+                      <a:blip r:embed="rId4">
+                        <a:extLst>
+                          <a:ext uri="{28A0092B-C50C-407E-A947-70E740481C1C}">
+                            <a14:useLocalDpi xmlns:a14="http://schemas.microsoft.com/office/drawing/2010/main" val="0"/>
+                          </a:ext>
+                        </a:extLst>
+                      </a:blip>
+                      <a:srcRect/>
+                      <a:stretch>
+                        <a:fillRect/>
+                      </a:stretch>
+                    </p:blipFill>
+                    <p:spPr bwMode="auto">
+                      <a:xfrm>
+                        <a:off x="4043363" y="2824163"/>
+                        <a:ext cx="2533650" cy="1809750"/>
+                      </a:xfrm>
+                      <a:prstGeom prst="rect">
+                        <a:avLst/>
+                      </a:prstGeom>
+                      <a:solidFill>
+                        <a:schemeClr val="bg1"/>
+                      </a:solidFill>
+                      <a:ln>
+                        <a:noFill/>
+                      </a:ln>
+                      <a:extLst>
+                        <a:ext uri="{91240B29-F687-4F45-9708-019B960494DF}">
+                          <a14:hiddenLine xmlns:a14="http://schemas.microsoft.com/office/drawing/2010/main" w="9525">
+                            <a:solidFill>
+                              <a:schemeClr val="bg1"/>
+                            </a:solidFill>
+                            <a:miter lim="800000"/>
+                            <a:headEnd/>
+                            <a:tailEnd/>
+                          </a14:hiddenLine>
+                        </a:ext>
+                      </a:extLst>
+                    </p:spPr>
+                  </p:pic>
+                </p:oleObj>
+              </mc:Fallback>
+            </mc:AlternateContent>
           </a:graphicData>
         </a:graphic>
       </p:graphicFrame>
@@ -29112,7 +29711,7 @@
               <a:buChar char="§"/>
             </a:pPr>
             <a:r>
-              <a:rPr lang="sr-Latn-RS" sz="2000" smtClean="0">
+              <a:rPr lang="sr-Latn-RS" sz="2000">
                 <a:solidFill>
                   <a:schemeClr val="bg1"/>
                 </a:solidFill>
@@ -29130,32 +29729,25 @@
     </p:spTree>
     <p:extLst>
       <p:ext uri="{BB962C8B-B14F-4D97-AF65-F5344CB8AC3E}">
-        <p14:creationId xmlns:p14="http://schemas.microsoft.com/office/powerpoint/2010/main" xmlns="" val="3607270498"/>
+        <p14:creationId xmlns:p14="http://schemas.microsoft.com/office/powerpoint/2010/main" val="3607270498"/>
       </p:ext>
     </p:extLst>
   </p:cSld>
   <p:clrMapOvr>
     <a:masterClrMapping/>
   </p:clrMapOvr>
-  <mc:AlternateContent xmlns:mc="http://schemas.openxmlformats.org/markup-compatibility/2006">
-    <mc:Choice xmlns:p14="http://schemas.microsoft.com/office/powerpoint/2010/main" xmlns="" Requires="p14">
+  <mc:AlternateContent xmlns:mc="http://schemas.openxmlformats.org/markup-compatibility/2006" xmlns:p14="http://schemas.microsoft.com/office/powerpoint/2010/main">
+    <mc:Choice Requires="p14">
       <p:transition spd="med" p14:dur="700">
         <p:fade/>
       </p:transition>
     </mc:Choice>
-    <mc:Fallback>
+    <mc:Fallback xmlns="">
       <p:transition spd="med">
         <p:fade/>
       </p:transition>
     </mc:Fallback>
   </mc:AlternateContent>
-  <p:timing>
-    <p:tnLst>
-      <p:par>
-        <p:cTn id="1" dur="indefinite" restart="never" nodeType="tmRoot"/>
-      </p:par>
-    </p:tnLst>
-  </p:timing>
 </p:sld>
 </file>
 
@@ -29181,7 +29773,7 @@
           <p:cNvPr id="4" name="Title 3">
             <a:extLst>
               <a:ext uri="{FF2B5EF4-FFF2-40B4-BE49-F238E27FC236}">
-                <a16:creationId xmlns:a16="http://schemas.microsoft.com/office/drawing/2014/main" xmlns="" id="{315E3981-F0D7-482C-A8E0-6A57700BECA7}"/>
+                <a16:creationId xmlns:a16="http://schemas.microsoft.com/office/drawing/2014/main" id="{315E3981-F0D7-482C-A8E0-6A57700BECA7}"/>
               </a:ext>
             </a:extLst>
           </p:cNvPr>
@@ -29198,10 +29790,10 @@
           <a:lstStyle/>
           <a:p>
             <a:r>
-              <a:rPr lang="sr-Latn-RS" smtClean="0"/>
-              <a:t>Genetski algoritam:</a:t>
-            </a:r>
-            <a:endParaRPr lang="en-US"/>
+              <a:rPr lang="sr-Latn-RS" dirty="0"/>
+              <a:t>Genetski algoritam</a:t>
+            </a:r>
+            <a:endParaRPr lang="en-US" dirty="0"/>
           </a:p>
         </p:txBody>
       </p:sp>
@@ -29210,7 +29802,7 @@
           <p:cNvPr id="2" name="Slide Number Placeholder 1">
             <a:extLst>
               <a:ext uri="{FF2B5EF4-FFF2-40B4-BE49-F238E27FC236}">
-                <a16:creationId xmlns:a16="http://schemas.microsoft.com/office/drawing/2014/main" xmlns="" id="{520FC4EE-F318-4344-9E3C-B950ADB63865}"/>
+                <a16:creationId xmlns:a16="http://schemas.microsoft.com/office/drawing/2014/main" id="{520FC4EE-F318-4344-9E3C-B950ADB63865}"/>
               </a:ext>
             </a:extLst>
           </p:cNvPr>
@@ -29240,7 +29832,7 @@
           <p:cNvPr id="8" name="Text Placeholder 7">
             <a:extLst>
               <a:ext uri="{FF2B5EF4-FFF2-40B4-BE49-F238E27FC236}">
-                <a16:creationId xmlns:a16="http://schemas.microsoft.com/office/drawing/2014/main" xmlns="" id="{47DC4E62-1A34-4F98-A451-214F1808519C}"/>
+                <a16:creationId xmlns:a16="http://schemas.microsoft.com/office/drawing/2014/main" id="{47DC4E62-1A34-4F98-A451-214F1808519C}"/>
               </a:ext>
             </a:extLst>
           </p:cNvPr>
@@ -29280,7 +29872,7 @@
           <a:noFill/>
         </p:spPr>
         <p:txBody>
-          <a:bodyPr wrap="square" rtlCol="0">
+          <a:bodyPr wrap="square" rtlCol="0" anchor="t">
             <a:spAutoFit/>
           </a:bodyPr>
           <a:lstStyle/>
@@ -29290,12 +29882,12 @@
               <a:buChar char="§"/>
             </a:pPr>
             <a:r>
-              <a:rPr lang="sr-Latn-RS" sz="2000" smtClean="0">
+              <a:rPr lang="sr-Latn-RS" sz="2000" dirty="0">
                 <a:solidFill>
                   <a:schemeClr val="bg1"/>
                 </a:solidFill>
               </a:rPr>
-              <a:t>  Učenje se vrši genetskim algoritmom.</a:t>
+              <a:t>  Učenje se vrši genetskim algoritmom.</a:t>
             </a:r>
           </a:p>
           <a:p>
@@ -29304,39 +29896,95 @@
               <a:buChar char="§"/>
             </a:pPr>
             <a:r>
-              <a:rPr lang="sr-Latn-RS" sz="2000" smtClean="0">
+              <a:rPr lang="sr-Latn-RS" sz="2000" dirty="0">
                 <a:solidFill>
                   <a:schemeClr val="bg1"/>
                 </a:solidFill>
               </a:rPr>
-              <a:t>  Populaciju čini skup neuronskih </a:t>
-            </a:r>
-            <a:r>
-              <a:rPr lang="sr-Latn-RS" sz="2000" smtClean="0">
+              <a:t>  Populaciju čini skup neuronskih mreža </a:t>
+            </a:r>
+            <a:r>
+              <a:rPr lang="en-US" sz="2000" dirty="0">
                 <a:solidFill>
                   <a:schemeClr val="bg1"/>
                 </a:solidFill>
               </a:rPr>
-              <a:t>mreža </a:t>
-            </a:r>
-            <a:r>
-              <a:rPr lang="en-US" sz="2000" smtClean="0">
+              <a:t>(</a:t>
+            </a:r>
+            <a:r>
+              <a:rPr lang="en-US" sz="2000" dirty="0" err="1">
                 <a:solidFill>
                   <a:schemeClr val="bg1"/>
                 </a:solidFill>
               </a:rPr>
-              <a:t>(tj skup nizova te</a:t>
-            </a:r>
-            <a:r>
-              <a:rPr lang="sr-Latn-RS" sz="2000" smtClean="0">
+              <a:t>tj</a:t>
+            </a:r>
+            <a:r>
+              <a:rPr lang="en-US" sz="2000" dirty="0">
                 <a:solidFill>
                   <a:schemeClr val="bg1"/>
                 </a:solidFill>
               </a:rPr>
-              <a:t>žina neuronskih mreža</a:t>
-            </a:r>
-            <a:r>
-              <a:rPr lang="en-US" sz="2000" smtClean="0">
+              <a:t>. </a:t>
+            </a:r>
+            <a:r>
+              <a:rPr lang="en-US" sz="2000" dirty="0" err="1">
+                <a:solidFill>
+                  <a:schemeClr val="bg1"/>
+                </a:solidFill>
+              </a:rPr>
+              <a:t>skup</a:t>
+            </a:r>
+            <a:r>
+              <a:rPr lang="en-US" sz="2000" dirty="0">
+                <a:solidFill>
+                  <a:schemeClr val="bg1"/>
+                </a:solidFill>
+              </a:rPr>
+              <a:t> </a:t>
+            </a:r>
+            <a:r>
+              <a:rPr lang="en-US" sz="2000" dirty="0" err="1">
+                <a:solidFill>
+                  <a:schemeClr val="bg1"/>
+                </a:solidFill>
+              </a:rPr>
+              <a:t>nizova</a:t>
+            </a:r>
+            <a:r>
+              <a:rPr lang="en-US" sz="2000" dirty="0">
+                <a:solidFill>
+                  <a:schemeClr val="bg1"/>
+                </a:solidFill>
+              </a:rPr>
+              <a:t> </a:t>
+            </a:r>
+            <a:r>
+              <a:rPr lang="en-US" sz="2000" dirty="0" err="1">
+                <a:solidFill>
+                  <a:schemeClr val="bg1"/>
+                </a:solidFill>
+              </a:rPr>
+              <a:t>te</a:t>
+            </a:r>
+            <a:r>
+              <a:rPr lang="sr-Latn-RS" sz="2000" dirty="0" err="1">
+                <a:solidFill>
+                  <a:schemeClr val="bg1"/>
+                </a:solidFill>
+              </a:rPr>
+              <a:t>žina</a:t>
+            </a:r>
+            <a:r>
+              <a:rPr lang="sr-Latn-RS" sz="2000" dirty="0">
+                <a:solidFill>
+                  <a:schemeClr val="bg1"/>
+                </a:solidFill>
+              </a:rPr>
+              <a:t> neuronskih mreža</a:t>
+            </a:r>
+            <a:r>
+              <a:rPr lang="en-US" sz="2000" dirty="0">
                 <a:solidFill>
                   <a:schemeClr val="bg1"/>
                 </a:solidFill>
@@ -29344,28 +29992,42 @@
               <a:t>)</a:t>
             </a:r>
             <a:r>
-              <a:rPr lang="sr-Latn-RS" sz="2000" smtClean="0">
+              <a:rPr lang="sr-Latn-RS" sz="2000" dirty="0">
                 <a:solidFill>
                   <a:schemeClr val="bg1"/>
                 </a:solidFill>
               </a:rPr>
-              <a:t> </a:t>
-            </a:r>
-            <a:r>
-              <a:rPr lang="sr-Latn-RS" sz="2000" smtClean="0">
+              <a:t> koje igraju igru sekvencijalno i u zavisnosti od ishoda dobijaju određenu ocenu </a:t>
+            </a:r>
+            <a:r>
+              <a:rPr lang="sr-Latn-RS" sz="2000" dirty="0" err="1">
                 <a:solidFill>
                   <a:schemeClr val="bg1"/>
                 </a:solidFill>
               </a:rPr>
-              <a:t>koje igraju igru sekvencijalno i u zavisnosti od ishoda dobijaju odredjenu ocenu fitnesa.</a:t>
-            </a:r>
+              <a:t>fitnesa</a:t>
+            </a:r>
+            <a:r>
+              <a:rPr lang="sr-Latn-RS" sz="2000" dirty="0">
+                <a:solidFill>
+                  <a:schemeClr val="bg1"/>
+                </a:solidFill>
+              </a:rPr>
+              <a:t>.</a:t>
+            </a:r>
+            <a:endParaRPr lang="sr-Latn-RS" sz="2000" dirty="0">
+              <a:solidFill>
+                <a:schemeClr val="bg1"/>
+              </a:solidFill>
+              <a:cs typeface="Arial"/>
+            </a:endParaRPr>
           </a:p>
           <a:p>
             <a:pPr>
               <a:buFont typeface="Wingdings" pitchFamily="2" charset="2"/>
               <a:buChar char="§"/>
             </a:pPr>
-            <a:endParaRPr lang="sr-Latn-RS" sz="2000" smtClean="0">
+            <a:endParaRPr lang="sr-Latn-RS" sz="2000">
               <a:solidFill>
                 <a:schemeClr val="bg1"/>
               </a:solidFill>
@@ -29376,7 +30038,7 @@
               <a:buFont typeface="Wingdings" pitchFamily="2" charset="2"/>
               <a:buChar char="§"/>
             </a:pPr>
-            <a:endParaRPr lang="sr-Latn-RS" sz="2000" smtClean="0">
+            <a:endParaRPr lang="sr-Latn-RS" sz="2000">
               <a:solidFill>
                 <a:schemeClr val="bg1"/>
               </a:solidFill>
@@ -29388,23 +30050,71 @@
               <a:buChar char="§"/>
             </a:pPr>
             <a:r>
-              <a:rPr lang="sr-Latn-RS" sz="2000" smtClean="0">
+              <a:rPr lang="sr-Latn-RS" sz="2000" dirty="0">
                 <a:solidFill>
                   <a:schemeClr val="bg1"/>
                 </a:solidFill>
               </a:rPr>
-              <a:t>  Fitness  </a:t>
-            </a:r>
-            <a:r>
-              <a:rPr lang="en-US" sz="2000" smtClean="0">
+              <a:t>  </a:t>
+            </a:r>
+            <a:r>
+              <a:rPr lang="sr-Latn-RS" sz="2000" dirty="0" err="1">
                 <a:solidFill>
                   <a:schemeClr val="bg1"/>
                 </a:solidFill>
               </a:rPr>
-              <a:t>= eliminacije * f_e + </a:t>
-            </a:r>
-            <a:r>
-              <a:rPr lang="sr-Latn-RS" sz="2000" smtClean="0">
+              <a:t>Fitness</a:t>
+            </a:r>
+            <a:r>
+              <a:rPr lang="sr-Latn-RS" sz="2000" dirty="0">
+                <a:solidFill>
+                  <a:schemeClr val="bg1"/>
+                </a:solidFill>
+              </a:rPr>
+              <a:t>  </a:t>
+            </a:r>
+            <a:r>
+              <a:rPr lang="en-US" sz="2000" dirty="0">
+                <a:solidFill>
+                  <a:schemeClr val="bg1"/>
+                </a:solidFill>
+              </a:rPr>
+              <a:t>= </a:t>
+            </a:r>
+            <a:r>
+              <a:rPr lang="en-US" sz="2000" dirty="0" err="1">
+                <a:solidFill>
+                  <a:schemeClr val="bg1"/>
+                </a:solidFill>
+              </a:rPr>
+              <a:t>eliminacije</a:t>
+            </a:r>
+            <a:r>
+              <a:rPr lang="en-US" sz="2000" dirty="0">
+                <a:solidFill>
+                  <a:schemeClr val="bg1"/>
+                </a:solidFill>
+              </a:rPr>
+              <a:t> * </a:t>
+            </a:r>
+            <a:r>
+              <a:rPr lang="en-US" sz="2000" dirty="0" err="1">
+                <a:solidFill>
+                  <a:schemeClr val="bg1"/>
+                </a:solidFill>
+              </a:rPr>
+              <a:t>f_e</a:t>
+            </a:r>
+            <a:r>
+              <a:rPr lang="en-US" sz="2000" dirty="0">
+                <a:solidFill>
+                  <a:schemeClr val="bg1"/>
+                </a:solidFill>
+              </a:rPr>
+              <a:t> + </a:t>
+            </a:r>
+            <a:r>
+              <a:rPr lang="sr-Latn-RS" sz="2000" dirty="0">
                 <a:solidFill>
                   <a:schemeClr val="bg1"/>
                 </a:solidFill>
@@ -29412,7 +30122,7 @@
               <a:t>šteta * f</a:t>
             </a:r>
             <a:r>
-              <a:rPr lang="en-US" sz="2000" smtClean="0">
+              <a:rPr lang="en-US" sz="2000" dirty="0">
                 <a:solidFill>
                   <a:schemeClr val="bg1"/>
                 </a:solidFill>
@@ -29420,13 +30130,19 @@
               <a:t>_</a:t>
             </a:r>
             <a:r>
-              <a:rPr lang="sr-Latn-RS" sz="2000" smtClean="0">
+              <a:rPr lang="sr-Latn-RS" sz="2000" dirty="0">
                 <a:solidFill>
                   <a:schemeClr val="bg1"/>
                 </a:solidFill>
               </a:rPr>
               <a:t>š</a:t>
             </a:r>
+            <a:endParaRPr lang="sr-Latn-RS" sz="2000" dirty="0">
+              <a:solidFill>
+                <a:schemeClr val="bg1"/>
+              </a:solidFill>
+              <a:cs typeface="Arial"/>
+            </a:endParaRPr>
           </a:p>
           <a:p>
             <a:pPr lvl="1">
@@ -29434,15 +30150,15 @@
               <a:buChar char="•"/>
             </a:pPr>
             <a:r>
-              <a:rPr lang="sr-Latn-RS" sz="2000" smtClean="0">
+              <a:rPr lang="sr-Latn-RS" sz="2000" dirty="0">
                 <a:solidFill>
                   <a:schemeClr val="bg1"/>
                 </a:solidFill>
               </a:rPr>
-              <a:t> </a:t>
-            </a:r>
-            <a:r>
-              <a:rPr lang="en-US" sz="2000" smtClean="0">
+              <a:t> </a:t>
+            </a:r>
+            <a:r>
+              <a:rPr lang="en-US" sz="2000" dirty="0" err="1">
                 <a:solidFill>
                   <a:schemeClr val="bg1"/>
                 </a:solidFill>
@@ -29450,13 +30166,51 @@
               <a:t>f_e</a:t>
             </a:r>
             <a:r>
-              <a:rPr lang="sr-Latn-RS" sz="2000" smtClean="0">
+              <a:rPr lang="sr-Latn-RS" sz="2000" dirty="0">
                 <a:solidFill>
                   <a:schemeClr val="bg1"/>
                 </a:solidFill>
               </a:rPr>
-              <a:t> – faktor eliminacije postavljen na 50 da bi elminacije znatno uticale na fitnes.</a:t>
-            </a:r>
+              <a:t> – faktor eliminacije postavljen na 50 da bi </a:t>
+            </a:r>
+            <a:r>
+              <a:rPr lang="sr-Latn-RS" sz="2000" dirty="0" err="1">
+                <a:solidFill>
+                  <a:schemeClr val="bg1"/>
+                </a:solidFill>
+              </a:rPr>
+              <a:t>elminacije</a:t>
+            </a:r>
+            <a:r>
+              <a:rPr lang="sr-Latn-RS" sz="2000" dirty="0">
+                <a:solidFill>
+                  <a:schemeClr val="bg1"/>
+                </a:solidFill>
+              </a:rPr>
+              <a:t> znatno uticale na </a:t>
+            </a:r>
+            <a:r>
+              <a:rPr lang="sr-Latn-RS" sz="2000" dirty="0" err="1">
+                <a:solidFill>
+                  <a:schemeClr val="bg1"/>
+                </a:solidFill>
+              </a:rPr>
+              <a:t>fitnes</a:t>
+            </a:r>
+            <a:r>
+              <a:rPr lang="sr-Latn-RS" sz="2000" dirty="0">
+                <a:solidFill>
+                  <a:schemeClr val="bg1"/>
+                </a:solidFill>
+              </a:rPr>
+              <a:t>.</a:t>
+            </a:r>
+            <a:endParaRPr lang="sr-Latn-RS" sz="2000" dirty="0">
+              <a:solidFill>
+                <a:schemeClr val="bg1"/>
+              </a:solidFill>
+              <a:cs typeface="Arial"/>
+            </a:endParaRPr>
           </a:p>
           <a:p>
             <a:pPr lvl="1">
@@ -29464,15 +30218,15 @@
               <a:buChar char="•"/>
             </a:pPr>
             <a:r>
-              <a:rPr lang="sr-Latn-RS" sz="2000" smtClean="0">
+              <a:rPr lang="sr-Latn-RS" sz="2000" dirty="0">
                 <a:solidFill>
                   <a:schemeClr val="bg1"/>
                 </a:solidFill>
               </a:rPr>
-              <a:t> </a:t>
-            </a:r>
-            <a:r>
-              <a:rPr lang="en-US" sz="2000" smtClean="0">
+              <a:t> </a:t>
+            </a:r>
+            <a:r>
+              <a:rPr lang="en-US" sz="2000" dirty="0">
                 <a:solidFill>
                   <a:schemeClr val="bg1"/>
                 </a:solidFill>
@@ -29480,20 +30234,42 @@
               <a:t>f_</a:t>
             </a:r>
             <a:r>
-              <a:rPr lang="sr-Latn-RS" sz="2000" smtClean="0">
+              <a:rPr lang="sr-Latn-RS" sz="2000" dirty="0">
                 <a:solidFill>
                   <a:schemeClr val="bg1"/>
                 </a:solidFill>
               </a:rPr>
-              <a:t>š – faktor štete postavljen na 0.5 da bi nanesena šteta uticala ali znatno manje na fitnes.</a:t>
-            </a:r>
+              <a:t>š – faktor štete postavljen na 0.5 da bi nanesena šteta uticala, ali znatno manje, na </a:t>
+            </a:r>
+            <a:r>
+              <a:rPr lang="sr-Latn-RS" sz="2000" dirty="0" err="1">
+                <a:solidFill>
+                  <a:schemeClr val="bg1"/>
+                </a:solidFill>
+              </a:rPr>
+              <a:t>fitnes</a:t>
+            </a:r>
+            <a:r>
+              <a:rPr lang="sr-Latn-RS" sz="2000" dirty="0">
+                <a:solidFill>
+                  <a:schemeClr val="bg1"/>
+                </a:solidFill>
+              </a:rPr>
+              <a:t>.</a:t>
+            </a:r>
+            <a:endParaRPr lang="sr-Latn-RS" sz="2000" dirty="0">
+              <a:solidFill>
+                <a:schemeClr val="bg1"/>
+              </a:solidFill>
+              <a:cs typeface="Arial"/>
+            </a:endParaRPr>
           </a:p>
           <a:p>
             <a:pPr>
               <a:buFont typeface="Wingdings" pitchFamily="2" charset="2"/>
               <a:buChar char="§"/>
             </a:pPr>
-            <a:endParaRPr lang="sr-Latn-RS" sz="2000" smtClean="0">
+            <a:endParaRPr lang="sr-Latn-RS" sz="2000">
               <a:solidFill>
                 <a:schemeClr val="bg1"/>
               </a:solidFill>
@@ -29504,7 +30280,7 @@
               <a:buFont typeface="Wingdings" pitchFamily="2" charset="2"/>
               <a:buChar char="§"/>
             </a:pPr>
-            <a:endParaRPr lang="sr-Latn-RS" sz="2000" smtClean="0">
+            <a:endParaRPr lang="sr-Latn-RS" sz="2000">
               <a:solidFill>
                 <a:schemeClr val="bg1"/>
               </a:solidFill>
@@ -29516,14 +30292,30 @@
               <a:buChar char="§"/>
             </a:pPr>
             <a:r>
-              <a:rPr lang="sr-Latn-RS" sz="2000" smtClean="0">
+              <a:rPr lang="sr-Latn-RS" sz="2000" dirty="0">
                 <a:solidFill>
                   <a:schemeClr val="bg1"/>
                 </a:solidFill>
               </a:rPr>
-              <a:t> Vreme preživljavanja je prvobitno uticalo na fitnes ali je izbačeno zbog prevelikih varijacija.</a:t>
-            </a:r>
-            <a:endParaRPr lang="en-US" sz="2000">
+              <a:t> Vreme preživljavanja je prvobitno uticalo na </a:t>
+            </a:r>
+            <a:r>
+              <a:rPr lang="sr-Latn-RS" sz="2000" dirty="0" err="1">
+                <a:solidFill>
+                  <a:schemeClr val="bg1"/>
+                </a:solidFill>
+              </a:rPr>
+              <a:t>fitnes</a:t>
+            </a:r>
+            <a:r>
+              <a:rPr lang="sr-Latn-RS" sz="2000" dirty="0">
+                <a:solidFill>
+                  <a:schemeClr val="bg1"/>
+                </a:solidFill>
+              </a:rPr>
+              <a:t> ali je izbačeno zbog prevelikih varijacija.</a:t>
+            </a:r>
+            <a:endParaRPr lang="en-US" sz="2000" dirty="0">
               <a:solidFill>
                 <a:schemeClr val="bg1"/>
               </a:solidFill>
@@ -29534,32 +30326,25 @@
     </p:spTree>
     <p:extLst>
       <p:ext uri="{BB962C8B-B14F-4D97-AF65-F5344CB8AC3E}">
-        <p14:creationId xmlns:p14="http://schemas.microsoft.com/office/powerpoint/2010/main" xmlns="" val="3607270498"/>
+        <p14:creationId xmlns:p14="http://schemas.microsoft.com/office/powerpoint/2010/main" val="3607270498"/>
       </p:ext>
     </p:extLst>
   </p:cSld>
   <p:clrMapOvr>
     <a:masterClrMapping/>
   </p:clrMapOvr>
-  <mc:AlternateContent xmlns:mc="http://schemas.openxmlformats.org/markup-compatibility/2006">
-    <mc:Choice xmlns:p14="http://schemas.microsoft.com/office/powerpoint/2010/main" xmlns="" Requires="p14">
+  <mc:AlternateContent xmlns:mc="http://schemas.openxmlformats.org/markup-compatibility/2006" xmlns:p14="http://schemas.microsoft.com/office/powerpoint/2010/main">
+    <mc:Choice Requires="p14">
       <p:transition spd="med" p14:dur="700">
         <p:fade/>
       </p:transition>
     </mc:Choice>
-    <mc:Fallback>
+    <mc:Fallback xmlns="">
       <p:transition spd="med">
         <p:fade/>
       </p:transition>
     </mc:Fallback>
   </mc:AlternateContent>
-  <p:timing>
-    <p:tnLst>
-      <p:par>
-        <p:cTn id="1" dur="indefinite" restart="never" nodeType="tmRoot"/>
-      </p:par>
-    </p:tnLst>
-  </p:timing>
 </p:sld>
 </file>
 
@@ -29585,7 +30370,7 @@
           <p:cNvPr id="4" name="Title 3">
             <a:extLst>
               <a:ext uri="{FF2B5EF4-FFF2-40B4-BE49-F238E27FC236}">
-                <a16:creationId xmlns:a16="http://schemas.microsoft.com/office/drawing/2014/main" xmlns="" id="{315E3981-F0D7-482C-A8E0-6A57700BECA7}"/>
+                <a16:creationId xmlns:a16="http://schemas.microsoft.com/office/drawing/2014/main" id="{315E3981-F0D7-482C-A8E0-6A57700BECA7}"/>
               </a:ext>
             </a:extLst>
           </p:cNvPr>
@@ -29602,10 +30387,10 @@
           <a:lstStyle/>
           <a:p>
             <a:r>
-              <a:rPr lang="sr-Latn-RS" smtClean="0"/>
-              <a:t>Genetski algoritam:</a:t>
-            </a:r>
-            <a:endParaRPr lang="en-US"/>
+              <a:rPr lang="sr-Latn-RS" dirty="0"/>
+              <a:t>Genetski algoritam</a:t>
+            </a:r>
+            <a:endParaRPr lang="en-US" dirty="0"/>
           </a:p>
         </p:txBody>
       </p:sp>
@@ -29614,7 +30399,7 @@
           <p:cNvPr id="2" name="Slide Number Placeholder 1">
             <a:extLst>
               <a:ext uri="{FF2B5EF4-FFF2-40B4-BE49-F238E27FC236}">
-                <a16:creationId xmlns:a16="http://schemas.microsoft.com/office/drawing/2014/main" xmlns="" id="{520FC4EE-F318-4344-9E3C-B950ADB63865}"/>
+                <a16:creationId xmlns:a16="http://schemas.microsoft.com/office/drawing/2014/main" id="{520FC4EE-F318-4344-9E3C-B950ADB63865}"/>
               </a:ext>
             </a:extLst>
           </p:cNvPr>
@@ -29644,7 +30429,7 @@
           <p:cNvPr id="8" name="Text Placeholder 7">
             <a:extLst>
               <a:ext uri="{FF2B5EF4-FFF2-40B4-BE49-F238E27FC236}">
-                <a16:creationId xmlns:a16="http://schemas.microsoft.com/office/drawing/2014/main" xmlns="" id="{47DC4E62-1A34-4F98-A451-214F1808519C}"/>
+                <a16:creationId xmlns:a16="http://schemas.microsoft.com/office/drawing/2014/main" id="{47DC4E62-1A34-4F98-A451-214F1808519C}"/>
               </a:ext>
             </a:extLst>
           </p:cNvPr>
@@ -29675,8 +30460,8 @@
         </p:nvSpPr>
         <p:spPr>
           <a:xfrm>
-            <a:off x="457199" y="2066923"/>
-            <a:ext cx="5695951" cy="3170099"/>
+            <a:off x="674214" y="2066923"/>
+            <a:ext cx="5631336" cy="3477875"/>
           </a:xfrm>
           <a:prstGeom prst="rect">
             <a:avLst/>
@@ -29684,7 +30469,7 @@
           <a:noFill/>
         </p:spPr>
         <p:txBody>
-          <a:bodyPr wrap="square" rtlCol="0">
+          <a:bodyPr wrap="square" rtlCol="0" anchor="t">
             <a:spAutoFit/>
           </a:bodyPr>
           <a:lstStyle/>
@@ -29694,14 +30479,14 @@
               <a:buChar char="§"/>
             </a:pPr>
             <a:r>
-              <a:rPr lang="sr-Latn-RS" sz="2000" smtClean="0">
+              <a:rPr lang="sr-Latn-RS" sz="2000" dirty="0">
                 <a:solidFill>
                   <a:schemeClr val="bg1"/>
                 </a:solidFill>
               </a:rPr>
-              <a:t> Jedinku populacije čini niz realnih vrednosti koji predstavljaju tezine konekcija date neuronske mreže. </a:t>
-            </a:r>
-            <a:endParaRPr lang="en-US" sz="2000" smtClean="0">
+              <a:t> Jedinku populacije čini niz realnih vrednosti koje predstavljaju težine konekcija date neuronske mreže. </a:t>
+            </a:r>
+            <a:endParaRPr lang="en-US" sz="2000">
               <a:solidFill>
                 <a:schemeClr val="bg1"/>
               </a:solidFill>
@@ -29712,7 +30497,7 @@
               <a:buFont typeface="Wingdings" pitchFamily="2" charset="2"/>
               <a:buChar char="§"/>
             </a:pPr>
-            <a:endParaRPr lang="sr-Latn-RS" sz="2000" smtClean="0">
+            <a:endParaRPr lang="sr-Latn-RS" sz="2000">
               <a:solidFill>
                 <a:schemeClr val="bg1"/>
               </a:solidFill>
@@ -29724,14 +30509,14 @@
               <a:buChar char="§"/>
             </a:pPr>
             <a:r>
-              <a:rPr lang="sr-Latn-RS" sz="2000" smtClean="0">
+              <a:rPr lang="sr-Latn-RS" sz="2000" dirty="0">
                 <a:solidFill>
                   <a:schemeClr val="bg1"/>
                 </a:solidFill>
               </a:rPr>
-              <a:t> Cilj algoritma je da kroz svaku iteraciju, promenom težina neuronskih mreža, stvori sve bolju i bolju populaciju.</a:t>
-            </a:r>
-            <a:endParaRPr lang="en-US" sz="2000" smtClean="0">
+              <a:t> Cilj algoritma je da kroz svaku iteraciju, promenom težina neuronskih mreža, stvori sve bolju i bolju populaciju.</a:t>
+            </a:r>
+            <a:endParaRPr lang="en-US" sz="2000" dirty="0">
               <a:solidFill>
                 <a:schemeClr val="bg1"/>
               </a:solidFill>
@@ -29742,7 +30527,7 @@
               <a:buFont typeface="Wingdings" pitchFamily="2" charset="2"/>
               <a:buChar char="§"/>
             </a:pPr>
-            <a:endParaRPr lang="sr-Latn-RS" sz="2000" smtClean="0">
+            <a:endParaRPr lang="sr-Latn-RS" sz="2000">
               <a:solidFill>
                 <a:schemeClr val="bg1"/>
               </a:solidFill>
@@ -29754,14 +30539,29 @@
               <a:buChar char="§"/>
             </a:pPr>
             <a:r>
-              <a:rPr lang="sr-Latn-RS" sz="2000" smtClean="0">
+              <a:rPr lang="sr-Latn-RS" sz="2000" dirty="0">
                 <a:solidFill>
                   <a:schemeClr val="bg1"/>
                 </a:solidFill>
               </a:rPr>
-              <a:t> Inicialna populacija je generisana nasumičnim postavljanjem težinskih vrednosti. </a:t>
-            </a:r>
-            <a:endParaRPr lang="en-US" sz="2000">
+              <a:t> Inicijalna populacija je generisana nasumičnim postavljanjem težinskih vrednosti iz intervala </a:t>
+            </a:r>
+            <a:br>
+              <a:rPr lang="sr-Latn-RS" sz="2000" dirty="0">
+                <a:solidFill>
+                  <a:schemeClr val="bg1"/>
+                </a:solidFill>
+              </a:rPr>
+            </a:br>
+            <a:r>
+              <a:rPr lang="sr-Latn-RS" sz="2000" dirty="0">
+                <a:solidFill>
+                  <a:schemeClr val="bg1"/>
+                </a:solidFill>
+              </a:rPr>
+              <a:t>[-10,10]. </a:t>
+            </a:r>
+            <a:endParaRPr lang="en-US" sz="2000" dirty="0">
               <a:solidFill>
                 <a:schemeClr val="bg1"/>
               </a:solidFill>
@@ -29796,32 +30596,25 @@
     </p:spTree>
     <p:extLst>
       <p:ext uri="{BB962C8B-B14F-4D97-AF65-F5344CB8AC3E}">
-        <p14:creationId xmlns:p14="http://schemas.microsoft.com/office/powerpoint/2010/main" xmlns="" val="3607270498"/>
+        <p14:creationId xmlns:p14="http://schemas.microsoft.com/office/powerpoint/2010/main" val="3607270498"/>
       </p:ext>
     </p:extLst>
   </p:cSld>
   <p:clrMapOvr>
     <a:masterClrMapping/>
   </p:clrMapOvr>
-  <mc:AlternateContent xmlns:mc="http://schemas.openxmlformats.org/markup-compatibility/2006">
-    <mc:Choice xmlns:p14="http://schemas.microsoft.com/office/powerpoint/2010/main" xmlns="" Requires="p14">
+  <mc:AlternateContent xmlns:mc="http://schemas.openxmlformats.org/markup-compatibility/2006" xmlns:p14="http://schemas.microsoft.com/office/powerpoint/2010/main">
+    <mc:Choice Requires="p14">
       <p:transition spd="med" p14:dur="700">
         <p:fade/>
       </p:transition>
     </mc:Choice>
-    <mc:Fallback>
+    <mc:Fallback xmlns="">
       <p:transition spd="med">
         <p:fade/>
       </p:transition>
     </mc:Fallback>
   </mc:AlternateContent>
-  <p:timing>
-    <p:tnLst>
-      <p:par>
-        <p:cTn id="1" dur="indefinite" restart="never" nodeType="tmRoot"/>
-      </p:par>
-    </p:tnLst>
-  </p:timing>
 </p:sld>
 </file>
 
@@ -29847,7 +30640,7 @@
           <p:cNvPr id="4" name="Title 3">
             <a:extLst>
               <a:ext uri="{FF2B5EF4-FFF2-40B4-BE49-F238E27FC236}">
-                <a16:creationId xmlns:a16="http://schemas.microsoft.com/office/drawing/2014/main" xmlns="" id="{315E3981-F0D7-482C-A8E0-6A57700BECA7}"/>
+                <a16:creationId xmlns:a16="http://schemas.microsoft.com/office/drawing/2014/main" id="{315E3981-F0D7-482C-A8E0-6A57700BECA7}"/>
               </a:ext>
             </a:extLst>
           </p:cNvPr>
@@ -29864,18 +30657,29 @@
           <a:lstStyle/>
           <a:p>
             <a:r>
-              <a:rPr lang="en-US" smtClean="0"/>
-              <a:t>Selekcija, ukr</a:t>
-            </a:r>
-            <a:r>
-              <a:rPr lang="sr-Latn-RS" smtClean="0"/>
+              <a:rPr lang="en-US" dirty="0" err="1"/>
+              <a:t>Selekcija</a:t>
+            </a:r>
+            <a:r>
+              <a:rPr lang="en-US" dirty="0"/>
+              <a:t>, </a:t>
+            </a:r>
+            <a:r>
+              <a:rPr lang="en-US" dirty="0" err="1"/>
+              <a:t>ukr</a:t>
+            </a:r>
+            <a:r>
+              <a:rPr lang="sr-Latn-RS" dirty="0" err="1"/>
               <a:t>štanje</a:t>
             </a:r>
             <a:r>
-              <a:rPr lang="en-US" smtClean="0"/>
-              <a:t>, mutacija:</a:t>
-            </a:r>
-            <a:endParaRPr lang="en-US"/>
+              <a:rPr lang="en-US" dirty="0"/>
+              <a:t>, </a:t>
+            </a:r>
+            <a:r>
+              <a:rPr lang="en-US" dirty="0" err="1"/>
+              <a:t>mutacija</a:t>
+            </a:r>
           </a:p>
         </p:txBody>
       </p:sp>
@@ -29884,7 +30688,7 @@
           <p:cNvPr id="2" name="Slide Number Placeholder 1">
             <a:extLst>
               <a:ext uri="{FF2B5EF4-FFF2-40B4-BE49-F238E27FC236}">
-                <a16:creationId xmlns:a16="http://schemas.microsoft.com/office/drawing/2014/main" xmlns="" id="{520FC4EE-F318-4344-9E3C-B950ADB63865}"/>
+                <a16:creationId xmlns:a16="http://schemas.microsoft.com/office/drawing/2014/main" id="{520FC4EE-F318-4344-9E3C-B950ADB63865}"/>
               </a:ext>
             </a:extLst>
           </p:cNvPr>
@@ -29936,7 +30740,7 @@
               <a:buChar char="§"/>
             </a:pPr>
             <a:r>
-              <a:rPr lang="sr-Latn-RS" sz="2000" smtClean="0">
+              <a:rPr lang="sr-Latn-RS" sz="2000">
                 <a:solidFill>
                   <a:schemeClr val="bg1"/>
                 </a:solidFill>
@@ -29950,7 +30754,7 @@
               <a:buChar char="§"/>
             </a:pPr>
             <a:r>
-              <a:rPr lang="sr-Latn-RS" sz="2000" smtClean="0">
+              <a:rPr lang="sr-Latn-RS" sz="2000">
                 <a:solidFill>
                   <a:schemeClr val="bg1"/>
                 </a:solidFill>
@@ -29963,7 +30767,7 @@
               <a:buFont typeface="Wingdings" pitchFamily="2" charset="2"/>
               <a:buChar char="§"/>
             </a:pPr>
-            <a:endParaRPr lang="sr-Latn-RS" sz="2000" smtClean="0">
+            <a:endParaRPr lang="sr-Latn-RS" sz="2000">
               <a:solidFill>
                 <a:schemeClr val="bg1"/>
               </a:solidFill>
@@ -30017,7 +30821,7 @@
               <a:buChar char="§"/>
             </a:pPr>
             <a:r>
-              <a:rPr lang="sr-Latn-RS" sz="2000" smtClean="0">
+              <a:rPr lang="sr-Latn-RS" sz="2000">
                 <a:solidFill>
                   <a:schemeClr val="bg1"/>
                 </a:solidFill>
@@ -30030,7 +30834,7 @@
               <a:buFont typeface="Wingdings" pitchFamily="2" charset="2"/>
               <a:buChar char="§"/>
             </a:pPr>
-            <a:endParaRPr lang="sr-Latn-RS" sz="2000" smtClean="0">
+            <a:endParaRPr lang="sr-Latn-RS" sz="2000">
               <a:solidFill>
                 <a:schemeClr val="bg1"/>
               </a:solidFill>
@@ -30042,7 +30846,7 @@
               <a:buChar char="§"/>
             </a:pPr>
             <a:r>
-              <a:rPr lang="sr-Latn-RS" smtClean="0">
+              <a:rPr lang="sr-Latn-RS">
                 <a:solidFill>
                   <a:schemeClr val="bg1"/>
                 </a:solidFill>
@@ -30056,7 +30860,7 @@
               <a:buChar char="•"/>
             </a:pPr>
             <a:r>
-              <a:rPr lang="sr-Latn-RS" smtClean="0">
+              <a:rPr lang="sr-Latn-RS">
                 <a:solidFill>
                   <a:schemeClr val="bg1"/>
                 </a:solidFill>
@@ -30070,7 +30874,7 @@
               <a:buChar char="•"/>
             </a:pPr>
             <a:r>
-              <a:rPr lang="sr-Latn-RS" smtClean="0">
+              <a:rPr lang="sr-Latn-RS">
                 <a:solidFill>
                   <a:schemeClr val="bg1"/>
                 </a:solidFill>
@@ -30084,7 +30888,7 @@
               <a:buChar char="•"/>
             </a:pPr>
             <a:r>
-              <a:rPr lang="sr-Latn-RS" smtClean="0">
+              <a:rPr lang="sr-Latn-RS">
                 <a:solidFill>
                   <a:schemeClr val="bg1"/>
                 </a:solidFill>
@@ -30097,7 +30901,7 @@
               <a:buFont typeface="Arial" pitchFamily="34" charset="0"/>
               <a:buChar char="•"/>
             </a:pPr>
-            <a:endParaRPr lang="sr-Latn-RS" smtClean="0">
+            <a:endParaRPr lang="sr-Latn-RS">
               <a:solidFill>
                 <a:schemeClr val="bg1"/>
               </a:solidFill>
@@ -30109,7 +30913,7 @@
               <a:buChar char="§"/>
             </a:pPr>
             <a:r>
-              <a:rPr lang="sr-Latn-RS" smtClean="0">
+              <a:rPr lang="sr-Latn-RS">
                 <a:solidFill>
                   <a:schemeClr val="bg1"/>
                 </a:solidFill>
@@ -30117,7 +30921,7 @@
               <a:t>  Mutacija – nasumično se bira gen za mutaciju i broj </a:t>
             </a:r>
             <a:r>
-              <a:rPr lang="sr-Latn-RS" i="1" smtClean="0">
+              <a:rPr lang="sr-Latn-RS" i="1">
                 <a:solidFill>
                   <a:schemeClr val="bg1"/>
                 </a:solidFill>
@@ -30125,7 +30929,7 @@
               <a:t>t </a:t>
             </a:r>
             <a:r>
-              <a:rPr lang="sr-Latn-RS" smtClean="0">
+              <a:rPr lang="sr-Latn-RS">
                 <a:solidFill>
                   <a:schemeClr val="bg1"/>
                 </a:solidFill>
@@ -30133,7 +30937,7 @@
               <a:t>iz </a:t>
             </a:r>
             <a:r>
-              <a:rPr lang="en-US" smtClean="0">
+              <a:rPr lang="en-US">
                 <a:solidFill>
                   <a:schemeClr val="bg1"/>
                 </a:solidFill>
@@ -30141,7 +30945,7 @@
               <a:t>[0-1] </a:t>
             </a:r>
             <a:r>
-              <a:rPr lang="sr-Latn-RS" smtClean="0">
+              <a:rPr lang="sr-Latn-RS">
                 <a:solidFill>
                   <a:schemeClr val="bg1"/>
                 </a:solidFill>
@@ -30154,7 +30958,7 @@
               <a:buFont typeface="Wingdings" pitchFamily="2" charset="2"/>
               <a:buChar char="§"/>
             </a:pPr>
-            <a:endParaRPr lang="sr-Latn-RS" i="1" smtClean="0">
+            <a:endParaRPr lang="sr-Latn-RS" i="1">
               <a:solidFill>
                 <a:schemeClr val="bg1"/>
               </a:solidFill>
@@ -30198,7 +31002,7 @@
           </a:fontRef>
         </p:style>
         <p:txBody>
-          <a:bodyPr wrap="square" rtlCol="0">
+          <a:bodyPr wrap="square" rtlCol="0" anchor="t">
             <a:spAutoFit/>
           </a:bodyPr>
           <a:lstStyle/>
@@ -30208,7 +31012,7 @@
               <a:buChar char="§"/>
             </a:pPr>
             <a:r>
-              <a:rPr lang="sr-Latn-RS" sz="2000" smtClean="0">
+              <a:rPr lang="sr-Latn-RS" sz="2000" dirty="0">
                 <a:solidFill>
                   <a:schemeClr val="bg1"/>
                 </a:solidFill>
@@ -30221,7 +31025,7 @@
               <a:buFont typeface="Wingdings" pitchFamily="2" charset="2"/>
               <a:buChar char="§"/>
             </a:pPr>
-            <a:endParaRPr lang="sr-Latn-RS" sz="2000" smtClean="0">
+            <a:endParaRPr lang="sr-Latn-RS" sz="2000">
               <a:solidFill>
                 <a:schemeClr val="bg1"/>
               </a:solidFill>
@@ -30233,13 +31037,19 @@
               <a:buChar char="§"/>
             </a:pPr>
             <a:r>
-              <a:rPr lang="sr-Latn-RS" smtClean="0">
+              <a:rPr lang="sr-Latn-RS" dirty="0">
                 <a:solidFill>
                   <a:schemeClr val="bg1"/>
                 </a:solidFill>
               </a:rPr>
-              <a:t>  Ukrštanje – Biraju se dva roditelja iz populacije za reprodukciju, svaka 2 daju 2 deteta:</a:t>
-            </a:r>
+              <a:t>  Ukrštanje – Biraju se dva roditelja iz populacije za reprodukciju, svaka 2 daju 2 deteta:</a:t>
+            </a:r>
+            <a:endParaRPr lang="sr-Latn-RS" dirty="0">
+              <a:solidFill>
+                <a:schemeClr val="bg1"/>
+              </a:solidFill>
+              <a:cs typeface="Arial"/>
+            </a:endParaRPr>
           </a:p>
           <a:p>
             <a:pPr lvl="1">
@@ -30247,17 +31057,23 @@
               <a:buChar char="•"/>
             </a:pPr>
             <a:r>
-              <a:rPr lang="sr-Latn-RS" smtClean="0">
+              <a:rPr lang="sr-Latn-RS" dirty="0">
                 <a:solidFill>
                   <a:schemeClr val="bg1"/>
                 </a:solidFill>
               </a:rPr>
-              <a:t> Za svaki gen bira se sa 50% sanše da li je iz prvog ili iz drugog roditelja za prvo ili drugo dete. </a:t>
-            </a:r>
+              <a:t> Za svaki gen bira se sa 50% šanse da li je iz prvog ili iz drugog roditelja za prvo ili drugo dete. </a:t>
+            </a:r>
+            <a:endParaRPr lang="sr-Latn-RS" dirty="0">
+              <a:solidFill>
+                <a:schemeClr val="bg1"/>
+              </a:solidFill>
+              <a:cs typeface="Arial"/>
+            </a:endParaRPr>
           </a:p>
           <a:p>
             <a:pPr lvl="1"/>
-            <a:endParaRPr lang="sr-Latn-RS" smtClean="0">
+            <a:endParaRPr lang="sr-Latn-RS">
               <a:solidFill>
                 <a:schemeClr val="bg1"/>
               </a:solidFill>
@@ -30265,7 +31081,7 @@
           </a:p>
           <a:p>
             <a:pPr lvl="1"/>
-            <a:endParaRPr lang="sr-Latn-RS" smtClean="0">
+            <a:endParaRPr lang="sr-Latn-RS">
               <a:solidFill>
                 <a:schemeClr val="bg1"/>
               </a:solidFill>
@@ -30277,20 +31093,26 @@
               <a:buChar char="§"/>
             </a:pPr>
             <a:r>
-              <a:rPr lang="sr-Latn-RS" smtClean="0">
+              <a:rPr lang="sr-Latn-RS" dirty="0">
                 <a:solidFill>
                   <a:schemeClr val="bg1"/>
                 </a:solidFill>
               </a:rPr>
-              <a:t>  Mutacija – za svaki gen se vrši mutacija po prethodnom principu.</a:t>
-            </a:r>
+              <a:t>  Mutacija – za svaki gen se vrši mutacija po prethodnom principu.</a:t>
+            </a:r>
+            <a:endParaRPr lang="sr-Latn-RS" dirty="0">
+              <a:solidFill>
+                <a:schemeClr val="bg1"/>
+              </a:solidFill>
+              <a:cs typeface="Arial"/>
+            </a:endParaRPr>
           </a:p>
           <a:p>
             <a:pPr>
               <a:buFont typeface="Wingdings" pitchFamily="2" charset="2"/>
               <a:buChar char="§"/>
             </a:pPr>
-            <a:endParaRPr lang="sr-Latn-RS" i="1" smtClean="0">
+            <a:endParaRPr lang="sr-Latn-RS" i="1">
               <a:solidFill>
                 <a:schemeClr val="bg1"/>
               </a:solidFill>
@@ -30301,32 +31123,25 @@
     </p:spTree>
     <p:extLst>
       <p:ext uri="{BB962C8B-B14F-4D97-AF65-F5344CB8AC3E}">
-        <p14:creationId xmlns:p14="http://schemas.microsoft.com/office/powerpoint/2010/main" xmlns="" val="3607270498"/>
+        <p14:creationId xmlns:p14="http://schemas.microsoft.com/office/powerpoint/2010/main" val="3607270498"/>
       </p:ext>
     </p:extLst>
   </p:cSld>
   <p:clrMapOvr>
     <a:masterClrMapping/>
   </p:clrMapOvr>
-  <mc:AlternateContent xmlns:mc="http://schemas.openxmlformats.org/markup-compatibility/2006">
-    <mc:Choice xmlns:p14="http://schemas.microsoft.com/office/powerpoint/2010/main" xmlns="" Requires="p14">
+  <mc:AlternateContent xmlns:mc="http://schemas.openxmlformats.org/markup-compatibility/2006" xmlns:p14="http://schemas.microsoft.com/office/powerpoint/2010/main">
+    <mc:Choice Requires="p14">
       <p:transition spd="med" p14:dur="700">
         <p:fade/>
       </p:transition>
     </mc:Choice>
-    <mc:Fallback>
+    <mc:Fallback xmlns="">
       <p:transition spd="med">
         <p:fade/>
       </p:transition>
     </mc:Fallback>
   </mc:AlternateContent>
-  <p:timing>
-    <p:tnLst>
-      <p:par>
-        <p:cTn id="1" dur="indefinite" restart="never" nodeType="tmRoot"/>
-      </p:par>
-    </p:tnLst>
-  </p:timing>
 </p:sld>
 </file>
 
@@ -30525,7 +31340,7 @@
   <a:extraClrSchemeLst/>
   <a:extLst>
     <a:ext uri="{05A4C25C-085E-4340-85A3-A5531E510DB2}">
-      <thm15:themeFamily xmlns:thm15="http://schemas.microsoft.com/office/thememl/2012/main" xmlns="" name="TF66687569_Modern blue presentation_AAS_v5" id="{C7B59113-CD15-4341-96CA-86E715D5BE98}" vid="{5A8FDAEB-3DF3-4B3C-A708-49813F8D6F85}"/>
+      <thm15:themeFamily xmlns:thm15="http://schemas.microsoft.com/office/thememl/2012/main" name="TF66687569_Modern blue presentation_AAS_v5" id="{C7B59113-CD15-4341-96CA-86E715D5BE98}" vid="{5A8FDAEB-3DF3-4B3C-A708-49813F8D6F85}"/>
     </a:ext>
   </a:extLst>
 </a:theme>
@@ -30820,7 +31635,7 @@
   <a:extraClrSchemeLst/>
   <a:extLst>
     <a:ext uri="{05A4C25C-085E-4340-85A3-A5531E510DB2}">
-      <thm15:themeFamily xmlns:thm15="http://schemas.microsoft.com/office/thememl/2012/main" xmlns="" name="Office Theme" id="{62F939B6-93AF-4DB8-9C6B-D6C7DFDC589F}" vid="{4A3C46E8-61CC-4603-A589-7422A47A8E4A}"/>
+      <thm15:themeFamily xmlns:thm15="http://schemas.microsoft.com/office/thememl/2012/main" name="Office Theme" id="{62F939B6-93AF-4DB8-9C6B-D6C7DFDC589F}" vid="{4A3C46E8-61CC-4603-A589-7422A47A8E4A}"/>
     </a:ext>
   </a:extLst>
 </a:theme>
@@ -31115,7 +31930,7 @@
   <a:extraClrSchemeLst/>
   <a:extLst>
     <a:ext uri="{05A4C25C-085E-4340-85A3-A5531E510DB2}">
-      <thm15:themeFamily xmlns:thm15="http://schemas.microsoft.com/office/thememl/2012/main" xmlns="" name="Office Theme" id="{62F939B6-93AF-4DB8-9C6B-D6C7DFDC589F}" vid="{4A3C46E8-61CC-4603-A589-7422A47A8E4A}"/>
+      <thm15:themeFamily xmlns:thm15="http://schemas.microsoft.com/office/thememl/2012/main" name="Office Theme" id="{62F939B6-93AF-4DB8-9C6B-D6C7DFDC589F}" vid="{4A3C46E8-61CC-4603-A589-7422A47A8E4A}"/>
     </a:ext>
   </a:extLst>
 </a:theme>
@@ -31130,15 +31945,6 @@
 </file>
 
 <file path=customXml/item2.xml><?xml version="1.0" encoding="utf-8"?>
-<?mso-contentType ?>
-<FormTemplates xmlns="http://schemas.microsoft.com/sharepoint/v3/contenttype/forms">
-  <Display>DocumentLibraryForm</Display>
-  <Edit>DocumentLibraryForm</Edit>
-  <New>DocumentLibraryForm</New>
-</FormTemplates>
-</file>
-
-<file path=customXml/item3.xml><?xml version="1.0" encoding="utf-8"?>
 <ct:contentTypeSchema xmlns:ct="http://schemas.microsoft.com/office/2006/metadata/contentType" xmlns:ma="http://schemas.microsoft.com/office/2006/metadata/properties/metaAttributes" ct:_="" ma:_="" ma:contentTypeName="Document" ma:contentTypeID="0x01010079F111ED35F8CC479449609E8A0923A6" ma:contentTypeVersion="11" ma:contentTypeDescription="Create a new document." ma:contentTypeScope="" ma:versionID="96291512c1ee715ab617f4c07df79fc1">
   <xsd:schema xmlns:xsd="http://www.w3.org/2001/XMLSchema" xmlns:xs="http://www.w3.org/2001/XMLSchema" xmlns:p="http://schemas.microsoft.com/office/2006/metadata/properties" xmlns:ns2="71af3243-3dd4-4a8d-8c0d-dd76da1f02a5" xmlns:ns3="16c05727-aa75-4e4a-9b5f-8a80a1165891" targetNamespace="http://schemas.microsoft.com/office/2006/metadata/properties" ma:root="true" ma:fieldsID="8256c27c40ca5c40ce1cf6c44f0205df" ns2:_="" ns3:_="">
     <xsd:import namespace="71af3243-3dd4-4a8d-8c0d-dd76da1f02a5"/>
@@ -31349,6 +32155,15 @@
 </ct:contentTypeSchema>
 </file>
 
+<file path=customXml/item3.xml><?xml version="1.0" encoding="utf-8"?>
+<?mso-contentType ?>
+<FormTemplates xmlns="http://schemas.microsoft.com/sharepoint/v3/contenttype/forms">
+  <Display>DocumentLibraryForm</Display>
+  <Edit>DocumentLibraryForm</Edit>
+  <New>DocumentLibraryForm</New>
+</FormTemplates>
+</file>
+
 <file path=customXml/itemProps1.xml><?xml version="1.0" encoding="utf-8"?>
 <ds:datastoreItem xmlns:ds="http://schemas.openxmlformats.org/officeDocument/2006/customXml" ds:itemID="{F5757914-1161-4661-9696-421FD6935CDD}">
   <ds:schemaRefs>
@@ -31360,14 +32175,6 @@
 </file>
 
 <file path=customXml/itemProps2.xml><?xml version="1.0" encoding="utf-8"?>
-<ds:datastoreItem xmlns:ds="http://schemas.openxmlformats.org/officeDocument/2006/customXml" ds:itemID="{5B26E0C9-B2AA-42E6-97B6-E1B7D9EAF129}">
-  <ds:schemaRefs>
-    <ds:schemaRef ds:uri="http://schemas.microsoft.com/sharepoint/v3/contenttype/forms"/>
-  </ds:schemaRefs>
-</ds:datastoreItem>
-</file>
-
-<file path=customXml/itemProps3.xml><?xml version="1.0" encoding="utf-8"?>
 <ds:datastoreItem xmlns:ds="http://schemas.openxmlformats.org/officeDocument/2006/customXml" ds:itemID="{4C103400-4A22-4E35-B588-4C4D42638959}">
   <ds:schemaRefs>
     <ds:schemaRef ds:uri="http://schemas.microsoft.com/office/2006/metadata/contentType"/>
@@ -31384,4 +32191,12 @@
     <ds:schemaRef ds:uri="http://schemas.microsoft.com/internal/obd"/>
   </ds:schemaRefs>
 </ds:datastoreItem>
+</file>
+
+<file path=customXml/itemProps3.xml><?xml version="1.0" encoding="utf-8"?>
+<ds:datastoreItem xmlns:ds="http://schemas.openxmlformats.org/officeDocument/2006/customXml" ds:itemID="{5B26E0C9-B2AA-42E6-97B6-E1B7D9EAF129}">
+  <ds:schemaRefs>
+    <ds:schemaRef ds:uri="http://schemas.microsoft.com/sharepoint/v3/contenttype/forms"/>
+  </ds:schemaRefs>
+</ds:datastoreItem>
 </file>